--- a/IHP_2024/20240628/プレゼンテーション2.pptx
+++ b/IHP_2024/20240628/プレゼンテーション2.pptx
@@ -5,11 +5,15 @@
     <p:sldMasterId id="2147483648" r:id="rId1"/>
   </p:sldMasterIdLst>
   <p:notesMasterIdLst>
-    <p:notesMasterId r:id="rId4"/>
+    <p:notesMasterId r:id="rId8"/>
   </p:notesMasterIdLst>
   <p:sldIdLst>
     <p:sldId id="256" r:id="rId2"/>
     <p:sldId id="257" r:id="rId3"/>
+    <p:sldId id="258" r:id="rId4"/>
+    <p:sldId id="259" r:id="rId5"/>
+    <p:sldId id="261" r:id="rId6"/>
+    <p:sldId id="260" r:id="rId7"/>
   </p:sldIdLst>
   <p:sldSz cx="12192000" cy="6858000"/>
   <p:notesSz cx="6858000" cy="9144000"/>
@@ -198,7 +202,7 @@
           <a:p>
             <a:fld id="{F8456487-DC86-474A-B4EE-F658698A396D}" type="datetimeFigureOut">
               <a:rPr kumimoji="1" lang="ja-JP" altLang="en-US" smtClean="0"/>
-              <a:t>2024/6/21</a:t>
+              <a:t>2024/6/23</a:t>
             </a:fld>
             <a:endParaRPr kumimoji="1" lang="ja-JP" altLang="en-US"/>
           </a:p>
@@ -655,7 +659,7 @@
           <a:p>
             <a:fld id="{4C0442CF-CD45-410F-900D-B06704BF6C90}" type="datetime1">
               <a:rPr kumimoji="1" lang="ja-JP" altLang="en-US" smtClean="0"/>
-              <a:t>2024/6/21</a:t>
+              <a:t>2024/6/23</a:t>
             </a:fld>
             <a:endParaRPr kumimoji="1" lang="ja-JP" altLang="en-US"/>
           </a:p>
@@ -971,7 +975,7 @@
           <a:p>
             <a:fld id="{802B0828-AE1D-42CB-9A09-03366CD2626D}" type="datetime1">
               <a:rPr kumimoji="1" lang="ja-JP" altLang="en-US" smtClean="0"/>
-              <a:t>2024/6/21</a:t>
+              <a:t>2024/6/23</a:t>
             </a:fld>
             <a:endParaRPr kumimoji="1" lang="ja-JP" altLang="en-US"/>
           </a:p>
@@ -1230,7 +1234,7 @@
           <a:p>
             <a:fld id="{DBDB4898-A77B-4B71-A5F2-60FD53D81565}" type="datetime1">
               <a:rPr kumimoji="1" lang="ja-JP" altLang="en-US" smtClean="0"/>
-              <a:t>2024/6/21</a:t>
+              <a:t>2024/6/23</a:t>
             </a:fld>
             <a:endParaRPr kumimoji="1" lang="ja-JP" altLang="en-US"/>
           </a:p>
@@ -1484,7 +1488,7 @@
           <a:p>
             <a:fld id="{F21E823E-4A8F-4F8D-99D0-5753B75E78B1}" type="datetime1">
               <a:rPr kumimoji="1" lang="ja-JP" altLang="en-US" smtClean="0"/>
-              <a:t>2024/6/21</a:t>
+              <a:t>2024/6/23</a:t>
             </a:fld>
             <a:endParaRPr kumimoji="1" lang="ja-JP" altLang="en-US"/>
           </a:p>
@@ -1856,7 +1860,7 @@
           <a:p>
             <a:fld id="{5367934E-58FB-4511-9666-12A5D53E0F74}" type="datetime1">
               <a:rPr kumimoji="1" lang="ja-JP" altLang="en-US" smtClean="0"/>
-              <a:t>2024/6/21</a:t>
+              <a:t>2024/6/23</a:t>
             </a:fld>
             <a:endParaRPr kumimoji="1" lang="ja-JP" altLang="en-US"/>
           </a:p>
@@ -2204,7 +2208,7 @@
           <a:p>
             <a:fld id="{8484A307-6848-4705-A236-7BA58849FDD0}" type="datetime1">
               <a:rPr kumimoji="1" lang="ja-JP" altLang="en-US" smtClean="0"/>
-              <a:t>2024/6/21</a:t>
+              <a:t>2024/6/23</a:t>
             </a:fld>
             <a:endParaRPr kumimoji="1" lang="ja-JP" altLang="en-US"/>
           </a:p>
@@ -2699,7 +2703,7 @@
           <a:p>
             <a:fld id="{9CC0390C-2B75-4759-8339-FF240D97D93F}" type="datetime1">
               <a:rPr kumimoji="1" lang="ja-JP" altLang="en-US" smtClean="0"/>
-              <a:t>2024/6/21</a:t>
+              <a:t>2024/6/23</a:t>
             </a:fld>
             <a:endParaRPr kumimoji="1" lang="ja-JP" altLang="en-US"/>
           </a:p>
@@ -2864,7 +2868,7 @@
           <a:p>
             <a:fld id="{D960D7A0-95E9-4E80-AEE1-2416C3BC5BFF}" type="datetime1">
               <a:rPr kumimoji="1" lang="ja-JP" altLang="en-US" smtClean="0"/>
-              <a:t>2024/6/21</a:t>
+              <a:t>2024/6/23</a:t>
             </a:fld>
             <a:endParaRPr kumimoji="1" lang="ja-JP" altLang="en-US"/>
           </a:p>
@@ -3063,7 +3067,7 @@
           <a:p>
             <a:fld id="{8596BAF5-8095-4F11-95EE-1BA9D667A88E}" type="datetime1">
               <a:rPr kumimoji="1" lang="ja-JP" altLang="en-US" smtClean="0"/>
-              <a:t>2024/6/21</a:t>
+              <a:t>2024/6/23</a:t>
             </a:fld>
             <a:endParaRPr kumimoji="1" lang="ja-JP" altLang="en-US"/>
           </a:p>
@@ -3492,7 +3496,7 @@
           <a:p>
             <a:fld id="{7CAE0A53-1732-44BE-985C-3E9D7CDE6368}" type="datetime1">
               <a:rPr kumimoji="1" lang="ja-JP" altLang="en-US" smtClean="0"/>
-              <a:t>2024/6/21</a:t>
+              <a:t>2024/6/23</a:t>
             </a:fld>
             <a:endParaRPr kumimoji="1" lang="ja-JP" altLang="en-US"/>
           </a:p>
@@ -3802,7 +3806,7 @@
           <a:p>
             <a:fld id="{12B3F8AE-6ACF-42D3-BD0C-E9F840DFABEE}" type="datetime1">
               <a:rPr kumimoji="1" lang="ja-JP" altLang="en-US" smtClean="0"/>
-              <a:t>2024/6/21</a:t>
+              <a:t>2024/6/23</a:t>
             </a:fld>
             <a:endParaRPr kumimoji="1" lang="ja-JP" altLang="en-US"/>
           </a:p>
@@ -4152,7 +4156,7 @@
           <a:p>
             <a:fld id="{14B0ED59-9B55-4884-9B2D-C61E880B635C}" type="datetime1">
               <a:rPr lang="ja-JP" altLang="en-US" smtClean="0"/>
-              <a:t>2024/6/21</a:t>
+              <a:t>2024/6/23</a:t>
             </a:fld>
             <a:endParaRPr lang="ja-JP" altLang="en-US" dirty="0"/>
           </a:p>
@@ -4747,7 +4751,7 @@
           <a:p>
             <a:fld id="{DADC9ED9-85F4-47C6-A7CC-5CD27ABB7CC3}" type="datetime1">
               <a:rPr kumimoji="1" lang="ja-JP" altLang="en-US" smtClean="0"/>
-              <a:t>2024/6/21</a:t>
+              <a:t>2024/6/23</a:t>
             </a:fld>
             <a:endParaRPr kumimoji="1" lang="ja-JP" altLang="en-US"/>
           </a:p>
@@ -4872,7 +4876,7 @@
           <a:p>
             <a:fld id="{D960D7A0-95E9-4E80-AEE1-2416C3BC5BFF}" type="datetime1">
               <a:rPr kumimoji="1" lang="ja-JP" altLang="en-US" smtClean="0"/>
-              <a:t>2024/6/21</a:t>
+              <a:t>2024/6/23</a:t>
             </a:fld>
             <a:endParaRPr kumimoji="1" lang="ja-JP" altLang="en-US"/>
           </a:p>
@@ -4965,7 +4969,7 @@
         <p:spPr>
           <a:xfrm>
             <a:off x="599454" y="1281744"/>
-            <a:ext cx="3087670" cy="2723725"/>
+            <a:ext cx="2831723" cy="2497947"/>
           </a:xfrm>
           <a:prstGeom prst="rect">
             <a:avLst/>
@@ -5000,7 +5004,7 @@
         </p:blipFill>
         <p:spPr>
           <a:xfrm>
-            <a:off x="47592" y="3960858"/>
+            <a:off x="760715" y="3916247"/>
             <a:ext cx="4191394" cy="2634272"/>
           </a:xfrm>
           <a:prstGeom prst="rect">
@@ -5008,12 +5012,58 @@
           </a:prstGeom>
         </p:spPr>
       </p:pic>
+      <p:sp>
+        <p:nvSpPr>
+          <p:cNvPr id="6" name="矢印: 右 5">
+            <a:extLst>
+              <a:ext uri="{FF2B5EF4-FFF2-40B4-BE49-F238E27FC236}">
+                <a16:creationId xmlns:a16="http://schemas.microsoft.com/office/drawing/2014/main" id="{78B18271-E853-F57F-8A4E-04EE3AB6C0B5}"/>
+              </a:ext>
+            </a:extLst>
+          </p:cNvPr>
+          <p:cNvSpPr/>
+          <p:nvPr/>
+        </p:nvSpPr>
+        <p:spPr>
+          <a:xfrm>
+            <a:off x="4859383" y="3280350"/>
+            <a:ext cx="1123406" cy="557349"/>
+          </a:xfrm>
+          <a:prstGeom prst="rightArrow">
+            <a:avLst/>
+          </a:prstGeom>
+        </p:spPr>
+        <p:style>
+          <a:lnRef idx="2">
+            <a:schemeClr val="accent1">
+              <a:shade val="15000"/>
+            </a:schemeClr>
+          </a:lnRef>
+          <a:fillRef idx="1">
+            <a:schemeClr val="accent1"/>
+          </a:fillRef>
+          <a:effectRef idx="0">
+            <a:schemeClr val="accent1"/>
+          </a:effectRef>
+          <a:fontRef idx="minor">
+            <a:schemeClr val="lt1"/>
+          </a:fontRef>
+        </p:style>
+        <p:txBody>
+          <a:bodyPr rtlCol="0" anchor="ctr"/>
+          <a:lstStyle/>
+          <a:p>
+            <a:pPr algn="ctr"/>
+            <a:endParaRPr kumimoji="1" lang="ja-JP" altLang="en-US"/>
+          </a:p>
+        </p:txBody>
+      </p:sp>
       <p:pic>
         <p:nvPicPr>
-          <p:cNvPr id="11" name="図 10" descr="時計と文字の加工写真&#10;&#10;中程度の精度で自動的に生成された説明">
-            <a:extLst>
-              <a:ext uri="{FF2B5EF4-FFF2-40B4-BE49-F238E27FC236}">
-                <a16:creationId xmlns:a16="http://schemas.microsoft.com/office/drawing/2014/main" id="{DDC2446F-E02D-5597-A0AA-DD8841B308E0}"/>
+          <p:cNvPr id="10" name="図 9" descr="グラフィカル ユーザー インターフェイス, ダイアグラム, アプリケーション&#10;&#10;自動的に生成された説明">
+            <a:extLst>
+              <a:ext uri="{FF2B5EF4-FFF2-40B4-BE49-F238E27FC236}">
+                <a16:creationId xmlns:a16="http://schemas.microsoft.com/office/drawing/2014/main" id="{080F5644-6466-0CCB-55C3-E6E88D192F25}"/>
               </a:ext>
             </a:extLst>
           </p:cNvPr>
@@ -5036,8 +5086,8 @@
         </p:blipFill>
         <p:spPr>
           <a:xfrm>
-            <a:off x="4671251" y="1691516"/>
-            <a:ext cx="5148082" cy="3575311"/>
+            <a:off x="5660572" y="1600260"/>
+            <a:ext cx="5703940" cy="4358862"/>
           </a:xfrm>
           <a:prstGeom prst="rect">
             <a:avLst/>
@@ -5048,6 +5098,1916 @@
     <p:extLst>
       <p:ext uri="{BB962C8B-B14F-4D97-AF65-F5344CB8AC3E}">
         <p14:creationId xmlns:p14="http://schemas.microsoft.com/office/powerpoint/2010/main" val="2110979291"/>
+      </p:ext>
+    </p:extLst>
+  </p:cSld>
+  <p:clrMapOvr>
+    <a:masterClrMapping/>
+  </p:clrMapOvr>
+</p:sld>
+</file>
+
+<file path=ppt/slides/slide3.xml><?xml version="1.0" encoding="utf-8"?>
+<p:sld xmlns:a="http://schemas.openxmlformats.org/drawingml/2006/main" xmlns:r="http://schemas.openxmlformats.org/officeDocument/2006/relationships" xmlns:p="http://schemas.openxmlformats.org/presentationml/2006/main">
+  <p:cSld>
+    <p:spTree>
+      <p:nvGrpSpPr>
+        <p:cNvPr id="1" name=""/>
+        <p:cNvGrpSpPr/>
+        <p:nvPr/>
+      </p:nvGrpSpPr>
+      <p:grpSpPr>
+        <a:xfrm>
+          <a:off x="0" y="0"/>
+          <a:ext cx="0" cy="0"/>
+          <a:chOff x="0" y="0"/>
+          <a:chExt cx="0" cy="0"/>
+        </a:xfrm>
+      </p:grpSpPr>
+      <p:sp>
+        <p:nvSpPr>
+          <p:cNvPr id="2" name="タイトル 1">
+            <a:extLst>
+              <a:ext uri="{FF2B5EF4-FFF2-40B4-BE49-F238E27FC236}">
+                <a16:creationId xmlns:a16="http://schemas.microsoft.com/office/drawing/2014/main" id="{330B7C92-2FAD-2FDD-AE05-54BA85225CB0}"/>
+              </a:ext>
+            </a:extLst>
+          </p:cNvPr>
+          <p:cNvSpPr>
+            <a:spLocks noGrp="1"/>
+          </p:cNvSpPr>
+          <p:nvPr>
+            <p:ph type="title"/>
+          </p:nvPr>
+        </p:nvSpPr>
+        <p:spPr/>
+        <p:txBody>
+          <a:bodyPr/>
+          <a:lstStyle/>
+          <a:p>
+            <a:r>
+              <a:rPr lang="en-US" altLang="ja-JP" dirty="0"/>
+              <a:t>PD</a:t>
+            </a:r>
+            <a:r>
+              <a:rPr lang="ja-JP" altLang="en-US" dirty="0"/>
+              <a:t>のみの</a:t>
+            </a:r>
+            <a:r>
+              <a:rPr lang="en-US" altLang="ja-JP" dirty="0"/>
+              <a:t>TIA</a:t>
+            </a:r>
+            <a:endParaRPr kumimoji="1" lang="ja-JP" altLang="en-US" dirty="0"/>
+          </a:p>
+        </p:txBody>
+      </p:sp>
+      <p:sp>
+        <p:nvSpPr>
+          <p:cNvPr id="3" name="日付プレースホルダー 2">
+            <a:extLst>
+              <a:ext uri="{FF2B5EF4-FFF2-40B4-BE49-F238E27FC236}">
+                <a16:creationId xmlns:a16="http://schemas.microsoft.com/office/drawing/2014/main" id="{B9C9DA81-2DC6-5615-061A-75DF730C12A5}"/>
+              </a:ext>
+            </a:extLst>
+          </p:cNvPr>
+          <p:cNvSpPr>
+            <a:spLocks noGrp="1"/>
+          </p:cNvSpPr>
+          <p:nvPr>
+            <p:ph type="dt" sz="half" idx="10"/>
+          </p:nvPr>
+        </p:nvSpPr>
+        <p:spPr/>
+        <p:txBody>
+          <a:bodyPr/>
+          <a:lstStyle/>
+          <a:p>
+            <a:fld id="{D960D7A0-95E9-4E80-AEE1-2416C3BC5BFF}" type="datetime1">
+              <a:rPr kumimoji="1" lang="ja-JP" altLang="en-US" smtClean="0"/>
+              <a:t>2024/6/23</a:t>
+            </a:fld>
+            <a:endParaRPr kumimoji="1" lang="ja-JP" altLang="en-US"/>
+          </a:p>
+        </p:txBody>
+      </p:sp>
+      <p:sp>
+        <p:nvSpPr>
+          <p:cNvPr id="4" name="スライド番号プレースホルダー 3">
+            <a:extLst>
+              <a:ext uri="{FF2B5EF4-FFF2-40B4-BE49-F238E27FC236}">
+                <a16:creationId xmlns:a16="http://schemas.microsoft.com/office/drawing/2014/main" id="{26898DA7-A1D4-2F80-CB33-E625922A6D1C}"/>
+              </a:ext>
+            </a:extLst>
+          </p:cNvPr>
+          <p:cNvSpPr>
+            <a:spLocks noGrp="1"/>
+          </p:cNvSpPr>
+          <p:nvPr>
+            <p:ph type="sldNum" sz="quarter" idx="12"/>
+          </p:nvPr>
+        </p:nvSpPr>
+        <p:spPr/>
+        <p:txBody>
+          <a:bodyPr/>
+          <a:lstStyle/>
+          <a:p>
+            <a:fld id="{6294761A-CFE9-4878-87A7-90ECABD59CE5}" type="slidenum">
+              <a:rPr kumimoji="1" lang="ja-JP" altLang="en-US" smtClean="0"/>
+              <a:t>3</a:t>
+            </a:fld>
+            <a:endParaRPr kumimoji="1" lang="ja-JP" altLang="en-US"/>
+          </a:p>
+        </p:txBody>
+      </p:sp>
+      <p:sp>
+        <p:nvSpPr>
+          <p:cNvPr id="5" name="フッター プレースホルダー 4">
+            <a:extLst>
+              <a:ext uri="{FF2B5EF4-FFF2-40B4-BE49-F238E27FC236}">
+                <a16:creationId xmlns:a16="http://schemas.microsoft.com/office/drawing/2014/main" id="{7AC59C32-1A44-7C56-46CE-DF42757FC372}"/>
+              </a:ext>
+            </a:extLst>
+          </p:cNvPr>
+          <p:cNvSpPr>
+            <a:spLocks noGrp="1"/>
+          </p:cNvSpPr>
+          <p:nvPr>
+            <p:ph type="ftr" sz="quarter" idx="3"/>
+          </p:nvPr>
+        </p:nvSpPr>
+        <p:spPr/>
+        <p:txBody>
+          <a:bodyPr/>
+          <a:lstStyle/>
+          <a:p>
+            <a:r>
+              <a:rPr lang="en-US" altLang="ja-JP"/>
+              <a:t>Wave Signal Processing Circuit Laboratory,  Meiji University</a:t>
+            </a:r>
+            <a:endParaRPr lang="en-US" altLang="ja-JP" dirty="0"/>
+          </a:p>
+        </p:txBody>
+      </p:sp>
+      <mc:AlternateContent xmlns:mc="http://schemas.openxmlformats.org/markup-compatibility/2006">
+        <mc:Choice xmlns:a14="http://schemas.microsoft.com/office/drawing/2010/main" Requires="a14">
+          <p:sp>
+            <p:nvSpPr>
+              <p:cNvPr id="7" name="テキスト ボックス 6">
+                <a:extLst>
+                  <a:ext uri="{FF2B5EF4-FFF2-40B4-BE49-F238E27FC236}">
+                    <a16:creationId xmlns:a16="http://schemas.microsoft.com/office/drawing/2014/main" id="{4000E3BC-B8C9-3D1F-9C83-BF6736430393}"/>
+                  </a:ext>
+                </a:extLst>
+              </p:cNvPr>
+              <p:cNvSpPr txBox="1"/>
+              <p:nvPr/>
+            </p:nvSpPr>
+            <p:spPr>
+              <a:xfrm>
+                <a:off x="6365966" y="3344091"/>
+                <a:ext cx="5573485" cy="1442767"/>
+              </a:xfrm>
+              <a:prstGeom prst="rect">
+                <a:avLst/>
+              </a:prstGeom>
+              <a:noFill/>
+            </p:spPr>
+            <p:txBody>
+              <a:bodyPr wrap="square" rtlCol="0">
+                <a:spAutoFit/>
+              </a:bodyPr>
+              <a:lstStyle/>
+              <a:p>
+                <a:r>
+                  <a:rPr kumimoji="1" lang="ja-JP" altLang="en-US" dirty="0"/>
+                  <a:t>この時の伝達インピーダンス</a:t>
+                </a:r>
+                <a14:m>
+                  <m:oMath xmlns:m="http://schemas.openxmlformats.org/officeDocument/2006/math">
+                    <m:sSub>
+                      <m:sSubPr>
+                        <m:ctrlPr>
+                          <a:rPr kumimoji="1" lang="en-US" altLang="ja-JP" b="0" i="1" smtClean="0">
+                            <a:latin typeface="Cambria Math" panose="02040503050406030204" pitchFamily="18" charset="0"/>
+                          </a:rPr>
+                        </m:ctrlPr>
+                      </m:sSubPr>
+                      <m:e>
+                        <m:r>
+                          <a:rPr kumimoji="1" lang="en-US" altLang="ja-JP" b="0" i="1" smtClean="0">
+                            <a:latin typeface="Cambria Math" panose="02040503050406030204" pitchFamily="18" charset="0"/>
+                          </a:rPr>
+                          <m:t>𝑇</m:t>
+                        </m:r>
+                      </m:e>
+                      <m:sub>
+                        <m:r>
+                          <a:rPr kumimoji="1" lang="en-US" altLang="ja-JP" b="0" i="1" smtClean="0">
+                            <a:latin typeface="Cambria Math" panose="02040503050406030204" pitchFamily="18" charset="0"/>
+                          </a:rPr>
+                          <m:t>𝑃𝐷</m:t>
+                        </m:r>
+                      </m:sub>
+                    </m:sSub>
+                  </m:oMath>
+                </a14:m>
+                <a:r>
+                  <a:rPr kumimoji="1" lang="ja-JP" altLang="en-US" dirty="0"/>
+                  <a:t>は</a:t>
+                </a:r>
+                <a:endParaRPr kumimoji="1" lang="en-US" altLang="ja-JP" dirty="0"/>
+              </a:p>
+              <a:p>
+                <a14:m>
+                  <m:oMathPara xmlns:m="http://schemas.openxmlformats.org/officeDocument/2006/math">
+                    <m:oMathParaPr>
+                      <m:jc m:val="centerGroup"/>
+                    </m:oMathParaPr>
+                    <m:oMath xmlns:m="http://schemas.openxmlformats.org/officeDocument/2006/math">
+                      <m:sSub>
+                        <m:sSubPr>
+                          <m:ctrlPr>
+                            <a:rPr kumimoji="1" lang="en-US" altLang="ja-JP" b="0" i="1" smtClean="0">
+                              <a:latin typeface="Cambria Math" panose="02040503050406030204" pitchFamily="18" charset="0"/>
+                            </a:rPr>
+                          </m:ctrlPr>
+                        </m:sSubPr>
+                        <m:e>
+                          <m:r>
+                            <a:rPr kumimoji="1" lang="en-US" altLang="ja-JP" b="0" i="1" smtClean="0">
+                              <a:latin typeface="Cambria Math" panose="02040503050406030204" pitchFamily="18" charset="0"/>
+                            </a:rPr>
+                            <m:t>𝑇</m:t>
+                          </m:r>
+                        </m:e>
+                        <m:sub>
+                          <m:r>
+                            <a:rPr kumimoji="1" lang="en-US" altLang="ja-JP" b="0" i="1" smtClean="0">
+                              <a:latin typeface="Cambria Math" panose="02040503050406030204" pitchFamily="18" charset="0"/>
+                            </a:rPr>
+                            <m:t>𝑃𝐷</m:t>
+                          </m:r>
+                        </m:sub>
+                      </m:sSub>
+                      <m:r>
+                        <a:rPr kumimoji="1" lang="en-US" altLang="ja-JP" b="0" i="1" smtClean="0">
+                          <a:latin typeface="Cambria Math" panose="02040503050406030204" pitchFamily="18" charset="0"/>
+                        </a:rPr>
+                        <m:t>≔</m:t>
+                      </m:r>
+                      <m:f>
+                        <m:fPr>
+                          <m:ctrlPr>
+                            <a:rPr kumimoji="1" lang="en-US" altLang="ja-JP" b="0" i="1" smtClean="0">
+                              <a:latin typeface="Cambria Math" panose="02040503050406030204" pitchFamily="18" charset="0"/>
+                            </a:rPr>
+                          </m:ctrlPr>
+                        </m:fPr>
+                        <m:num>
+                          <m:sSub>
+                            <m:sSubPr>
+                              <m:ctrlPr>
+                                <a:rPr kumimoji="1" lang="en-US" altLang="ja-JP" b="0" i="1" smtClean="0">
+                                  <a:latin typeface="Cambria Math" panose="02040503050406030204" pitchFamily="18" charset="0"/>
+                                </a:rPr>
+                              </m:ctrlPr>
+                            </m:sSubPr>
+                            <m:e>
+                              <m:r>
+                                <a:rPr kumimoji="1" lang="en-US" altLang="ja-JP" b="0" i="1" smtClean="0">
+                                  <a:latin typeface="Cambria Math" panose="02040503050406030204" pitchFamily="18" charset="0"/>
+                                </a:rPr>
+                                <m:t>𝑣</m:t>
+                              </m:r>
+                            </m:e>
+                            <m:sub>
+                              <m:r>
+                                <a:rPr kumimoji="1" lang="en-US" altLang="ja-JP" b="0" i="1" smtClean="0">
+                                  <a:latin typeface="Cambria Math" panose="02040503050406030204" pitchFamily="18" charset="0"/>
+                                </a:rPr>
+                                <m:t>𝑜</m:t>
+                              </m:r>
+                            </m:sub>
+                          </m:sSub>
+                        </m:num>
+                        <m:den>
+                          <m:sSub>
+                            <m:sSubPr>
+                              <m:ctrlPr>
+                                <a:rPr kumimoji="1" lang="en-US" altLang="ja-JP" b="0" i="1" smtClean="0">
+                                  <a:latin typeface="Cambria Math" panose="02040503050406030204" pitchFamily="18" charset="0"/>
+                                </a:rPr>
+                              </m:ctrlPr>
+                            </m:sSubPr>
+                            <m:e>
+                              <m:r>
+                                <a:rPr kumimoji="1" lang="en-US" altLang="ja-JP" b="0" i="1" smtClean="0">
+                                  <a:latin typeface="Cambria Math" panose="02040503050406030204" pitchFamily="18" charset="0"/>
+                                </a:rPr>
+                                <m:t>𝑖</m:t>
+                              </m:r>
+                            </m:e>
+                            <m:sub>
+                              <m:r>
+                                <a:rPr kumimoji="1" lang="en-US" altLang="ja-JP" b="0" i="1" smtClean="0">
+                                  <a:latin typeface="Cambria Math" panose="02040503050406030204" pitchFamily="18" charset="0"/>
+                                </a:rPr>
+                                <m:t>𝑖𝑛</m:t>
+                              </m:r>
+                            </m:sub>
+                          </m:sSub>
+                        </m:den>
+                      </m:f>
+                    </m:oMath>
+                  </m:oMathPara>
+                </a14:m>
+                <a:endParaRPr kumimoji="1" lang="en-US" altLang="ja-JP" b="0" i="1" dirty="0">
+                  <a:latin typeface="Cambria Math" panose="02040503050406030204" pitchFamily="18" charset="0"/>
+                </a:endParaRPr>
+              </a:p>
+              <a:p>
+                <a14:m>
+                  <m:oMathPara xmlns:m="http://schemas.openxmlformats.org/officeDocument/2006/math">
+                    <m:oMathParaPr>
+                      <m:jc m:val="centerGroup"/>
+                    </m:oMathParaPr>
+                    <m:oMath xmlns:m="http://schemas.openxmlformats.org/officeDocument/2006/math">
+                      <m:r>
+                        <a:rPr kumimoji="1" lang="en-US" altLang="ja-JP" b="0" i="1" smtClean="0">
+                          <a:latin typeface="Cambria Math" panose="02040503050406030204" pitchFamily="18" charset="0"/>
+                        </a:rPr>
+                        <m:t>=−</m:t>
+                      </m:r>
+                      <m:f>
+                        <m:fPr>
+                          <m:ctrlPr>
+                            <a:rPr kumimoji="1" lang="en-US" altLang="ja-JP" b="0" i="1" smtClean="0">
+                              <a:latin typeface="Cambria Math" panose="02040503050406030204" pitchFamily="18" charset="0"/>
+                            </a:rPr>
+                          </m:ctrlPr>
+                        </m:fPr>
+                        <m:num>
+                          <m:sSub>
+                            <m:sSubPr>
+                              <m:ctrlPr>
+                                <a:rPr kumimoji="1" lang="en-US" altLang="ja-JP" b="0" i="1" smtClean="0">
+                                  <a:latin typeface="Cambria Math" panose="02040503050406030204" pitchFamily="18" charset="0"/>
+                                </a:rPr>
+                              </m:ctrlPr>
+                            </m:sSubPr>
+                            <m:e>
+                              <m:r>
+                                <a:rPr kumimoji="1" lang="en-US" altLang="ja-JP" b="0" i="1" smtClean="0">
+                                  <a:latin typeface="Cambria Math" panose="02040503050406030204" pitchFamily="18" charset="0"/>
+                                </a:rPr>
+                                <m:t>𝑔</m:t>
+                              </m:r>
+                            </m:e>
+                            <m:sub>
+                              <m:r>
+                                <a:rPr kumimoji="1" lang="en-US" altLang="ja-JP" b="0" i="1" smtClean="0">
+                                  <a:latin typeface="Cambria Math" panose="02040503050406030204" pitchFamily="18" charset="0"/>
+                                </a:rPr>
+                                <m:t>𝑚</m:t>
+                              </m:r>
+                            </m:sub>
+                          </m:sSub>
+                          <m:r>
+                            <a:rPr kumimoji="1" lang="en-US" altLang="ja-JP" b="0" i="1" smtClean="0">
+                              <a:latin typeface="Cambria Math" panose="02040503050406030204" pitchFamily="18" charset="0"/>
+                            </a:rPr>
+                            <m:t>+</m:t>
+                          </m:r>
+                          <m:sSub>
+                            <m:sSubPr>
+                              <m:ctrlPr>
+                                <a:rPr kumimoji="1" lang="en-US" altLang="ja-JP" b="0" i="1" smtClean="0">
+                                  <a:latin typeface="Cambria Math" panose="02040503050406030204" pitchFamily="18" charset="0"/>
+                                </a:rPr>
+                              </m:ctrlPr>
+                            </m:sSubPr>
+                            <m:e>
+                              <m:r>
+                                <a:rPr kumimoji="1" lang="en-US" altLang="ja-JP" b="0" i="1" smtClean="0">
+                                  <a:latin typeface="Cambria Math" panose="02040503050406030204" pitchFamily="18" charset="0"/>
+                                </a:rPr>
+                                <m:t>𝑔</m:t>
+                              </m:r>
+                            </m:e>
+                            <m:sub>
+                              <m:r>
+                                <a:rPr kumimoji="1" lang="en-US" altLang="ja-JP" b="0" i="1" smtClean="0">
+                                  <a:latin typeface="Cambria Math" panose="02040503050406030204" pitchFamily="18" charset="0"/>
+                                </a:rPr>
+                                <m:t>𝑐𝑒</m:t>
+                              </m:r>
+                            </m:sub>
+                          </m:sSub>
+                        </m:num>
+                        <m:den>
+                          <m:sSub>
+                            <m:sSubPr>
+                              <m:ctrlPr>
+                                <a:rPr lang="en-US" altLang="ja-JP" i="1">
+                                  <a:latin typeface="Cambria Math" panose="02040503050406030204" pitchFamily="18" charset="0"/>
+                                </a:rPr>
+                              </m:ctrlPr>
+                            </m:sSubPr>
+                            <m:e>
+                              <m:r>
+                                <a:rPr lang="en-US" altLang="ja-JP" i="1">
+                                  <a:latin typeface="Cambria Math" panose="02040503050406030204" pitchFamily="18" charset="0"/>
+                                </a:rPr>
+                                <m:t>𝑔</m:t>
+                              </m:r>
+                            </m:e>
+                            <m:sub>
+                              <m:r>
+                                <a:rPr lang="en-US" altLang="ja-JP" i="1">
+                                  <a:latin typeface="Cambria Math" panose="02040503050406030204" pitchFamily="18" charset="0"/>
+                                </a:rPr>
+                                <m:t>𝑐𝑒</m:t>
+                              </m:r>
+                            </m:sub>
+                          </m:sSub>
+                          <m:d>
+                            <m:dPr>
+                              <m:ctrlPr>
+                                <a:rPr lang="en-US" altLang="ja-JP" i="1">
+                                  <a:latin typeface="Cambria Math" panose="02040503050406030204" pitchFamily="18" charset="0"/>
+                                </a:rPr>
+                              </m:ctrlPr>
+                            </m:dPr>
+                            <m:e>
+                              <m:sSub>
+                                <m:sSubPr>
+                                  <m:ctrlPr>
+                                    <a:rPr lang="en-US" altLang="ja-JP" i="1">
+                                      <a:latin typeface="Cambria Math" panose="02040503050406030204" pitchFamily="18" charset="0"/>
+                                    </a:rPr>
+                                  </m:ctrlPr>
+                                </m:sSubPr>
+                                <m:e>
+                                  <m:r>
+                                    <a:rPr lang="en-US" altLang="ja-JP" i="1">
+                                      <a:latin typeface="Cambria Math" panose="02040503050406030204" pitchFamily="18" charset="0"/>
+                                    </a:rPr>
+                                    <m:t>𝐺</m:t>
+                                  </m:r>
+                                </m:e>
+                                <m:sub>
+                                  <m:r>
+                                    <a:rPr lang="en-US" altLang="ja-JP" i="1">
+                                      <a:latin typeface="Cambria Math" panose="02040503050406030204" pitchFamily="18" charset="0"/>
+                                    </a:rPr>
+                                    <m:t>𝐶𝐸</m:t>
+                                  </m:r>
+                                </m:sub>
+                              </m:sSub>
+                              <m:r>
+                                <a:rPr lang="en-US" altLang="ja-JP" i="1">
+                                  <a:latin typeface="Cambria Math" panose="02040503050406030204" pitchFamily="18" charset="0"/>
+                                </a:rPr>
+                                <m:t>+</m:t>
+                              </m:r>
+                              <m:r>
+                                <a:rPr lang="en-US" altLang="ja-JP" i="1">
+                                  <a:latin typeface="Cambria Math" panose="02040503050406030204" pitchFamily="18" charset="0"/>
+                                </a:rPr>
+                                <m:t>𝑗</m:t>
+                              </m:r>
+                              <m:r>
+                                <a:rPr lang="en-US" altLang="ja-JP" i="1">
+                                  <a:latin typeface="Cambria Math" panose="02040503050406030204" pitchFamily="18" charset="0"/>
+                                </a:rPr>
+                                <m:t>𝜔</m:t>
+                              </m:r>
+                              <m:sSub>
+                                <m:sSubPr>
+                                  <m:ctrlPr>
+                                    <a:rPr lang="en-US" altLang="ja-JP" i="1">
+                                      <a:latin typeface="Cambria Math" panose="02040503050406030204" pitchFamily="18" charset="0"/>
+                                    </a:rPr>
+                                  </m:ctrlPr>
+                                </m:sSubPr>
+                                <m:e>
+                                  <m:r>
+                                    <a:rPr lang="en-US" altLang="ja-JP" i="1">
+                                      <a:latin typeface="Cambria Math" panose="02040503050406030204" pitchFamily="18" charset="0"/>
+                                    </a:rPr>
+                                    <m:t>𝐶</m:t>
+                                  </m:r>
+                                </m:e>
+                                <m:sub>
+                                  <m:r>
+                                    <a:rPr lang="en-US" altLang="ja-JP" i="1">
+                                      <a:latin typeface="Cambria Math" panose="02040503050406030204" pitchFamily="18" charset="0"/>
+                                    </a:rPr>
+                                    <m:t>𝑃𝐷</m:t>
+                                  </m:r>
+                                </m:sub>
+                              </m:sSub>
+                            </m:e>
+                          </m:d>
+                          <m:r>
+                            <a:rPr lang="en-US" altLang="ja-JP" b="0" i="1" smtClean="0">
+                              <a:latin typeface="Cambria Math" panose="02040503050406030204" pitchFamily="18" charset="0"/>
+                            </a:rPr>
+                            <m:t>+</m:t>
+                          </m:r>
+                          <m:sSub>
+                            <m:sSubPr>
+                              <m:ctrlPr>
+                                <a:rPr lang="en-US" altLang="ja-JP" b="0" i="1" smtClean="0">
+                                  <a:latin typeface="Cambria Math" panose="02040503050406030204" pitchFamily="18" charset="0"/>
+                                </a:rPr>
+                              </m:ctrlPr>
+                            </m:sSubPr>
+                            <m:e>
+                              <m:r>
+                                <a:rPr lang="en-US" altLang="ja-JP" b="0" i="1" smtClean="0">
+                                  <a:latin typeface="Cambria Math" panose="02040503050406030204" pitchFamily="18" charset="0"/>
+                                </a:rPr>
+                                <m:t>𝐺</m:t>
+                              </m:r>
+                            </m:e>
+                            <m:sub>
+                              <m:r>
+                                <a:rPr lang="en-US" altLang="ja-JP" b="0" i="1" smtClean="0">
+                                  <a:latin typeface="Cambria Math" panose="02040503050406030204" pitchFamily="18" charset="0"/>
+                                </a:rPr>
+                                <m:t>𝐶</m:t>
+                              </m:r>
+                            </m:sub>
+                          </m:sSub>
+                          <m:r>
+                            <a:rPr lang="en-US" altLang="ja-JP" b="0" i="1" smtClean="0">
+                              <a:latin typeface="Cambria Math" panose="02040503050406030204" pitchFamily="18" charset="0"/>
+                            </a:rPr>
+                            <m:t>(</m:t>
+                          </m:r>
+                          <m:sSub>
+                            <m:sSubPr>
+                              <m:ctrlPr>
+                                <a:rPr lang="en-US" altLang="ja-JP" b="0" i="1" smtClean="0">
+                                  <a:latin typeface="Cambria Math" panose="02040503050406030204" pitchFamily="18" charset="0"/>
+                                </a:rPr>
+                              </m:ctrlPr>
+                            </m:sSubPr>
+                            <m:e>
+                              <m:r>
+                                <a:rPr lang="en-US" altLang="ja-JP" b="0" i="1" smtClean="0">
+                                  <a:latin typeface="Cambria Math" panose="02040503050406030204" pitchFamily="18" charset="0"/>
+                                </a:rPr>
+                                <m:t>𝐺</m:t>
+                              </m:r>
+                            </m:e>
+                            <m:sub>
+                              <m:r>
+                                <a:rPr lang="en-US" altLang="ja-JP" b="0" i="1" smtClean="0">
+                                  <a:latin typeface="Cambria Math" panose="02040503050406030204" pitchFamily="18" charset="0"/>
+                                </a:rPr>
+                                <m:t>𝐶𝐸</m:t>
+                              </m:r>
+                            </m:sub>
+                          </m:sSub>
+                          <m:r>
+                            <a:rPr lang="en-US" altLang="ja-JP" b="0" i="1" smtClean="0">
+                              <a:latin typeface="Cambria Math" panose="02040503050406030204" pitchFamily="18" charset="0"/>
+                            </a:rPr>
+                            <m:t>+</m:t>
+                          </m:r>
+                          <m:sSub>
+                            <m:sSubPr>
+                              <m:ctrlPr>
+                                <a:rPr lang="en-US" altLang="ja-JP" b="0" i="1" smtClean="0">
+                                  <a:latin typeface="Cambria Math" panose="02040503050406030204" pitchFamily="18" charset="0"/>
+                                </a:rPr>
+                              </m:ctrlPr>
+                            </m:sSubPr>
+                            <m:e>
+                              <m:r>
+                                <a:rPr lang="en-US" altLang="ja-JP" b="0" i="1" smtClean="0">
+                                  <a:latin typeface="Cambria Math" panose="02040503050406030204" pitchFamily="18" charset="0"/>
+                                </a:rPr>
+                                <m:t>𝑔</m:t>
+                              </m:r>
+                            </m:e>
+                            <m:sub>
+                              <m:r>
+                                <a:rPr lang="en-US" altLang="ja-JP" b="0" i="1" smtClean="0">
+                                  <a:latin typeface="Cambria Math" panose="02040503050406030204" pitchFamily="18" charset="0"/>
+                                </a:rPr>
+                                <m:t>𝑚</m:t>
+                              </m:r>
+                            </m:sub>
+                          </m:sSub>
+                          <m:r>
+                            <a:rPr lang="en-US" altLang="ja-JP" b="0" i="1" smtClean="0">
+                              <a:latin typeface="Cambria Math" panose="02040503050406030204" pitchFamily="18" charset="0"/>
+                            </a:rPr>
+                            <m:t>+</m:t>
+                          </m:r>
+                          <m:sSub>
+                            <m:sSubPr>
+                              <m:ctrlPr>
+                                <a:rPr lang="en-US" altLang="ja-JP" b="0" i="1" smtClean="0">
+                                  <a:latin typeface="Cambria Math" panose="02040503050406030204" pitchFamily="18" charset="0"/>
+                                </a:rPr>
+                              </m:ctrlPr>
+                            </m:sSubPr>
+                            <m:e>
+                              <m:r>
+                                <a:rPr lang="en-US" altLang="ja-JP" b="0" i="1" smtClean="0">
+                                  <a:latin typeface="Cambria Math" panose="02040503050406030204" pitchFamily="18" charset="0"/>
+                                </a:rPr>
+                                <m:t>𝑔</m:t>
+                              </m:r>
+                            </m:e>
+                            <m:sub>
+                              <m:r>
+                                <a:rPr lang="en-US" altLang="ja-JP" b="0" i="1" smtClean="0">
+                                  <a:latin typeface="Cambria Math" panose="02040503050406030204" pitchFamily="18" charset="0"/>
+                                </a:rPr>
+                                <m:t>𝑐𝑒</m:t>
+                              </m:r>
+                            </m:sub>
+                          </m:sSub>
+                          <m:r>
+                            <a:rPr lang="en-US" altLang="ja-JP" b="0" i="1" smtClean="0">
+                              <a:latin typeface="Cambria Math" panose="02040503050406030204" pitchFamily="18" charset="0"/>
+                            </a:rPr>
+                            <m:t>+</m:t>
+                          </m:r>
+                          <m:r>
+                            <a:rPr lang="en-US" altLang="ja-JP" b="0" i="1" smtClean="0">
+                              <a:latin typeface="Cambria Math" panose="02040503050406030204" pitchFamily="18" charset="0"/>
+                            </a:rPr>
+                            <m:t>𝑗</m:t>
+                          </m:r>
+                          <m:r>
+                            <a:rPr lang="en-US" altLang="ja-JP" b="0" i="1" smtClean="0">
+                              <a:latin typeface="Cambria Math" panose="02040503050406030204" pitchFamily="18" charset="0"/>
+                            </a:rPr>
+                            <m:t>𝜔</m:t>
+                          </m:r>
+                          <m:sSub>
+                            <m:sSubPr>
+                              <m:ctrlPr>
+                                <a:rPr lang="en-US" altLang="ja-JP" b="0" i="1" smtClean="0">
+                                  <a:latin typeface="Cambria Math" panose="02040503050406030204" pitchFamily="18" charset="0"/>
+                                </a:rPr>
+                              </m:ctrlPr>
+                            </m:sSubPr>
+                            <m:e>
+                              <m:r>
+                                <a:rPr lang="en-US" altLang="ja-JP" b="0" i="1" smtClean="0">
+                                  <a:latin typeface="Cambria Math" panose="02040503050406030204" pitchFamily="18" charset="0"/>
+                                </a:rPr>
+                                <m:t>𝐶</m:t>
+                              </m:r>
+                            </m:e>
+                            <m:sub>
+                              <m:r>
+                                <a:rPr lang="en-US" altLang="ja-JP" b="0" i="1" smtClean="0">
+                                  <a:latin typeface="Cambria Math" panose="02040503050406030204" pitchFamily="18" charset="0"/>
+                                </a:rPr>
+                                <m:t>𝑃𝐷</m:t>
+                              </m:r>
+                            </m:sub>
+                          </m:sSub>
+                          <m:r>
+                            <a:rPr lang="en-US" altLang="ja-JP" b="0" i="1" smtClean="0">
+                              <a:latin typeface="Cambria Math" panose="02040503050406030204" pitchFamily="18" charset="0"/>
+                            </a:rPr>
+                            <m:t>)</m:t>
+                          </m:r>
+                        </m:den>
+                      </m:f>
+                    </m:oMath>
+                  </m:oMathPara>
+                </a14:m>
+                <a:endParaRPr kumimoji="1" lang="ja-JP" altLang="en-US" dirty="0"/>
+              </a:p>
+            </p:txBody>
+          </p:sp>
+        </mc:Choice>
+        <mc:Fallback>
+          <p:sp>
+            <p:nvSpPr>
+              <p:cNvPr id="7" name="テキスト ボックス 6">
+                <a:extLst>
+                  <a:ext uri="{FF2B5EF4-FFF2-40B4-BE49-F238E27FC236}">
+                    <a16:creationId xmlns:a16="http://schemas.microsoft.com/office/drawing/2014/main" id="{4000E3BC-B8C9-3D1F-9C83-BF6736430393}"/>
+                  </a:ext>
+                </a:extLst>
+              </p:cNvPr>
+              <p:cNvSpPr txBox="1">
+                <a:spLocks noRot="1" noChangeAspect="1" noMove="1" noResize="1" noEditPoints="1" noAdjustHandles="1" noChangeArrowheads="1" noChangeShapeType="1" noTextEdit="1"/>
+              </p:cNvSpPr>
+              <p:nvPr/>
+            </p:nvSpPr>
+            <p:spPr>
+              <a:xfrm>
+                <a:off x="6365966" y="3344091"/>
+                <a:ext cx="5573485" cy="1442767"/>
+              </a:xfrm>
+              <a:prstGeom prst="rect">
+                <a:avLst/>
+              </a:prstGeom>
+              <a:blipFill>
+                <a:blip r:embed="rId2"/>
+                <a:stretch>
+                  <a:fillRect l="-874" t="-2119"/>
+                </a:stretch>
+              </a:blipFill>
+            </p:spPr>
+            <p:txBody>
+              <a:bodyPr/>
+              <a:lstStyle/>
+              <a:p>
+                <a:r>
+                  <a:rPr lang="ja-JP" altLang="en-US">
+                    <a:noFill/>
+                  </a:rPr>
+                  <a:t> </a:t>
+                </a:r>
+              </a:p>
+            </p:txBody>
+          </p:sp>
+        </mc:Fallback>
+      </mc:AlternateContent>
+      <p:pic>
+        <p:nvPicPr>
+          <p:cNvPr id="8" name="図 7" descr="グラフィカル ユーザー インターフェイス, ダイアグラム, アプリケーション&#10;&#10;自動的に生成された説明">
+            <a:extLst>
+              <a:ext uri="{FF2B5EF4-FFF2-40B4-BE49-F238E27FC236}">
+                <a16:creationId xmlns:a16="http://schemas.microsoft.com/office/drawing/2014/main" id="{45980258-1355-6D75-70CF-5E37C9874581}"/>
+              </a:ext>
+            </a:extLst>
+          </p:cNvPr>
+          <p:cNvPicPr>
+            <a:picLocks noChangeAspect="1"/>
+          </p:cNvPicPr>
+          <p:nvPr/>
+        </p:nvPicPr>
+        <p:blipFill>
+          <a:blip r:embed="rId3">
+            <a:extLst>
+              <a:ext uri="{28A0092B-C50C-407E-A947-70E740481C1C}">
+                <a14:useLocalDpi xmlns:a14="http://schemas.microsoft.com/office/drawing/2010/main" val="0"/>
+              </a:ext>
+            </a:extLst>
+          </a:blip>
+          <a:stretch>
+            <a:fillRect/>
+          </a:stretch>
+        </p:blipFill>
+        <p:spPr>
+          <a:xfrm>
+            <a:off x="60960" y="1604684"/>
+            <a:ext cx="5703940" cy="4358862"/>
+          </a:xfrm>
+          <a:prstGeom prst="rect">
+            <a:avLst/>
+          </a:prstGeom>
+        </p:spPr>
+      </p:pic>
+    </p:spTree>
+    <p:extLst>
+      <p:ext uri="{BB962C8B-B14F-4D97-AF65-F5344CB8AC3E}">
+        <p14:creationId xmlns:p14="http://schemas.microsoft.com/office/powerpoint/2010/main" val="1139699864"/>
+      </p:ext>
+    </p:extLst>
+  </p:cSld>
+  <p:clrMapOvr>
+    <a:masterClrMapping/>
+  </p:clrMapOvr>
+</p:sld>
+</file>
+
+<file path=ppt/slides/slide4.xml><?xml version="1.0" encoding="utf-8"?>
+<p:sld xmlns:a="http://schemas.openxmlformats.org/drawingml/2006/main" xmlns:r="http://schemas.openxmlformats.org/officeDocument/2006/relationships" xmlns:p="http://schemas.openxmlformats.org/presentationml/2006/main">
+  <p:cSld>
+    <p:spTree>
+      <p:nvGrpSpPr>
+        <p:cNvPr id="1" name=""/>
+        <p:cNvGrpSpPr/>
+        <p:nvPr/>
+      </p:nvGrpSpPr>
+      <p:grpSpPr>
+        <a:xfrm>
+          <a:off x="0" y="0"/>
+          <a:ext cx="0" cy="0"/>
+          <a:chOff x="0" y="0"/>
+          <a:chExt cx="0" cy="0"/>
+        </a:xfrm>
+      </p:grpSpPr>
+      <p:sp>
+        <p:nvSpPr>
+          <p:cNvPr id="2" name="タイトル 1">
+            <a:extLst>
+              <a:ext uri="{FF2B5EF4-FFF2-40B4-BE49-F238E27FC236}">
+                <a16:creationId xmlns:a16="http://schemas.microsoft.com/office/drawing/2014/main" id="{69D6AAB2-AB4E-7A00-2370-2F0AEF3825C8}"/>
+              </a:ext>
+            </a:extLst>
+          </p:cNvPr>
+          <p:cNvSpPr>
+            <a:spLocks noGrp="1"/>
+          </p:cNvSpPr>
+          <p:nvPr>
+            <p:ph type="title"/>
+          </p:nvPr>
+        </p:nvSpPr>
+        <p:spPr/>
+        <p:txBody>
+          <a:bodyPr/>
+          <a:lstStyle/>
+          <a:p>
+            <a:r>
+              <a:rPr lang="en-US" altLang="ja-JP" dirty="0"/>
+              <a:t>TIA</a:t>
+            </a:r>
+            <a:r>
+              <a:rPr lang="ja-JP" altLang="en-US" dirty="0"/>
+              <a:t>全体の等価回路</a:t>
+            </a:r>
+            <a:endParaRPr kumimoji="1" lang="ja-JP" altLang="en-US" dirty="0"/>
+          </a:p>
+        </p:txBody>
+      </p:sp>
+      <p:sp>
+        <p:nvSpPr>
+          <p:cNvPr id="3" name="日付プレースホルダー 2">
+            <a:extLst>
+              <a:ext uri="{FF2B5EF4-FFF2-40B4-BE49-F238E27FC236}">
+                <a16:creationId xmlns:a16="http://schemas.microsoft.com/office/drawing/2014/main" id="{F3F544C0-9957-AE34-6322-5FDA25D68D96}"/>
+              </a:ext>
+            </a:extLst>
+          </p:cNvPr>
+          <p:cNvSpPr>
+            <a:spLocks noGrp="1"/>
+          </p:cNvSpPr>
+          <p:nvPr>
+            <p:ph type="dt" sz="half" idx="10"/>
+          </p:nvPr>
+        </p:nvSpPr>
+        <p:spPr/>
+        <p:txBody>
+          <a:bodyPr/>
+          <a:lstStyle/>
+          <a:p>
+            <a:fld id="{D960D7A0-95E9-4E80-AEE1-2416C3BC5BFF}" type="datetime1">
+              <a:rPr kumimoji="1" lang="ja-JP" altLang="en-US" smtClean="0"/>
+              <a:t>2024/6/23</a:t>
+            </a:fld>
+            <a:endParaRPr kumimoji="1" lang="ja-JP" altLang="en-US"/>
+          </a:p>
+        </p:txBody>
+      </p:sp>
+      <p:sp>
+        <p:nvSpPr>
+          <p:cNvPr id="4" name="スライド番号プレースホルダー 3">
+            <a:extLst>
+              <a:ext uri="{FF2B5EF4-FFF2-40B4-BE49-F238E27FC236}">
+                <a16:creationId xmlns:a16="http://schemas.microsoft.com/office/drawing/2014/main" id="{A12D8E08-F89E-E571-9969-45FF84A01F6A}"/>
+              </a:ext>
+            </a:extLst>
+          </p:cNvPr>
+          <p:cNvSpPr>
+            <a:spLocks noGrp="1"/>
+          </p:cNvSpPr>
+          <p:nvPr>
+            <p:ph type="sldNum" sz="quarter" idx="12"/>
+          </p:nvPr>
+        </p:nvSpPr>
+        <p:spPr/>
+        <p:txBody>
+          <a:bodyPr/>
+          <a:lstStyle/>
+          <a:p>
+            <a:fld id="{6294761A-CFE9-4878-87A7-90ECABD59CE5}" type="slidenum">
+              <a:rPr kumimoji="1" lang="ja-JP" altLang="en-US" smtClean="0"/>
+              <a:t>4</a:t>
+            </a:fld>
+            <a:endParaRPr kumimoji="1" lang="ja-JP" altLang="en-US"/>
+          </a:p>
+        </p:txBody>
+      </p:sp>
+      <p:sp>
+        <p:nvSpPr>
+          <p:cNvPr id="5" name="フッター プレースホルダー 4">
+            <a:extLst>
+              <a:ext uri="{FF2B5EF4-FFF2-40B4-BE49-F238E27FC236}">
+                <a16:creationId xmlns:a16="http://schemas.microsoft.com/office/drawing/2014/main" id="{4620E760-D425-39DE-D4B8-DFF27299C670}"/>
+              </a:ext>
+            </a:extLst>
+          </p:cNvPr>
+          <p:cNvSpPr>
+            <a:spLocks noGrp="1"/>
+          </p:cNvSpPr>
+          <p:nvPr>
+            <p:ph type="ftr" sz="quarter" idx="3"/>
+          </p:nvPr>
+        </p:nvSpPr>
+        <p:spPr/>
+        <p:txBody>
+          <a:bodyPr/>
+          <a:lstStyle/>
+          <a:p>
+            <a:r>
+              <a:rPr lang="en-US" altLang="ja-JP"/>
+              <a:t>Wave Signal Processing Circuit Laboratory,  Meiji University</a:t>
+            </a:r>
+            <a:endParaRPr lang="en-US" altLang="ja-JP" dirty="0"/>
+          </a:p>
+        </p:txBody>
+      </p:sp>
+      <p:pic>
+        <p:nvPicPr>
+          <p:cNvPr id="6" name="図 5" descr="テキスト が含まれている画像&#10;&#10;自動的に生成された説明">
+            <a:extLst>
+              <a:ext uri="{FF2B5EF4-FFF2-40B4-BE49-F238E27FC236}">
+                <a16:creationId xmlns:a16="http://schemas.microsoft.com/office/drawing/2014/main" id="{E61D3BF7-EF8E-D62F-E44E-F8A9B2D23F16}"/>
+              </a:ext>
+            </a:extLst>
+          </p:cNvPr>
+          <p:cNvPicPr>
+            <a:picLocks noChangeAspect="1"/>
+          </p:cNvPicPr>
+          <p:nvPr/>
+        </p:nvPicPr>
+        <p:blipFill>
+          <a:blip r:embed="rId2">
+            <a:extLst>
+              <a:ext uri="{28A0092B-C50C-407E-A947-70E740481C1C}">
+                <a14:useLocalDpi xmlns:a14="http://schemas.microsoft.com/office/drawing/2010/main" val="0"/>
+              </a:ext>
+            </a:extLst>
+          </a:blip>
+          <a:stretch>
+            <a:fillRect/>
+          </a:stretch>
+        </p:blipFill>
+        <p:spPr>
+          <a:xfrm>
+            <a:off x="577835" y="1399470"/>
+            <a:ext cx="4191394" cy="2634272"/>
+          </a:xfrm>
+          <a:prstGeom prst="rect">
+            <a:avLst/>
+          </a:prstGeom>
+        </p:spPr>
+      </p:pic>
+      <p:pic>
+        <p:nvPicPr>
+          <p:cNvPr id="8" name="図 7" descr="グラフィカル ユーザー インターフェイス, アプリケーション&#10;&#10;自動的に生成された説明">
+            <a:extLst>
+              <a:ext uri="{FF2B5EF4-FFF2-40B4-BE49-F238E27FC236}">
+                <a16:creationId xmlns:a16="http://schemas.microsoft.com/office/drawing/2014/main" id="{BCA20F71-5118-005A-AEB9-63FB03311759}"/>
+              </a:ext>
+            </a:extLst>
+          </p:cNvPr>
+          <p:cNvPicPr>
+            <a:picLocks noChangeAspect="1"/>
+          </p:cNvPicPr>
+          <p:nvPr/>
+        </p:nvPicPr>
+        <p:blipFill>
+          <a:blip r:embed="rId3">
+            <a:extLst>
+              <a:ext uri="{28A0092B-C50C-407E-A947-70E740481C1C}">
+                <a14:useLocalDpi xmlns:a14="http://schemas.microsoft.com/office/drawing/2010/main" val="0"/>
+              </a:ext>
+            </a:extLst>
+          </a:blip>
+          <a:stretch>
+            <a:fillRect/>
+          </a:stretch>
+        </p:blipFill>
+        <p:spPr>
+          <a:xfrm>
+            <a:off x="5021328" y="1399470"/>
+            <a:ext cx="6592837" cy="4105664"/>
+          </a:xfrm>
+          <a:prstGeom prst="rect">
+            <a:avLst/>
+          </a:prstGeom>
+        </p:spPr>
+      </p:pic>
+      <mc:AlternateContent xmlns:mc="http://schemas.openxmlformats.org/markup-compatibility/2006">
+        <mc:Choice xmlns:a14="http://schemas.microsoft.com/office/drawing/2010/main" Requires="a14">
+          <p:sp>
+            <p:nvSpPr>
+              <p:cNvPr id="9" name="テキスト ボックス 8">
+                <a:extLst>
+                  <a:ext uri="{FF2B5EF4-FFF2-40B4-BE49-F238E27FC236}">
+                    <a16:creationId xmlns:a16="http://schemas.microsoft.com/office/drawing/2014/main" id="{69097F89-4C44-33C9-28A0-839D6185A0B9}"/>
+                  </a:ext>
+                </a:extLst>
+              </p:cNvPr>
+              <p:cNvSpPr txBox="1"/>
+              <p:nvPr/>
+            </p:nvSpPr>
+            <p:spPr>
+              <a:xfrm>
+                <a:off x="484065" y="4267747"/>
+                <a:ext cx="4676503" cy="2203808"/>
+              </a:xfrm>
+              <a:prstGeom prst="rect">
+                <a:avLst/>
+              </a:prstGeom>
+              <a:noFill/>
+            </p:spPr>
+            <p:txBody>
+              <a:bodyPr wrap="square" rtlCol="0">
+                <a:spAutoFit/>
+              </a:bodyPr>
+              <a:lstStyle/>
+              <a:p>
+                <a:r>
+                  <a:rPr lang="ja-JP" altLang="en-US" dirty="0"/>
+                  <a:t>これは</a:t>
+                </a:r>
+                <a:r>
+                  <a:rPr lang="en-US" altLang="ja-JP" dirty="0"/>
+                  <a:t>PD</a:t>
+                </a:r>
+                <a:r>
+                  <a:rPr lang="ja-JP" altLang="en-US" dirty="0"/>
+                  <a:t>の寄生容量のみ考えた等価回路と構造がほぼ同じ。</a:t>
+                </a:r>
+                <a:endParaRPr lang="en-US" altLang="ja-JP" dirty="0"/>
+              </a:p>
+              <a:p>
+                <a14:m>
+                  <m:oMath xmlns:m="http://schemas.openxmlformats.org/officeDocument/2006/math">
+                    <m:sSub>
+                      <m:sSubPr>
+                        <m:ctrlPr>
+                          <a:rPr kumimoji="1" lang="en-US" altLang="ja-JP" b="0" i="1" smtClean="0">
+                            <a:latin typeface="Cambria Math" panose="02040503050406030204" pitchFamily="18" charset="0"/>
+                          </a:rPr>
+                        </m:ctrlPr>
+                      </m:sSubPr>
+                      <m:e>
+                        <m:r>
+                          <a:rPr kumimoji="1" lang="en-US" altLang="ja-JP" b="0" i="1" smtClean="0">
+                            <a:latin typeface="Cambria Math" panose="02040503050406030204" pitchFamily="18" charset="0"/>
+                          </a:rPr>
+                          <m:t>𝐶</m:t>
+                        </m:r>
+                      </m:e>
+                      <m:sub>
+                        <m:r>
+                          <a:rPr kumimoji="1" lang="en-US" altLang="ja-JP" b="0" i="1" smtClean="0">
+                            <a:latin typeface="Cambria Math" panose="02040503050406030204" pitchFamily="18" charset="0"/>
+                          </a:rPr>
+                          <m:t>𝑃𝐷</m:t>
+                        </m:r>
+                      </m:sub>
+                    </m:sSub>
+                  </m:oMath>
+                </a14:m>
+                <a:r>
+                  <a:rPr kumimoji="1" lang="ja-JP" altLang="en-US" dirty="0"/>
+                  <a:t>と並列に</a:t>
+                </a:r>
+                <a14:m>
+                  <m:oMath xmlns:m="http://schemas.openxmlformats.org/officeDocument/2006/math">
+                    <m:sSub>
+                      <m:sSubPr>
+                        <m:ctrlPr>
+                          <a:rPr kumimoji="1" lang="en-US" altLang="ja-JP" b="0" i="1" smtClean="0">
+                            <a:latin typeface="Cambria Math" panose="02040503050406030204" pitchFamily="18" charset="0"/>
+                          </a:rPr>
+                        </m:ctrlPr>
+                      </m:sSubPr>
+                      <m:e>
+                        <m:r>
+                          <a:rPr kumimoji="1" lang="en-US" altLang="ja-JP" b="0" i="1" smtClean="0">
+                            <a:latin typeface="Cambria Math" panose="02040503050406030204" pitchFamily="18" charset="0"/>
+                          </a:rPr>
+                          <m:t>𝐶</m:t>
+                        </m:r>
+                      </m:e>
+                      <m:sub>
+                        <m:r>
+                          <a:rPr kumimoji="1" lang="en-US" altLang="ja-JP" b="0" i="1" smtClean="0">
+                            <a:latin typeface="Cambria Math" panose="02040503050406030204" pitchFamily="18" charset="0"/>
+                          </a:rPr>
+                          <m:t>𝑗𝑒</m:t>
+                        </m:r>
+                      </m:sub>
+                    </m:sSub>
+                  </m:oMath>
+                </a14:m>
+                <a:r>
+                  <a:rPr kumimoji="1" lang="ja-JP" altLang="en-US" dirty="0"/>
+                  <a:t>を、</a:t>
+                </a:r>
+                <a14:m>
+                  <m:oMath xmlns:m="http://schemas.openxmlformats.org/officeDocument/2006/math">
+                    <m:sSub>
+                      <m:sSubPr>
+                        <m:ctrlPr>
+                          <a:rPr kumimoji="1" lang="en-US" altLang="ja-JP" b="0" i="1" smtClean="0">
+                            <a:latin typeface="Cambria Math" panose="02040503050406030204" pitchFamily="18" charset="0"/>
+                          </a:rPr>
+                        </m:ctrlPr>
+                      </m:sSubPr>
+                      <m:e>
+                        <m:r>
+                          <a:rPr kumimoji="1" lang="en-US" altLang="ja-JP" b="0" i="1" smtClean="0">
+                            <a:latin typeface="Cambria Math" panose="02040503050406030204" pitchFamily="18" charset="0"/>
+                          </a:rPr>
+                          <m:t>𝑅</m:t>
+                        </m:r>
+                      </m:e>
+                      <m:sub>
+                        <m:r>
+                          <a:rPr kumimoji="1" lang="en-US" altLang="ja-JP" b="0" i="1" smtClean="0">
+                            <a:latin typeface="Cambria Math" panose="02040503050406030204" pitchFamily="18" charset="0"/>
+                          </a:rPr>
+                          <m:t>𝐶</m:t>
+                        </m:r>
+                      </m:sub>
+                    </m:sSub>
+                  </m:oMath>
+                </a14:m>
+                <a:r>
+                  <a:rPr kumimoji="1" lang="ja-JP" altLang="en-US" dirty="0"/>
+                  <a:t>と並列に</a:t>
+                </a:r>
+                <a14:m>
+                  <m:oMath xmlns:m="http://schemas.openxmlformats.org/officeDocument/2006/math">
+                    <m:sSub>
+                      <m:sSubPr>
+                        <m:ctrlPr>
+                          <a:rPr kumimoji="1" lang="en-US" altLang="ja-JP" b="0" i="1" smtClean="0">
+                            <a:latin typeface="Cambria Math" panose="02040503050406030204" pitchFamily="18" charset="0"/>
+                          </a:rPr>
+                        </m:ctrlPr>
+                      </m:sSubPr>
+                      <m:e>
+                        <m:r>
+                          <a:rPr kumimoji="1" lang="en-US" altLang="ja-JP" b="0" i="1" smtClean="0">
+                            <a:latin typeface="Cambria Math" panose="02040503050406030204" pitchFamily="18" charset="0"/>
+                          </a:rPr>
+                          <m:t>𝐶</m:t>
+                        </m:r>
+                      </m:e>
+                      <m:sub>
+                        <m:r>
+                          <a:rPr kumimoji="1" lang="en-US" altLang="ja-JP" b="0" i="1" smtClean="0">
+                            <a:latin typeface="Cambria Math" panose="02040503050406030204" pitchFamily="18" charset="0"/>
+                          </a:rPr>
+                          <m:t>𝑗𝑐</m:t>
+                        </m:r>
+                      </m:sub>
+                    </m:sSub>
+                  </m:oMath>
+                </a14:m>
+                <a:r>
+                  <a:rPr kumimoji="1" lang="ja-JP" altLang="en-US" dirty="0"/>
+                  <a:t>を付加したのみなので</a:t>
+                </a:r>
+                <a:r>
+                  <a:rPr kumimoji="1" lang="en-US" altLang="ja-JP" dirty="0"/>
+                  <a:t>PD</a:t>
+                </a:r>
+                <a:r>
+                  <a:rPr kumimoji="1" lang="ja-JP" altLang="en-US" dirty="0"/>
+                  <a:t>のみの伝達インピーダンスの式に</a:t>
+                </a:r>
+                <a:endParaRPr kumimoji="1" lang="en-US" altLang="ja-JP" dirty="0"/>
+              </a:p>
+              <a:p>
+                <a14:m>
+                  <m:oMath xmlns:m="http://schemas.openxmlformats.org/officeDocument/2006/math">
+                    <m:sSub>
+                      <m:sSubPr>
+                        <m:ctrlPr>
+                          <a:rPr kumimoji="1" lang="en-US" altLang="ja-JP" b="0" i="1" smtClean="0">
+                            <a:latin typeface="Cambria Math" panose="02040503050406030204" pitchFamily="18" charset="0"/>
+                          </a:rPr>
+                        </m:ctrlPr>
+                      </m:sSubPr>
+                      <m:e>
+                        <m:r>
+                          <a:rPr kumimoji="1" lang="en-US" altLang="ja-JP" b="0" i="1" smtClean="0">
+                            <a:latin typeface="Cambria Math" panose="02040503050406030204" pitchFamily="18" charset="0"/>
+                          </a:rPr>
+                          <m:t>𝐶</m:t>
+                        </m:r>
+                      </m:e>
+                      <m:sub>
+                        <m:r>
+                          <a:rPr kumimoji="1" lang="en-US" altLang="ja-JP" b="0" i="1" smtClean="0">
+                            <a:latin typeface="Cambria Math" panose="02040503050406030204" pitchFamily="18" charset="0"/>
+                          </a:rPr>
+                          <m:t>𝑃𝐷</m:t>
+                        </m:r>
+                      </m:sub>
+                    </m:sSub>
+                    <m:r>
+                      <a:rPr kumimoji="1" lang="en-US" altLang="ja-JP" b="0" i="1" smtClean="0">
+                        <a:latin typeface="Cambria Math" panose="02040503050406030204" pitchFamily="18" charset="0"/>
+                      </a:rPr>
+                      <m:t>=</m:t>
+                    </m:r>
+                    <m:sSub>
+                      <m:sSubPr>
+                        <m:ctrlPr>
+                          <a:rPr kumimoji="1" lang="en-US" altLang="ja-JP" b="0" i="1" smtClean="0">
+                            <a:latin typeface="Cambria Math" panose="02040503050406030204" pitchFamily="18" charset="0"/>
+                          </a:rPr>
+                        </m:ctrlPr>
+                      </m:sSubPr>
+                      <m:e>
+                        <m:r>
+                          <a:rPr kumimoji="1" lang="en-US" altLang="ja-JP" b="0" i="1" smtClean="0">
+                            <a:latin typeface="Cambria Math" panose="02040503050406030204" pitchFamily="18" charset="0"/>
+                          </a:rPr>
+                          <m:t>𝐶</m:t>
+                        </m:r>
+                      </m:e>
+                      <m:sub>
+                        <m:r>
+                          <a:rPr kumimoji="1" lang="en-US" altLang="ja-JP" b="0" i="1" smtClean="0">
+                            <a:latin typeface="Cambria Math" panose="02040503050406030204" pitchFamily="18" charset="0"/>
+                          </a:rPr>
+                          <m:t>𝑃𝐷</m:t>
+                        </m:r>
+                      </m:sub>
+                    </m:sSub>
+                    <m:r>
+                      <a:rPr kumimoji="1" lang="en-US" altLang="ja-JP" b="0" i="1" smtClean="0">
+                        <a:latin typeface="Cambria Math" panose="02040503050406030204" pitchFamily="18" charset="0"/>
+                      </a:rPr>
+                      <m:t>+</m:t>
+                    </m:r>
+                    <m:sSub>
+                      <m:sSubPr>
+                        <m:ctrlPr>
+                          <a:rPr kumimoji="1" lang="en-US" altLang="ja-JP" b="0" i="1" smtClean="0">
+                            <a:latin typeface="Cambria Math" panose="02040503050406030204" pitchFamily="18" charset="0"/>
+                          </a:rPr>
+                        </m:ctrlPr>
+                      </m:sSubPr>
+                      <m:e>
+                        <m:r>
+                          <a:rPr kumimoji="1" lang="en-US" altLang="ja-JP" b="0" i="1" smtClean="0">
+                            <a:latin typeface="Cambria Math" panose="02040503050406030204" pitchFamily="18" charset="0"/>
+                          </a:rPr>
+                          <m:t>𝐶</m:t>
+                        </m:r>
+                      </m:e>
+                      <m:sub>
+                        <m:r>
+                          <a:rPr kumimoji="1" lang="en-US" altLang="ja-JP" b="0" i="1" smtClean="0">
+                            <a:latin typeface="Cambria Math" panose="02040503050406030204" pitchFamily="18" charset="0"/>
+                          </a:rPr>
+                          <m:t>𝑗𝑒</m:t>
+                        </m:r>
+                      </m:sub>
+                    </m:sSub>
+                  </m:oMath>
+                </a14:m>
+                <a:r>
+                  <a:rPr kumimoji="1" lang="ja-JP" altLang="en-US" dirty="0"/>
+                  <a:t>、</a:t>
+                </a:r>
+                <a14:m>
+                  <m:oMath xmlns:m="http://schemas.openxmlformats.org/officeDocument/2006/math">
+                    <m:sSub>
+                      <m:sSubPr>
+                        <m:ctrlPr>
+                          <a:rPr kumimoji="1" lang="en-US" altLang="ja-JP" b="0" i="1" dirty="0" smtClean="0">
+                            <a:latin typeface="Cambria Math" panose="02040503050406030204" pitchFamily="18" charset="0"/>
+                          </a:rPr>
+                        </m:ctrlPr>
+                      </m:sSubPr>
+                      <m:e>
+                        <m:r>
+                          <a:rPr kumimoji="1" lang="en-US" altLang="ja-JP" b="0" i="1" dirty="0" smtClean="0">
+                            <a:latin typeface="Cambria Math" panose="02040503050406030204" pitchFamily="18" charset="0"/>
+                          </a:rPr>
+                          <m:t>𝐺</m:t>
+                        </m:r>
+                      </m:e>
+                      <m:sub>
+                        <m:r>
+                          <a:rPr kumimoji="1" lang="en-US" altLang="ja-JP" b="0" i="1" dirty="0" smtClean="0">
+                            <a:latin typeface="Cambria Math" panose="02040503050406030204" pitchFamily="18" charset="0"/>
+                          </a:rPr>
+                          <m:t>𝐶</m:t>
+                        </m:r>
+                      </m:sub>
+                    </m:sSub>
+                    <m:r>
+                      <a:rPr kumimoji="1" lang="en-US" altLang="ja-JP" b="0" i="1" dirty="0" smtClean="0">
+                        <a:latin typeface="Cambria Math" panose="02040503050406030204" pitchFamily="18" charset="0"/>
+                      </a:rPr>
+                      <m:t>=</m:t>
+                    </m:r>
+                    <m:sSubSup>
+                      <m:sSubSupPr>
+                        <m:ctrlPr>
+                          <a:rPr kumimoji="1" lang="en-US" altLang="ja-JP" b="0" i="1" dirty="0" smtClean="0">
+                            <a:latin typeface="Cambria Math" panose="02040503050406030204" pitchFamily="18" charset="0"/>
+                          </a:rPr>
+                        </m:ctrlPr>
+                      </m:sSubSupPr>
+                      <m:e>
+                        <m:r>
+                          <a:rPr kumimoji="1" lang="en-US" altLang="ja-JP" b="0" i="1" dirty="0" smtClean="0">
+                            <a:latin typeface="Cambria Math" panose="02040503050406030204" pitchFamily="18" charset="0"/>
+                          </a:rPr>
+                          <m:t>𝐺</m:t>
+                        </m:r>
+                      </m:e>
+                      <m:sub>
+                        <m:r>
+                          <a:rPr kumimoji="1" lang="en-US" altLang="ja-JP" b="0" i="1" dirty="0" smtClean="0">
+                            <a:latin typeface="Cambria Math" panose="02040503050406030204" pitchFamily="18" charset="0"/>
+                          </a:rPr>
+                          <m:t>𝐶</m:t>
+                        </m:r>
+                      </m:sub>
+                      <m:sup>
+                        <m:r>
+                          <a:rPr kumimoji="1" lang="en-US" altLang="ja-JP" b="0" i="1" dirty="0" smtClean="0">
+                            <a:latin typeface="Cambria Math" panose="02040503050406030204" pitchFamily="18" charset="0"/>
+                          </a:rPr>
+                          <m:t>′</m:t>
+                        </m:r>
+                      </m:sup>
+                    </m:sSubSup>
+                    <m:r>
+                      <a:rPr kumimoji="1" lang="en-US" altLang="ja-JP" b="0" i="1" dirty="0" smtClean="0">
+                        <a:latin typeface="Cambria Math" panose="02040503050406030204" pitchFamily="18" charset="0"/>
+                      </a:rPr>
+                      <m:t>≔</m:t>
+                    </m:r>
+                    <m:f>
+                      <m:fPr>
+                        <m:ctrlPr>
+                          <a:rPr kumimoji="1" lang="en-US" altLang="ja-JP" b="0" i="1" dirty="0" smtClean="0">
+                            <a:latin typeface="Cambria Math" panose="02040503050406030204" pitchFamily="18" charset="0"/>
+                          </a:rPr>
+                        </m:ctrlPr>
+                      </m:fPr>
+                      <m:num>
+                        <m:r>
+                          <a:rPr kumimoji="1" lang="en-US" altLang="ja-JP" b="0" i="1" dirty="0" smtClean="0">
+                            <a:latin typeface="Cambria Math" panose="02040503050406030204" pitchFamily="18" charset="0"/>
+                          </a:rPr>
+                          <m:t>1</m:t>
+                        </m:r>
+                      </m:num>
+                      <m:den>
+                        <m:sSub>
+                          <m:sSubPr>
+                            <m:ctrlPr>
+                              <a:rPr kumimoji="1" lang="en-US" altLang="ja-JP" b="0" i="1" dirty="0" smtClean="0">
+                                <a:latin typeface="Cambria Math" panose="02040503050406030204" pitchFamily="18" charset="0"/>
+                              </a:rPr>
+                            </m:ctrlPr>
+                          </m:sSubPr>
+                          <m:e>
+                            <m:r>
+                              <a:rPr kumimoji="1" lang="en-US" altLang="ja-JP" b="0" i="1" dirty="0" smtClean="0">
+                                <a:latin typeface="Cambria Math" panose="02040503050406030204" pitchFamily="18" charset="0"/>
+                              </a:rPr>
+                              <m:t>𝑅</m:t>
+                            </m:r>
+                          </m:e>
+                          <m:sub>
+                            <m:r>
+                              <a:rPr kumimoji="1" lang="en-US" altLang="ja-JP" b="0" i="1" dirty="0" smtClean="0">
+                                <a:latin typeface="Cambria Math" panose="02040503050406030204" pitchFamily="18" charset="0"/>
+                              </a:rPr>
+                              <m:t>𝐶</m:t>
+                            </m:r>
+                          </m:sub>
+                        </m:sSub>
+                      </m:den>
+                    </m:f>
+                    <m:r>
+                      <a:rPr kumimoji="1" lang="en-US" altLang="ja-JP" b="0" i="1" dirty="0" smtClean="0">
+                        <a:latin typeface="Cambria Math" panose="02040503050406030204" pitchFamily="18" charset="0"/>
+                      </a:rPr>
+                      <m:t>+</m:t>
+                    </m:r>
+                    <m:r>
+                      <a:rPr kumimoji="1" lang="en-US" altLang="ja-JP" b="0" i="1" dirty="0" smtClean="0">
+                        <a:latin typeface="Cambria Math" panose="02040503050406030204" pitchFamily="18" charset="0"/>
+                      </a:rPr>
+                      <m:t>𝑗</m:t>
+                    </m:r>
+                    <m:r>
+                      <a:rPr kumimoji="1" lang="en-US" altLang="ja-JP" b="0" i="1" dirty="0" smtClean="0">
+                        <a:latin typeface="Cambria Math" panose="02040503050406030204" pitchFamily="18" charset="0"/>
+                      </a:rPr>
+                      <m:t>𝜔</m:t>
+                    </m:r>
+                    <m:sSub>
+                      <m:sSubPr>
+                        <m:ctrlPr>
+                          <a:rPr kumimoji="1" lang="en-US" altLang="ja-JP" b="0" i="1" dirty="0" smtClean="0">
+                            <a:latin typeface="Cambria Math" panose="02040503050406030204" pitchFamily="18" charset="0"/>
+                          </a:rPr>
+                        </m:ctrlPr>
+                      </m:sSubPr>
+                      <m:e>
+                        <m:r>
+                          <a:rPr kumimoji="1" lang="en-US" altLang="ja-JP" b="0" i="1" dirty="0" smtClean="0">
+                            <a:latin typeface="Cambria Math" panose="02040503050406030204" pitchFamily="18" charset="0"/>
+                          </a:rPr>
+                          <m:t>𝐶</m:t>
+                        </m:r>
+                      </m:e>
+                      <m:sub>
+                        <m:r>
+                          <a:rPr kumimoji="1" lang="en-US" altLang="ja-JP" b="0" i="1" dirty="0" smtClean="0">
+                            <a:latin typeface="Cambria Math" panose="02040503050406030204" pitchFamily="18" charset="0"/>
+                          </a:rPr>
+                          <m:t>𝑗𝑐</m:t>
+                        </m:r>
+                      </m:sub>
+                    </m:sSub>
+                  </m:oMath>
+                </a14:m>
+                <a:endParaRPr kumimoji="1" lang="en-US" altLang="ja-JP" dirty="0"/>
+              </a:p>
+              <a:p>
+                <a:r>
+                  <a:rPr lang="ja-JP" altLang="en-US" dirty="0"/>
+                  <a:t>を代入すればよい。</a:t>
+                </a:r>
+                <a:endParaRPr kumimoji="1" lang="en-US" altLang="ja-JP" dirty="0"/>
+              </a:p>
+            </p:txBody>
+          </p:sp>
+        </mc:Choice>
+        <mc:Fallback>
+          <p:sp>
+            <p:nvSpPr>
+              <p:cNvPr id="9" name="テキスト ボックス 8">
+                <a:extLst>
+                  <a:ext uri="{FF2B5EF4-FFF2-40B4-BE49-F238E27FC236}">
+                    <a16:creationId xmlns:a16="http://schemas.microsoft.com/office/drawing/2014/main" id="{69097F89-4C44-33C9-28A0-839D6185A0B9}"/>
+                  </a:ext>
+                </a:extLst>
+              </p:cNvPr>
+              <p:cNvSpPr txBox="1">
+                <a:spLocks noRot="1" noChangeAspect="1" noMove="1" noResize="1" noEditPoints="1" noAdjustHandles="1" noChangeArrowheads="1" noChangeShapeType="1" noTextEdit="1"/>
+              </p:cNvSpPr>
+              <p:nvPr/>
+            </p:nvSpPr>
+            <p:spPr>
+              <a:xfrm>
+                <a:off x="484065" y="4267747"/>
+                <a:ext cx="4676503" cy="2203808"/>
+              </a:xfrm>
+              <a:prstGeom prst="rect">
+                <a:avLst/>
+              </a:prstGeom>
+              <a:blipFill>
+                <a:blip r:embed="rId4"/>
+                <a:stretch>
+                  <a:fillRect l="-1042" t="-1381" r="-260" b="-3315"/>
+                </a:stretch>
+              </a:blipFill>
+            </p:spPr>
+            <p:txBody>
+              <a:bodyPr/>
+              <a:lstStyle/>
+              <a:p>
+                <a:r>
+                  <a:rPr lang="ja-JP" altLang="en-US">
+                    <a:noFill/>
+                  </a:rPr>
+                  <a:t> </a:t>
+                </a:r>
+              </a:p>
+            </p:txBody>
+          </p:sp>
+        </mc:Fallback>
+      </mc:AlternateContent>
+    </p:spTree>
+    <p:extLst>
+      <p:ext uri="{BB962C8B-B14F-4D97-AF65-F5344CB8AC3E}">
+        <p14:creationId xmlns:p14="http://schemas.microsoft.com/office/powerpoint/2010/main" val="239697870"/>
+      </p:ext>
+    </p:extLst>
+  </p:cSld>
+  <p:clrMapOvr>
+    <a:masterClrMapping/>
+  </p:clrMapOvr>
+</p:sld>
+</file>
+
+<file path=ppt/slides/slide5.xml><?xml version="1.0" encoding="utf-8"?>
+<p:sld xmlns:a="http://schemas.openxmlformats.org/drawingml/2006/main" xmlns:r="http://schemas.openxmlformats.org/officeDocument/2006/relationships" xmlns:p="http://schemas.openxmlformats.org/presentationml/2006/main">
+  <p:cSld>
+    <p:spTree>
+      <p:nvGrpSpPr>
+        <p:cNvPr id="1" name=""/>
+        <p:cNvGrpSpPr/>
+        <p:nvPr/>
+      </p:nvGrpSpPr>
+      <p:grpSpPr>
+        <a:xfrm>
+          <a:off x="0" y="0"/>
+          <a:ext cx="0" cy="0"/>
+          <a:chOff x="0" y="0"/>
+          <a:chExt cx="0" cy="0"/>
+        </a:xfrm>
+      </p:grpSpPr>
+      <p:sp>
+        <p:nvSpPr>
+          <p:cNvPr id="2" name="タイトル 1">
+            <a:extLst>
+              <a:ext uri="{FF2B5EF4-FFF2-40B4-BE49-F238E27FC236}">
+                <a16:creationId xmlns:a16="http://schemas.microsoft.com/office/drawing/2014/main" id="{20CD9D5C-7095-63A4-F1D9-5B37AE4260F0}"/>
+              </a:ext>
+            </a:extLst>
+          </p:cNvPr>
+          <p:cNvSpPr>
+            <a:spLocks noGrp="1"/>
+          </p:cNvSpPr>
+          <p:nvPr>
+            <p:ph type="title"/>
+          </p:nvPr>
+        </p:nvSpPr>
+        <p:spPr/>
+        <p:txBody>
+          <a:bodyPr/>
+          <a:lstStyle/>
+          <a:p>
+            <a:endParaRPr kumimoji="1" lang="ja-JP" altLang="en-US"/>
+          </a:p>
+        </p:txBody>
+      </p:sp>
+      <p:sp>
+        <p:nvSpPr>
+          <p:cNvPr id="3" name="日付プレースホルダー 2">
+            <a:extLst>
+              <a:ext uri="{FF2B5EF4-FFF2-40B4-BE49-F238E27FC236}">
+                <a16:creationId xmlns:a16="http://schemas.microsoft.com/office/drawing/2014/main" id="{2C09280F-5AF9-F3A5-C351-8225ABED3CB5}"/>
+              </a:ext>
+            </a:extLst>
+          </p:cNvPr>
+          <p:cNvSpPr>
+            <a:spLocks noGrp="1"/>
+          </p:cNvSpPr>
+          <p:nvPr>
+            <p:ph type="dt" sz="half" idx="10"/>
+          </p:nvPr>
+        </p:nvSpPr>
+        <p:spPr/>
+        <p:txBody>
+          <a:bodyPr/>
+          <a:lstStyle/>
+          <a:p>
+            <a:fld id="{D960D7A0-95E9-4E80-AEE1-2416C3BC5BFF}" type="datetime1">
+              <a:rPr kumimoji="1" lang="ja-JP" altLang="en-US" smtClean="0"/>
+              <a:t>2024/6/23</a:t>
+            </a:fld>
+            <a:endParaRPr kumimoji="1" lang="ja-JP" altLang="en-US"/>
+          </a:p>
+        </p:txBody>
+      </p:sp>
+      <p:sp>
+        <p:nvSpPr>
+          <p:cNvPr id="4" name="スライド番号プレースホルダー 3">
+            <a:extLst>
+              <a:ext uri="{FF2B5EF4-FFF2-40B4-BE49-F238E27FC236}">
+                <a16:creationId xmlns:a16="http://schemas.microsoft.com/office/drawing/2014/main" id="{1B9EFF4B-0CEC-79C0-CDBC-CC09F1454260}"/>
+              </a:ext>
+            </a:extLst>
+          </p:cNvPr>
+          <p:cNvSpPr>
+            <a:spLocks noGrp="1"/>
+          </p:cNvSpPr>
+          <p:nvPr>
+            <p:ph type="sldNum" sz="quarter" idx="12"/>
+          </p:nvPr>
+        </p:nvSpPr>
+        <p:spPr/>
+        <p:txBody>
+          <a:bodyPr/>
+          <a:lstStyle/>
+          <a:p>
+            <a:fld id="{6294761A-CFE9-4878-87A7-90ECABD59CE5}" type="slidenum">
+              <a:rPr kumimoji="1" lang="ja-JP" altLang="en-US" smtClean="0"/>
+              <a:t>5</a:t>
+            </a:fld>
+            <a:endParaRPr kumimoji="1" lang="ja-JP" altLang="en-US"/>
+          </a:p>
+        </p:txBody>
+      </p:sp>
+      <p:sp>
+        <p:nvSpPr>
+          <p:cNvPr id="5" name="フッター プレースホルダー 4">
+            <a:extLst>
+              <a:ext uri="{FF2B5EF4-FFF2-40B4-BE49-F238E27FC236}">
+                <a16:creationId xmlns:a16="http://schemas.microsoft.com/office/drawing/2014/main" id="{F991CE13-547C-2FD4-E356-553578BA6BC7}"/>
+              </a:ext>
+            </a:extLst>
+          </p:cNvPr>
+          <p:cNvSpPr>
+            <a:spLocks noGrp="1"/>
+          </p:cNvSpPr>
+          <p:nvPr>
+            <p:ph type="ftr" sz="quarter" idx="3"/>
+          </p:nvPr>
+        </p:nvSpPr>
+        <p:spPr/>
+        <p:txBody>
+          <a:bodyPr/>
+          <a:lstStyle/>
+          <a:p>
+            <a:r>
+              <a:rPr lang="en-US" altLang="ja-JP"/>
+              <a:t>Wave Signal Processing Circuit Laboratory,  Meiji University</a:t>
+            </a:r>
+            <a:endParaRPr lang="en-US" altLang="ja-JP" dirty="0"/>
+          </a:p>
+        </p:txBody>
+      </p:sp>
+      <p:sp>
+        <p:nvSpPr>
+          <p:cNvPr id="6" name="テキスト ボックス 5">
+            <a:extLst>
+              <a:ext uri="{FF2B5EF4-FFF2-40B4-BE49-F238E27FC236}">
+                <a16:creationId xmlns:a16="http://schemas.microsoft.com/office/drawing/2014/main" id="{1FB03CDB-297D-BCD5-77AA-DB2874FFF7B6}"/>
+              </a:ext>
+            </a:extLst>
+          </p:cNvPr>
+          <p:cNvSpPr txBox="1"/>
+          <p:nvPr/>
+        </p:nvSpPr>
+        <p:spPr>
+          <a:xfrm>
+            <a:off x="2159726" y="3417332"/>
+            <a:ext cx="7402286" cy="369332"/>
+          </a:xfrm>
+          <a:prstGeom prst="rect">
+            <a:avLst/>
+          </a:prstGeom>
+          <a:noFill/>
+        </p:spPr>
+        <p:txBody>
+          <a:bodyPr wrap="square" rtlCol="0">
+            <a:spAutoFit/>
+          </a:bodyPr>
+          <a:lstStyle/>
+          <a:p>
+            <a:pPr algn="ctr"/>
+            <a:r>
+              <a:rPr lang="ja-JP" altLang="en-US" dirty="0"/>
+              <a:t>小信号解析結果</a:t>
+            </a:r>
+            <a:endParaRPr kumimoji="1" lang="ja-JP" altLang="en-US" dirty="0"/>
+          </a:p>
+        </p:txBody>
+      </p:sp>
+    </p:spTree>
+    <p:extLst>
+      <p:ext uri="{BB962C8B-B14F-4D97-AF65-F5344CB8AC3E}">
+        <p14:creationId xmlns:p14="http://schemas.microsoft.com/office/powerpoint/2010/main" val="815944994"/>
+      </p:ext>
+    </p:extLst>
+  </p:cSld>
+  <p:clrMapOvr>
+    <a:masterClrMapping/>
+  </p:clrMapOvr>
+</p:sld>
+</file>
+
+<file path=ppt/slides/slide6.xml><?xml version="1.0" encoding="utf-8"?>
+<p:sld xmlns:a="http://schemas.openxmlformats.org/drawingml/2006/main" xmlns:r="http://schemas.openxmlformats.org/officeDocument/2006/relationships" xmlns:p="http://schemas.openxmlformats.org/presentationml/2006/main">
+  <p:cSld>
+    <p:spTree>
+      <p:nvGrpSpPr>
+        <p:cNvPr id="1" name=""/>
+        <p:cNvGrpSpPr/>
+        <p:nvPr/>
+      </p:nvGrpSpPr>
+      <p:grpSpPr>
+        <a:xfrm>
+          <a:off x="0" y="0"/>
+          <a:ext cx="0" cy="0"/>
+          <a:chOff x="0" y="0"/>
+          <a:chExt cx="0" cy="0"/>
+        </a:xfrm>
+      </p:grpSpPr>
+      <p:sp>
+        <p:nvSpPr>
+          <p:cNvPr id="2" name="タイトル 1">
+            <a:extLst>
+              <a:ext uri="{FF2B5EF4-FFF2-40B4-BE49-F238E27FC236}">
+                <a16:creationId xmlns:a16="http://schemas.microsoft.com/office/drawing/2014/main" id="{9B80B2BA-1689-3E64-590D-799E477047E4}"/>
+              </a:ext>
+            </a:extLst>
+          </p:cNvPr>
+          <p:cNvSpPr>
+            <a:spLocks noGrp="1"/>
+          </p:cNvSpPr>
+          <p:nvPr>
+            <p:ph type="title"/>
+          </p:nvPr>
+        </p:nvSpPr>
+        <p:spPr/>
+        <p:txBody>
+          <a:bodyPr/>
+          <a:lstStyle/>
+          <a:p>
+            <a:r>
+              <a:rPr lang="en-US" altLang="ja-JP" dirty="0"/>
+              <a:t>TIA</a:t>
+            </a:r>
+            <a:r>
+              <a:rPr lang="ja-JP" altLang="en-US" dirty="0"/>
+              <a:t>全体の等価回路</a:t>
+            </a:r>
+            <a:endParaRPr kumimoji="1" lang="ja-JP" altLang="en-US" dirty="0"/>
+          </a:p>
+        </p:txBody>
+      </p:sp>
+      <p:sp>
+        <p:nvSpPr>
+          <p:cNvPr id="3" name="日付プレースホルダー 2">
+            <a:extLst>
+              <a:ext uri="{FF2B5EF4-FFF2-40B4-BE49-F238E27FC236}">
+                <a16:creationId xmlns:a16="http://schemas.microsoft.com/office/drawing/2014/main" id="{A1B6980A-74CE-2528-FC27-4803C5D313D2}"/>
+              </a:ext>
+            </a:extLst>
+          </p:cNvPr>
+          <p:cNvSpPr>
+            <a:spLocks noGrp="1"/>
+          </p:cNvSpPr>
+          <p:nvPr>
+            <p:ph type="dt" sz="half" idx="10"/>
+          </p:nvPr>
+        </p:nvSpPr>
+        <p:spPr/>
+        <p:txBody>
+          <a:bodyPr/>
+          <a:lstStyle/>
+          <a:p>
+            <a:fld id="{D960D7A0-95E9-4E80-AEE1-2416C3BC5BFF}" type="datetime1">
+              <a:rPr kumimoji="1" lang="ja-JP" altLang="en-US" smtClean="0"/>
+              <a:t>2024/6/23</a:t>
+            </a:fld>
+            <a:endParaRPr kumimoji="1" lang="ja-JP" altLang="en-US"/>
+          </a:p>
+        </p:txBody>
+      </p:sp>
+      <p:sp>
+        <p:nvSpPr>
+          <p:cNvPr id="4" name="スライド番号プレースホルダー 3">
+            <a:extLst>
+              <a:ext uri="{FF2B5EF4-FFF2-40B4-BE49-F238E27FC236}">
+                <a16:creationId xmlns:a16="http://schemas.microsoft.com/office/drawing/2014/main" id="{8BFCF765-8CA1-84C5-9357-731FC1547613}"/>
+              </a:ext>
+            </a:extLst>
+          </p:cNvPr>
+          <p:cNvSpPr>
+            <a:spLocks noGrp="1"/>
+          </p:cNvSpPr>
+          <p:nvPr>
+            <p:ph type="sldNum" sz="quarter" idx="12"/>
+          </p:nvPr>
+        </p:nvSpPr>
+        <p:spPr/>
+        <p:txBody>
+          <a:bodyPr/>
+          <a:lstStyle/>
+          <a:p>
+            <a:fld id="{6294761A-CFE9-4878-87A7-90ECABD59CE5}" type="slidenum">
+              <a:rPr kumimoji="1" lang="ja-JP" altLang="en-US" smtClean="0"/>
+              <a:t>6</a:t>
+            </a:fld>
+            <a:endParaRPr kumimoji="1" lang="ja-JP" altLang="en-US"/>
+          </a:p>
+        </p:txBody>
+      </p:sp>
+      <p:sp>
+        <p:nvSpPr>
+          <p:cNvPr id="5" name="フッター プレースホルダー 4">
+            <a:extLst>
+              <a:ext uri="{FF2B5EF4-FFF2-40B4-BE49-F238E27FC236}">
+                <a16:creationId xmlns:a16="http://schemas.microsoft.com/office/drawing/2014/main" id="{9B31AFBD-EF90-B8DA-B729-FE7FFF7A4D28}"/>
+              </a:ext>
+            </a:extLst>
+          </p:cNvPr>
+          <p:cNvSpPr>
+            <a:spLocks noGrp="1"/>
+          </p:cNvSpPr>
+          <p:nvPr>
+            <p:ph type="ftr" sz="quarter" idx="3"/>
+          </p:nvPr>
+        </p:nvSpPr>
+        <p:spPr/>
+        <p:txBody>
+          <a:bodyPr/>
+          <a:lstStyle/>
+          <a:p>
+            <a:r>
+              <a:rPr lang="en-US" altLang="ja-JP"/>
+              <a:t>Wave Signal Processing Circuit Laboratory,  Meiji University</a:t>
+            </a:r>
+            <a:endParaRPr lang="en-US" altLang="ja-JP" dirty="0"/>
+          </a:p>
+        </p:txBody>
+      </p:sp>
+      <p:pic>
+        <p:nvPicPr>
+          <p:cNvPr id="8" name="図 7" descr="グラフ&#10;&#10;自動的に生成された説明">
+            <a:extLst>
+              <a:ext uri="{FF2B5EF4-FFF2-40B4-BE49-F238E27FC236}">
+                <a16:creationId xmlns:a16="http://schemas.microsoft.com/office/drawing/2014/main" id="{3A81F779-2A5E-3B2D-0770-8EFEA9D09355}"/>
+              </a:ext>
+            </a:extLst>
+          </p:cNvPr>
+          <p:cNvPicPr>
+            <a:picLocks noChangeAspect="1"/>
+          </p:cNvPicPr>
+          <p:nvPr/>
+        </p:nvPicPr>
+        <p:blipFill>
+          <a:blip r:embed="rId2">
+            <a:extLst>
+              <a:ext uri="{28A0092B-C50C-407E-A947-70E740481C1C}">
+                <a14:useLocalDpi xmlns:a14="http://schemas.microsoft.com/office/drawing/2010/main" val="0"/>
+              </a:ext>
+            </a:extLst>
+          </a:blip>
+          <a:stretch>
+            <a:fillRect/>
+          </a:stretch>
+        </p:blipFill>
+        <p:spPr>
+          <a:xfrm>
+            <a:off x="740229" y="1390278"/>
+            <a:ext cx="6957724" cy="4870407"/>
+          </a:xfrm>
+          <a:prstGeom prst="rect">
+            <a:avLst/>
+          </a:prstGeom>
+        </p:spPr>
+      </p:pic>
+      <p:sp>
+        <p:nvSpPr>
+          <p:cNvPr id="10" name="テキスト ボックス 9">
+            <a:extLst>
+              <a:ext uri="{FF2B5EF4-FFF2-40B4-BE49-F238E27FC236}">
+                <a16:creationId xmlns:a16="http://schemas.microsoft.com/office/drawing/2014/main" id="{CD23B76C-1F9A-9E4C-3FA1-83230E636C92}"/>
+              </a:ext>
+            </a:extLst>
+          </p:cNvPr>
+          <p:cNvSpPr txBox="1"/>
+          <p:nvPr/>
+        </p:nvSpPr>
+        <p:spPr>
+          <a:xfrm>
+            <a:off x="7114903" y="3272135"/>
+            <a:ext cx="4841966" cy="646331"/>
+          </a:xfrm>
+          <a:prstGeom prst="rect">
+            <a:avLst/>
+          </a:prstGeom>
+          <a:noFill/>
+        </p:spPr>
+        <p:txBody>
+          <a:bodyPr wrap="square" rtlCol="0">
+            <a:spAutoFit/>
+          </a:bodyPr>
+          <a:lstStyle/>
+          <a:p>
+            <a:r>
+              <a:rPr kumimoji="1" lang="ja-JP" altLang="en-US" dirty="0"/>
+              <a:t>等価回路を解いた得られた特性と</a:t>
+            </a:r>
+            <a:r>
+              <a:rPr kumimoji="1" lang="en-US" altLang="ja-JP" dirty="0" err="1"/>
+              <a:t>LTSpice</a:t>
+            </a:r>
+            <a:r>
+              <a:rPr kumimoji="1" lang="ja-JP" altLang="en-US" dirty="0"/>
+              <a:t>でのシミュレーションは完全に一致していた。</a:t>
+            </a:r>
+          </a:p>
+        </p:txBody>
+      </p:sp>
+    </p:spTree>
+    <p:extLst>
+      <p:ext uri="{BB962C8B-B14F-4D97-AF65-F5344CB8AC3E}">
+        <p14:creationId xmlns:p14="http://schemas.microsoft.com/office/powerpoint/2010/main" val="2278178408"/>
       </p:ext>
     </p:extLst>
   </p:cSld>

--- a/IHP_2024/20240628/プレゼンテーション2.pptx
+++ b/IHP_2024/20240628/プレゼンテーション2.pptx
@@ -5,11 +5,12 @@
     <p:sldMasterId id="2147483648" r:id="rId1"/>
   </p:sldMasterIdLst>
   <p:notesMasterIdLst>
-    <p:notesMasterId r:id="rId4"/>
+    <p:notesMasterId r:id="rId5"/>
   </p:notesMasterIdLst>
   <p:sldIdLst>
     <p:sldId id="256" r:id="rId2"/>
     <p:sldId id="257" r:id="rId3"/>
+    <p:sldId id="258" r:id="rId4"/>
   </p:sldIdLst>
   <p:sldSz cx="12192000" cy="6858000"/>
   <p:notesSz cx="6858000" cy="9144000"/>
@@ -198,7 +199,7 @@
           <a:p>
             <a:fld id="{F8456487-DC86-474A-B4EE-F658698A396D}" type="datetimeFigureOut">
               <a:rPr kumimoji="1" lang="ja-JP" altLang="en-US" smtClean="0"/>
-              <a:t>2024/6/21</a:t>
+              <a:t>2024/6/26</a:t>
             </a:fld>
             <a:endParaRPr kumimoji="1" lang="ja-JP" altLang="en-US"/>
           </a:p>
@@ -655,7 +656,7 @@
           <a:p>
             <a:fld id="{4C0442CF-CD45-410F-900D-B06704BF6C90}" type="datetime1">
               <a:rPr kumimoji="1" lang="ja-JP" altLang="en-US" smtClean="0"/>
-              <a:t>2024/6/21</a:t>
+              <a:t>2024/6/26</a:t>
             </a:fld>
             <a:endParaRPr kumimoji="1" lang="ja-JP" altLang="en-US"/>
           </a:p>
@@ -971,7 +972,7 @@
           <a:p>
             <a:fld id="{802B0828-AE1D-42CB-9A09-03366CD2626D}" type="datetime1">
               <a:rPr kumimoji="1" lang="ja-JP" altLang="en-US" smtClean="0"/>
-              <a:t>2024/6/21</a:t>
+              <a:t>2024/6/26</a:t>
             </a:fld>
             <a:endParaRPr kumimoji="1" lang="ja-JP" altLang="en-US"/>
           </a:p>
@@ -1230,7 +1231,7 @@
           <a:p>
             <a:fld id="{DBDB4898-A77B-4B71-A5F2-60FD53D81565}" type="datetime1">
               <a:rPr kumimoji="1" lang="ja-JP" altLang="en-US" smtClean="0"/>
-              <a:t>2024/6/21</a:t>
+              <a:t>2024/6/26</a:t>
             </a:fld>
             <a:endParaRPr kumimoji="1" lang="ja-JP" altLang="en-US"/>
           </a:p>
@@ -1484,7 +1485,7 @@
           <a:p>
             <a:fld id="{F21E823E-4A8F-4F8D-99D0-5753B75E78B1}" type="datetime1">
               <a:rPr kumimoji="1" lang="ja-JP" altLang="en-US" smtClean="0"/>
-              <a:t>2024/6/21</a:t>
+              <a:t>2024/6/26</a:t>
             </a:fld>
             <a:endParaRPr kumimoji="1" lang="ja-JP" altLang="en-US"/>
           </a:p>
@@ -1856,7 +1857,7 @@
           <a:p>
             <a:fld id="{5367934E-58FB-4511-9666-12A5D53E0F74}" type="datetime1">
               <a:rPr kumimoji="1" lang="ja-JP" altLang="en-US" smtClean="0"/>
-              <a:t>2024/6/21</a:t>
+              <a:t>2024/6/26</a:t>
             </a:fld>
             <a:endParaRPr kumimoji="1" lang="ja-JP" altLang="en-US"/>
           </a:p>
@@ -2204,7 +2205,7 @@
           <a:p>
             <a:fld id="{8484A307-6848-4705-A236-7BA58849FDD0}" type="datetime1">
               <a:rPr kumimoji="1" lang="ja-JP" altLang="en-US" smtClean="0"/>
-              <a:t>2024/6/21</a:t>
+              <a:t>2024/6/26</a:t>
             </a:fld>
             <a:endParaRPr kumimoji="1" lang="ja-JP" altLang="en-US"/>
           </a:p>
@@ -2699,7 +2700,7 @@
           <a:p>
             <a:fld id="{9CC0390C-2B75-4759-8339-FF240D97D93F}" type="datetime1">
               <a:rPr kumimoji="1" lang="ja-JP" altLang="en-US" smtClean="0"/>
-              <a:t>2024/6/21</a:t>
+              <a:t>2024/6/26</a:t>
             </a:fld>
             <a:endParaRPr kumimoji="1" lang="ja-JP" altLang="en-US"/>
           </a:p>
@@ -2864,7 +2865,7 @@
           <a:p>
             <a:fld id="{D960D7A0-95E9-4E80-AEE1-2416C3BC5BFF}" type="datetime1">
               <a:rPr kumimoji="1" lang="ja-JP" altLang="en-US" smtClean="0"/>
-              <a:t>2024/6/21</a:t>
+              <a:t>2024/6/26</a:t>
             </a:fld>
             <a:endParaRPr kumimoji="1" lang="ja-JP" altLang="en-US"/>
           </a:p>
@@ -3063,7 +3064,7 @@
           <a:p>
             <a:fld id="{8596BAF5-8095-4F11-95EE-1BA9D667A88E}" type="datetime1">
               <a:rPr kumimoji="1" lang="ja-JP" altLang="en-US" smtClean="0"/>
-              <a:t>2024/6/21</a:t>
+              <a:t>2024/6/26</a:t>
             </a:fld>
             <a:endParaRPr kumimoji="1" lang="ja-JP" altLang="en-US"/>
           </a:p>
@@ -3492,7 +3493,7 @@
           <a:p>
             <a:fld id="{7CAE0A53-1732-44BE-985C-3E9D7CDE6368}" type="datetime1">
               <a:rPr kumimoji="1" lang="ja-JP" altLang="en-US" smtClean="0"/>
-              <a:t>2024/6/21</a:t>
+              <a:t>2024/6/26</a:t>
             </a:fld>
             <a:endParaRPr kumimoji="1" lang="ja-JP" altLang="en-US"/>
           </a:p>
@@ -3802,7 +3803,7 @@
           <a:p>
             <a:fld id="{12B3F8AE-6ACF-42D3-BD0C-E9F840DFABEE}" type="datetime1">
               <a:rPr kumimoji="1" lang="ja-JP" altLang="en-US" smtClean="0"/>
-              <a:t>2024/6/21</a:t>
+              <a:t>2024/6/26</a:t>
             </a:fld>
             <a:endParaRPr kumimoji="1" lang="ja-JP" altLang="en-US"/>
           </a:p>
@@ -4152,7 +4153,7 @@
           <a:p>
             <a:fld id="{14B0ED59-9B55-4884-9B2D-C61E880B635C}" type="datetime1">
               <a:rPr lang="ja-JP" altLang="en-US" smtClean="0"/>
-              <a:t>2024/6/21</a:t>
+              <a:t>2024/6/26</a:t>
             </a:fld>
             <a:endParaRPr lang="ja-JP" altLang="en-US" dirty="0"/>
           </a:p>
@@ -4747,7 +4748,7 @@
           <a:p>
             <a:fld id="{DADC9ED9-85F4-47C6-A7CC-5CD27ABB7CC3}" type="datetime1">
               <a:rPr kumimoji="1" lang="ja-JP" altLang="en-US" smtClean="0"/>
-              <a:t>2024/6/21</a:t>
+              <a:t>2024/6/26</a:t>
             </a:fld>
             <a:endParaRPr kumimoji="1" lang="ja-JP" altLang="en-US"/>
           </a:p>
@@ -4872,7 +4873,7 @@
           <a:p>
             <a:fld id="{D960D7A0-95E9-4E80-AEE1-2416C3BC5BFF}" type="datetime1">
               <a:rPr kumimoji="1" lang="ja-JP" altLang="en-US" smtClean="0"/>
-              <a:t>2024/6/21</a:t>
+              <a:t>2024/6/26</a:t>
             </a:fld>
             <a:endParaRPr kumimoji="1" lang="ja-JP" altLang="en-US"/>
           </a:p>
@@ -5036,8 +5037,648 @@
         </p:blipFill>
         <p:spPr>
           <a:xfrm>
-            <a:off x="4671251" y="1691516"/>
+            <a:off x="4520249" y="995435"/>
             <a:ext cx="5148082" cy="3575311"/>
+          </a:xfrm>
+          <a:prstGeom prst="rect">
+            <a:avLst/>
+          </a:prstGeom>
+        </p:spPr>
+      </p:pic>
+      <mc:AlternateContent xmlns:mc="http://schemas.openxmlformats.org/markup-compatibility/2006">
+        <mc:Choice xmlns:a14="http://schemas.microsoft.com/office/drawing/2010/main" Requires="a14">
+          <p:sp>
+            <p:nvSpPr>
+              <p:cNvPr id="6" name="テキスト ボックス 5">
+                <a:extLst>
+                  <a:ext uri="{FF2B5EF4-FFF2-40B4-BE49-F238E27FC236}">
+                    <a16:creationId xmlns:a16="http://schemas.microsoft.com/office/drawing/2014/main" id="{8C2ADD4F-CAD3-9260-D0A6-4178CC23ECC6}"/>
+                  </a:ext>
+                </a:extLst>
+              </p:cNvPr>
+              <p:cNvSpPr txBox="1"/>
+              <p:nvPr/>
+            </p:nvSpPr>
+            <p:spPr>
+              <a:xfrm>
+                <a:off x="4915949" y="5125673"/>
+                <a:ext cx="6493079" cy="1198085"/>
+              </a:xfrm>
+              <a:prstGeom prst="rect">
+                <a:avLst/>
+              </a:prstGeom>
+              <a:noFill/>
+            </p:spPr>
+            <p:txBody>
+              <a:bodyPr wrap="square" rtlCol="0">
+                <a:spAutoFit/>
+              </a:bodyPr>
+              <a:lstStyle/>
+              <a:p>
+                <a:r>
+                  <a:rPr lang="ja-JP" altLang="en-US" dirty="0"/>
+                  <a:t>等価回路を簡約化していくと右上のようになる。</a:t>
+                </a:r>
+                <a:endParaRPr lang="en-US" altLang="ja-JP" dirty="0"/>
+              </a:p>
+              <a:p>
+                <a:r>
+                  <a:rPr kumimoji="1" lang="ja-JP" altLang="en-US" dirty="0"/>
+                  <a:t>この時伝達インピーダンスは</a:t>
+                </a:r>
+                <a:endParaRPr kumimoji="1" lang="en-US" altLang="ja-JP" dirty="0"/>
+              </a:p>
+              <a:p>
+                <a14:m>
+                  <m:oMathPara xmlns:m="http://schemas.openxmlformats.org/officeDocument/2006/math">
+                    <m:oMathParaPr>
+                      <m:jc m:val="centerGroup"/>
+                    </m:oMathParaPr>
+                    <m:oMath xmlns:m="http://schemas.openxmlformats.org/officeDocument/2006/math">
+                      <m:r>
+                        <a:rPr kumimoji="1" lang="en-US" altLang="ja-JP" b="0" i="1" smtClean="0">
+                          <a:latin typeface="Cambria Math" panose="02040503050406030204" pitchFamily="18" charset="0"/>
+                        </a:rPr>
+                        <m:t>−</m:t>
+                      </m:r>
+                      <m:f>
+                        <m:fPr>
+                          <m:ctrlPr>
+                            <a:rPr kumimoji="1" lang="en-US" altLang="ja-JP" b="0" i="1" smtClean="0">
+                              <a:latin typeface="Cambria Math" panose="02040503050406030204" pitchFamily="18" charset="0"/>
+                            </a:rPr>
+                          </m:ctrlPr>
+                        </m:fPr>
+                        <m:num>
+                          <m:sSub>
+                            <m:sSubPr>
+                              <m:ctrlPr>
+                                <a:rPr kumimoji="1" lang="en-US" altLang="ja-JP" b="0" i="1" smtClean="0">
+                                  <a:latin typeface="Cambria Math" panose="02040503050406030204" pitchFamily="18" charset="0"/>
+                                </a:rPr>
+                              </m:ctrlPr>
+                            </m:sSubPr>
+                            <m:e>
+                              <m:r>
+                                <a:rPr kumimoji="1" lang="en-US" altLang="ja-JP" b="0" i="1" smtClean="0">
+                                  <a:latin typeface="Cambria Math" panose="02040503050406030204" pitchFamily="18" charset="0"/>
+                                </a:rPr>
+                                <m:t>𝑔</m:t>
+                              </m:r>
+                            </m:e>
+                            <m:sub>
+                              <m:r>
+                                <a:rPr kumimoji="1" lang="en-US" altLang="ja-JP" b="0" i="1" smtClean="0">
+                                  <a:latin typeface="Cambria Math" panose="02040503050406030204" pitchFamily="18" charset="0"/>
+                                </a:rPr>
+                                <m:t>𝑚</m:t>
+                              </m:r>
+                            </m:sub>
+                          </m:sSub>
+                          <m:r>
+                            <a:rPr kumimoji="1" lang="en-US" altLang="ja-JP" b="0" i="1" smtClean="0">
+                              <a:latin typeface="Cambria Math" panose="02040503050406030204" pitchFamily="18" charset="0"/>
+                            </a:rPr>
+                            <m:t>+</m:t>
+                          </m:r>
+                          <m:sSub>
+                            <m:sSubPr>
+                              <m:ctrlPr>
+                                <a:rPr kumimoji="1" lang="en-US" altLang="ja-JP" b="0" i="1" smtClean="0">
+                                  <a:latin typeface="Cambria Math" panose="02040503050406030204" pitchFamily="18" charset="0"/>
+                                </a:rPr>
+                              </m:ctrlPr>
+                            </m:sSubPr>
+                            <m:e>
+                              <m:r>
+                                <a:rPr kumimoji="1" lang="en-US" altLang="ja-JP" b="0" i="1" smtClean="0">
+                                  <a:latin typeface="Cambria Math" panose="02040503050406030204" pitchFamily="18" charset="0"/>
+                                </a:rPr>
+                                <m:t>𝑔</m:t>
+                              </m:r>
+                            </m:e>
+                            <m:sub>
+                              <m:r>
+                                <a:rPr kumimoji="1" lang="en-US" altLang="ja-JP" b="0" i="1" smtClean="0">
+                                  <a:latin typeface="Cambria Math" panose="02040503050406030204" pitchFamily="18" charset="0"/>
+                                </a:rPr>
+                                <m:t>𝑐𝑒</m:t>
+                              </m:r>
+                            </m:sub>
+                          </m:sSub>
+                        </m:num>
+                        <m:den>
+                          <m:sSub>
+                            <m:sSubPr>
+                              <m:ctrlPr>
+                                <a:rPr kumimoji="1" lang="en-US" altLang="ja-JP" b="0" i="1" smtClean="0">
+                                  <a:latin typeface="Cambria Math" panose="02040503050406030204" pitchFamily="18" charset="0"/>
+                                </a:rPr>
+                              </m:ctrlPr>
+                            </m:sSubPr>
+                            <m:e>
+                              <m:r>
+                                <a:rPr kumimoji="1" lang="en-US" altLang="ja-JP" b="0" i="1" smtClean="0">
+                                  <a:latin typeface="Cambria Math" panose="02040503050406030204" pitchFamily="18" charset="0"/>
+                                </a:rPr>
+                                <m:t>𝑔</m:t>
+                              </m:r>
+                            </m:e>
+                            <m:sub>
+                              <m:r>
+                                <a:rPr kumimoji="1" lang="en-US" altLang="ja-JP" b="0" i="1" smtClean="0">
+                                  <a:latin typeface="Cambria Math" panose="02040503050406030204" pitchFamily="18" charset="0"/>
+                                </a:rPr>
+                                <m:t>𝑐𝑒</m:t>
+                              </m:r>
+                            </m:sub>
+                          </m:sSub>
+                          <m:d>
+                            <m:dPr>
+                              <m:ctrlPr>
+                                <a:rPr kumimoji="1" lang="en-US" altLang="ja-JP" b="0" i="1" smtClean="0">
+                                  <a:latin typeface="Cambria Math" panose="02040503050406030204" pitchFamily="18" charset="0"/>
+                                </a:rPr>
+                              </m:ctrlPr>
+                            </m:dPr>
+                            <m:e>
+                              <m:sSub>
+                                <m:sSubPr>
+                                  <m:ctrlPr>
+                                    <a:rPr kumimoji="1" lang="en-US" altLang="ja-JP" b="0" i="1" smtClean="0">
+                                      <a:latin typeface="Cambria Math" panose="02040503050406030204" pitchFamily="18" charset="0"/>
+                                    </a:rPr>
+                                  </m:ctrlPr>
+                                </m:sSubPr>
+                                <m:e>
+                                  <m:r>
+                                    <a:rPr kumimoji="1" lang="en-US" altLang="ja-JP" b="0" i="1" smtClean="0">
+                                      <a:latin typeface="Cambria Math" panose="02040503050406030204" pitchFamily="18" charset="0"/>
+                                    </a:rPr>
+                                    <m:t>𝐺</m:t>
+                                  </m:r>
+                                </m:e>
+                                <m:sub>
+                                  <m:r>
+                                    <a:rPr kumimoji="1" lang="en-US" altLang="ja-JP" b="0" i="1" smtClean="0">
+                                      <a:latin typeface="Cambria Math" panose="02040503050406030204" pitchFamily="18" charset="0"/>
+                                    </a:rPr>
+                                    <m:t>𝐶𝐸</m:t>
+                                  </m:r>
+                                </m:sub>
+                              </m:sSub>
+                              <m:r>
+                                <a:rPr kumimoji="1" lang="en-US" altLang="ja-JP" b="0" i="1" smtClean="0">
+                                  <a:latin typeface="Cambria Math" panose="02040503050406030204" pitchFamily="18" charset="0"/>
+                                </a:rPr>
+                                <m:t>+</m:t>
+                              </m:r>
+                              <m:r>
+                                <a:rPr kumimoji="1" lang="en-US" altLang="ja-JP" b="0" i="1" smtClean="0">
+                                  <a:latin typeface="Cambria Math" panose="02040503050406030204" pitchFamily="18" charset="0"/>
+                                </a:rPr>
+                                <m:t>𝑗</m:t>
+                              </m:r>
+                              <m:r>
+                                <a:rPr kumimoji="1" lang="en-US" altLang="ja-JP" b="0" i="1" smtClean="0">
+                                  <a:latin typeface="Cambria Math" panose="02040503050406030204" pitchFamily="18" charset="0"/>
+                                </a:rPr>
+                                <m:t>𝜔</m:t>
+                              </m:r>
+                              <m:sSub>
+                                <m:sSubPr>
+                                  <m:ctrlPr>
+                                    <a:rPr kumimoji="1" lang="en-US" altLang="ja-JP" b="0" i="1" smtClean="0">
+                                      <a:latin typeface="Cambria Math" panose="02040503050406030204" pitchFamily="18" charset="0"/>
+                                    </a:rPr>
+                                  </m:ctrlPr>
+                                </m:sSubPr>
+                                <m:e>
+                                  <m:r>
+                                    <a:rPr kumimoji="1" lang="en-US" altLang="ja-JP" b="0" i="1" smtClean="0">
+                                      <a:latin typeface="Cambria Math" panose="02040503050406030204" pitchFamily="18" charset="0"/>
+                                    </a:rPr>
+                                    <m:t>𝐶</m:t>
+                                  </m:r>
+                                </m:e>
+                                <m:sub>
+                                  <m:r>
+                                    <a:rPr kumimoji="1" lang="en-US" altLang="ja-JP" b="0" i="1" smtClean="0">
+                                      <a:latin typeface="Cambria Math" panose="02040503050406030204" pitchFamily="18" charset="0"/>
+                                    </a:rPr>
+                                    <m:t>𝑃𝐷</m:t>
+                                  </m:r>
+                                </m:sub>
+                              </m:sSub>
+                            </m:e>
+                          </m:d>
+                          <m:r>
+                            <a:rPr kumimoji="1" lang="en-US" altLang="ja-JP" b="0" i="1" smtClean="0">
+                              <a:latin typeface="Cambria Math" panose="02040503050406030204" pitchFamily="18" charset="0"/>
+                            </a:rPr>
+                            <m:t>+</m:t>
+                          </m:r>
+                          <m:sSub>
+                            <m:sSubPr>
+                              <m:ctrlPr>
+                                <a:rPr kumimoji="1" lang="en-US" altLang="ja-JP" b="0" i="1" smtClean="0">
+                                  <a:latin typeface="Cambria Math" panose="02040503050406030204" pitchFamily="18" charset="0"/>
+                                </a:rPr>
+                              </m:ctrlPr>
+                            </m:sSubPr>
+                            <m:e>
+                              <m:r>
+                                <a:rPr kumimoji="1" lang="en-US" altLang="ja-JP" b="0" i="1" smtClean="0">
+                                  <a:latin typeface="Cambria Math" panose="02040503050406030204" pitchFamily="18" charset="0"/>
+                                </a:rPr>
+                                <m:t>𝐺</m:t>
+                              </m:r>
+                            </m:e>
+                            <m:sub>
+                              <m:r>
+                                <a:rPr kumimoji="1" lang="en-US" altLang="ja-JP" b="0" i="1" smtClean="0">
+                                  <a:latin typeface="Cambria Math" panose="02040503050406030204" pitchFamily="18" charset="0"/>
+                                </a:rPr>
+                                <m:t>𝐶</m:t>
+                              </m:r>
+                            </m:sub>
+                          </m:sSub>
+                          <m:d>
+                            <m:dPr>
+                              <m:ctrlPr>
+                                <a:rPr kumimoji="1" lang="en-US" altLang="ja-JP" b="0" i="1" smtClean="0">
+                                  <a:latin typeface="Cambria Math" panose="02040503050406030204" pitchFamily="18" charset="0"/>
+                                </a:rPr>
+                              </m:ctrlPr>
+                            </m:dPr>
+                            <m:e>
+                              <m:sSub>
+                                <m:sSubPr>
+                                  <m:ctrlPr>
+                                    <a:rPr kumimoji="1" lang="en-US" altLang="ja-JP" b="0" i="1" smtClean="0">
+                                      <a:latin typeface="Cambria Math" panose="02040503050406030204" pitchFamily="18" charset="0"/>
+                                    </a:rPr>
+                                  </m:ctrlPr>
+                                </m:sSubPr>
+                                <m:e>
+                                  <m:r>
+                                    <a:rPr kumimoji="1" lang="en-US" altLang="ja-JP" b="0" i="1" smtClean="0">
+                                      <a:latin typeface="Cambria Math" panose="02040503050406030204" pitchFamily="18" charset="0"/>
+                                    </a:rPr>
+                                    <m:t>𝐺</m:t>
+                                  </m:r>
+                                </m:e>
+                                <m:sub>
+                                  <m:r>
+                                    <a:rPr kumimoji="1" lang="en-US" altLang="ja-JP" b="0" i="1" smtClean="0">
+                                      <a:latin typeface="Cambria Math" panose="02040503050406030204" pitchFamily="18" charset="0"/>
+                                    </a:rPr>
+                                    <m:t>𝐶𝐸</m:t>
+                                  </m:r>
+                                </m:sub>
+                              </m:sSub>
+                              <m:r>
+                                <a:rPr kumimoji="1" lang="en-US" altLang="ja-JP" b="0" i="1" smtClean="0">
+                                  <a:latin typeface="Cambria Math" panose="02040503050406030204" pitchFamily="18" charset="0"/>
+                                </a:rPr>
+                                <m:t>+</m:t>
+                              </m:r>
+                              <m:sSub>
+                                <m:sSubPr>
+                                  <m:ctrlPr>
+                                    <a:rPr kumimoji="1" lang="en-US" altLang="ja-JP" b="0" i="1" smtClean="0">
+                                      <a:latin typeface="Cambria Math" panose="02040503050406030204" pitchFamily="18" charset="0"/>
+                                    </a:rPr>
+                                  </m:ctrlPr>
+                                </m:sSubPr>
+                                <m:e>
+                                  <m:r>
+                                    <a:rPr kumimoji="1" lang="en-US" altLang="ja-JP" b="0" i="1" smtClean="0">
+                                      <a:latin typeface="Cambria Math" panose="02040503050406030204" pitchFamily="18" charset="0"/>
+                                    </a:rPr>
+                                    <m:t>𝑔</m:t>
+                                  </m:r>
+                                </m:e>
+                                <m:sub>
+                                  <m:r>
+                                    <a:rPr kumimoji="1" lang="en-US" altLang="ja-JP" b="0" i="1" smtClean="0">
+                                      <a:latin typeface="Cambria Math" panose="02040503050406030204" pitchFamily="18" charset="0"/>
+                                    </a:rPr>
+                                    <m:t>𝑚</m:t>
+                                  </m:r>
+                                </m:sub>
+                              </m:sSub>
+                              <m:r>
+                                <a:rPr kumimoji="1" lang="en-US" altLang="ja-JP" b="0" i="1" smtClean="0">
+                                  <a:latin typeface="Cambria Math" panose="02040503050406030204" pitchFamily="18" charset="0"/>
+                                </a:rPr>
+                                <m:t>+</m:t>
+                              </m:r>
+                              <m:sSub>
+                                <m:sSubPr>
+                                  <m:ctrlPr>
+                                    <a:rPr kumimoji="1" lang="en-US" altLang="ja-JP" b="0" i="1" smtClean="0">
+                                      <a:latin typeface="Cambria Math" panose="02040503050406030204" pitchFamily="18" charset="0"/>
+                                    </a:rPr>
+                                  </m:ctrlPr>
+                                </m:sSubPr>
+                                <m:e>
+                                  <m:r>
+                                    <a:rPr kumimoji="1" lang="en-US" altLang="ja-JP" b="0" i="1" smtClean="0">
+                                      <a:latin typeface="Cambria Math" panose="02040503050406030204" pitchFamily="18" charset="0"/>
+                                    </a:rPr>
+                                    <m:t>𝑔</m:t>
+                                  </m:r>
+                                </m:e>
+                                <m:sub>
+                                  <m:r>
+                                    <a:rPr kumimoji="1" lang="en-US" altLang="ja-JP" b="0" i="1" smtClean="0">
+                                      <a:latin typeface="Cambria Math" panose="02040503050406030204" pitchFamily="18" charset="0"/>
+                                    </a:rPr>
+                                    <m:t>𝑐𝑒</m:t>
+                                  </m:r>
+                                </m:sub>
+                              </m:sSub>
+                              <m:r>
+                                <a:rPr kumimoji="1" lang="en-US" altLang="ja-JP" b="0" i="1" smtClean="0">
+                                  <a:latin typeface="Cambria Math" panose="02040503050406030204" pitchFamily="18" charset="0"/>
+                                </a:rPr>
+                                <m:t>+</m:t>
+                              </m:r>
+                              <m:r>
+                                <a:rPr kumimoji="1" lang="en-US" altLang="ja-JP" b="0" i="1" smtClean="0">
+                                  <a:latin typeface="Cambria Math" panose="02040503050406030204" pitchFamily="18" charset="0"/>
+                                </a:rPr>
+                                <m:t>𝑗</m:t>
+                              </m:r>
+                              <m:r>
+                                <a:rPr kumimoji="1" lang="en-US" altLang="ja-JP" b="0" i="1" smtClean="0">
+                                  <a:latin typeface="Cambria Math" panose="02040503050406030204" pitchFamily="18" charset="0"/>
+                                </a:rPr>
+                                <m:t>𝜔</m:t>
+                              </m:r>
+                              <m:sSub>
+                                <m:sSubPr>
+                                  <m:ctrlPr>
+                                    <a:rPr kumimoji="1" lang="en-US" altLang="ja-JP" b="0" i="1" smtClean="0">
+                                      <a:latin typeface="Cambria Math" panose="02040503050406030204" pitchFamily="18" charset="0"/>
+                                    </a:rPr>
+                                  </m:ctrlPr>
+                                </m:sSubPr>
+                                <m:e>
+                                  <m:r>
+                                    <a:rPr kumimoji="1" lang="en-US" altLang="ja-JP" b="0" i="1" smtClean="0">
+                                      <a:latin typeface="Cambria Math" panose="02040503050406030204" pitchFamily="18" charset="0"/>
+                                    </a:rPr>
+                                    <m:t>𝐶</m:t>
+                                  </m:r>
+                                </m:e>
+                                <m:sub>
+                                  <m:r>
+                                    <a:rPr kumimoji="1" lang="en-US" altLang="ja-JP" b="0" i="1" smtClean="0">
+                                      <a:latin typeface="Cambria Math" panose="02040503050406030204" pitchFamily="18" charset="0"/>
+                                    </a:rPr>
+                                    <m:t>𝑃𝐷</m:t>
+                                  </m:r>
+                                </m:sub>
+                              </m:sSub>
+                            </m:e>
+                          </m:d>
+                        </m:den>
+                      </m:f>
+                    </m:oMath>
+                  </m:oMathPara>
+                </a14:m>
+                <a:endParaRPr kumimoji="1" lang="ja-JP" altLang="en-US" dirty="0"/>
+              </a:p>
+            </p:txBody>
+          </p:sp>
+        </mc:Choice>
+        <mc:Fallback>
+          <p:sp>
+            <p:nvSpPr>
+              <p:cNvPr id="6" name="テキスト ボックス 5">
+                <a:extLst>
+                  <a:ext uri="{FF2B5EF4-FFF2-40B4-BE49-F238E27FC236}">
+                    <a16:creationId xmlns:a16="http://schemas.microsoft.com/office/drawing/2014/main" id="{8C2ADD4F-CAD3-9260-D0A6-4178CC23ECC6}"/>
+                  </a:ext>
+                </a:extLst>
+              </p:cNvPr>
+              <p:cNvSpPr txBox="1">
+                <a:spLocks noRot="1" noChangeAspect="1" noMove="1" noResize="1" noEditPoints="1" noAdjustHandles="1" noChangeArrowheads="1" noChangeShapeType="1" noTextEdit="1"/>
+              </p:cNvSpPr>
+              <p:nvPr/>
+            </p:nvSpPr>
+            <p:spPr>
+              <a:xfrm>
+                <a:off x="4915949" y="5125673"/>
+                <a:ext cx="6493079" cy="1198085"/>
+              </a:xfrm>
+              <a:prstGeom prst="rect">
+                <a:avLst/>
+              </a:prstGeom>
+              <a:blipFill>
+                <a:blip r:embed="rId5"/>
+                <a:stretch>
+                  <a:fillRect l="-750" t="-3061"/>
+                </a:stretch>
+              </a:blipFill>
+            </p:spPr>
+            <p:txBody>
+              <a:bodyPr/>
+              <a:lstStyle/>
+              <a:p>
+                <a:r>
+                  <a:rPr lang="ja-JP" altLang="en-US">
+                    <a:noFill/>
+                  </a:rPr>
+                  <a:t> </a:t>
+                </a:r>
+              </a:p>
+            </p:txBody>
+          </p:sp>
+        </mc:Fallback>
+      </mc:AlternateContent>
+    </p:spTree>
+    <p:extLst>
+      <p:ext uri="{BB962C8B-B14F-4D97-AF65-F5344CB8AC3E}">
+        <p14:creationId xmlns:p14="http://schemas.microsoft.com/office/powerpoint/2010/main" val="2110979291"/>
+      </p:ext>
+    </p:extLst>
+  </p:cSld>
+  <p:clrMapOvr>
+    <a:masterClrMapping/>
+  </p:clrMapOvr>
+</p:sld>
+</file>
+
+<file path=ppt/slides/slide3.xml><?xml version="1.0" encoding="utf-8"?>
+<p:sld xmlns:a="http://schemas.openxmlformats.org/drawingml/2006/main" xmlns:r="http://schemas.openxmlformats.org/officeDocument/2006/relationships" xmlns:p="http://schemas.openxmlformats.org/presentationml/2006/main">
+  <p:cSld>
+    <p:spTree>
+      <p:nvGrpSpPr>
+        <p:cNvPr id="1" name=""/>
+        <p:cNvGrpSpPr/>
+        <p:nvPr/>
+      </p:nvGrpSpPr>
+      <p:grpSpPr>
+        <a:xfrm>
+          <a:off x="0" y="0"/>
+          <a:ext cx="0" cy="0"/>
+          <a:chOff x="0" y="0"/>
+          <a:chExt cx="0" cy="0"/>
+        </a:xfrm>
+      </p:grpSpPr>
+      <p:sp>
+        <p:nvSpPr>
+          <p:cNvPr id="2" name="タイトル 1">
+            <a:extLst>
+              <a:ext uri="{FF2B5EF4-FFF2-40B4-BE49-F238E27FC236}">
+                <a16:creationId xmlns:a16="http://schemas.microsoft.com/office/drawing/2014/main" id="{E5AC12E9-75BE-E325-2576-8997DBC3A51A}"/>
+              </a:ext>
+            </a:extLst>
+          </p:cNvPr>
+          <p:cNvSpPr>
+            <a:spLocks noGrp="1"/>
+          </p:cNvSpPr>
+          <p:nvPr>
+            <p:ph type="title"/>
+          </p:nvPr>
+        </p:nvSpPr>
+        <p:spPr/>
+        <p:txBody>
+          <a:bodyPr/>
+          <a:lstStyle/>
+          <a:p>
+            <a:r>
+              <a:rPr kumimoji="1" lang="ja-JP" altLang="en-US" dirty="0"/>
+              <a:t>寄生容量を考慮した</a:t>
+            </a:r>
+            <a:r>
+              <a:rPr kumimoji="1" lang="en-US" altLang="ja-JP" dirty="0"/>
+              <a:t>TIA</a:t>
+            </a:r>
+            <a:endParaRPr kumimoji="1" lang="ja-JP" altLang="en-US" dirty="0"/>
+          </a:p>
+        </p:txBody>
+      </p:sp>
+      <p:sp>
+        <p:nvSpPr>
+          <p:cNvPr id="3" name="日付プレースホルダー 2">
+            <a:extLst>
+              <a:ext uri="{FF2B5EF4-FFF2-40B4-BE49-F238E27FC236}">
+                <a16:creationId xmlns:a16="http://schemas.microsoft.com/office/drawing/2014/main" id="{C2006390-1722-37CE-C488-C25B1E021D67}"/>
+              </a:ext>
+            </a:extLst>
+          </p:cNvPr>
+          <p:cNvSpPr>
+            <a:spLocks noGrp="1"/>
+          </p:cNvSpPr>
+          <p:nvPr>
+            <p:ph type="dt" sz="half" idx="10"/>
+          </p:nvPr>
+        </p:nvSpPr>
+        <p:spPr/>
+        <p:txBody>
+          <a:bodyPr/>
+          <a:lstStyle/>
+          <a:p>
+            <a:fld id="{D960D7A0-95E9-4E80-AEE1-2416C3BC5BFF}" type="datetime1">
+              <a:rPr kumimoji="1" lang="ja-JP" altLang="en-US" smtClean="0"/>
+              <a:t>2024/6/26</a:t>
+            </a:fld>
+            <a:endParaRPr kumimoji="1" lang="ja-JP" altLang="en-US"/>
+          </a:p>
+        </p:txBody>
+      </p:sp>
+      <p:sp>
+        <p:nvSpPr>
+          <p:cNvPr id="4" name="スライド番号プレースホルダー 3">
+            <a:extLst>
+              <a:ext uri="{FF2B5EF4-FFF2-40B4-BE49-F238E27FC236}">
+                <a16:creationId xmlns:a16="http://schemas.microsoft.com/office/drawing/2014/main" id="{9B7C8C01-1FEF-A5E1-9FAF-16F8D06F0201}"/>
+              </a:ext>
+            </a:extLst>
+          </p:cNvPr>
+          <p:cNvSpPr>
+            <a:spLocks noGrp="1"/>
+          </p:cNvSpPr>
+          <p:nvPr>
+            <p:ph type="sldNum" sz="quarter" idx="12"/>
+          </p:nvPr>
+        </p:nvSpPr>
+        <p:spPr/>
+        <p:txBody>
+          <a:bodyPr/>
+          <a:lstStyle/>
+          <a:p>
+            <a:fld id="{6294761A-CFE9-4878-87A7-90ECABD59CE5}" type="slidenum">
+              <a:rPr kumimoji="1" lang="ja-JP" altLang="en-US" smtClean="0"/>
+              <a:t>3</a:t>
+            </a:fld>
+            <a:endParaRPr kumimoji="1" lang="ja-JP" altLang="en-US"/>
+          </a:p>
+        </p:txBody>
+      </p:sp>
+      <p:sp>
+        <p:nvSpPr>
+          <p:cNvPr id="5" name="フッター プレースホルダー 4">
+            <a:extLst>
+              <a:ext uri="{FF2B5EF4-FFF2-40B4-BE49-F238E27FC236}">
+                <a16:creationId xmlns:a16="http://schemas.microsoft.com/office/drawing/2014/main" id="{93247282-C760-E67A-85AF-84B127FF4BCC}"/>
+              </a:ext>
+            </a:extLst>
+          </p:cNvPr>
+          <p:cNvSpPr>
+            <a:spLocks noGrp="1"/>
+          </p:cNvSpPr>
+          <p:nvPr>
+            <p:ph type="ftr" sz="quarter" idx="3"/>
+          </p:nvPr>
+        </p:nvSpPr>
+        <p:spPr/>
+        <p:txBody>
+          <a:bodyPr/>
+          <a:lstStyle/>
+          <a:p>
+            <a:r>
+              <a:rPr lang="en-US" altLang="ja-JP"/>
+              <a:t>Wave Signal Processing Circuit Laboratory,  Meiji University</a:t>
+            </a:r>
+            <a:endParaRPr lang="en-US" altLang="ja-JP" dirty="0"/>
+          </a:p>
+        </p:txBody>
+      </p:sp>
+      <p:pic>
+        <p:nvPicPr>
+          <p:cNvPr id="6" name="図 5" descr="テキスト が含まれている画像&#10;&#10;自動的に生成された説明">
+            <a:extLst>
+              <a:ext uri="{FF2B5EF4-FFF2-40B4-BE49-F238E27FC236}">
+                <a16:creationId xmlns:a16="http://schemas.microsoft.com/office/drawing/2014/main" id="{13579062-4551-1105-D085-08B572FDBA03}"/>
+              </a:ext>
+            </a:extLst>
+          </p:cNvPr>
+          <p:cNvPicPr>
+            <a:picLocks noChangeAspect="1"/>
+          </p:cNvPicPr>
+          <p:nvPr/>
+        </p:nvPicPr>
+        <p:blipFill>
+          <a:blip r:embed="rId2">
+            <a:extLst>
+              <a:ext uri="{28A0092B-C50C-407E-A947-70E740481C1C}">
+                <a14:useLocalDpi xmlns:a14="http://schemas.microsoft.com/office/drawing/2010/main" val="0"/>
+              </a:ext>
+            </a:extLst>
+          </a:blip>
+          <a:stretch>
+            <a:fillRect/>
+          </a:stretch>
+        </p:blipFill>
+        <p:spPr>
+          <a:xfrm>
+            <a:off x="370853" y="1242825"/>
+            <a:ext cx="4191394" cy="2634272"/>
           </a:xfrm>
           <a:prstGeom prst="rect">
             <a:avLst/>
@@ -5047,7 +5688,7 @@
     </p:spTree>
     <p:extLst>
       <p:ext uri="{BB962C8B-B14F-4D97-AF65-F5344CB8AC3E}">
-        <p14:creationId xmlns:p14="http://schemas.microsoft.com/office/powerpoint/2010/main" val="2110979291"/>
+        <p14:creationId xmlns:p14="http://schemas.microsoft.com/office/powerpoint/2010/main" val="1958786331"/>
       </p:ext>
     </p:extLst>
   </p:cSld>

--- a/IHP_2024/20240628/プレゼンテーション2.pptx
+++ b/IHP_2024/20240628/プレゼンテーション2.pptx
@@ -5,12 +5,15 @@
     <p:sldMasterId id="2147483648" r:id="rId1"/>
   </p:sldMasterIdLst>
   <p:notesMasterIdLst>
-    <p:notesMasterId r:id="rId5"/>
+    <p:notesMasterId r:id="rId8"/>
   </p:notesMasterIdLst>
   <p:sldIdLst>
     <p:sldId id="256" r:id="rId2"/>
     <p:sldId id="257" r:id="rId3"/>
     <p:sldId id="258" r:id="rId4"/>
+    <p:sldId id="259" r:id="rId5"/>
+    <p:sldId id="261" r:id="rId6"/>
+    <p:sldId id="260" r:id="rId7"/>
   </p:sldIdLst>
   <p:sldSz cx="12192000" cy="6858000"/>
   <p:notesSz cx="6858000" cy="9144000"/>
@@ -199,7 +202,7 @@
           <a:p>
             <a:fld id="{F8456487-DC86-474A-B4EE-F658698A396D}" type="datetimeFigureOut">
               <a:rPr kumimoji="1" lang="ja-JP" altLang="en-US" smtClean="0"/>
-              <a:t>2024/6/26</a:t>
+              <a:t>2024/6/23</a:t>
             </a:fld>
             <a:endParaRPr kumimoji="1" lang="ja-JP" altLang="en-US"/>
           </a:p>
@@ -656,7 +659,7 @@
           <a:p>
             <a:fld id="{4C0442CF-CD45-410F-900D-B06704BF6C90}" type="datetime1">
               <a:rPr kumimoji="1" lang="ja-JP" altLang="en-US" smtClean="0"/>
-              <a:t>2024/6/26</a:t>
+              <a:t>2024/6/23</a:t>
             </a:fld>
             <a:endParaRPr kumimoji="1" lang="ja-JP" altLang="en-US"/>
           </a:p>
@@ -972,7 +975,7 @@
           <a:p>
             <a:fld id="{802B0828-AE1D-42CB-9A09-03366CD2626D}" type="datetime1">
               <a:rPr kumimoji="1" lang="ja-JP" altLang="en-US" smtClean="0"/>
-              <a:t>2024/6/26</a:t>
+              <a:t>2024/6/23</a:t>
             </a:fld>
             <a:endParaRPr kumimoji="1" lang="ja-JP" altLang="en-US"/>
           </a:p>
@@ -1231,7 +1234,7 @@
           <a:p>
             <a:fld id="{DBDB4898-A77B-4B71-A5F2-60FD53D81565}" type="datetime1">
               <a:rPr kumimoji="1" lang="ja-JP" altLang="en-US" smtClean="0"/>
-              <a:t>2024/6/26</a:t>
+              <a:t>2024/6/23</a:t>
             </a:fld>
             <a:endParaRPr kumimoji="1" lang="ja-JP" altLang="en-US"/>
           </a:p>
@@ -1485,7 +1488,7 @@
           <a:p>
             <a:fld id="{F21E823E-4A8F-4F8D-99D0-5753B75E78B1}" type="datetime1">
               <a:rPr kumimoji="1" lang="ja-JP" altLang="en-US" smtClean="0"/>
-              <a:t>2024/6/26</a:t>
+              <a:t>2024/6/23</a:t>
             </a:fld>
             <a:endParaRPr kumimoji="1" lang="ja-JP" altLang="en-US"/>
           </a:p>
@@ -1857,7 +1860,7 @@
           <a:p>
             <a:fld id="{5367934E-58FB-4511-9666-12A5D53E0F74}" type="datetime1">
               <a:rPr kumimoji="1" lang="ja-JP" altLang="en-US" smtClean="0"/>
-              <a:t>2024/6/26</a:t>
+              <a:t>2024/6/23</a:t>
             </a:fld>
             <a:endParaRPr kumimoji="1" lang="ja-JP" altLang="en-US"/>
           </a:p>
@@ -2205,7 +2208,7 @@
           <a:p>
             <a:fld id="{8484A307-6848-4705-A236-7BA58849FDD0}" type="datetime1">
               <a:rPr kumimoji="1" lang="ja-JP" altLang="en-US" smtClean="0"/>
-              <a:t>2024/6/26</a:t>
+              <a:t>2024/6/23</a:t>
             </a:fld>
             <a:endParaRPr kumimoji="1" lang="ja-JP" altLang="en-US"/>
           </a:p>
@@ -2700,7 +2703,7 @@
           <a:p>
             <a:fld id="{9CC0390C-2B75-4759-8339-FF240D97D93F}" type="datetime1">
               <a:rPr kumimoji="1" lang="ja-JP" altLang="en-US" smtClean="0"/>
-              <a:t>2024/6/26</a:t>
+              <a:t>2024/6/23</a:t>
             </a:fld>
             <a:endParaRPr kumimoji="1" lang="ja-JP" altLang="en-US"/>
           </a:p>
@@ -2865,7 +2868,7 @@
           <a:p>
             <a:fld id="{D960D7A0-95E9-4E80-AEE1-2416C3BC5BFF}" type="datetime1">
               <a:rPr kumimoji="1" lang="ja-JP" altLang="en-US" smtClean="0"/>
-              <a:t>2024/6/26</a:t>
+              <a:t>2024/6/23</a:t>
             </a:fld>
             <a:endParaRPr kumimoji="1" lang="ja-JP" altLang="en-US"/>
           </a:p>
@@ -3064,7 +3067,7 @@
           <a:p>
             <a:fld id="{8596BAF5-8095-4F11-95EE-1BA9D667A88E}" type="datetime1">
               <a:rPr kumimoji="1" lang="ja-JP" altLang="en-US" smtClean="0"/>
-              <a:t>2024/6/26</a:t>
+              <a:t>2024/6/23</a:t>
             </a:fld>
             <a:endParaRPr kumimoji="1" lang="ja-JP" altLang="en-US"/>
           </a:p>
@@ -3493,7 +3496,7 @@
           <a:p>
             <a:fld id="{7CAE0A53-1732-44BE-985C-3E9D7CDE6368}" type="datetime1">
               <a:rPr kumimoji="1" lang="ja-JP" altLang="en-US" smtClean="0"/>
-              <a:t>2024/6/26</a:t>
+              <a:t>2024/6/23</a:t>
             </a:fld>
             <a:endParaRPr kumimoji="1" lang="ja-JP" altLang="en-US"/>
           </a:p>
@@ -3803,7 +3806,7 @@
           <a:p>
             <a:fld id="{12B3F8AE-6ACF-42D3-BD0C-E9F840DFABEE}" type="datetime1">
               <a:rPr kumimoji="1" lang="ja-JP" altLang="en-US" smtClean="0"/>
-              <a:t>2024/6/26</a:t>
+              <a:t>2024/6/23</a:t>
             </a:fld>
             <a:endParaRPr kumimoji="1" lang="ja-JP" altLang="en-US"/>
           </a:p>
@@ -4153,7 +4156,7 @@
           <a:p>
             <a:fld id="{14B0ED59-9B55-4884-9B2D-C61E880B635C}" type="datetime1">
               <a:rPr lang="ja-JP" altLang="en-US" smtClean="0"/>
-              <a:t>2024/6/26</a:t>
+              <a:t>2024/6/23</a:t>
             </a:fld>
             <a:endParaRPr lang="ja-JP" altLang="en-US" dirty="0"/>
           </a:p>
@@ -4748,7 +4751,7 @@
           <a:p>
             <a:fld id="{DADC9ED9-85F4-47C6-A7CC-5CD27ABB7CC3}" type="datetime1">
               <a:rPr kumimoji="1" lang="ja-JP" altLang="en-US" smtClean="0"/>
-              <a:t>2024/6/26</a:t>
+              <a:t>2024/6/23</a:t>
             </a:fld>
             <a:endParaRPr kumimoji="1" lang="ja-JP" altLang="en-US"/>
           </a:p>
@@ -4873,7 +4876,7 @@
           <a:p>
             <a:fld id="{D960D7A0-95E9-4E80-AEE1-2416C3BC5BFF}" type="datetime1">
               <a:rPr kumimoji="1" lang="ja-JP" altLang="en-US" smtClean="0"/>
-              <a:t>2024/6/26</a:t>
+              <a:t>2024/6/23</a:t>
             </a:fld>
             <a:endParaRPr kumimoji="1" lang="ja-JP" altLang="en-US"/>
           </a:p>
@@ -4966,7 +4969,7 @@
         <p:spPr>
           <a:xfrm>
             <a:off x="599454" y="1281744"/>
-            <a:ext cx="3087670" cy="2723725"/>
+            <a:ext cx="2831723" cy="2497947"/>
           </a:xfrm>
           <a:prstGeom prst="rect">
             <a:avLst/>
@@ -5001,7 +5004,7 @@
         </p:blipFill>
         <p:spPr>
           <a:xfrm>
-            <a:off x="47592" y="3960858"/>
+            <a:off x="760715" y="3916247"/>
             <a:ext cx="4191394" cy="2634272"/>
           </a:xfrm>
           <a:prstGeom prst="rect">
@@ -5009,12 +5012,58 @@
           </a:prstGeom>
         </p:spPr>
       </p:pic>
+      <p:sp>
+        <p:nvSpPr>
+          <p:cNvPr id="6" name="矢印: 右 5">
+            <a:extLst>
+              <a:ext uri="{FF2B5EF4-FFF2-40B4-BE49-F238E27FC236}">
+                <a16:creationId xmlns:a16="http://schemas.microsoft.com/office/drawing/2014/main" id="{78B18271-E853-F57F-8A4E-04EE3AB6C0B5}"/>
+              </a:ext>
+            </a:extLst>
+          </p:cNvPr>
+          <p:cNvSpPr/>
+          <p:nvPr/>
+        </p:nvSpPr>
+        <p:spPr>
+          <a:xfrm>
+            <a:off x="4859383" y="3280350"/>
+            <a:ext cx="1123406" cy="557349"/>
+          </a:xfrm>
+          <a:prstGeom prst="rightArrow">
+            <a:avLst/>
+          </a:prstGeom>
+        </p:spPr>
+        <p:style>
+          <a:lnRef idx="2">
+            <a:schemeClr val="accent1">
+              <a:shade val="15000"/>
+            </a:schemeClr>
+          </a:lnRef>
+          <a:fillRef idx="1">
+            <a:schemeClr val="accent1"/>
+          </a:fillRef>
+          <a:effectRef idx="0">
+            <a:schemeClr val="accent1"/>
+          </a:effectRef>
+          <a:fontRef idx="minor">
+            <a:schemeClr val="lt1"/>
+          </a:fontRef>
+        </p:style>
+        <p:txBody>
+          <a:bodyPr rtlCol="0" anchor="ctr"/>
+          <a:lstStyle/>
+          <a:p>
+            <a:pPr algn="ctr"/>
+            <a:endParaRPr kumimoji="1" lang="ja-JP" altLang="en-US"/>
+          </a:p>
+        </p:txBody>
+      </p:sp>
       <p:pic>
         <p:nvPicPr>
-          <p:cNvPr id="11" name="図 10" descr="時計と文字の加工写真&#10;&#10;中程度の精度で自動的に生成された説明">
-            <a:extLst>
-              <a:ext uri="{FF2B5EF4-FFF2-40B4-BE49-F238E27FC236}">
-                <a16:creationId xmlns:a16="http://schemas.microsoft.com/office/drawing/2014/main" id="{DDC2446F-E02D-5597-A0AA-DD8841B308E0}"/>
+          <p:cNvPr id="10" name="図 9" descr="グラフィカル ユーザー インターフェイス, ダイアグラム, アプリケーション&#10;&#10;自動的に生成された説明">
+            <a:extLst>
+              <a:ext uri="{FF2B5EF4-FFF2-40B4-BE49-F238E27FC236}">
+                <a16:creationId xmlns:a16="http://schemas.microsoft.com/office/drawing/2014/main" id="{080F5644-6466-0CCB-55C3-E6E88D192F25}"/>
               </a:ext>
             </a:extLst>
           </p:cNvPr>
@@ -5037,22 +5086,176 @@
         </p:blipFill>
         <p:spPr>
           <a:xfrm>
-            <a:off x="4520249" y="995435"/>
-            <a:ext cx="5148082" cy="3575311"/>
+            <a:off x="5660572" y="1600260"/>
+            <a:ext cx="5703940" cy="4358862"/>
           </a:xfrm>
           <a:prstGeom prst="rect">
             <a:avLst/>
           </a:prstGeom>
         </p:spPr>
       </p:pic>
+    </p:spTree>
+    <p:extLst>
+      <p:ext uri="{BB962C8B-B14F-4D97-AF65-F5344CB8AC3E}">
+        <p14:creationId xmlns:p14="http://schemas.microsoft.com/office/powerpoint/2010/main" val="2110979291"/>
+      </p:ext>
+    </p:extLst>
+  </p:cSld>
+  <p:clrMapOvr>
+    <a:masterClrMapping/>
+  </p:clrMapOvr>
+</p:sld>
+</file>
+
+<file path=ppt/slides/slide3.xml><?xml version="1.0" encoding="utf-8"?>
+<p:sld xmlns:a="http://schemas.openxmlformats.org/drawingml/2006/main" xmlns:r="http://schemas.openxmlformats.org/officeDocument/2006/relationships" xmlns:p="http://schemas.openxmlformats.org/presentationml/2006/main">
+  <p:cSld>
+    <p:spTree>
+      <p:nvGrpSpPr>
+        <p:cNvPr id="1" name=""/>
+        <p:cNvGrpSpPr/>
+        <p:nvPr/>
+      </p:nvGrpSpPr>
+      <p:grpSpPr>
+        <a:xfrm>
+          <a:off x="0" y="0"/>
+          <a:ext cx="0" cy="0"/>
+          <a:chOff x="0" y="0"/>
+          <a:chExt cx="0" cy="0"/>
+        </a:xfrm>
+      </p:grpSpPr>
+      <p:sp>
+        <p:nvSpPr>
+          <p:cNvPr id="2" name="タイトル 1">
+            <a:extLst>
+              <a:ext uri="{FF2B5EF4-FFF2-40B4-BE49-F238E27FC236}">
+                <a16:creationId xmlns:a16="http://schemas.microsoft.com/office/drawing/2014/main" id="{330B7C92-2FAD-2FDD-AE05-54BA85225CB0}"/>
+              </a:ext>
+            </a:extLst>
+          </p:cNvPr>
+          <p:cNvSpPr>
+            <a:spLocks noGrp="1"/>
+          </p:cNvSpPr>
+          <p:nvPr>
+            <p:ph type="title"/>
+          </p:nvPr>
+        </p:nvSpPr>
+        <p:spPr/>
+        <p:txBody>
+          <a:bodyPr/>
+          <a:lstStyle/>
+          <a:p>
+            <a:r>
+              <a:rPr lang="en-US" altLang="ja-JP" dirty="0"/>
+              <a:t>PD</a:t>
+            </a:r>
+            <a:r>
+              <a:rPr lang="ja-JP" altLang="en-US" dirty="0"/>
+              <a:t>のみの</a:t>
+            </a:r>
+            <a:r>
+              <a:rPr lang="en-US" altLang="ja-JP" dirty="0"/>
+              <a:t>TIA</a:t>
+            </a:r>
+            <a:endParaRPr kumimoji="1" lang="ja-JP" altLang="en-US" dirty="0"/>
+          </a:p>
+        </p:txBody>
+      </p:sp>
+      <p:sp>
+        <p:nvSpPr>
+          <p:cNvPr id="3" name="日付プレースホルダー 2">
+            <a:extLst>
+              <a:ext uri="{FF2B5EF4-FFF2-40B4-BE49-F238E27FC236}">
+                <a16:creationId xmlns:a16="http://schemas.microsoft.com/office/drawing/2014/main" id="{B9C9DA81-2DC6-5615-061A-75DF730C12A5}"/>
+              </a:ext>
+            </a:extLst>
+          </p:cNvPr>
+          <p:cNvSpPr>
+            <a:spLocks noGrp="1"/>
+          </p:cNvSpPr>
+          <p:nvPr>
+            <p:ph type="dt" sz="half" idx="10"/>
+          </p:nvPr>
+        </p:nvSpPr>
+        <p:spPr/>
+        <p:txBody>
+          <a:bodyPr/>
+          <a:lstStyle/>
+          <a:p>
+            <a:fld id="{D960D7A0-95E9-4E80-AEE1-2416C3BC5BFF}" type="datetime1">
+              <a:rPr kumimoji="1" lang="ja-JP" altLang="en-US" smtClean="0"/>
+              <a:t>2024/6/23</a:t>
+            </a:fld>
+            <a:endParaRPr kumimoji="1" lang="ja-JP" altLang="en-US"/>
+          </a:p>
+        </p:txBody>
+      </p:sp>
+      <p:sp>
+        <p:nvSpPr>
+          <p:cNvPr id="4" name="スライド番号プレースホルダー 3">
+            <a:extLst>
+              <a:ext uri="{FF2B5EF4-FFF2-40B4-BE49-F238E27FC236}">
+                <a16:creationId xmlns:a16="http://schemas.microsoft.com/office/drawing/2014/main" id="{26898DA7-A1D4-2F80-CB33-E625922A6D1C}"/>
+              </a:ext>
+            </a:extLst>
+          </p:cNvPr>
+          <p:cNvSpPr>
+            <a:spLocks noGrp="1"/>
+          </p:cNvSpPr>
+          <p:nvPr>
+            <p:ph type="sldNum" sz="quarter" idx="12"/>
+          </p:nvPr>
+        </p:nvSpPr>
+        <p:spPr/>
+        <p:txBody>
+          <a:bodyPr/>
+          <a:lstStyle/>
+          <a:p>
+            <a:fld id="{6294761A-CFE9-4878-87A7-90ECABD59CE5}" type="slidenum">
+              <a:rPr kumimoji="1" lang="ja-JP" altLang="en-US" smtClean="0"/>
+              <a:t>3</a:t>
+            </a:fld>
+            <a:endParaRPr kumimoji="1" lang="ja-JP" altLang="en-US"/>
+          </a:p>
+        </p:txBody>
+      </p:sp>
+      <p:sp>
+        <p:nvSpPr>
+          <p:cNvPr id="5" name="フッター プレースホルダー 4">
+            <a:extLst>
+              <a:ext uri="{FF2B5EF4-FFF2-40B4-BE49-F238E27FC236}">
+                <a16:creationId xmlns:a16="http://schemas.microsoft.com/office/drawing/2014/main" id="{7AC59C32-1A44-7C56-46CE-DF42757FC372}"/>
+              </a:ext>
+            </a:extLst>
+          </p:cNvPr>
+          <p:cNvSpPr>
+            <a:spLocks noGrp="1"/>
+          </p:cNvSpPr>
+          <p:nvPr>
+            <p:ph type="ftr" sz="quarter" idx="3"/>
+          </p:nvPr>
+        </p:nvSpPr>
+        <p:spPr/>
+        <p:txBody>
+          <a:bodyPr/>
+          <a:lstStyle/>
+          <a:p>
+            <a:r>
+              <a:rPr lang="en-US" altLang="ja-JP"/>
+              <a:t>Wave Signal Processing Circuit Laboratory,  Meiji University</a:t>
+            </a:r>
+            <a:endParaRPr lang="en-US" altLang="ja-JP" dirty="0"/>
+          </a:p>
+        </p:txBody>
+      </p:sp>
       <mc:AlternateContent xmlns:mc="http://schemas.openxmlformats.org/markup-compatibility/2006">
         <mc:Choice xmlns:a14="http://schemas.microsoft.com/office/drawing/2010/main" Requires="a14">
           <p:sp>
             <p:nvSpPr>
-              <p:cNvPr id="6" name="テキスト ボックス 5">
+              <p:cNvPr id="7" name="テキスト ボックス 6">
                 <a:extLst>
                   <a:ext uri="{FF2B5EF4-FFF2-40B4-BE49-F238E27FC236}">
-                    <a16:creationId xmlns:a16="http://schemas.microsoft.com/office/drawing/2014/main" id="{8C2ADD4F-CAD3-9260-D0A6-4178CC23ECC6}"/>
+                    <a16:creationId xmlns:a16="http://schemas.microsoft.com/office/drawing/2014/main" id="{4000E3BC-B8C9-3D1F-9C83-BF6736430393}"/>
                   </a:ext>
                 </a:extLst>
               </p:cNvPr>
@@ -5061,8 +5264,8 @@
             </p:nvSpPr>
             <p:spPr>
               <a:xfrm>
-                <a:off x="4915949" y="5125673"/>
-                <a:ext cx="6493079" cy="1198085"/>
+                <a:off x="6365966" y="3344091"/>
+                <a:ext cx="5573485" cy="1442767"/>
               </a:xfrm>
               <a:prstGeom prst="rect">
                 <a:avLst/>
@@ -5076,17 +5279,151 @@
               <a:lstStyle/>
               <a:p>
                 <a:r>
-                  <a:rPr lang="ja-JP" altLang="en-US" dirty="0"/>
-                  <a:t>等価回路を簡約化していくと右上のようになる。</a:t>
+                  <a:rPr kumimoji="1" lang="ja-JP" altLang="en-US" dirty="0"/>
+                  <a:t>この時の伝達インピーダンス</a:t>
                 </a:r>
-                <a:endParaRPr lang="en-US" altLang="ja-JP" dirty="0"/>
+                <a14:m>
+                  <m:oMath xmlns:m="http://schemas.openxmlformats.org/officeDocument/2006/math">
+                    <m:sSub>
+                      <m:sSubPr>
+                        <m:ctrlPr>
+                          <a:rPr kumimoji="1" lang="en-US" altLang="ja-JP" b="0" i="1" smtClean="0">
+                            <a:latin typeface="Cambria Math" panose="02040503050406030204" pitchFamily="18" charset="0"/>
+                          </a:rPr>
+                        </m:ctrlPr>
+                      </m:sSubPr>
+                      <m:e>
+                        <m:r>
+                          <a:rPr kumimoji="1" lang="en-US" altLang="ja-JP" b="0" i="1" smtClean="0">
+                            <a:latin typeface="Cambria Math" panose="02040503050406030204" pitchFamily="18" charset="0"/>
+                          </a:rPr>
+                          <m:t>𝑇</m:t>
+                        </m:r>
+                      </m:e>
+                      <m:sub>
+                        <m:r>
+                          <a:rPr kumimoji="1" lang="en-US" altLang="ja-JP" b="0" i="1" smtClean="0">
+                            <a:latin typeface="Cambria Math" panose="02040503050406030204" pitchFamily="18" charset="0"/>
+                          </a:rPr>
+                          <m:t>𝑃𝐷</m:t>
+                        </m:r>
+                      </m:sub>
+                    </m:sSub>
+                  </m:oMath>
+                </a14:m>
+                <a:r>
+                  <a:rPr kumimoji="1" lang="ja-JP" altLang="en-US" dirty="0"/>
+                  <a:t>は</a:t>
+                </a:r>
+                <a:endParaRPr kumimoji="1" lang="en-US" altLang="ja-JP" dirty="0"/>
               </a:p>
               <a:p>
-                <a:r>
-                  <a:rPr kumimoji="1" lang="ja-JP" altLang="en-US" dirty="0"/>
-                  <a:t>この時伝達インピーダンスは</a:t>
-                </a:r>
-                <a:endParaRPr kumimoji="1" lang="en-US" altLang="ja-JP" dirty="0"/>
+                <a14:m>
+                  <m:oMathPara xmlns:m="http://schemas.openxmlformats.org/officeDocument/2006/math">
+                    <m:oMathParaPr>
+                      <m:jc m:val="centerGroup"/>
+                    </m:oMathParaPr>
+                    <m:oMath xmlns:m="http://schemas.openxmlformats.org/officeDocument/2006/math">
+                      <m:sSub>
+                        <m:sSubPr>
+                          <m:ctrlPr>
+                            <a:rPr kumimoji="1" lang="en-US" altLang="ja-JP" b="0" i="1" smtClean="0">
+                              <a:latin typeface="Cambria Math" panose="02040503050406030204" pitchFamily="18" charset="0"/>
+                            </a:rPr>
+                          </m:ctrlPr>
+                        </m:sSubPr>
+                        <m:e>
+                          <m:r>
+                            <a:rPr kumimoji="1" lang="en-US" altLang="ja-JP" b="0" i="1" smtClean="0">
+                              <a:latin typeface="Cambria Math" panose="02040503050406030204" pitchFamily="18" charset="0"/>
+                            </a:rPr>
+                            <m:t>𝑇</m:t>
+                          </m:r>
+                        </m:e>
+                        <m:sub>
+                          <m:r>
+                            <a:rPr kumimoji="1" lang="en-US" altLang="ja-JP" b="0" i="1" smtClean="0">
+                              <a:latin typeface="Cambria Math" panose="02040503050406030204" pitchFamily="18" charset="0"/>
+                            </a:rPr>
+                            <m:t>𝑃𝐷</m:t>
+                          </m:r>
+                        </m:sub>
+                      </m:sSub>
+                      <m:r>
+                        <a:rPr kumimoji="1" lang="en-US" altLang="ja-JP" b="0" i="1" smtClean="0">
+                          <a:latin typeface="Cambria Math" panose="02040503050406030204" pitchFamily="18" charset="0"/>
+                        </a:rPr>
+                        <m:t>≔</m:t>
+                      </m:r>
+                      <m:f>
+                        <m:fPr>
+                          <m:ctrlPr>
+                            <a:rPr kumimoji="1" lang="en-US" altLang="ja-JP" b="0" i="1" smtClean="0">
+                              <a:latin typeface="Cambria Math" panose="02040503050406030204" pitchFamily="18" charset="0"/>
+                            </a:rPr>
+                          </m:ctrlPr>
+                        </m:fPr>
+                        <m:num>
+                          <m:sSub>
+                            <m:sSubPr>
+                              <m:ctrlPr>
+                                <a:rPr kumimoji="1" lang="en-US" altLang="ja-JP" b="0" i="1" smtClean="0">
+                                  <a:latin typeface="Cambria Math" panose="02040503050406030204" pitchFamily="18" charset="0"/>
+                                </a:rPr>
+                              </m:ctrlPr>
+                            </m:sSubPr>
+                            <m:e>
+                              <m:r>
+                                <a:rPr kumimoji="1" lang="en-US" altLang="ja-JP" b="0" i="1" smtClean="0">
+                                  <a:latin typeface="Cambria Math" panose="02040503050406030204" pitchFamily="18" charset="0"/>
+                                </a:rPr>
+                                <m:t>𝑣</m:t>
+                              </m:r>
+                            </m:e>
+                            <m:sub>
+                              <m:r>
+                                <a:rPr kumimoji="1" lang="en-US" altLang="ja-JP" b="0" i="1" smtClean="0">
+                                  <a:latin typeface="Cambria Math" panose="02040503050406030204" pitchFamily="18" charset="0"/>
+                                </a:rPr>
+                                <m:t>𝑜</m:t>
+                              </m:r>
+                            </m:sub>
+                          </m:sSub>
+                        </m:num>
+                        <m:den>
+                          <m:sSub>
+                            <m:sSubPr>
+                              <m:ctrlPr>
+                                <a:rPr kumimoji="1" lang="en-US" altLang="ja-JP" b="0" i="1" smtClean="0">
+                                  <a:latin typeface="Cambria Math" panose="02040503050406030204" pitchFamily="18" charset="0"/>
+                                </a:rPr>
+                              </m:ctrlPr>
+                            </m:sSubPr>
+                            <m:e>
+                              <m:r>
+                                <a:rPr kumimoji="1" lang="en-US" altLang="ja-JP" b="0" i="1" smtClean="0">
+                                  <a:latin typeface="Cambria Math" panose="02040503050406030204" pitchFamily="18" charset="0"/>
+                                </a:rPr>
+                                <m:t>𝑖</m:t>
+                              </m:r>
+                            </m:e>
+                            <m:sub>
+                              <m:r>
+                                <a:rPr kumimoji="1" lang="en-US" altLang="ja-JP" b="0" i="1" smtClean="0">
+                                  <a:latin typeface="Cambria Math" panose="02040503050406030204" pitchFamily="18" charset="0"/>
+                                </a:rPr>
+                                <m:t>𝑖𝑛</m:t>
+                              </m:r>
+                            </m:sub>
+                          </m:sSub>
+                        </m:den>
+                      </m:f>
+                    </m:oMath>
+                  </m:oMathPara>
+                </a14:m>
+                <a:endParaRPr kumimoji="1" lang="en-US" altLang="ja-JP" b="0" i="1" dirty="0">
+                  <a:latin typeface="Cambria Math" panose="02040503050406030204" pitchFamily="18" charset="0"/>
+                </a:endParaRPr>
               </a:p>
               <a:p>
                 <a14:m>
@@ -5099,7 +5436,7 @@
                         <a:rPr kumimoji="1" lang="en-US" altLang="ja-JP" b="0" i="1" smtClean="0">
                           <a:latin typeface="Cambria Math" panose="02040503050406030204" pitchFamily="18" charset="0"/>
                         </a:rPr>
-                        <m:t>−</m:t>
+                        <m:t>=−</m:t>
                       </m:r>
                       <m:f>
                         <m:fPr>
@@ -5171,14 +5508,14 @@
                           <m:sSub>
                             <m:sSubPr>
                               <m:ctrlPr>
-                                <a:rPr kumimoji="1" lang="en-US" altLang="ja-JP" b="0" i="1" smtClean="0">
+                                <a:rPr lang="en-US" altLang="ja-JP" i="1">
                                   <a:latin typeface="Cambria Math" panose="02040503050406030204" pitchFamily="18" charset="0"/>
                                 </a:rPr>
                               </m:ctrlPr>
                             </m:sSubPr>
                             <m:e>
                               <m:r>
-                                <a:rPr kumimoji="1" lang="en-US" altLang="ja-JP" b="0" i="1" smtClean="0">
+                                <a:rPr lang="en-US" altLang="ja-JP" i="1">
                                   <a:latin typeface="Cambria Math" panose="02040503050406030204" pitchFamily="18" charset="0"/>
                                 </a:rPr>
                                 <m:t>𝑔</m:t>
@@ -5186,7 +5523,7 @@
                             </m:e>
                             <m:sub>
                               <m:r>
-                                <a:rPr kumimoji="1" lang="en-US" altLang="ja-JP" b="0" i="1" smtClean="0">
+                                <a:rPr lang="en-US" altLang="ja-JP" i="1">
                                   <a:latin typeface="Cambria Math" panose="02040503050406030204" pitchFamily="18" charset="0"/>
                                 </a:rPr>
                                 <m:t>𝑐𝑒</m:t>
@@ -5196,7 +5533,7 @@
                           <m:d>
                             <m:dPr>
                               <m:ctrlPr>
-                                <a:rPr kumimoji="1" lang="en-US" altLang="ja-JP" b="0" i="1" smtClean="0">
+                                <a:rPr lang="en-US" altLang="ja-JP" i="1">
                                   <a:latin typeface="Cambria Math" panose="02040503050406030204" pitchFamily="18" charset="0"/>
                                 </a:rPr>
                               </m:ctrlPr>
@@ -5205,14 +5542,14 @@
                               <m:sSub>
                                 <m:sSubPr>
                                   <m:ctrlPr>
-                                    <a:rPr kumimoji="1" lang="en-US" altLang="ja-JP" b="0" i="1" smtClean="0">
+                                    <a:rPr lang="en-US" altLang="ja-JP" i="1">
                                       <a:latin typeface="Cambria Math" panose="02040503050406030204" pitchFamily="18" charset="0"/>
                                     </a:rPr>
                                   </m:ctrlPr>
                                 </m:sSubPr>
                                 <m:e>
                                   <m:r>
-                                    <a:rPr kumimoji="1" lang="en-US" altLang="ja-JP" b="0" i="1" smtClean="0">
+                                    <a:rPr lang="en-US" altLang="ja-JP" i="1">
                                       <a:latin typeface="Cambria Math" panose="02040503050406030204" pitchFamily="18" charset="0"/>
                                     </a:rPr>
                                     <m:t>𝐺</m:t>
@@ -5220,7 +5557,7 @@
                                 </m:e>
                                 <m:sub>
                                   <m:r>
-                                    <a:rPr kumimoji="1" lang="en-US" altLang="ja-JP" b="0" i="1" smtClean="0">
+                                    <a:rPr lang="en-US" altLang="ja-JP" i="1">
                                       <a:latin typeface="Cambria Math" panose="02040503050406030204" pitchFamily="18" charset="0"/>
                                     </a:rPr>
                                     <m:t>𝐶𝐸</m:t>
@@ -5228,19 +5565,19 @@
                                 </m:sub>
                               </m:sSub>
                               <m:r>
-                                <a:rPr kumimoji="1" lang="en-US" altLang="ja-JP" b="0" i="1" smtClean="0">
+                                <a:rPr lang="en-US" altLang="ja-JP" i="1">
                                   <a:latin typeface="Cambria Math" panose="02040503050406030204" pitchFamily="18" charset="0"/>
                                 </a:rPr>
                                 <m:t>+</m:t>
                               </m:r>
                               <m:r>
-                                <a:rPr kumimoji="1" lang="en-US" altLang="ja-JP" b="0" i="1" smtClean="0">
+                                <a:rPr lang="en-US" altLang="ja-JP" i="1">
                                   <a:latin typeface="Cambria Math" panose="02040503050406030204" pitchFamily="18" charset="0"/>
                                 </a:rPr>
                                 <m:t>𝑗</m:t>
                               </m:r>
                               <m:r>
-                                <a:rPr kumimoji="1" lang="en-US" altLang="ja-JP" b="0" i="1" smtClean="0">
+                                <a:rPr lang="en-US" altLang="ja-JP" i="1">
                                   <a:latin typeface="Cambria Math" panose="02040503050406030204" pitchFamily="18" charset="0"/>
                                 </a:rPr>
                                 <m:t>𝜔</m:t>
@@ -5248,14 +5585,14 @@
                               <m:sSub>
                                 <m:sSubPr>
                                   <m:ctrlPr>
-                                    <a:rPr kumimoji="1" lang="en-US" altLang="ja-JP" b="0" i="1" smtClean="0">
+                                    <a:rPr lang="en-US" altLang="ja-JP" i="1">
                                       <a:latin typeface="Cambria Math" panose="02040503050406030204" pitchFamily="18" charset="0"/>
                                     </a:rPr>
                                   </m:ctrlPr>
                                 </m:sSubPr>
                                 <m:e>
                                   <m:r>
-                                    <a:rPr kumimoji="1" lang="en-US" altLang="ja-JP" b="0" i="1" smtClean="0">
+                                    <a:rPr lang="en-US" altLang="ja-JP" i="1">
                                       <a:latin typeface="Cambria Math" panose="02040503050406030204" pitchFamily="18" charset="0"/>
                                     </a:rPr>
                                     <m:t>𝐶</m:t>
@@ -5263,7 +5600,7 @@
                                 </m:e>
                                 <m:sub>
                                   <m:r>
-                                    <a:rPr kumimoji="1" lang="en-US" altLang="ja-JP" b="0" i="1" smtClean="0">
+                                    <a:rPr lang="en-US" altLang="ja-JP" i="1">
                                       <a:latin typeface="Cambria Math" panose="02040503050406030204" pitchFamily="18" charset="0"/>
                                     </a:rPr>
                                     <m:t>𝑃𝐷</m:t>
@@ -5273,7 +5610,7 @@
                             </m:e>
                           </m:d>
                           <m:r>
-                            <a:rPr kumimoji="1" lang="en-US" altLang="ja-JP" b="0" i="1" smtClean="0">
+                            <a:rPr lang="en-US" altLang="ja-JP" b="0" i="1" smtClean="0">
                               <a:latin typeface="Cambria Math" panose="02040503050406030204" pitchFamily="18" charset="0"/>
                             </a:rPr>
                             <m:t>+</m:t>
@@ -5281,14 +5618,14 @@
                           <m:sSub>
                             <m:sSubPr>
                               <m:ctrlPr>
-                                <a:rPr kumimoji="1" lang="en-US" altLang="ja-JP" b="0" i="1" smtClean="0">
+                                <a:rPr lang="en-US" altLang="ja-JP" b="0" i="1" smtClean="0">
                                   <a:latin typeface="Cambria Math" panose="02040503050406030204" pitchFamily="18" charset="0"/>
                                 </a:rPr>
                               </m:ctrlPr>
                             </m:sSubPr>
                             <m:e>
                               <m:r>
-                                <a:rPr kumimoji="1" lang="en-US" altLang="ja-JP" b="0" i="1" smtClean="0">
+                                <a:rPr lang="en-US" altLang="ja-JP" b="0" i="1" smtClean="0">
                                   <a:latin typeface="Cambria Math" panose="02040503050406030204" pitchFamily="18" charset="0"/>
                                 </a:rPr>
                                 <m:t>𝐺</m:t>
@@ -5296,154 +5633,155 @@
                             </m:e>
                             <m:sub>
                               <m:r>
-                                <a:rPr kumimoji="1" lang="en-US" altLang="ja-JP" b="0" i="1" smtClean="0">
+                                <a:rPr lang="en-US" altLang="ja-JP" b="0" i="1" smtClean="0">
                                   <a:latin typeface="Cambria Math" panose="02040503050406030204" pitchFamily="18" charset="0"/>
                                 </a:rPr>
                                 <m:t>𝐶</m:t>
                               </m:r>
                             </m:sub>
                           </m:sSub>
-                          <m:d>
-                            <m:dPr>
+                          <m:r>
+                            <a:rPr lang="en-US" altLang="ja-JP" b="0" i="1" smtClean="0">
+                              <a:latin typeface="Cambria Math" panose="02040503050406030204" pitchFamily="18" charset="0"/>
+                            </a:rPr>
+                            <m:t>(</m:t>
+                          </m:r>
+                          <m:sSub>
+                            <m:sSubPr>
                               <m:ctrlPr>
-                                <a:rPr kumimoji="1" lang="en-US" altLang="ja-JP" b="0" i="1" smtClean="0">
+                                <a:rPr lang="en-US" altLang="ja-JP" b="0" i="1" smtClean="0">
                                   <a:latin typeface="Cambria Math" panose="02040503050406030204" pitchFamily="18" charset="0"/>
                                 </a:rPr>
                               </m:ctrlPr>
-                            </m:dPr>
+                            </m:sSubPr>
                             <m:e>
-                              <m:sSub>
-                                <m:sSubPr>
-                                  <m:ctrlPr>
-                                    <a:rPr kumimoji="1" lang="en-US" altLang="ja-JP" b="0" i="1" smtClean="0">
-                                      <a:latin typeface="Cambria Math" panose="02040503050406030204" pitchFamily="18" charset="0"/>
-                                    </a:rPr>
-                                  </m:ctrlPr>
-                                </m:sSubPr>
-                                <m:e>
-                                  <m:r>
-                                    <a:rPr kumimoji="1" lang="en-US" altLang="ja-JP" b="0" i="1" smtClean="0">
-                                      <a:latin typeface="Cambria Math" panose="02040503050406030204" pitchFamily="18" charset="0"/>
-                                    </a:rPr>
-                                    <m:t>𝐺</m:t>
-                                  </m:r>
-                                </m:e>
-                                <m:sub>
-                                  <m:r>
-                                    <a:rPr kumimoji="1" lang="en-US" altLang="ja-JP" b="0" i="1" smtClean="0">
-                                      <a:latin typeface="Cambria Math" panose="02040503050406030204" pitchFamily="18" charset="0"/>
-                                    </a:rPr>
-                                    <m:t>𝐶𝐸</m:t>
-                                  </m:r>
-                                </m:sub>
-                              </m:sSub>
                               <m:r>
-                                <a:rPr kumimoji="1" lang="en-US" altLang="ja-JP" b="0" i="1" smtClean="0">
+                                <a:rPr lang="en-US" altLang="ja-JP" b="0" i="1" smtClean="0">
                                   <a:latin typeface="Cambria Math" panose="02040503050406030204" pitchFamily="18" charset="0"/>
                                 </a:rPr>
-                                <m:t>+</m:t>
+                                <m:t>𝐺</m:t>
                               </m:r>
-                              <m:sSub>
-                                <m:sSubPr>
-                                  <m:ctrlPr>
-                                    <a:rPr kumimoji="1" lang="en-US" altLang="ja-JP" b="0" i="1" smtClean="0">
-                                      <a:latin typeface="Cambria Math" panose="02040503050406030204" pitchFamily="18" charset="0"/>
-                                    </a:rPr>
-                                  </m:ctrlPr>
-                                </m:sSubPr>
-                                <m:e>
-                                  <m:r>
-                                    <a:rPr kumimoji="1" lang="en-US" altLang="ja-JP" b="0" i="1" smtClean="0">
-                                      <a:latin typeface="Cambria Math" panose="02040503050406030204" pitchFamily="18" charset="0"/>
-                                    </a:rPr>
-                                    <m:t>𝑔</m:t>
-                                  </m:r>
-                                </m:e>
-                                <m:sub>
-                                  <m:r>
-                                    <a:rPr kumimoji="1" lang="en-US" altLang="ja-JP" b="0" i="1" smtClean="0">
-                                      <a:latin typeface="Cambria Math" panose="02040503050406030204" pitchFamily="18" charset="0"/>
-                                    </a:rPr>
-                                    <m:t>𝑚</m:t>
-                                  </m:r>
-                                </m:sub>
-                              </m:sSub>
+                            </m:e>
+                            <m:sub>
                               <m:r>
-                                <a:rPr kumimoji="1" lang="en-US" altLang="ja-JP" b="0" i="1" smtClean="0">
+                                <a:rPr lang="en-US" altLang="ja-JP" b="0" i="1" smtClean="0">
                                   <a:latin typeface="Cambria Math" panose="02040503050406030204" pitchFamily="18" charset="0"/>
                                 </a:rPr>
-                                <m:t>+</m:t>
+                                <m:t>𝐶𝐸</m:t>
                               </m:r>
-                              <m:sSub>
-                                <m:sSubPr>
-                                  <m:ctrlPr>
-                                    <a:rPr kumimoji="1" lang="en-US" altLang="ja-JP" b="0" i="1" smtClean="0">
-                                      <a:latin typeface="Cambria Math" panose="02040503050406030204" pitchFamily="18" charset="0"/>
-                                    </a:rPr>
-                                  </m:ctrlPr>
-                                </m:sSubPr>
-                                <m:e>
-                                  <m:r>
-                                    <a:rPr kumimoji="1" lang="en-US" altLang="ja-JP" b="0" i="1" smtClean="0">
-                                      <a:latin typeface="Cambria Math" panose="02040503050406030204" pitchFamily="18" charset="0"/>
-                                    </a:rPr>
-                                    <m:t>𝑔</m:t>
-                                  </m:r>
-                                </m:e>
-                                <m:sub>
-                                  <m:r>
-                                    <a:rPr kumimoji="1" lang="en-US" altLang="ja-JP" b="0" i="1" smtClean="0">
-                                      <a:latin typeface="Cambria Math" panose="02040503050406030204" pitchFamily="18" charset="0"/>
-                                    </a:rPr>
-                                    <m:t>𝑐𝑒</m:t>
-                                  </m:r>
-                                </m:sub>
-                              </m:sSub>
-                              <m:r>
-                                <a:rPr kumimoji="1" lang="en-US" altLang="ja-JP" b="0" i="1" smtClean="0">
+                            </m:sub>
+                          </m:sSub>
+                          <m:r>
+                            <a:rPr lang="en-US" altLang="ja-JP" b="0" i="1" smtClean="0">
+                              <a:latin typeface="Cambria Math" panose="02040503050406030204" pitchFamily="18" charset="0"/>
+                            </a:rPr>
+                            <m:t>+</m:t>
+                          </m:r>
+                          <m:sSub>
+                            <m:sSubPr>
+                              <m:ctrlPr>
+                                <a:rPr lang="en-US" altLang="ja-JP" b="0" i="1" smtClean="0">
                                   <a:latin typeface="Cambria Math" panose="02040503050406030204" pitchFamily="18" charset="0"/>
                                 </a:rPr>
-                                <m:t>+</m:t>
-                              </m:r>
+                              </m:ctrlPr>
+                            </m:sSubPr>
+                            <m:e>
                               <m:r>
-                                <a:rPr kumimoji="1" lang="en-US" altLang="ja-JP" b="0" i="1" smtClean="0">
+                                <a:rPr lang="en-US" altLang="ja-JP" b="0" i="1" smtClean="0">
                                   <a:latin typeface="Cambria Math" panose="02040503050406030204" pitchFamily="18" charset="0"/>
                                 </a:rPr>
-                                <m:t>𝑗</m:t>
+                                <m:t>𝑔</m:t>
                               </m:r>
+                            </m:e>
+                            <m:sub>
                               <m:r>
-                                <a:rPr kumimoji="1" lang="en-US" altLang="ja-JP" b="0" i="1" smtClean="0">
+                                <a:rPr lang="en-US" altLang="ja-JP" b="0" i="1" smtClean="0">
                                   <a:latin typeface="Cambria Math" panose="02040503050406030204" pitchFamily="18" charset="0"/>
                                 </a:rPr>
-                                <m:t>𝜔</m:t>
+                                <m:t>𝑚</m:t>
                               </m:r>
-                              <m:sSub>
-                                <m:sSubPr>
-                                  <m:ctrlPr>
-                                    <a:rPr kumimoji="1" lang="en-US" altLang="ja-JP" b="0" i="1" smtClean="0">
-                                      <a:latin typeface="Cambria Math" panose="02040503050406030204" pitchFamily="18" charset="0"/>
-                                    </a:rPr>
-                                  </m:ctrlPr>
-                                </m:sSubPr>
-                                <m:e>
-                                  <m:r>
-                                    <a:rPr kumimoji="1" lang="en-US" altLang="ja-JP" b="0" i="1" smtClean="0">
-                                      <a:latin typeface="Cambria Math" panose="02040503050406030204" pitchFamily="18" charset="0"/>
-                                    </a:rPr>
-                                    <m:t>𝐶</m:t>
-                                  </m:r>
-                                </m:e>
-                                <m:sub>
-                                  <m:r>
-                                    <a:rPr kumimoji="1" lang="en-US" altLang="ja-JP" b="0" i="1" smtClean="0">
-                                      <a:latin typeface="Cambria Math" panose="02040503050406030204" pitchFamily="18" charset="0"/>
-                                    </a:rPr>
-                                    <m:t>𝑃𝐷</m:t>
-                                  </m:r>
-                                </m:sub>
-                              </m:sSub>
+                            </m:sub>
+                          </m:sSub>
+                          <m:r>
+                            <a:rPr lang="en-US" altLang="ja-JP" b="0" i="1" smtClean="0">
+                              <a:latin typeface="Cambria Math" panose="02040503050406030204" pitchFamily="18" charset="0"/>
+                            </a:rPr>
+                            <m:t>+</m:t>
+                          </m:r>
+                          <m:sSub>
+                            <m:sSubPr>
+                              <m:ctrlPr>
+                                <a:rPr lang="en-US" altLang="ja-JP" b="0" i="1" smtClean="0">
+                                  <a:latin typeface="Cambria Math" panose="02040503050406030204" pitchFamily="18" charset="0"/>
+                                </a:rPr>
+                              </m:ctrlPr>
+                            </m:sSubPr>
+                            <m:e>
+                              <m:r>
+                                <a:rPr lang="en-US" altLang="ja-JP" b="0" i="1" smtClean="0">
+                                  <a:latin typeface="Cambria Math" panose="02040503050406030204" pitchFamily="18" charset="0"/>
+                                </a:rPr>
+                                <m:t>𝑔</m:t>
+                              </m:r>
                             </m:e>
-                          </m:d>
+                            <m:sub>
+                              <m:r>
+                                <a:rPr lang="en-US" altLang="ja-JP" b="0" i="1" smtClean="0">
+                                  <a:latin typeface="Cambria Math" panose="02040503050406030204" pitchFamily="18" charset="0"/>
+                                </a:rPr>
+                                <m:t>𝑐𝑒</m:t>
+                              </m:r>
+                            </m:sub>
+                          </m:sSub>
+                          <m:r>
+                            <a:rPr lang="en-US" altLang="ja-JP" b="0" i="1" smtClean="0">
+                              <a:latin typeface="Cambria Math" panose="02040503050406030204" pitchFamily="18" charset="0"/>
+                            </a:rPr>
+                            <m:t>+</m:t>
+                          </m:r>
+                          <m:r>
+                            <a:rPr lang="en-US" altLang="ja-JP" b="0" i="1" smtClean="0">
+                              <a:latin typeface="Cambria Math" panose="02040503050406030204" pitchFamily="18" charset="0"/>
+                            </a:rPr>
+                            <m:t>𝑗</m:t>
+                          </m:r>
+                          <m:r>
+                            <a:rPr lang="en-US" altLang="ja-JP" b="0" i="1" smtClean="0">
+                              <a:latin typeface="Cambria Math" panose="02040503050406030204" pitchFamily="18" charset="0"/>
+                            </a:rPr>
+                            <m:t>𝜔</m:t>
+                          </m:r>
+                          <m:sSub>
+                            <m:sSubPr>
+                              <m:ctrlPr>
+                                <a:rPr lang="en-US" altLang="ja-JP" b="0" i="1" smtClean="0">
+                                  <a:latin typeface="Cambria Math" panose="02040503050406030204" pitchFamily="18" charset="0"/>
+                                </a:rPr>
+                              </m:ctrlPr>
+                            </m:sSubPr>
+                            <m:e>
+                              <m:r>
+                                <a:rPr lang="en-US" altLang="ja-JP" b="0" i="1" smtClean="0">
+                                  <a:latin typeface="Cambria Math" panose="02040503050406030204" pitchFamily="18" charset="0"/>
+                                </a:rPr>
+                                <m:t>𝐶</m:t>
+                              </m:r>
+                            </m:e>
+                            <m:sub>
+                              <m:r>
+                                <a:rPr lang="en-US" altLang="ja-JP" b="0" i="1" smtClean="0">
+                                  <a:latin typeface="Cambria Math" panose="02040503050406030204" pitchFamily="18" charset="0"/>
+                                </a:rPr>
+                                <m:t>𝑃𝐷</m:t>
+                              </m:r>
+                            </m:sub>
+                          </m:sSub>
+                          <m:r>
+                            <a:rPr lang="en-US" altLang="ja-JP" b="0" i="1" smtClean="0">
+                              <a:latin typeface="Cambria Math" panose="02040503050406030204" pitchFamily="18" charset="0"/>
+                            </a:rPr>
+                            <m:t>)</m:t>
+                          </m:r>
                         </m:den>
                       </m:f>
                     </m:oMath>
@@ -5457,10 +5795,10 @@
         <mc:Fallback>
           <p:sp>
             <p:nvSpPr>
-              <p:cNvPr id="6" name="テキスト ボックス 5">
+              <p:cNvPr id="7" name="テキスト ボックス 6">
                 <a:extLst>
                   <a:ext uri="{FF2B5EF4-FFF2-40B4-BE49-F238E27FC236}">
-                    <a16:creationId xmlns:a16="http://schemas.microsoft.com/office/drawing/2014/main" id="{8C2ADD4F-CAD3-9260-D0A6-4178CC23ECC6}"/>
+                    <a16:creationId xmlns:a16="http://schemas.microsoft.com/office/drawing/2014/main" id="{4000E3BC-B8C9-3D1F-9C83-BF6736430393}"/>
                   </a:ext>
                 </a:extLst>
               </p:cNvPr>
@@ -5471,16 +5809,775 @@
             </p:nvSpPr>
             <p:spPr>
               <a:xfrm>
-                <a:off x="4915949" y="5125673"/>
-                <a:ext cx="6493079" cy="1198085"/>
+                <a:off x="6365966" y="3344091"/>
+                <a:ext cx="5573485" cy="1442767"/>
               </a:xfrm>
               <a:prstGeom prst="rect">
                 <a:avLst/>
               </a:prstGeom>
               <a:blipFill>
-                <a:blip r:embed="rId5"/>
+                <a:blip r:embed="rId2"/>
                 <a:stretch>
-                  <a:fillRect l="-750" t="-3061"/>
+                  <a:fillRect l="-874" t="-2119"/>
+                </a:stretch>
+              </a:blipFill>
+            </p:spPr>
+            <p:txBody>
+              <a:bodyPr/>
+              <a:lstStyle/>
+              <a:p>
+                <a:r>
+                  <a:rPr lang="ja-JP" altLang="en-US">
+                    <a:noFill/>
+                  </a:rPr>
+                  <a:t> </a:t>
+                </a:r>
+              </a:p>
+            </p:txBody>
+          </p:sp>
+        </mc:Fallback>
+      </mc:AlternateContent>
+      <p:pic>
+        <p:nvPicPr>
+          <p:cNvPr id="8" name="図 7" descr="グラフィカル ユーザー インターフェイス, ダイアグラム, アプリケーション&#10;&#10;自動的に生成された説明">
+            <a:extLst>
+              <a:ext uri="{FF2B5EF4-FFF2-40B4-BE49-F238E27FC236}">
+                <a16:creationId xmlns:a16="http://schemas.microsoft.com/office/drawing/2014/main" id="{45980258-1355-6D75-70CF-5E37C9874581}"/>
+              </a:ext>
+            </a:extLst>
+          </p:cNvPr>
+          <p:cNvPicPr>
+            <a:picLocks noChangeAspect="1"/>
+          </p:cNvPicPr>
+          <p:nvPr/>
+        </p:nvPicPr>
+        <p:blipFill>
+          <a:blip r:embed="rId3">
+            <a:extLst>
+              <a:ext uri="{28A0092B-C50C-407E-A947-70E740481C1C}">
+                <a14:useLocalDpi xmlns:a14="http://schemas.microsoft.com/office/drawing/2010/main" val="0"/>
+              </a:ext>
+            </a:extLst>
+          </a:blip>
+          <a:stretch>
+            <a:fillRect/>
+          </a:stretch>
+        </p:blipFill>
+        <p:spPr>
+          <a:xfrm>
+            <a:off x="60960" y="1604684"/>
+            <a:ext cx="5703940" cy="4358862"/>
+          </a:xfrm>
+          <a:prstGeom prst="rect">
+            <a:avLst/>
+          </a:prstGeom>
+        </p:spPr>
+      </p:pic>
+    </p:spTree>
+    <p:extLst>
+      <p:ext uri="{BB962C8B-B14F-4D97-AF65-F5344CB8AC3E}">
+        <p14:creationId xmlns:p14="http://schemas.microsoft.com/office/powerpoint/2010/main" val="1139699864"/>
+      </p:ext>
+    </p:extLst>
+  </p:cSld>
+  <p:clrMapOvr>
+    <a:masterClrMapping/>
+  </p:clrMapOvr>
+</p:sld>
+</file>
+
+<file path=ppt/slides/slide4.xml><?xml version="1.0" encoding="utf-8"?>
+<p:sld xmlns:a="http://schemas.openxmlformats.org/drawingml/2006/main" xmlns:r="http://schemas.openxmlformats.org/officeDocument/2006/relationships" xmlns:p="http://schemas.openxmlformats.org/presentationml/2006/main">
+  <p:cSld>
+    <p:spTree>
+      <p:nvGrpSpPr>
+        <p:cNvPr id="1" name=""/>
+        <p:cNvGrpSpPr/>
+        <p:nvPr/>
+      </p:nvGrpSpPr>
+      <p:grpSpPr>
+        <a:xfrm>
+          <a:off x="0" y="0"/>
+          <a:ext cx="0" cy="0"/>
+          <a:chOff x="0" y="0"/>
+          <a:chExt cx="0" cy="0"/>
+        </a:xfrm>
+      </p:grpSpPr>
+      <p:sp>
+        <p:nvSpPr>
+          <p:cNvPr id="2" name="タイトル 1">
+            <a:extLst>
+              <a:ext uri="{FF2B5EF4-FFF2-40B4-BE49-F238E27FC236}">
+                <a16:creationId xmlns:a16="http://schemas.microsoft.com/office/drawing/2014/main" id="{69D6AAB2-AB4E-7A00-2370-2F0AEF3825C8}"/>
+              </a:ext>
+            </a:extLst>
+          </p:cNvPr>
+          <p:cNvSpPr>
+            <a:spLocks noGrp="1"/>
+          </p:cNvSpPr>
+          <p:nvPr>
+            <p:ph type="title"/>
+          </p:nvPr>
+        </p:nvSpPr>
+        <p:spPr/>
+        <p:txBody>
+          <a:bodyPr/>
+          <a:lstStyle/>
+          <a:p>
+            <a:r>
+              <a:rPr lang="en-US" altLang="ja-JP" dirty="0"/>
+              <a:t>TIA</a:t>
+            </a:r>
+            <a:r>
+              <a:rPr lang="ja-JP" altLang="en-US" dirty="0"/>
+              <a:t>全体の等価回路</a:t>
+            </a:r>
+            <a:endParaRPr kumimoji="1" lang="ja-JP" altLang="en-US" dirty="0"/>
+          </a:p>
+        </p:txBody>
+      </p:sp>
+      <p:sp>
+        <p:nvSpPr>
+          <p:cNvPr id="3" name="日付プレースホルダー 2">
+            <a:extLst>
+              <a:ext uri="{FF2B5EF4-FFF2-40B4-BE49-F238E27FC236}">
+                <a16:creationId xmlns:a16="http://schemas.microsoft.com/office/drawing/2014/main" id="{F3F544C0-9957-AE34-6322-5FDA25D68D96}"/>
+              </a:ext>
+            </a:extLst>
+          </p:cNvPr>
+          <p:cNvSpPr>
+            <a:spLocks noGrp="1"/>
+          </p:cNvSpPr>
+          <p:nvPr>
+            <p:ph type="dt" sz="half" idx="10"/>
+          </p:nvPr>
+        </p:nvSpPr>
+        <p:spPr/>
+        <p:txBody>
+          <a:bodyPr/>
+          <a:lstStyle/>
+          <a:p>
+            <a:fld id="{D960D7A0-95E9-4E80-AEE1-2416C3BC5BFF}" type="datetime1">
+              <a:rPr kumimoji="1" lang="ja-JP" altLang="en-US" smtClean="0"/>
+              <a:t>2024/6/23</a:t>
+            </a:fld>
+            <a:endParaRPr kumimoji="1" lang="ja-JP" altLang="en-US"/>
+          </a:p>
+        </p:txBody>
+      </p:sp>
+      <p:sp>
+        <p:nvSpPr>
+          <p:cNvPr id="4" name="スライド番号プレースホルダー 3">
+            <a:extLst>
+              <a:ext uri="{FF2B5EF4-FFF2-40B4-BE49-F238E27FC236}">
+                <a16:creationId xmlns:a16="http://schemas.microsoft.com/office/drawing/2014/main" id="{A12D8E08-F89E-E571-9969-45FF84A01F6A}"/>
+              </a:ext>
+            </a:extLst>
+          </p:cNvPr>
+          <p:cNvSpPr>
+            <a:spLocks noGrp="1"/>
+          </p:cNvSpPr>
+          <p:nvPr>
+            <p:ph type="sldNum" sz="quarter" idx="12"/>
+          </p:nvPr>
+        </p:nvSpPr>
+        <p:spPr/>
+        <p:txBody>
+          <a:bodyPr/>
+          <a:lstStyle/>
+          <a:p>
+            <a:fld id="{6294761A-CFE9-4878-87A7-90ECABD59CE5}" type="slidenum">
+              <a:rPr kumimoji="1" lang="ja-JP" altLang="en-US" smtClean="0"/>
+              <a:t>4</a:t>
+            </a:fld>
+            <a:endParaRPr kumimoji="1" lang="ja-JP" altLang="en-US"/>
+          </a:p>
+        </p:txBody>
+      </p:sp>
+      <p:sp>
+        <p:nvSpPr>
+          <p:cNvPr id="5" name="フッター プレースホルダー 4">
+            <a:extLst>
+              <a:ext uri="{FF2B5EF4-FFF2-40B4-BE49-F238E27FC236}">
+                <a16:creationId xmlns:a16="http://schemas.microsoft.com/office/drawing/2014/main" id="{4620E760-D425-39DE-D4B8-DFF27299C670}"/>
+              </a:ext>
+            </a:extLst>
+          </p:cNvPr>
+          <p:cNvSpPr>
+            <a:spLocks noGrp="1"/>
+          </p:cNvSpPr>
+          <p:nvPr>
+            <p:ph type="ftr" sz="quarter" idx="3"/>
+          </p:nvPr>
+        </p:nvSpPr>
+        <p:spPr/>
+        <p:txBody>
+          <a:bodyPr/>
+          <a:lstStyle/>
+          <a:p>
+            <a:r>
+              <a:rPr lang="en-US" altLang="ja-JP"/>
+              <a:t>Wave Signal Processing Circuit Laboratory,  Meiji University</a:t>
+            </a:r>
+            <a:endParaRPr lang="en-US" altLang="ja-JP" dirty="0"/>
+          </a:p>
+        </p:txBody>
+      </p:sp>
+      <p:pic>
+        <p:nvPicPr>
+          <p:cNvPr id="6" name="図 5" descr="テキスト が含まれている画像&#10;&#10;自動的に生成された説明">
+            <a:extLst>
+              <a:ext uri="{FF2B5EF4-FFF2-40B4-BE49-F238E27FC236}">
+                <a16:creationId xmlns:a16="http://schemas.microsoft.com/office/drawing/2014/main" id="{E61D3BF7-EF8E-D62F-E44E-F8A9B2D23F16}"/>
+              </a:ext>
+            </a:extLst>
+          </p:cNvPr>
+          <p:cNvPicPr>
+            <a:picLocks noChangeAspect="1"/>
+          </p:cNvPicPr>
+          <p:nvPr/>
+        </p:nvPicPr>
+        <p:blipFill>
+          <a:blip r:embed="rId2">
+            <a:extLst>
+              <a:ext uri="{28A0092B-C50C-407E-A947-70E740481C1C}">
+                <a14:useLocalDpi xmlns:a14="http://schemas.microsoft.com/office/drawing/2010/main" val="0"/>
+              </a:ext>
+            </a:extLst>
+          </a:blip>
+          <a:stretch>
+            <a:fillRect/>
+          </a:stretch>
+        </p:blipFill>
+        <p:spPr>
+          <a:xfrm>
+            <a:off x="577835" y="1399470"/>
+            <a:ext cx="4191394" cy="2634272"/>
+          </a:xfrm>
+          <a:prstGeom prst="rect">
+            <a:avLst/>
+          </a:prstGeom>
+        </p:spPr>
+      </p:pic>
+      <p:pic>
+        <p:nvPicPr>
+          <p:cNvPr id="8" name="図 7" descr="グラフィカル ユーザー インターフェイス, アプリケーション&#10;&#10;自動的に生成された説明">
+            <a:extLst>
+              <a:ext uri="{FF2B5EF4-FFF2-40B4-BE49-F238E27FC236}">
+                <a16:creationId xmlns:a16="http://schemas.microsoft.com/office/drawing/2014/main" id="{BCA20F71-5118-005A-AEB9-63FB03311759}"/>
+              </a:ext>
+            </a:extLst>
+          </p:cNvPr>
+          <p:cNvPicPr>
+            <a:picLocks noChangeAspect="1"/>
+          </p:cNvPicPr>
+          <p:nvPr/>
+        </p:nvPicPr>
+        <p:blipFill>
+          <a:blip r:embed="rId3">
+            <a:extLst>
+              <a:ext uri="{28A0092B-C50C-407E-A947-70E740481C1C}">
+                <a14:useLocalDpi xmlns:a14="http://schemas.microsoft.com/office/drawing/2010/main" val="0"/>
+              </a:ext>
+            </a:extLst>
+          </a:blip>
+          <a:stretch>
+            <a:fillRect/>
+          </a:stretch>
+        </p:blipFill>
+        <p:spPr>
+          <a:xfrm>
+            <a:off x="5021328" y="1399470"/>
+            <a:ext cx="6592837" cy="4105664"/>
+          </a:xfrm>
+          <a:prstGeom prst="rect">
+            <a:avLst/>
+          </a:prstGeom>
+        </p:spPr>
+      </p:pic>
+      <mc:AlternateContent xmlns:mc="http://schemas.openxmlformats.org/markup-compatibility/2006">
+        <mc:Choice xmlns:a14="http://schemas.microsoft.com/office/drawing/2010/main" Requires="a14">
+          <p:sp>
+            <p:nvSpPr>
+              <p:cNvPr id="9" name="テキスト ボックス 8">
+                <a:extLst>
+                  <a:ext uri="{FF2B5EF4-FFF2-40B4-BE49-F238E27FC236}">
+                    <a16:creationId xmlns:a16="http://schemas.microsoft.com/office/drawing/2014/main" id="{69097F89-4C44-33C9-28A0-839D6185A0B9}"/>
+                  </a:ext>
+                </a:extLst>
+              </p:cNvPr>
+              <p:cNvSpPr txBox="1"/>
+              <p:nvPr/>
+            </p:nvSpPr>
+            <p:spPr>
+              <a:xfrm>
+                <a:off x="484065" y="4267747"/>
+                <a:ext cx="4676503" cy="2203808"/>
+              </a:xfrm>
+              <a:prstGeom prst="rect">
+                <a:avLst/>
+              </a:prstGeom>
+              <a:noFill/>
+            </p:spPr>
+            <p:txBody>
+              <a:bodyPr wrap="square" rtlCol="0">
+                <a:spAutoFit/>
+              </a:bodyPr>
+              <a:lstStyle/>
+              <a:p>
+                <a:r>
+                  <a:rPr lang="ja-JP" altLang="en-US" dirty="0"/>
+                  <a:t>これは</a:t>
+                </a:r>
+                <a:r>
+                  <a:rPr lang="en-US" altLang="ja-JP" dirty="0"/>
+                  <a:t>PD</a:t>
+                </a:r>
+                <a:r>
+                  <a:rPr lang="ja-JP" altLang="en-US" dirty="0"/>
+                  <a:t>の寄生容量のみ考えた等価回路と構造がほぼ同じ。</a:t>
+                </a:r>
+                <a:endParaRPr lang="en-US" altLang="ja-JP" dirty="0"/>
+              </a:p>
+              <a:p>
+                <a14:m>
+                  <m:oMath xmlns:m="http://schemas.openxmlformats.org/officeDocument/2006/math">
+                    <m:sSub>
+                      <m:sSubPr>
+                        <m:ctrlPr>
+                          <a:rPr kumimoji="1" lang="en-US" altLang="ja-JP" b="0" i="1" smtClean="0">
+                            <a:latin typeface="Cambria Math" panose="02040503050406030204" pitchFamily="18" charset="0"/>
+                          </a:rPr>
+                        </m:ctrlPr>
+                      </m:sSubPr>
+                      <m:e>
+                        <m:r>
+                          <a:rPr kumimoji="1" lang="en-US" altLang="ja-JP" b="0" i="1" smtClean="0">
+                            <a:latin typeface="Cambria Math" panose="02040503050406030204" pitchFamily="18" charset="0"/>
+                          </a:rPr>
+                          <m:t>𝐶</m:t>
+                        </m:r>
+                      </m:e>
+                      <m:sub>
+                        <m:r>
+                          <a:rPr kumimoji="1" lang="en-US" altLang="ja-JP" b="0" i="1" smtClean="0">
+                            <a:latin typeface="Cambria Math" panose="02040503050406030204" pitchFamily="18" charset="0"/>
+                          </a:rPr>
+                          <m:t>𝑃𝐷</m:t>
+                        </m:r>
+                      </m:sub>
+                    </m:sSub>
+                  </m:oMath>
+                </a14:m>
+                <a:r>
+                  <a:rPr kumimoji="1" lang="ja-JP" altLang="en-US" dirty="0"/>
+                  <a:t>と並列に</a:t>
+                </a:r>
+                <a14:m>
+                  <m:oMath xmlns:m="http://schemas.openxmlformats.org/officeDocument/2006/math">
+                    <m:sSub>
+                      <m:sSubPr>
+                        <m:ctrlPr>
+                          <a:rPr kumimoji="1" lang="en-US" altLang="ja-JP" b="0" i="1" smtClean="0">
+                            <a:latin typeface="Cambria Math" panose="02040503050406030204" pitchFamily="18" charset="0"/>
+                          </a:rPr>
+                        </m:ctrlPr>
+                      </m:sSubPr>
+                      <m:e>
+                        <m:r>
+                          <a:rPr kumimoji="1" lang="en-US" altLang="ja-JP" b="0" i="1" smtClean="0">
+                            <a:latin typeface="Cambria Math" panose="02040503050406030204" pitchFamily="18" charset="0"/>
+                          </a:rPr>
+                          <m:t>𝐶</m:t>
+                        </m:r>
+                      </m:e>
+                      <m:sub>
+                        <m:r>
+                          <a:rPr kumimoji="1" lang="en-US" altLang="ja-JP" b="0" i="1" smtClean="0">
+                            <a:latin typeface="Cambria Math" panose="02040503050406030204" pitchFamily="18" charset="0"/>
+                          </a:rPr>
+                          <m:t>𝑗𝑒</m:t>
+                        </m:r>
+                      </m:sub>
+                    </m:sSub>
+                  </m:oMath>
+                </a14:m>
+                <a:r>
+                  <a:rPr kumimoji="1" lang="ja-JP" altLang="en-US" dirty="0"/>
+                  <a:t>を、</a:t>
+                </a:r>
+                <a14:m>
+                  <m:oMath xmlns:m="http://schemas.openxmlformats.org/officeDocument/2006/math">
+                    <m:sSub>
+                      <m:sSubPr>
+                        <m:ctrlPr>
+                          <a:rPr kumimoji="1" lang="en-US" altLang="ja-JP" b="0" i="1" smtClean="0">
+                            <a:latin typeface="Cambria Math" panose="02040503050406030204" pitchFamily="18" charset="0"/>
+                          </a:rPr>
+                        </m:ctrlPr>
+                      </m:sSubPr>
+                      <m:e>
+                        <m:r>
+                          <a:rPr kumimoji="1" lang="en-US" altLang="ja-JP" b="0" i="1" smtClean="0">
+                            <a:latin typeface="Cambria Math" panose="02040503050406030204" pitchFamily="18" charset="0"/>
+                          </a:rPr>
+                          <m:t>𝑅</m:t>
+                        </m:r>
+                      </m:e>
+                      <m:sub>
+                        <m:r>
+                          <a:rPr kumimoji="1" lang="en-US" altLang="ja-JP" b="0" i="1" smtClean="0">
+                            <a:latin typeface="Cambria Math" panose="02040503050406030204" pitchFamily="18" charset="0"/>
+                          </a:rPr>
+                          <m:t>𝐶</m:t>
+                        </m:r>
+                      </m:sub>
+                    </m:sSub>
+                  </m:oMath>
+                </a14:m>
+                <a:r>
+                  <a:rPr kumimoji="1" lang="ja-JP" altLang="en-US" dirty="0"/>
+                  <a:t>と並列に</a:t>
+                </a:r>
+                <a14:m>
+                  <m:oMath xmlns:m="http://schemas.openxmlformats.org/officeDocument/2006/math">
+                    <m:sSub>
+                      <m:sSubPr>
+                        <m:ctrlPr>
+                          <a:rPr kumimoji="1" lang="en-US" altLang="ja-JP" b="0" i="1" smtClean="0">
+                            <a:latin typeface="Cambria Math" panose="02040503050406030204" pitchFamily="18" charset="0"/>
+                          </a:rPr>
+                        </m:ctrlPr>
+                      </m:sSubPr>
+                      <m:e>
+                        <m:r>
+                          <a:rPr kumimoji="1" lang="en-US" altLang="ja-JP" b="0" i="1" smtClean="0">
+                            <a:latin typeface="Cambria Math" panose="02040503050406030204" pitchFamily="18" charset="0"/>
+                          </a:rPr>
+                          <m:t>𝐶</m:t>
+                        </m:r>
+                      </m:e>
+                      <m:sub>
+                        <m:r>
+                          <a:rPr kumimoji="1" lang="en-US" altLang="ja-JP" b="0" i="1" smtClean="0">
+                            <a:latin typeface="Cambria Math" panose="02040503050406030204" pitchFamily="18" charset="0"/>
+                          </a:rPr>
+                          <m:t>𝑗𝑐</m:t>
+                        </m:r>
+                      </m:sub>
+                    </m:sSub>
+                  </m:oMath>
+                </a14:m>
+                <a:r>
+                  <a:rPr kumimoji="1" lang="ja-JP" altLang="en-US" dirty="0"/>
+                  <a:t>を付加したのみなので</a:t>
+                </a:r>
+                <a:r>
+                  <a:rPr kumimoji="1" lang="en-US" altLang="ja-JP" dirty="0"/>
+                  <a:t>PD</a:t>
+                </a:r>
+                <a:r>
+                  <a:rPr kumimoji="1" lang="ja-JP" altLang="en-US" dirty="0"/>
+                  <a:t>のみの伝達インピーダンスの式に</a:t>
+                </a:r>
+                <a:endParaRPr kumimoji="1" lang="en-US" altLang="ja-JP" dirty="0"/>
+              </a:p>
+              <a:p>
+                <a14:m>
+                  <m:oMath xmlns:m="http://schemas.openxmlformats.org/officeDocument/2006/math">
+                    <m:sSub>
+                      <m:sSubPr>
+                        <m:ctrlPr>
+                          <a:rPr kumimoji="1" lang="en-US" altLang="ja-JP" b="0" i="1" smtClean="0">
+                            <a:latin typeface="Cambria Math" panose="02040503050406030204" pitchFamily="18" charset="0"/>
+                          </a:rPr>
+                        </m:ctrlPr>
+                      </m:sSubPr>
+                      <m:e>
+                        <m:r>
+                          <a:rPr kumimoji="1" lang="en-US" altLang="ja-JP" b="0" i="1" smtClean="0">
+                            <a:latin typeface="Cambria Math" panose="02040503050406030204" pitchFamily="18" charset="0"/>
+                          </a:rPr>
+                          <m:t>𝐶</m:t>
+                        </m:r>
+                      </m:e>
+                      <m:sub>
+                        <m:r>
+                          <a:rPr kumimoji="1" lang="en-US" altLang="ja-JP" b="0" i="1" smtClean="0">
+                            <a:latin typeface="Cambria Math" panose="02040503050406030204" pitchFamily="18" charset="0"/>
+                          </a:rPr>
+                          <m:t>𝑃𝐷</m:t>
+                        </m:r>
+                      </m:sub>
+                    </m:sSub>
+                    <m:r>
+                      <a:rPr kumimoji="1" lang="en-US" altLang="ja-JP" b="0" i="1" smtClean="0">
+                        <a:latin typeface="Cambria Math" panose="02040503050406030204" pitchFamily="18" charset="0"/>
+                      </a:rPr>
+                      <m:t>=</m:t>
+                    </m:r>
+                    <m:sSub>
+                      <m:sSubPr>
+                        <m:ctrlPr>
+                          <a:rPr kumimoji="1" lang="en-US" altLang="ja-JP" b="0" i="1" smtClean="0">
+                            <a:latin typeface="Cambria Math" panose="02040503050406030204" pitchFamily="18" charset="0"/>
+                          </a:rPr>
+                        </m:ctrlPr>
+                      </m:sSubPr>
+                      <m:e>
+                        <m:r>
+                          <a:rPr kumimoji="1" lang="en-US" altLang="ja-JP" b="0" i="1" smtClean="0">
+                            <a:latin typeface="Cambria Math" panose="02040503050406030204" pitchFamily="18" charset="0"/>
+                          </a:rPr>
+                          <m:t>𝐶</m:t>
+                        </m:r>
+                      </m:e>
+                      <m:sub>
+                        <m:r>
+                          <a:rPr kumimoji="1" lang="en-US" altLang="ja-JP" b="0" i="1" smtClean="0">
+                            <a:latin typeface="Cambria Math" panose="02040503050406030204" pitchFamily="18" charset="0"/>
+                          </a:rPr>
+                          <m:t>𝑃𝐷</m:t>
+                        </m:r>
+                      </m:sub>
+                    </m:sSub>
+                    <m:r>
+                      <a:rPr kumimoji="1" lang="en-US" altLang="ja-JP" b="0" i="1" smtClean="0">
+                        <a:latin typeface="Cambria Math" panose="02040503050406030204" pitchFamily="18" charset="0"/>
+                      </a:rPr>
+                      <m:t>+</m:t>
+                    </m:r>
+                    <m:sSub>
+                      <m:sSubPr>
+                        <m:ctrlPr>
+                          <a:rPr kumimoji="1" lang="en-US" altLang="ja-JP" b="0" i="1" smtClean="0">
+                            <a:latin typeface="Cambria Math" panose="02040503050406030204" pitchFamily="18" charset="0"/>
+                          </a:rPr>
+                        </m:ctrlPr>
+                      </m:sSubPr>
+                      <m:e>
+                        <m:r>
+                          <a:rPr kumimoji="1" lang="en-US" altLang="ja-JP" b="0" i="1" smtClean="0">
+                            <a:latin typeface="Cambria Math" panose="02040503050406030204" pitchFamily="18" charset="0"/>
+                          </a:rPr>
+                          <m:t>𝐶</m:t>
+                        </m:r>
+                      </m:e>
+                      <m:sub>
+                        <m:r>
+                          <a:rPr kumimoji="1" lang="en-US" altLang="ja-JP" b="0" i="1" smtClean="0">
+                            <a:latin typeface="Cambria Math" panose="02040503050406030204" pitchFamily="18" charset="0"/>
+                          </a:rPr>
+                          <m:t>𝑗𝑒</m:t>
+                        </m:r>
+                      </m:sub>
+                    </m:sSub>
+                  </m:oMath>
+                </a14:m>
+                <a:r>
+                  <a:rPr kumimoji="1" lang="ja-JP" altLang="en-US" dirty="0"/>
+                  <a:t>、</a:t>
+                </a:r>
+                <a14:m>
+                  <m:oMath xmlns:m="http://schemas.openxmlformats.org/officeDocument/2006/math">
+                    <m:sSub>
+                      <m:sSubPr>
+                        <m:ctrlPr>
+                          <a:rPr kumimoji="1" lang="en-US" altLang="ja-JP" b="0" i="1" dirty="0" smtClean="0">
+                            <a:latin typeface="Cambria Math" panose="02040503050406030204" pitchFamily="18" charset="0"/>
+                          </a:rPr>
+                        </m:ctrlPr>
+                      </m:sSubPr>
+                      <m:e>
+                        <m:r>
+                          <a:rPr kumimoji="1" lang="en-US" altLang="ja-JP" b="0" i="1" dirty="0" smtClean="0">
+                            <a:latin typeface="Cambria Math" panose="02040503050406030204" pitchFamily="18" charset="0"/>
+                          </a:rPr>
+                          <m:t>𝐺</m:t>
+                        </m:r>
+                      </m:e>
+                      <m:sub>
+                        <m:r>
+                          <a:rPr kumimoji="1" lang="en-US" altLang="ja-JP" b="0" i="1" dirty="0" smtClean="0">
+                            <a:latin typeface="Cambria Math" panose="02040503050406030204" pitchFamily="18" charset="0"/>
+                          </a:rPr>
+                          <m:t>𝐶</m:t>
+                        </m:r>
+                      </m:sub>
+                    </m:sSub>
+                    <m:r>
+                      <a:rPr kumimoji="1" lang="en-US" altLang="ja-JP" b="0" i="1" dirty="0" smtClean="0">
+                        <a:latin typeface="Cambria Math" panose="02040503050406030204" pitchFamily="18" charset="0"/>
+                      </a:rPr>
+                      <m:t>=</m:t>
+                    </m:r>
+                    <m:sSubSup>
+                      <m:sSubSupPr>
+                        <m:ctrlPr>
+                          <a:rPr kumimoji="1" lang="en-US" altLang="ja-JP" b="0" i="1" dirty="0" smtClean="0">
+                            <a:latin typeface="Cambria Math" panose="02040503050406030204" pitchFamily="18" charset="0"/>
+                          </a:rPr>
+                        </m:ctrlPr>
+                      </m:sSubSupPr>
+                      <m:e>
+                        <m:r>
+                          <a:rPr kumimoji="1" lang="en-US" altLang="ja-JP" b="0" i="1" dirty="0" smtClean="0">
+                            <a:latin typeface="Cambria Math" panose="02040503050406030204" pitchFamily="18" charset="0"/>
+                          </a:rPr>
+                          <m:t>𝐺</m:t>
+                        </m:r>
+                      </m:e>
+                      <m:sub>
+                        <m:r>
+                          <a:rPr kumimoji="1" lang="en-US" altLang="ja-JP" b="0" i="1" dirty="0" smtClean="0">
+                            <a:latin typeface="Cambria Math" panose="02040503050406030204" pitchFamily="18" charset="0"/>
+                          </a:rPr>
+                          <m:t>𝐶</m:t>
+                        </m:r>
+                      </m:sub>
+                      <m:sup>
+                        <m:r>
+                          <a:rPr kumimoji="1" lang="en-US" altLang="ja-JP" b="0" i="1" dirty="0" smtClean="0">
+                            <a:latin typeface="Cambria Math" panose="02040503050406030204" pitchFamily="18" charset="0"/>
+                          </a:rPr>
+                          <m:t>′</m:t>
+                        </m:r>
+                      </m:sup>
+                    </m:sSubSup>
+                    <m:r>
+                      <a:rPr kumimoji="1" lang="en-US" altLang="ja-JP" b="0" i="1" dirty="0" smtClean="0">
+                        <a:latin typeface="Cambria Math" panose="02040503050406030204" pitchFamily="18" charset="0"/>
+                      </a:rPr>
+                      <m:t>≔</m:t>
+                    </m:r>
+                    <m:f>
+                      <m:fPr>
+                        <m:ctrlPr>
+                          <a:rPr kumimoji="1" lang="en-US" altLang="ja-JP" b="0" i="1" dirty="0" smtClean="0">
+                            <a:latin typeface="Cambria Math" panose="02040503050406030204" pitchFamily="18" charset="0"/>
+                          </a:rPr>
+                        </m:ctrlPr>
+                      </m:fPr>
+                      <m:num>
+                        <m:r>
+                          <a:rPr kumimoji="1" lang="en-US" altLang="ja-JP" b="0" i="1" dirty="0" smtClean="0">
+                            <a:latin typeface="Cambria Math" panose="02040503050406030204" pitchFamily="18" charset="0"/>
+                          </a:rPr>
+                          <m:t>1</m:t>
+                        </m:r>
+                      </m:num>
+                      <m:den>
+                        <m:sSub>
+                          <m:sSubPr>
+                            <m:ctrlPr>
+                              <a:rPr kumimoji="1" lang="en-US" altLang="ja-JP" b="0" i="1" dirty="0" smtClean="0">
+                                <a:latin typeface="Cambria Math" panose="02040503050406030204" pitchFamily="18" charset="0"/>
+                              </a:rPr>
+                            </m:ctrlPr>
+                          </m:sSubPr>
+                          <m:e>
+                            <m:r>
+                              <a:rPr kumimoji="1" lang="en-US" altLang="ja-JP" b="0" i="1" dirty="0" smtClean="0">
+                                <a:latin typeface="Cambria Math" panose="02040503050406030204" pitchFamily="18" charset="0"/>
+                              </a:rPr>
+                              <m:t>𝑅</m:t>
+                            </m:r>
+                          </m:e>
+                          <m:sub>
+                            <m:r>
+                              <a:rPr kumimoji="1" lang="en-US" altLang="ja-JP" b="0" i="1" dirty="0" smtClean="0">
+                                <a:latin typeface="Cambria Math" panose="02040503050406030204" pitchFamily="18" charset="0"/>
+                              </a:rPr>
+                              <m:t>𝐶</m:t>
+                            </m:r>
+                          </m:sub>
+                        </m:sSub>
+                      </m:den>
+                    </m:f>
+                    <m:r>
+                      <a:rPr kumimoji="1" lang="en-US" altLang="ja-JP" b="0" i="1" dirty="0" smtClean="0">
+                        <a:latin typeface="Cambria Math" panose="02040503050406030204" pitchFamily="18" charset="0"/>
+                      </a:rPr>
+                      <m:t>+</m:t>
+                    </m:r>
+                    <m:r>
+                      <a:rPr kumimoji="1" lang="en-US" altLang="ja-JP" b="0" i="1" dirty="0" smtClean="0">
+                        <a:latin typeface="Cambria Math" panose="02040503050406030204" pitchFamily="18" charset="0"/>
+                      </a:rPr>
+                      <m:t>𝑗</m:t>
+                    </m:r>
+                    <m:r>
+                      <a:rPr kumimoji="1" lang="en-US" altLang="ja-JP" b="0" i="1" dirty="0" smtClean="0">
+                        <a:latin typeface="Cambria Math" panose="02040503050406030204" pitchFamily="18" charset="0"/>
+                      </a:rPr>
+                      <m:t>𝜔</m:t>
+                    </m:r>
+                    <m:sSub>
+                      <m:sSubPr>
+                        <m:ctrlPr>
+                          <a:rPr kumimoji="1" lang="en-US" altLang="ja-JP" b="0" i="1" dirty="0" smtClean="0">
+                            <a:latin typeface="Cambria Math" panose="02040503050406030204" pitchFamily="18" charset="0"/>
+                          </a:rPr>
+                        </m:ctrlPr>
+                      </m:sSubPr>
+                      <m:e>
+                        <m:r>
+                          <a:rPr kumimoji="1" lang="en-US" altLang="ja-JP" b="0" i="1" dirty="0" smtClean="0">
+                            <a:latin typeface="Cambria Math" panose="02040503050406030204" pitchFamily="18" charset="0"/>
+                          </a:rPr>
+                          <m:t>𝐶</m:t>
+                        </m:r>
+                      </m:e>
+                      <m:sub>
+                        <m:r>
+                          <a:rPr kumimoji="1" lang="en-US" altLang="ja-JP" b="0" i="1" dirty="0" smtClean="0">
+                            <a:latin typeface="Cambria Math" panose="02040503050406030204" pitchFamily="18" charset="0"/>
+                          </a:rPr>
+                          <m:t>𝑗𝑐</m:t>
+                        </m:r>
+                      </m:sub>
+                    </m:sSub>
+                  </m:oMath>
+                </a14:m>
+                <a:endParaRPr kumimoji="1" lang="en-US" altLang="ja-JP" dirty="0"/>
+              </a:p>
+              <a:p>
+                <a:r>
+                  <a:rPr lang="ja-JP" altLang="en-US" dirty="0"/>
+                  <a:t>を代入すればよい。</a:t>
+                </a:r>
+                <a:endParaRPr kumimoji="1" lang="en-US" altLang="ja-JP" dirty="0"/>
+              </a:p>
+            </p:txBody>
+          </p:sp>
+        </mc:Choice>
+        <mc:Fallback>
+          <p:sp>
+            <p:nvSpPr>
+              <p:cNvPr id="9" name="テキスト ボックス 8">
+                <a:extLst>
+                  <a:ext uri="{FF2B5EF4-FFF2-40B4-BE49-F238E27FC236}">
+                    <a16:creationId xmlns:a16="http://schemas.microsoft.com/office/drawing/2014/main" id="{69097F89-4C44-33C9-28A0-839D6185A0B9}"/>
+                  </a:ext>
+                </a:extLst>
+              </p:cNvPr>
+              <p:cNvSpPr txBox="1">
+                <a:spLocks noRot="1" noChangeAspect="1" noMove="1" noResize="1" noEditPoints="1" noAdjustHandles="1" noChangeArrowheads="1" noChangeShapeType="1" noTextEdit="1"/>
+              </p:cNvSpPr>
+              <p:nvPr/>
+            </p:nvSpPr>
+            <p:spPr>
+              <a:xfrm>
+                <a:off x="484065" y="4267747"/>
+                <a:ext cx="4676503" cy="2203808"/>
+              </a:xfrm>
+              <a:prstGeom prst="rect">
+                <a:avLst/>
+              </a:prstGeom>
+              <a:blipFill>
+                <a:blip r:embed="rId4"/>
+                <a:stretch>
+                  <a:fillRect l="-1042" t="-1381" r="-260" b="-3315"/>
                 </a:stretch>
               </a:blipFill>
             </p:spPr>
@@ -5502,7 +6599,7 @@
     </p:spTree>
     <p:extLst>
       <p:ext uri="{BB962C8B-B14F-4D97-AF65-F5344CB8AC3E}">
-        <p14:creationId xmlns:p14="http://schemas.microsoft.com/office/powerpoint/2010/main" val="2110979291"/>
+        <p14:creationId xmlns:p14="http://schemas.microsoft.com/office/powerpoint/2010/main" val="239697870"/>
       </p:ext>
     </p:extLst>
   </p:cSld>
@@ -5512,7 +6609,7 @@
 </p:sld>
 </file>
 
-<file path=ppt/slides/slide3.xml><?xml version="1.0" encoding="utf-8"?>
+<file path=ppt/slides/slide5.xml><?xml version="1.0" encoding="utf-8"?>
 <p:sld xmlns:a="http://schemas.openxmlformats.org/drawingml/2006/main" xmlns:r="http://schemas.openxmlformats.org/officeDocument/2006/relationships" xmlns:p="http://schemas.openxmlformats.org/presentationml/2006/main">
   <p:cSld>
     <p:spTree>
@@ -5534,7 +6631,7 @@
           <p:cNvPr id="2" name="タイトル 1">
             <a:extLst>
               <a:ext uri="{FF2B5EF4-FFF2-40B4-BE49-F238E27FC236}">
-                <a16:creationId xmlns:a16="http://schemas.microsoft.com/office/drawing/2014/main" id="{E5AC12E9-75BE-E325-2576-8997DBC3A51A}"/>
+                <a16:creationId xmlns:a16="http://schemas.microsoft.com/office/drawing/2014/main" id="{20CD9D5C-7095-63A4-F1D9-5B37AE4260F0}"/>
               </a:ext>
             </a:extLst>
           </p:cNvPr>
@@ -5550,15 +6647,7 @@
           <a:bodyPr/>
           <a:lstStyle/>
           <a:p>
-            <a:r>
-              <a:rPr kumimoji="1" lang="ja-JP" altLang="en-US" dirty="0"/>
-              <a:t>寄生容量を考慮した</a:t>
-            </a:r>
-            <a:r>
-              <a:rPr kumimoji="1" lang="en-US" altLang="ja-JP" dirty="0"/>
-              <a:t>TIA</a:t>
-            </a:r>
-            <a:endParaRPr kumimoji="1" lang="ja-JP" altLang="en-US" dirty="0"/>
+            <a:endParaRPr kumimoji="1" lang="ja-JP" altLang="en-US"/>
           </a:p>
         </p:txBody>
       </p:sp>
@@ -5567,7 +6656,7 @@
           <p:cNvPr id="3" name="日付プレースホルダー 2">
             <a:extLst>
               <a:ext uri="{FF2B5EF4-FFF2-40B4-BE49-F238E27FC236}">
-                <a16:creationId xmlns:a16="http://schemas.microsoft.com/office/drawing/2014/main" id="{C2006390-1722-37CE-C488-C25B1E021D67}"/>
+                <a16:creationId xmlns:a16="http://schemas.microsoft.com/office/drawing/2014/main" id="{2C09280F-5AF9-F3A5-C351-8225ABED3CB5}"/>
               </a:ext>
             </a:extLst>
           </p:cNvPr>
@@ -5585,7 +6674,7 @@
           <a:p>
             <a:fld id="{D960D7A0-95E9-4E80-AEE1-2416C3BC5BFF}" type="datetime1">
               <a:rPr kumimoji="1" lang="ja-JP" altLang="en-US" smtClean="0"/>
-              <a:t>2024/6/26</a:t>
+              <a:t>2024/6/23</a:t>
             </a:fld>
             <a:endParaRPr kumimoji="1" lang="ja-JP" altLang="en-US"/>
           </a:p>
@@ -5596,7 +6685,7 @@
           <p:cNvPr id="4" name="スライド番号プレースホルダー 3">
             <a:extLst>
               <a:ext uri="{FF2B5EF4-FFF2-40B4-BE49-F238E27FC236}">
-                <a16:creationId xmlns:a16="http://schemas.microsoft.com/office/drawing/2014/main" id="{9B7C8C01-1FEF-A5E1-9FAF-16F8D06F0201}"/>
+                <a16:creationId xmlns:a16="http://schemas.microsoft.com/office/drawing/2014/main" id="{1B9EFF4B-0CEC-79C0-CDBC-CC09F1454260}"/>
               </a:ext>
             </a:extLst>
           </p:cNvPr>
@@ -5614,7 +6703,7 @@
           <a:p>
             <a:fld id="{6294761A-CFE9-4878-87A7-90ECABD59CE5}" type="slidenum">
               <a:rPr kumimoji="1" lang="ja-JP" altLang="en-US" smtClean="0"/>
-              <a:t>3</a:t>
+              <a:t>5</a:t>
             </a:fld>
             <a:endParaRPr kumimoji="1" lang="ja-JP" altLang="en-US"/>
           </a:p>
@@ -5625,7 +6714,7 @@
           <p:cNvPr id="5" name="フッター プレースホルダー 4">
             <a:extLst>
               <a:ext uri="{FF2B5EF4-FFF2-40B4-BE49-F238E27FC236}">
-                <a16:creationId xmlns:a16="http://schemas.microsoft.com/office/drawing/2014/main" id="{93247282-C760-E67A-85AF-84B127FF4BCC}"/>
+                <a16:creationId xmlns:a16="http://schemas.microsoft.com/office/drawing/2014/main" id="{F991CE13-547C-2FD4-E356-553578BA6BC7}"/>
               </a:ext>
             </a:extLst>
           </p:cNvPr>
@@ -5649,12 +6738,199 @@
           </a:p>
         </p:txBody>
       </p:sp>
+      <p:sp>
+        <p:nvSpPr>
+          <p:cNvPr id="6" name="テキスト ボックス 5">
+            <a:extLst>
+              <a:ext uri="{FF2B5EF4-FFF2-40B4-BE49-F238E27FC236}">
+                <a16:creationId xmlns:a16="http://schemas.microsoft.com/office/drawing/2014/main" id="{1FB03CDB-297D-BCD5-77AA-DB2874FFF7B6}"/>
+              </a:ext>
+            </a:extLst>
+          </p:cNvPr>
+          <p:cNvSpPr txBox="1"/>
+          <p:nvPr/>
+        </p:nvSpPr>
+        <p:spPr>
+          <a:xfrm>
+            <a:off x="2159726" y="3417332"/>
+            <a:ext cx="7402286" cy="369332"/>
+          </a:xfrm>
+          <a:prstGeom prst="rect">
+            <a:avLst/>
+          </a:prstGeom>
+          <a:noFill/>
+        </p:spPr>
+        <p:txBody>
+          <a:bodyPr wrap="square" rtlCol="0">
+            <a:spAutoFit/>
+          </a:bodyPr>
+          <a:lstStyle/>
+          <a:p>
+            <a:pPr algn="ctr"/>
+            <a:r>
+              <a:rPr lang="ja-JP" altLang="en-US" dirty="0"/>
+              <a:t>小信号解析結果</a:t>
+            </a:r>
+            <a:endParaRPr kumimoji="1" lang="ja-JP" altLang="en-US" dirty="0"/>
+          </a:p>
+        </p:txBody>
+      </p:sp>
+    </p:spTree>
+    <p:extLst>
+      <p:ext uri="{BB962C8B-B14F-4D97-AF65-F5344CB8AC3E}">
+        <p14:creationId xmlns:p14="http://schemas.microsoft.com/office/powerpoint/2010/main" val="815944994"/>
+      </p:ext>
+    </p:extLst>
+  </p:cSld>
+  <p:clrMapOvr>
+    <a:masterClrMapping/>
+  </p:clrMapOvr>
+</p:sld>
+</file>
+
+<file path=ppt/slides/slide6.xml><?xml version="1.0" encoding="utf-8"?>
+<p:sld xmlns:a="http://schemas.openxmlformats.org/drawingml/2006/main" xmlns:r="http://schemas.openxmlformats.org/officeDocument/2006/relationships" xmlns:p="http://schemas.openxmlformats.org/presentationml/2006/main">
+  <p:cSld>
+    <p:spTree>
+      <p:nvGrpSpPr>
+        <p:cNvPr id="1" name=""/>
+        <p:cNvGrpSpPr/>
+        <p:nvPr/>
+      </p:nvGrpSpPr>
+      <p:grpSpPr>
+        <a:xfrm>
+          <a:off x="0" y="0"/>
+          <a:ext cx="0" cy="0"/>
+          <a:chOff x="0" y="0"/>
+          <a:chExt cx="0" cy="0"/>
+        </a:xfrm>
+      </p:grpSpPr>
+      <p:sp>
+        <p:nvSpPr>
+          <p:cNvPr id="2" name="タイトル 1">
+            <a:extLst>
+              <a:ext uri="{FF2B5EF4-FFF2-40B4-BE49-F238E27FC236}">
+                <a16:creationId xmlns:a16="http://schemas.microsoft.com/office/drawing/2014/main" id="{9B80B2BA-1689-3E64-590D-799E477047E4}"/>
+              </a:ext>
+            </a:extLst>
+          </p:cNvPr>
+          <p:cNvSpPr>
+            <a:spLocks noGrp="1"/>
+          </p:cNvSpPr>
+          <p:nvPr>
+            <p:ph type="title"/>
+          </p:nvPr>
+        </p:nvSpPr>
+        <p:spPr/>
+        <p:txBody>
+          <a:bodyPr/>
+          <a:lstStyle/>
+          <a:p>
+            <a:r>
+              <a:rPr lang="en-US" altLang="ja-JP" dirty="0"/>
+              <a:t>TIA</a:t>
+            </a:r>
+            <a:r>
+              <a:rPr lang="ja-JP" altLang="en-US" dirty="0"/>
+              <a:t>全体の等価回路</a:t>
+            </a:r>
+            <a:endParaRPr kumimoji="1" lang="ja-JP" altLang="en-US" dirty="0"/>
+          </a:p>
+        </p:txBody>
+      </p:sp>
+      <p:sp>
+        <p:nvSpPr>
+          <p:cNvPr id="3" name="日付プレースホルダー 2">
+            <a:extLst>
+              <a:ext uri="{FF2B5EF4-FFF2-40B4-BE49-F238E27FC236}">
+                <a16:creationId xmlns:a16="http://schemas.microsoft.com/office/drawing/2014/main" id="{A1B6980A-74CE-2528-FC27-4803C5D313D2}"/>
+              </a:ext>
+            </a:extLst>
+          </p:cNvPr>
+          <p:cNvSpPr>
+            <a:spLocks noGrp="1"/>
+          </p:cNvSpPr>
+          <p:nvPr>
+            <p:ph type="dt" sz="half" idx="10"/>
+          </p:nvPr>
+        </p:nvSpPr>
+        <p:spPr/>
+        <p:txBody>
+          <a:bodyPr/>
+          <a:lstStyle/>
+          <a:p>
+            <a:fld id="{D960D7A0-95E9-4E80-AEE1-2416C3BC5BFF}" type="datetime1">
+              <a:rPr kumimoji="1" lang="ja-JP" altLang="en-US" smtClean="0"/>
+              <a:t>2024/6/23</a:t>
+            </a:fld>
+            <a:endParaRPr kumimoji="1" lang="ja-JP" altLang="en-US"/>
+          </a:p>
+        </p:txBody>
+      </p:sp>
+      <p:sp>
+        <p:nvSpPr>
+          <p:cNvPr id="4" name="スライド番号プレースホルダー 3">
+            <a:extLst>
+              <a:ext uri="{FF2B5EF4-FFF2-40B4-BE49-F238E27FC236}">
+                <a16:creationId xmlns:a16="http://schemas.microsoft.com/office/drawing/2014/main" id="{8BFCF765-8CA1-84C5-9357-731FC1547613}"/>
+              </a:ext>
+            </a:extLst>
+          </p:cNvPr>
+          <p:cNvSpPr>
+            <a:spLocks noGrp="1"/>
+          </p:cNvSpPr>
+          <p:nvPr>
+            <p:ph type="sldNum" sz="quarter" idx="12"/>
+          </p:nvPr>
+        </p:nvSpPr>
+        <p:spPr/>
+        <p:txBody>
+          <a:bodyPr/>
+          <a:lstStyle/>
+          <a:p>
+            <a:fld id="{6294761A-CFE9-4878-87A7-90ECABD59CE5}" type="slidenum">
+              <a:rPr kumimoji="1" lang="ja-JP" altLang="en-US" smtClean="0"/>
+              <a:t>6</a:t>
+            </a:fld>
+            <a:endParaRPr kumimoji="1" lang="ja-JP" altLang="en-US"/>
+          </a:p>
+        </p:txBody>
+      </p:sp>
+      <p:sp>
+        <p:nvSpPr>
+          <p:cNvPr id="5" name="フッター プレースホルダー 4">
+            <a:extLst>
+              <a:ext uri="{FF2B5EF4-FFF2-40B4-BE49-F238E27FC236}">
+                <a16:creationId xmlns:a16="http://schemas.microsoft.com/office/drawing/2014/main" id="{9B31AFBD-EF90-B8DA-B729-FE7FFF7A4D28}"/>
+              </a:ext>
+            </a:extLst>
+          </p:cNvPr>
+          <p:cNvSpPr>
+            <a:spLocks noGrp="1"/>
+          </p:cNvSpPr>
+          <p:nvPr>
+            <p:ph type="ftr" sz="quarter" idx="3"/>
+          </p:nvPr>
+        </p:nvSpPr>
+        <p:spPr/>
+        <p:txBody>
+          <a:bodyPr/>
+          <a:lstStyle/>
+          <a:p>
+            <a:r>
+              <a:rPr lang="en-US" altLang="ja-JP"/>
+              <a:t>Wave Signal Processing Circuit Laboratory,  Meiji University</a:t>
+            </a:r>
+            <a:endParaRPr lang="en-US" altLang="ja-JP" dirty="0"/>
+          </a:p>
+        </p:txBody>
+      </p:sp>
       <p:pic>
         <p:nvPicPr>
-          <p:cNvPr id="6" name="図 5" descr="テキスト が含まれている画像&#10;&#10;自動的に生成された説明">
-            <a:extLst>
-              <a:ext uri="{FF2B5EF4-FFF2-40B4-BE49-F238E27FC236}">
-                <a16:creationId xmlns:a16="http://schemas.microsoft.com/office/drawing/2014/main" id="{13579062-4551-1105-D085-08B572FDBA03}"/>
+          <p:cNvPr id="8" name="図 7" descr="グラフ&#10;&#10;自動的に生成された説明">
+            <a:extLst>
+              <a:ext uri="{FF2B5EF4-FFF2-40B4-BE49-F238E27FC236}">
+                <a16:creationId xmlns:a16="http://schemas.microsoft.com/office/drawing/2014/main" id="{3A81F779-2A5E-3B2D-0770-8EFEA9D09355}"/>
               </a:ext>
             </a:extLst>
           </p:cNvPr>
@@ -5677,18 +6953,61 @@
         </p:blipFill>
         <p:spPr>
           <a:xfrm>
-            <a:off x="370853" y="1242825"/>
-            <a:ext cx="4191394" cy="2634272"/>
+            <a:off x="740229" y="1390278"/>
+            <a:ext cx="6957724" cy="4870407"/>
           </a:xfrm>
           <a:prstGeom prst="rect">
             <a:avLst/>
           </a:prstGeom>
         </p:spPr>
       </p:pic>
+      <p:sp>
+        <p:nvSpPr>
+          <p:cNvPr id="10" name="テキスト ボックス 9">
+            <a:extLst>
+              <a:ext uri="{FF2B5EF4-FFF2-40B4-BE49-F238E27FC236}">
+                <a16:creationId xmlns:a16="http://schemas.microsoft.com/office/drawing/2014/main" id="{CD23B76C-1F9A-9E4C-3FA1-83230E636C92}"/>
+              </a:ext>
+            </a:extLst>
+          </p:cNvPr>
+          <p:cNvSpPr txBox="1"/>
+          <p:nvPr/>
+        </p:nvSpPr>
+        <p:spPr>
+          <a:xfrm>
+            <a:off x="7114903" y="3272135"/>
+            <a:ext cx="4841966" cy="646331"/>
+          </a:xfrm>
+          <a:prstGeom prst="rect">
+            <a:avLst/>
+          </a:prstGeom>
+          <a:noFill/>
+        </p:spPr>
+        <p:txBody>
+          <a:bodyPr wrap="square" rtlCol="0">
+            <a:spAutoFit/>
+          </a:bodyPr>
+          <a:lstStyle/>
+          <a:p>
+            <a:r>
+              <a:rPr kumimoji="1" lang="ja-JP" altLang="en-US" dirty="0"/>
+              <a:t>等価回路を解いた得られた特性と</a:t>
+            </a:r>
+            <a:r>
+              <a:rPr kumimoji="1" lang="en-US" altLang="ja-JP" dirty="0" err="1"/>
+              <a:t>LTSpice</a:t>
+            </a:r>
+            <a:r>
+              <a:rPr kumimoji="1" lang="ja-JP" altLang="en-US" dirty="0"/>
+              <a:t>でのシミュレーションは完全に一致していた。</a:t>
+            </a:r>
+          </a:p>
+        </p:txBody>
+      </p:sp>
     </p:spTree>
     <p:extLst>
       <p:ext uri="{BB962C8B-B14F-4D97-AF65-F5344CB8AC3E}">
-        <p14:creationId xmlns:p14="http://schemas.microsoft.com/office/powerpoint/2010/main" val="1958786331"/>
+        <p14:creationId xmlns:p14="http://schemas.microsoft.com/office/powerpoint/2010/main" val="2278178408"/>
       </p:ext>
     </p:extLst>
   </p:cSld>

--- a/IHP_2024/20240628/プレゼンテーション2.pptx
+++ b/IHP_2024/20240628/プレゼンテーション2.pptx
@@ -5,7 +5,7 @@
     <p:sldMasterId id="2147483648" r:id="rId1"/>
   </p:sldMasterIdLst>
   <p:notesMasterIdLst>
-    <p:notesMasterId r:id="rId8"/>
+    <p:notesMasterId r:id="rId9"/>
   </p:notesMasterIdLst>
   <p:sldIdLst>
     <p:sldId id="256" r:id="rId2"/>
@@ -14,6 +14,7 @@
     <p:sldId id="259" r:id="rId5"/>
     <p:sldId id="261" r:id="rId6"/>
     <p:sldId id="260" r:id="rId7"/>
+    <p:sldId id="262" r:id="rId8"/>
   </p:sldIdLst>
   <p:sldSz cx="12192000" cy="6858000"/>
   <p:notesSz cx="6858000" cy="9144000"/>
@@ -202,7 +203,7 @@
           <a:p>
             <a:fld id="{F8456487-DC86-474A-B4EE-F658698A396D}" type="datetimeFigureOut">
               <a:rPr kumimoji="1" lang="ja-JP" altLang="en-US" smtClean="0"/>
-              <a:t>2024/6/23</a:t>
+              <a:t>2024/6/26</a:t>
             </a:fld>
             <a:endParaRPr kumimoji="1" lang="ja-JP" altLang="en-US"/>
           </a:p>
@@ -659,7 +660,7 @@
           <a:p>
             <a:fld id="{4C0442CF-CD45-410F-900D-B06704BF6C90}" type="datetime1">
               <a:rPr kumimoji="1" lang="ja-JP" altLang="en-US" smtClean="0"/>
-              <a:t>2024/6/23</a:t>
+              <a:t>2024/6/26</a:t>
             </a:fld>
             <a:endParaRPr kumimoji="1" lang="ja-JP" altLang="en-US"/>
           </a:p>
@@ -975,7 +976,7 @@
           <a:p>
             <a:fld id="{802B0828-AE1D-42CB-9A09-03366CD2626D}" type="datetime1">
               <a:rPr kumimoji="1" lang="ja-JP" altLang="en-US" smtClean="0"/>
-              <a:t>2024/6/23</a:t>
+              <a:t>2024/6/26</a:t>
             </a:fld>
             <a:endParaRPr kumimoji="1" lang="ja-JP" altLang="en-US"/>
           </a:p>
@@ -1234,7 +1235,7 @@
           <a:p>
             <a:fld id="{DBDB4898-A77B-4B71-A5F2-60FD53D81565}" type="datetime1">
               <a:rPr kumimoji="1" lang="ja-JP" altLang="en-US" smtClean="0"/>
-              <a:t>2024/6/23</a:t>
+              <a:t>2024/6/26</a:t>
             </a:fld>
             <a:endParaRPr kumimoji="1" lang="ja-JP" altLang="en-US"/>
           </a:p>
@@ -1488,7 +1489,7 @@
           <a:p>
             <a:fld id="{F21E823E-4A8F-4F8D-99D0-5753B75E78B1}" type="datetime1">
               <a:rPr kumimoji="1" lang="ja-JP" altLang="en-US" smtClean="0"/>
-              <a:t>2024/6/23</a:t>
+              <a:t>2024/6/26</a:t>
             </a:fld>
             <a:endParaRPr kumimoji="1" lang="ja-JP" altLang="en-US"/>
           </a:p>
@@ -1860,7 +1861,7 @@
           <a:p>
             <a:fld id="{5367934E-58FB-4511-9666-12A5D53E0F74}" type="datetime1">
               <a:rPr kumimoji="1" lang="ja-JP" altLang="en-US" smtClean="0"/>
-              <a:t>2024/6/23</a:t>
+              <a:t>2024/6/26</a:t>
             </a:fld>
             <a:endParaRPr kumimoji="1" lang="ja-JP" altLang="en-US"/>
           </a:p>
@@ -2208,7 +2209,7 @@
           <a:p>
             <a:fld id="{8484A307-6848-4705-A236-7BA58849FDD0}" type="datetime1">
               <a:rPr kumimoji="1" lang="ja-JP" altLang="en-US" smtClean="0"/>
-              <a:t>2024/6/23</a:t>
+              <a:t>2024/6/26</a:t>
             </a:fld>
             <a:endParaRPr kumimoji="1" lang="ja-JP" altLang="en-US"/>
           </a:p>
@@ -2703,7 +2704,7 @@
           <a:p>
             <a:fld id="{9CC0390C-2B75-4759-8339-FF240D97D93F}" type="datetime1">
               <a:rPr kumimoji="1" lang="ja-JP" altLang="en-US" smtClean="0"/>
-              <a:t>2024/6/23</a:t>
+              <a:t>2024/6/26</a:t>
             </a:fld>
             <a:endParaRPr kumimoji="1" lang="ja-JP" altLang="en-US"/>
           </a:p>
@@ -2868,7 +2869,7 @@
           <a:p>
             <a:fld id="{D960D7A0-95E9-4E80-AEE1-2416C3BC5BFF}" type="datetime1">
               <a:rPr kumimoji="1" lang="ja-JP" altLang="en-US" smtClean="0"/>
-              <a:t>2024/6/23</a:t>
+              <a:t>2024/6/26</a:t>
             </a:fld>
             <a:endParaRPr kumimoji="1" lang="ja-JP" altLang="en-US"/>
           </a:p>
@@ -3067,7 +3068,7 @@
           <a:p>
             <a:fld id="{8596BAF5-8095-4F11-95EE-1BA9D667A88E}" type="datetime1">
               <a:rPr kumimoji="1" lang="ja-JP" altLang="en-US" smtClean="0"/>
-              <a:t>2024/6/23</a:t>
+              <a:t>2024/6/26</a:t>
             </a:fld>
             <a:endParaRPr kumimoji="1" lang="ja-JP" altLang="en-US"/>
           </a:p>
@@ -3496,7 +3497,7 @@
           <a:p>
             <a:fld id="{7CAE0A53-1732-44BE-985C-3E9D7CDE6368}" type="datetime1">
               <a:rPr kumimoji="1" lang="ja-JP" altLang="en-US" smtClean="0"/>
-              <a:t>2024/6/23</a:t>
+              <a:t>2024/6/26</a:t>
             </a:fld>
             <a:endParaRPr kumimoji="1" lang="ja-JP" altLang="en-US"/>
           </a:p>
@@ -3806,7 +3807,7 @@
           <a:p>
             <a:fld id="{12B3F8AE-6ACF-42D3-BD0C-E9F840DFABEE}" type="datetime1">
               <a:rPr kumimoji="1" lang="ja-JP" altLang="en-US" smtClean="0"/>
-              <a:t>2024/6/23</a:t>
+              <a:t>2024/6/26</a:t>
             </a:fld>
             <a:endParaRPr kumimoji="1" lang="ja-JP" altLang="en-US"/>
           </a:p>
@@ -4156,7 +4157,7 @@
           <a:p>
             <a:fld id="{14B0ED59-9B55-4884-9B2D-C61E880B635C}" type="datetime1">
               <a:rPr lang="ja-JP" altLang="en-US" smtClean="0"/>
-              <a:t>2024/6/23</a:t>
+              <a:t>2024/6/26</a:t>
             </a:fld>
             <a:endParaRPr lang="ja-JP" altLang="en-US" dirty="0"/>
           </a:p>
@@ -4751,7 +4752,7 @@
           <a:p>
             <a:fld id="{DADC9ED9-85F4-47C6-A7CC-5CD27ABB7CC3}" type="datetime1">
               <a:rPr kumimoji="1" lang="ja-JP" altLang="en-US" smtClean="0"/>
-              <a:t>2024/6/23</a:t>
+              <a:t>2024/6/26</a:t>
             </a:fld>
             <a:endParaRPr kumimoji="1" lang="ja-JP" altLang="en-US"/>
           </a:p>
@@ -4876,7 +4877,7 @@
           <a:p>
             <a:fld id="{D960D7A0-95E9-4E80-AEE1-2416C3BC5BFF}" type="datetime1">
               <a:rPr kumimoji="1" lang="ja-JP" altLang="en-US" smtClean="0"/>
-              <a:t>2024/6/23</a:t>
+              <a:t>2024/6/26</a:t>
             </a:fld>
             <a:endParaRPr kumimoji="1" lang="ja-JP" altLang="en-US"/>
           </a:p>
@@ -5184,7 +5185,7 @@
           <a:p>
             <a:fld id="{D960D7A0-95E9-4E80-AEE1-2416C3BC5BFF}" type="datetime1">
               <a:rPr kumimoji="1" lang="ja-JP" altLang="en-US" smtClean="0"/>
-              <a:t>2024/6/23</a:t>
+              <a:t>2024/6/26</a:t>
             </a:fld>
             <a:endParaRPr kumimoji="1" lang="ja-JP" altLang="en-US"/>
           </a:p>
@@ -5248,8 +5249,8 @@
           </a:p>
         </p:txBody>
       </p:sp>
-      <mc:AlternateContent xmlns:mc="http://schemas.openxmlformats.org/markup-compatibility/2006">
-        <mc:Choice xmlns:a14="http://schemas.microsoft.com/office/drawing/2010/main" Requires="a14">
+      <mc:AlternateContent xmlns:mc="http://schemas.openxmlformats.org/markup-compatibility/2006" xmlns:a14="http://schemas.microsoft.com/office/drawing/2010/main">
+        <mc:Choice Requires="a14">
           <p:sp>
             <p:nvSpPr>
               <p:cNvPr id="7" name="テキスト ボックス 6">
@@ -5318,6 +5319,7 @@
                 <a:endParaRPr kumimoji="1" lang="en-US" altLang="ja-JP" dirty="0"/>
               </a:p>
               <a:p>
+                <a:pPr/>
                 <a14:m>
                   <m:oMathPara xmlns:m="http://schemas.openxmlformats.org/officeDocument/2006/math">
                     <m:oMathParaPr>
@@ -5426,6 +5428,7 @@
                 </a:endParaRPr>
               </a:p>
               <a:p>
+                <a:pPr/>
                 <a14:m>
                   <m:oMathPara xmlns:m="http://schemas.openxmlformats.org/officeDocument/2006/math">
                     <m:oMathParaPr>
@@ -5792,7 +5795,7 @@
             </p:txBody>
           </p:sp>
         </mc:Choice>
-        <mc:Fallback>
+        <mc:Fallback xmlns="">
           <p:sp>
             <p:nvSpPr>
               <p:cNvPr id="7" name="テキスト ボックス 6">
@@ -5959,7 +5962,7 @@
           <a:p>
             <a:fld id="{D960D7A0-95E9-4E80-AEE1-2416C3BC5BFF}" type="datetime1">
               <a:rPr kumimoji="1" lang="ja-JP" altLang="en-US" smtClean="0"/>
-              <a:t>2024/6/23</a:t>
+              <a:t>2024/6/26</a:t>
             </a:fld>
             <a:endParaRPr kumimoji="1" lang="ja-JP" altLang="en-US"/>
           </a:p>
@@ -6095,8 +6098,8 @@
           </a:prstGeom>
         </p:spPr>
       </p:pic>
-      <mc:AlternateContent xmlns:mc="http://schemas.openxmlformats.org/markup-compatibility/2006">
-        <mc:Choice xmlns:a14="http://schemas.microsoft.com/office/drawing/2010/main" Requires="a14">
+      <mc:AlternateContent xmlns:mc="http://schemas.openxmlformats.org/markup-compatibility/2006" xmlns:a14="http://schemas.microsoft.com/office/drawing/2010/main">
+        <mc:Choice Requires="a14">
           <p:sp>
             <p:nvSpPr>
               <p:cNvPr id="9" name="テキスト ボックス 8">
@@ -6551,7 +6554,7 @@
             </p:txBody>
           </p:sp>
         </mc:Choice>
-        <mc:Fallback>
+        <mc:Fallback xmlns="">
           <p:sp>
             <p:nvSpPr>
               <p:cNvPr id="9" name="テキスト ボックス 8">
@@ -6647,7 +6650,14 @@
           <a:bodyPr/>
           <a:lstStyle/>
           <a:p>
-            <a:endParaRPr kumimoji="1" lang="ja-JP" altLang="en-US"/>
+            <a:r>
+              <a:rPr kumimoji="1" lang="en-US" altLang="ja-JP" dirty="0"/>
+              <a:t>TIA</a:t>
+            </a:r>
+            <a:r>
+              <a:rPr kumimoji="1" lang="ja-JP" altLang="en-US" dirty="0"/>
+              <a:t>全体の小信号解析</a:t>
+            </a:r>
           </a:p>
         </p:txBody>
       </p:sp>
@@ -6674,7 +6684,7 @@
           <a:p>
             <a:fld id="{D960D7A0-95E9-4E80-AEE1-2416C3BC5BFF}" type="datetime1">
               <a:rPr kumimoji="1" lang="ja-JP" altLang="en-US" smtClean="0"/>
-              <a:t>2024/6/23</a:t>
+              <a:t>2024/6/26</a:t>
             </a:fld>
             <a:endParaRPr kumimoji="1" lang="ja-JP" altLang="en-US"/>
           </a:p>
@@ -6738,43 +6748,958 @@
           </a:p>
         </p:txBody>
       </p:sp>
-      <p:sp>
-        <p:nvSpPr>
-          <p:cNvPr id="6" name="テキスト ボックス 5">
-            <a:extLst>
-              <a:ext uri="{FF2B5EF4-FFF2-40B4-BE49-F238E27FC236}">
-                <a16:creationId xmlns:a16="http://schemas.microsoft.com/office/drawing/2014/main" id="{1FB03CDB-297D-BCD5-77AA-DB2874FFF7B6}"/>
-              </a:ext>
-            </a:extLst>
-          </p:cNvPr>
-          <p:cNvSpPr txBox="1"/>
+      <p:pic>
+        <p:nvPicPr>
+          <p:cNvPr id="7" name="図 6" descr="グラフィカル ユーザー インターフェイス, アプリケーション&#10;&#10;自動的に生成された説明">
+            <a:extLst>
+              <a:ext uri="{FF2B5EF4-FFF2-40B4-BE49-F238E27FC236}">
+                <a16:creationId xmlns:a16="http://schemas.microsoft.com/office/drawing/2014/main" id="{97FA0B49-7F43-BF72-9593-4D1917F97162}"/>
+              </a:ext>
+            </a:extLst>
+          </p:cNvPr>
+          <p:cNvPicPr>
+            <a:picLocks noChangeAspect="1"/>
+          </p:cNvPicPr>
           <p:nvPr/>
-        </p:nvSpPr>
+        </p:nvPicPr>
+        <p:blipFill>
+          <a:blip r:embed="rId2">
+            <a:extLst>
+              <a:ext uri="{28A0092B-C50C-407E-A947-70E740481C1C}">
+                <a14:useLocalDpi xmlns:a14="http://schemas.microsoft.com/office/drawing/2010/main" val="0"/>
+              </a:ext>
+            </a:extLst>
+          </a:blip>
+          <a:stretch>
+            <a:fillRect/>
+          </a:stretch>
+        </p:blipFill>
         <p:spPr>
           <a:xfrm>
-            <a:off x="2159726" y="3417332"/>
-            <a:ext cx="7402286" cy="369332"/>
+            <a:off x="2799580" y="1285617"/>
+            <a:ext cx="6592837" cy="4105664"/>
           </a:xfrm>
           <a:prstGeom prst="rect">
             <a:avLst/>
           </a:prstGeom>
-          <a:noFill/>
         </p:spPr>
-        <p:txBody>
-          <a:bodyPr wrap="square" rtlCol="0">
-            <a:spAutoFit/>
-          </a:bodyPr>
-          <a:lstStyle/>
-          <a:p>
-            <a:pPr algn="ctr"/>
-            <a:r>
-              <a:rPr lang="ja-JP" altLang="en-US" dirty="0"/>
-              <a:t>小信号解析結果</a:t>
-            </a:r>
-            <a:endParaRPr kumimoji="1" lang="ja-JP" altLang="en-US" dirty="0"/>
-          </a:p>
-        </p:txBody>
-      </p:sp>
+      </p:pic>
+      <mc:AlternateContent xmlns:mc="http://schemas.openxmlformats.org/markup-compatibility/2006">
+        <mc:Choice xmlns:a14="http://schemas.microsoft.com/office/drawing/2010/main" Requires="a14">
+          <p:sp>
+            <p:nvSpPr>
+              <p:cNvPr id="8" name="テキスト ボックス 7">
+                <a:extLst>
+                  <a:ext uri="{FF2B5EF4-FFF2-40B4-BE49-F238E27FC236}">
+                    <a16:creationId xmlns:a16="http://schemas.microsoft.com/office/drawing/2014/main" id="{F90E5AAA-9D4C-9E6C-A2FC-7C629FCB4A10}"/>
+                  </a:ext>
+                </a:extLst>
+              </p:cNvPr>
+              <p:cNvSpPr txBox="1"/>
+              <p:nvPr/>
+            </p:nvSpPr>
+            <p:spPr>
+              <a:xfrm>
+                <a:off x="238159" y="5654172"/>
+                <a:ext cx="11715681" cy="628442"/>
+              </a:xfrm>
+              <a:prstGeom prst="rect">
+                <a:avLst/>
+              </a:prstGeom>
+              <a:noFill/>
+            </p:spPr>
+            <p:txBody>
+              <a:bodyPr wrap="square" rtlCol="0">
+                <a:spAutoFit/>
+              </a:bodyPr>
+              <a:lstStyle/>
+              <a:p>
+                <a14:m>
+                  <m:oMathPara xmlns:m="http://schemas.openxmlformats.org/officeDocument/2006/math">
+                    <m:oMathParaPr>
+                      <m:jc m:val="centerGroup"/>
+                    </m:oMathParaPr>
+                    <m:oMath xmlns:m="http://schemas.openxmlformats.org/officeDocument/2006/math">
+                      <m:sSub>
+                        <m:sSubPr>
+                          <m:ctrlPr>
+                            <a:rPr kumimoji="1" lang="en-US" altLang="ja-JP" sz="1600" b="0" i="1" smtClean="0">
+                              <a:latin typeface="Cambria Math" panose="02040503050406030204" pitchFamily="18" charset="0"/>
+                            </a:rPr>
+                          </m:ctrlPr>
+                        </m:sSubPr>
+                        <m:e>
+                          <m:r>
+                            <a:rPr kumimoji="1" lang="en-US" altLang="ja-JP" sz="1600" b="0" i="1" smtClean="0">
+                              <a:latin typeface="Cambria Math" panose="02040503050406030204" pitchFamily="18" charset="0"/>
+                            </a:rPr>
+                            <m:t>𝑋</m:t>
+                          </m:r>
+                        </m:e>
+                        <m:sub>
+                          <m:r>
+                            <a:rPr kumimoji="1" lang="en-US" altLang="ja-JP" sz="1600" b="0" i="1" smtClean="0">
+                              <a:latin typeface="Cambria Math" panose="02040503050406030204" pitchFamily="18" charset="0"/>
+                            </a:rPr>
+                            <m:t>𝑇</m:t>
+                          </m:r>
+                        </m:sub>
+                      </m:sSub>
+                      <m:r>
+                        <a:rPr kumimoji="1" lang="en-US" altLang="ja-JP" sz="1600" b="0" i="1" smtClean="0">
+                          <a:latin typeface="Cambria Math" panose="02040503050406030204" pitchFamily="18" charset="0"/>
+                        </a:rPr>
+                        <m:t>=−</m:t>
+                      </m:r>
+                      <m:f>
+                        <m:fPr>
+                          <m:ctrlPr>
+                            <a:rPr kumimoji="1" lang="en-US" altLang="ja-JP" sz="1600" b="0" i="1" smtClean="0">
+                              <a:latin typeface="Cambria Math" panose="02040503050406030204" pitchFamily="18" charset="0"/>
+                            </a:rPr>
+                          </m:ctrlPr>
+                        </m:fPr>
+                        <m:num>
+                          <m:sSub>
+                            <m:sSubPr>
+                              <m:ctrlPr>
+                                <a:rPr kumimoji="1" lang="en-US" altLang="ja-JP" sz="1600" b="0" i="1" smtClean="0">
+                                  <a:latin typeface="Cambria Math" panose="02040503050406030204" pitchFamily="18" charset="0"/>
+                                </a:rPr>
+                              </m:ctrlPr>
+                            </m:sSubPr>
+                            <m:e>
+                              <m:r>
+                                <a:rPr kumimoji="1" lang="en-US" altLang="ja-JP" sz="1600" b="0" i="1" smtClean="0">
+                                  <a:latin typeface="Cambria Math" panose="02040503050406030204" pitchFamily="18" charset="0"/>
+                                </a:rPr>
+                                <m:t>𝑔</m:t>
+                              </m:r>
+                            </m:e>
+                            <m:sub>
+                              <m:r>
+                                <a:rPr kumimoji="1" lang="en-US" altLang="ja-JP" sz="1600" b="0" i="1" smtClean="0">
+                                  <a:latin typeface="Cambria Math" panose="02040503050406030204" pitchFamily="18" charset="0"/>
+                                </a:rPr>
+                                <m:t>𝑚</m:t>
+                              </m:r>
+                            </m:sub>
+                          </m:sSub>
+                          <m:r>
+                            <a:rPr kumimoji="1" lang="en-US" altLang="ja-JP" sz="1600" b="0" i="1" smtClean="0">
+                              <a:latin typeface="Cambria Math" panose="02040503050406030204" pitchFamily="18" charset="0"/>
+                            </a:rPr>
+                            <m:t>+</m:t>
+                          </m:r>
+                          <m:sSub>
+                            <m:sSubPr>
+                              <m:ctrlPr>
+                                <a:rPr kumimoji="1" lang="en-US" altLang="ja-JP" sz="1600" b="0" i="1" smtClean="0">
+                                  <a:latin typeface="Cambria Math" panose="02040503050406030204" pitchFamily="18" charset="0"/>
+                                </a:rPr>
+                              </m:ctrlPr>
+                            </m:sSubPr>
+                            <m:e>
+                              <m:r>
+                                <a:rPr kumimoji="1" lang="en-US" altLang="ja-JP" sz="1600" b="0" i="1" smtClean="0">
+                                  <a:latin typeface="Cambria Math" panose="02040503050406030204" pitchFamily="18" charset="0"/>
+                                </a:rPr>
+                                <m:t>𝑔</m:t>
+                              </m:r>
+                            </m:e>
+                            <m:sub>
+                              <m:r>
+                                <a:rPr kumimoji="1" lang="en-US" altLang="ja-JP" sz="1600" b="0" i="1" smtClean="0">
+                                  <a:latin typeface="Cambria Math" panose="02040503050406030204" pitchFamily="18" charset="0"/>
+                                </a:rPr>
+                                <m:t>𝑐𝑒</m:t>
+                              </m:r>
+                            </m:sub>
+                          </m:sSub>
+                        </m:num>
+                        <m:den>
+                          <m:sSub>
+                            <m:sSubPr>
+                              <m:ctrlPr>
+                                <a:rPr kumimoji="1" lang="en-US" altLang="ja-JP" sz="1600" b="0" i="1" smtClean="0">
+                                  <a:latin typeface="Cambria Math" panose="02040503050406030204" pitchFamily="18" charset="0"/>
+                                </a:rPr>
+                              </m:ctrlPr>
+                            </m:sSubPr>
+                            <m:e>
+                              <m:r>
+                                <a:rPr kumimoji="1" lang="en-US" altLang="ja-JP" sz="1600" b="0" i="1" smtClean="0">
+                                  <a:latin typeface="Cambria Math" panose="02040503050406030204" pitchFamily="18" charset="0"/>
+                                </a:rPr>
+                                <m:t>𝐺</m:t>
+                              </m:r>
+                            </m:e>
+                            <m:sub>
+                              <m:r>
+                                <a:rPr kumimoji="1" lang="en-US" altLang="ja-JP" sz="1600" b="0" i="1" smtClean="0">
+                                  <a:latin typeface="Cambria Math" panose="02040503050406030204" pitchFamily="18" charset="0"/>
+                                </a:rPr>
+                                <m:t>𝐶𝐸</m:t>
+                              </m:r>
+                            </m:sub>
+                          </m:sSub>
+                          <m:sSub>
+                            <m:sSubPr>
+                              <m:ctrlPr>
+                                <a:rPr kumimoji="1" lang="en-US" altLang="ja-JP" sz="1600" b="0" i="1" smtClean="0">
+                                  <a:latin typeface="Cambria Math" panose="02040503050406030204" pitchFamily="18" charset="0"/>
+                                </a:rPr>
+                              </m:ctrlPr>
+                            </m:sSubPr>
+                            <m:e>
+                              <m:r>
+                                <a:rPr kumimoji="1" lang="en-US" altLang="ja-JP" sz="1600" b="0" i="1" smtClean="0">
+                                  <a:latin typeface="Cambria Math" panose="02040503050406030204" pitchFamily="18" charset="0"/>
+                                </a:rPr>
+                                <m:t>𝑔</m:t>
+                              </m:r>
+                            </m:e>
+                            <m:sub>
+                              <m:r>
+                                <a:rPr kumimoji="1" lang="en-US" altLang="ja-JP" sz="1600" b="0" i="1" smtClean="0">
+                                  <a:latin typeface="Cambria Math" panose="02040503050406030204" pitchFamily="18" charset="0"/>
+                                </a:rPr>
+                                <m:t>𝑐𝑒</m:t>
+                              </m:r>
+                            </m:sub>
+                          </m:sSub>
+                          <m:r>
+                            <a:rPr kumimoji="1" lang="en-US" altLang="ja-JP" sz="1600" b="0" i="1" smtClean="0">
+                              <a:latin typeface="Cambria Math" panose="02040503050406030204" pitchFamily="18" charset="0"/>
+                            </a:rPr>
+                            <m:t>+</m:t>
+                          </m:r>
+                          <m:sSub>
+                            <m:sSubPr>
+                              <m:ctrlPr>
+                                <a:rPr kumimoji="1" lang="en-US" altLang="ja-JP" sz="1600" b="0" i="1" smtClean="0">
+                                  <a:latin typeface="Cambria Math" panose="02040503050406030204" pitchFamily="18" charset="0"/>
+                                </a:rPr>
+                              </m:ctrlPr>
+                            </m:sSubPr>
+                            <m:e>
+                              <m:r>
+                                <a:rPr kumimoji="1" lang="en-US" altLang="ja-JP" sz="1600" b="0" i="1" smtClean="0">
+                                  <a:latin typeface="Cambria Math" panose="02040503050406030204" pitchFamily="18" charset="0"/>
+                                </a:rPr>
+                                <m:t>𝐺</m:t>
+                              </m:r>
+                            </m:e>
+                            <m:sub>
+                              <m:r>
+                                <a:rPr kumimoji="1" lang="en-US" altLang="ja-JP" sz="1600" b="0" i="1" smtClean="0">
+                                  <a:latin typeface="Cambria Math" panose="02040503050406030204" pitchFamily="18" charset="0"/>
+                                </a:rPr>
+                                <m:t>𝐶</m:t>
+                              </m:r>
+                            </m:sub>
+                          </m:sSub>
+                          <m:d>
+                            <m:dPr>
+                              <m:ctrlPr>
+                                <a:rPr kumimoji="1" lang="en-US" altLang="ja-JP" sz="1600" b="0" i="1" smtClean="0">
+                                  <a:latin typeface="Cambria Math" panose="02040503050406030204" pitchFamily="18" charset="0"/>
+                                </a:rPr>
+                              </m:ctrlPr>
+                            </m:dPr>
+                            <m:e>
+                              <m:sSub>
+                                <m:sSubPr>
+                                  <m:ctrlPr>
+                                    <a:rPr kumimoji="1" lang="en-US" altLang="ja-JP" sz="1600" b="0" i="1" smtClean="0">
+                                      <a:latin typeface="Cambria Math" panose="02040503050406030204" pitchFamily="18" charset="0"/>
+                                    </a:rPr>
+                                  </m:ctrlPr>
+                                </m:sSubPr>
+                                <m:e>
+                                  <m:r>
+                                    <a:rPr kumimoji="1" lang="en-US" altLang="ja-JP" sz="1600" b="0" i="1" smtClean="0">
+                                      <a:latin typeface="Cambria Math" panose="02040503050406030204" pitchFamily="18" charset="0"/>
+                                    </a:rPr>
+                                    <m:t>𝐺</m:t>
+                                  </m:r>
+                                </m:e>
+                                <m:sub>
+                                  <m:r>
+                                    <a:rPr kumimoji="1" lang="en-US" altLang="ja-JP" sz="1600" b="0" i="1" smtClean="0">
+                                      <a:latin typeface="Cambria Math" panose="02040503050406030204" pitchFamily="18" charset="0"/>
+                                    </a:rPr>
+                                    <m:t>𝐶𝐸</m:t>
+                                  </m:r>
+                                </m:sub>
+                              </m:sSub>
+                              <m:r>
+                                <a:rPr kumimoji="1" lang="en-US" altLang="ja-JP" sz="1600" b="0" i="1" smtClean="0">
+                                  <a:latin typeface="Cambria Math" panose="02040503050406030204" pitchFamily="18" charset="0"/>
+                                </a:rPr>
+                                <m:t>+</m:t>
+                              </m:r>
+                              <m:sSub>
+                                <m:sSubPr>
+                                  <m:ctrlPr>
+                                    <a:rPr kumimoji="1" lang="en-US" altLang="ja-JP" sz="1600" b="0" i="1" smtClean="0">
+                                      <a:latin typeface="Cambria Math" panose="02040503050406030204" pitchFamily="18" charset="0"/>
+                                    </a:rPr>
+                                  </m:ctrlPr>
+                                </m:sSubPr>
+                                <m:e>
+                                  <m:r>
+                                    <a:rPr kumimoji="1" lang="en-US" altLang="ja-JP" sz="1600" b="0" i="1" smtClean="0">
+                                      <a:latin typeface="Cambria Math" panose="02040503050406030204" pitchFamily="18" charset="0"/>
+                                    </a:rPr>
+                                    <m:t>𝑔</m:t>
+                                  </m:r>
+                                </m:e>
+                                <m:sub>
+                                  <m:r>
+                                    <a:rPr kumimoji="1" lang="en-US" altLang="ja-JP" sz="1600" b="0" i="1" smtClean="0">
+                                      <a:latin typeface="Cambria Math" panose="02040503050406030204" pitchFamily="18" charset="0"/>
+                                    </a:rPr>
+                                    <m:t>𝑚</m:t>
+                                  </m:r>
+                                </m:sub>
+                              </m:sSub>
+                              <m:r>
+                                <a:rPr kumimoji="1" lang="en-US" altLang="ja-JP" sz="1600" b="0" i="1" smtClean="0">
+                                  <a:latin typeface="Cambria Math" panose="02040503050406030204" pitchFamily="18" charset="0"/>
+                                </a:rPr>
+                                <m:t>+</m:t>
+                              </m:r>
+                              <m:sSub>
+                                <m:sSubPr>
+                                  <m:ctrlPr>
+                                    <a:rPr kumimoji="1" lang="en-US" altLang="ja-JP" sz="1600" b="0" i="1" smtClean="0">
+                                      <a:latin typeface="Cambria Math" panose="02040503050406030204" pitchFamily="18" charset="0"/>
+                                    </a:rPr>
+                                  </m:ctrlPr>
+                                </m:sSubPr>
+                                <m:e>
+                                  <m:r>
+                                    <a:rPr kumimoji="1" lang="en-US" altLang="ja-JP" sz="1600" b="0" i="1" smtClean="0">
+                                      <a:latin typeface="Cambria Math" panose="02040503050406030204" pitchFamily="18" charset="0"/>
+                                    </a:rPr>
+                                    <m:t>𝑔</m:t>
+                                  </m:r>
+                                </m:e>
+                                <m:sub>
+                                  <m:r>
+                                    <a:rPr kumimoji="1" lang="en-US" altLang="ja-JP" sz="1600" b="0" i="1" smtClean="0">
+                                      <a:latin typeface="Cambria Math" panose="02040503050406030204" pitchFamily="18" charset="0"/>
+                                    </a:rPr>
+                                    <m:t>𝑖𝑒</m:t>
+                                  </m:r>
+                                </m:sub>
+                              </m:sSub>
+                              <m:r>
+                                <a:rPr kumimoji="1" lang="en-US" altLang="ja-JP" sz="1600" b="0" i="1" smtClean="0">
+                                  <a:latin typeface="Cambria Math" panose="02040503050406030204" pitchFamily="18" charset="0"/>
+                                </a:rPr>
+                                <m:t>+</m:t>
+                              </m:r>
+                              <m:sSub>
+                                <m:sSubPr>
+                                  <m:ctrlPr>
+                                    <a:rPr kumimoji="1" lang="en-US" altLang="ja-JP" sz="1600" b="0" i="1" smtClean="0">
+                                      <a:latin typeface="Cambria Math" panose="02040503050406030204" pitchFamily="18" charset="0"/>
+                                    </a:rPr>
+                                  </m:ctrlPr>
+                                </m:sSubPr>
+                                <m:e>
+                                  <m:r>
+                                    <a:rPr kumimoji="1" lang="en-US" altLang="ja-JP" sz="1600" b="0" i="1" smtClean="0">
+                                      <a:latin typeface="Cambria Math" panose="02040503050406030204" pitchFamily="18" charset="0"/>
+                                    </a:rPr>
+                                    <m:t>𝑔</m:t>
+                                  </m:r>
+                                </m:e>
+                                <m:sub>
+                                  <m:r>
+                                    <a:rPr kumimoji="1" lang="en-US" altLang="ja-JP" sz="1600" b="0" i="1" smtClean="0">
+                                      <a:latin typeface="Cambria Math" panose="02040503050406030204" pitchFamily="18" charset="0"/>
+                                    </a:rPr>
+                                    <m:t>𝑐𝑒</m:t>
+                                  </m:r>
+                                </m:sub>
+                              </m:sSub>
+                            </m:e>
+                          </m:d>
+                          <m:r>
+                            <a:rPr kumimoji="1" lang="en-US" altLang="ja-JP" sz="1600" b="0" i="1" smtClean="0">
+                              <a:latin typeface="Cambria Math" panose="02040503050406030204" pitchFamily="18" charset="0"/>
+                            </a:rPr>
+                            <m:t>+</m:t>
+                          </m:r>
+                          <m:r>
+                            <a:rPr kumimoji="1" lang="en-US" altLang="ja-JP" sz="1600" b="0" i="1" smtClean="0">
+                              <a:latin typeface="Cambria Math" panose="02040503050406030204" pitchFamily="18" charset="0"/>
+                            </a:rPr>
+                            <m:t>𝑗</m:t>
+                          </m:r>
+                          <m:r>
+                            <a:rPr kumimoji="1" lang="en-US" altLang="ja-JP" sz="1600" b="0" i="1" smtClean="0">
+                              <a:latin typeface="Cambria Math" panose="02040503050406030204" pitchFamily="18" charset="0"/>
+                            </a:rPr>
+                            <m:t>𝜔</m:t>
+                          </m:r>
+                          <m:d>
+                            <m:dPr>
+                              <m:begChr m:val=""/>
+                              <m:endChr m:val="}"/>
+                              <m:ctrlPr>
+                                <a:rPr kumimoji="1" lang="en-US" altLang="ja-JP" sz="1600" b="0" i="1" smtClean="0">
+                                  <a:latin typeface="Cambria Math" panose="02040503050406030204" pitchFamily="18" charset="0"/>
+                                </a:rPr>
+                              </m:ctrlPr>
+                            </m:dPr>
+                            <m:e>
+                              <m:d>
+                                <m:dPr>
+                                  <m:begChr m:val="{"/>
+                                  <m:endChr m:val=""/>
+                                  <m:ctrlPr>
+                                    <a:rPr kumimoji="1" lang="en-US" altLang="ja-JP" sz="1600" b="0" i="1" smtClean="0">
+                                      <a:latin typeface="Cambria Math" panose="02040503050406030204" pitchFamily="18" charset="0"/>
+                                    </a:rPr>
+                                  </m:ctrlPr>
+                                </m:dPr>
+                                <m:e>
+                                  <m:sSub>
+                                    <m:sSubPr>
+                                      <m:ctrlPr>
+                                        <a:rPr kumimoji="1" lang="en-US" altLang="ja-JP" sz="1600" b="0" i="1" smtClean="0">
+                                          <a:latin typeface="Cambria Math" panose="02040503050406030204" pitchFamily="18" charset="0"/>
+                                        </a:rPr>
+                                      </m:ctrlPr>
+                                    </m:sSubPr>
+                                    <m:e>
+                                      <m:r>
+                                        <a:rPr kumimoji="1" lang="en-US" altLang="ja-JP" sz="1600" b="0" i="1" smtClean="0">
+                                          <a:latin typeface="Cambria Math" panose="02040503050406030204" pitchFamily="18" charset="0"/>
+                                        </a:rPr>
+                                        <m:t>𝑔</m:t>
+                                      </m:r>
+                                    </m:e>
+                                    <m:sub>
+                                      <m:r>
+                                        <a:rPr kumimoji="1" lang="en-US" altLang="ja-JP" sz="1600" b="0" i="1" smtClean="0">
+                                          <a:latin typeface="Cambria Math" panose="02040503050406030204" pitchFamily="18" charset="0"/>
+                                        </a:rPr>
+                                        <m:t>𝑐𝑒</m:t>
+                                      </m:r>
+                                    </m:sub>
+                                  </m:sSub>
+                                  <m:d>
+                                    <m:dPr>
+                                      <m:ctrlPr>
+                                        <a:rPr kumimoji="1" lang="en-US" altLang="ja-JP" sz="1600" b="0" i="1" smtClean="0">
+                                          <a:latin typeface="Cambria Math" panose="02040503050406030204" pitchFamily="18" charset="0"/>
+                                        </a:rPr>
+                                      </m:ctrlPr>
+                                    </m:dPr>
+                                    <m:e>
+                                      <m:sSub>
+                                        <m:sSubPr>
+                                          <m:ctrlPr>
+                                            <a:rPr kumimoji="1" lang="en-US" altLang="ja-JP" sz="1600" b="0" i="1" smtClean="0">
+                                              <a:latin typeface="Cambria Math" panose="02040503050406030204" pitchFamily="18" charset="0"/>
+                                            </a:rPr>
+                                          </m:ctrlPr>
+                                        </m:sSubPr>
+                                        <m:e>
+                                          <m:r>
+                                            <a:rPr kumimoji="1" lang="en-US" altLang="ja-JP" sz="1600" b="0" i="1" smtClean="0">
+                                              <a:latin typeface="Cambria Math" panose="02040503050406030204" pitchFamily="18" charset="0"/>
+                                            </a:rPr>
+                                            <m:t>𝐶</m:t>
+                                          </m:r>
+                                        </m:e>
+                                        <m:sub>
+                                          <m:r>
+                                            <a:rPr kumimoji="1" lang="en-US" altLang="ja-JP" sz="1600" b="0" i="1" smtClean="0">
+                                              <a:latin typeface="Cambria Math" panose="02040503050406030204" pitchFamily="18" charset="0"/>
+                                            </a:rPr>
+                                            <m:t>𝑃𝐷</m:t>
+                                          </m:r>
+                                        </m:sub>
+                                      </m:sSub>
+                                      <m:r>
+                                        <a:rPr kumimoji="1" lang="en-US" altLang="ja-JP" sz="1600" b="0" i="1" smtClean="0">
+                                          <a:latin typeface="Cambria Math" panose="02040503050406030204" pitchFamily="18" charset="0"/>
+                                        </a:rPr>
+                                        <m:t>+</m:t>
+                                      </m:r>
+                                      <m:sSub>
+                                        <m:sSubPr>
+                                          <m:ctrlPr>
+                                            <a:rPr kumimoji="1" lang="en-US" altLang="ja-JP" sz="1600" b="0" i="1" smtClean="0">
+                                              <a:latin typeface="Cambria Math" panose="02040503050406030204" pitchFamily="18" charset="0"/>
+                                            </a:rPr>
+                                          </m:ctrlPr>
+                                        </m:sSubPr>
+                                        <m:e>
+                                          <m:r>
+                                            <a:rPr kumimoji="1" lang="en-US" altLang="ja-JP" sz="1600" b="0" i="1" smtClean="0">
+                                              <a:latin typeface="Cambria Math" panose="02040503050406030204" pitchFamily="18" charset="0"/>
+                                            </a:rPr>
+                                            <m:t>𝐶</m:t>
+                                          </m:r>
+                                        </m:e>
+                                        <m:sub>
+                                          <m:r>
+                                            <a:rPr kumimoji="1" lang="en-US" altLang="ja-JP" sz="1600" b="0" i="1" smtClean="0">
+                                              <a:latin typeface="Cambria Math" panose="02040503050406030204" pitchFamily="18" charset="0"/>
+                                            </a:rPr>
+                                            <m:t>𝑗𝑒</m:t>
+                                          </m:r>
+                                        </m:sub>
+                                      </m:sSub>
+                                    </m:e>
+                                  </m:d>
+                                  <m:r>
+                                    <a:rPr kumimoji="1" lang="en-US" altLang="ja-JP" sz="1600" b="0" i="1" smtClean="0">
+                                      <a:latin typeface="Cambria Math" panose="02040503050406030204" pitchFamily="18" charset="0"/>
+                                    </a:rPr>
+                                    <m:t>+</m:t>
+                                  </m:r>
+                                  <m:d>
+                                    <m:dPr>
+                                      <m:ctrlPr>
+                                        <a:rPr kumimoji="1" lang="en-US" altLang="ja-JP" sz="1600" b="0" i="1" smtClean="0">
+                                          <a:latin typeface="Cambria Math" panose="02040503050406030204" pitchFamily="18" charset="0"/>
+                                        </a:rPr>
+                                      </m:ctrlPr>
+                                    </m:dPr>
+                                    <m:e>
+                                      <m:sSub>
+                                        <m:sSubPr>
+                                          <m:ctrlPr>
+                                            <a:rPr kumimoji="1" lang="en-US" altLang="ja-JP" sz="1600" b="0" i="1" smtClean="0">
+                                              <a:latin typeface="Cambria Math" panose="02040503050406030204" pitchFamily="18" charset="0"/>
+                                            </a:rPr>
+                                          </m:ctrlPr>
+                                        </m:sSubPr>
+                                        <m:e>
+                                          <m:r>
+                                            <a:rPr kumimoji="1" lang="en-US" altLang="ja-JP" sz="1600" b="0" i="1" smtClean="0">
+                                              <a:latin typeface="Cambria Math" panose="02040503050406030204" pitchFamily="18" charset="0"/>
+                                            </a:rPr>
+                                            <m:t>𝐺</m:t>
+                                          </m:r>
+                                        </m:e>
+                                        <m:sub>
+                                          <m:r>
+                                            <a:rPr kumimoji="1" lang="en-US" altLang="ja-JP" sz="1600" b="0" i="1" smtClean="0">
+                                              <a:latin typeface="Cambria Math" panose="02040503050406030204" pitchFamily="18" charset="0"/>
+                                            </a:rPr>
+                                            <m:t>𝐶𝐸</m:t>
+                                          </m:r>
+                                        </m:sub>
+                                      </m:sSub>
+                                      <m:r>
+                                        <a:rPr kumimoji="1" lang="en-US" altLang="ja-JP" sz="1600" b="0" i="1" smtClean="0">
+                                          <a:latin typeface="Cambria Math" panose="02040503050406030204" pitchFamily="18" charset="0"/>
+                                        </a:rPr>
+                                        <m:t>+</m:t>
+                                      </m:r>
+                                      <m:sSub>
+                                        <m:sSubPr>
+                                          <m:ctrlPr>
+                                            <a:rPr kumimoji="1" lang="en-US" altLang="ja-JP" sz="1600" b="0" i="1" smtClean="0">
+                                              <a:latin typeface="Cambria Math" panose="02040503050406030204" pitchFamily="18" charset="0"/>
+                                            </a:rPr>
+                                          </m:ctrlPr>
+                                        </m:sSubPr>
+                                        <m:e>
+                                          <m:r>
+                                            <a:rPr kumimoji="1" lang="en-US" altLang="ja-JP" sz="1600" b="0" i="1" smtClean="0">
+                                              <a:latin typeface="Cambria Math" panose="02040503050406030204" pitchFamily="18" charset="0"/>
+                                            </a:rPr>
+                                            <m:t>𝑔</m:t>
+                                          </m:r>
+                                        </m:e>
+                                        <m:sub>
+                                          <m:r>
+                                            <a:rPr kumimoji="1" lang="en-US" altLang="ja-JP" sz="1600" b="0" i="1" smtClean="0">
+                                              <a:latin typeface="Cambria Math" panose="02040503050406030204" pitchFamily="18" charset="0"/>
+                                            </a:rPr>
+                                            <m:t>𝑚</m:t>
+                                          </m:r>
+                                        </m:sub>
+                                      </m:sSub>
+                                      <m:r>
+                                        <a:rPr kumimoji="1" lang="en-US" altLang="ja-JP" sz="1600" b="0" i="1" smtClean="0">
+                                          <a:latin typeface="Cambria Math" panose="02040503050406030204" pitchFamily="18" charset="0"/>
+                                        </a:rPr>
+                                        <m:t>+</m:t>
+                                      </m:r>
+                                      <m:sSub>
+                                        <m:sSubPr>
+                                          <m:ctrlPr>
+                                            <a:rPr kumimoji="1" lang="en-US" altLang="ja-JP" sz="1600" b="0" i="1" smtClean="0">
+                                              <a:latin typeface="Cambria Math" panose="02040503050406030204" pitchFamily="18" charset="0"/>
+                                            </a:rPr>
+                                          </m:ctrlPr>
+                                        </m:sSubPr>
+                                        <m:e>
+                                          <m:r>
+                                            <a:rPr kumimoji="1" lang="en-US" altLang="ja-JP" sz="1600" b="0" i="1" smtClean="0">
+                                              <a:latin typeface="Cambria Math" panose="02040503050406030204" pitchFamily="18" charset="0"/>
+                                            </a:rPr>
+                                            <m:t>𝑔</m:t>
+                                          </m:r>
+                                        </m:e>
+                                        <m:sub>
+                                          <m:r>
+                                            <a:rPr kumimoji="1" lang="en-US" altLang="ja-JP" sz="1600" b="0" i="1" smtClean="0">
+                                              <a:latin typeface="Cambria Math" panose="02040503050406030204" pitchFamily="18" charset="0"/>
+                                            </a:rPr>
+                                            <m:t>𝑖𝑒</m:t>
+                                          </m:r>
+                                        </m:sub>
+                                      </m:sSub>
+                                      <m:r>
+                                        <a:rPr kumimoji="1" lang="en-US" altLang="ja-JP" sz="1600" b="0" i="1" smtClean="0">
+                                          <a:latin typeface="Cambria Math" panose="02040503050406030204" pitchFamily="18" charset="0"/>
+                                        </a:rPr>
+                                        <m:t>+</m:t>
+                                      </m:r>
+                                      <m:sSub>
+                                        <m:sSubPr>
+                                          <m:ctrlPr>
+                                            <a:rPr kumimoji="1" lang="en-US" altLang="ja-JP" sz="1600" b="0" i="1" smtClean="0">
+                                              <a:latin typeface="Cambria Math" panose="02040503050406030204" pitchFamily="18" charset="0"/>
+                                            </a:rPr>
+                                          </m:ctrlPr>
+                                        </m:sSubPr>
+                                        <m:e>
+                                          <m:r>
+                                            <a:rPr kumimoji="1" lang="en-US" altLang="ja-JP" sz="1600" b="0" i="1" smtClean="0">
+                                              <a:latin typeface="Cambria Math" panose="02040503050406030204" pitchFamily="18" charset="0"/>
+                                            </a:rPr>
+                                            <m:t>𝑔</m:t>
+                                          </m:r>
+                                        </m:e>
+                                        <m:sub>
+                                          <m:r>
+                                            <a:rPr kumimoji="1" lang="en-US" altLang="ja-JP" sz="1600" b="0" i="1" smtClean="0">
+                                              <a:latin typeface="Cambria Math" panose="02040503050406030204" pitchFamily="18" charset="0"/>
+                                            </a:rPr>
+                                            <m:t>𝑐𝑒</m:t>
+                                          </m:r>
+                                        </m:sub>
+                                      </m:sSub>
+                                    </m:e>
+                                  </m:d>
+                                  <m:sSub>
+                                    <m:sSubPr>
+                                      <m:ctrlPr>
+                                        <a:rPr kumimoji="1" lang="en-US" altLang="ja-JP" sz="1600" b="0" i="1" smtClean="0">
+                                          <a:latin typeface="Cambria Math" panose="02040503050406030204" pitchFamily="18" charset="0"/>
+                                        </a:rPr>
+                                      </m:ctrlPr>
+                                    </m:sSubPr>
+                                    <m:e>
+                                      <m:r>
+                                        <a:rPr kumimoji="1" lang="en-US" altLang="ja-JP" sz="1600" b="0" i="1" smtClean="0">
+                                          <a:latin typeface="Cambria Math" panose="02040503050406030204" pitchFamily="18" charset="0"/>
+                                        </a:rPr>
+                                        <m:t>𝐶</m:t>
+                                      </m:r>
+                                    </m:e>
+                                    <m:sub>
+                                      <m:r>
+                                        <a:rPr kumimoji="1" lang="en-US" altLang="ja-JP" sz="1600" b="0" i="1" smtClean="0">
+                                          <a:latin typeface="Cambria Math" panose="02040503050406030204" pitchFamily="18" charset="0"/>
+                                        </a:rPr>
+                                        <m:t>𝑗𝑐</m:t>
+                                      </m:r>
+                                    </m:sub>
+                                  </m:sSub>
+                                  <m:r>
+                                    <a:rPr kumimoji="1" lang="en-US" altLang="ja-JP" sz="1600" b="0" i="1" smtClean="0">
+                                      <a:latin typeface="Cambria Math" panose="02040503050406030204" pitchFamily="18" charset="0"/>
+                                    </a:rPr>
+                                    <m:t>+</m:t>
+                                  </m:r>
+                                  <m:sSub>
+                                    <m:sSubPr>
+                                      <m:ctrlPr>
+                                        <a:rPr kumimoji="1" lang="en-US" altLang="ja-JP" sz="1600" b="0" i="1" smtClean="0">
+                                          <a:latin typeface="Cambria Math" panose="02040503050406030204" pitchFamily="18" charset="0"/>
+                                        </a:rPr>
+                                      </m:ctrlPr>
+                                    </m:sSubPr>
+                                    <m:e>
+                                      <m:r>
+                                        <a:rPr kumimoji="1" lang="en-US" altLang="ja-JP" sz="1600" b="0" i="1" smtClean="0">
+                                          <a:latin typeface="Cambria Math" panose="02040503050406030204" pitchFamily="18" charset="0"/>
+                                        </a:rPr>
+                                        <m:t>𝐺</m:t>
+                                      </m:r>
+                                    </m:e>
+                                    <m:sub>
+                                      <m:r>
+                                        <a:rPr kumimoji="1" lang="en-US" altLang="ja-JP" sz="1600" b="0" i="1" smtClean="0">
+                                          <a:latin typeface="Cambria Math" panose="02040503050406030204" pitchFamily="18" charset="0"/>
+                                        </a:rPr>
+                                        <m:t>𝐶</m:t>
+                                      </m:r>
+                                    </m:sub>
+                                  </m:sSub>
+                                  <m:d>
+                                    <m:dPr>
+                                      <m:ctrlPr>
+                                        <a:rPr kumimoji="1" lang="en-US" altLang="ja-JP" sz="1600" b="0" i="1" smtClean="0">
+                                          <a:latin typeface="Cambria Math" panose="02040503050406030204" pitchFamily="18" charset="0"/>
+                                        </a:rPr>
+                                      </m:ctrlPr>
+                                    </m:dPr>
+                                    <m:e>
+                                      <m:sSub>
+                                        <m:sSubPr>
+                                          <m:ctrlPr>
+                                            <a:rPr kumimoji="1" lang="en-US" altLang="ja-JP" sz="1600" b="0" i="1" smtClean="0">
+                                              <a:latin typeface="Cambria Math" panose="02040503050406030204" pitchFamily="18" charset="0"/>
+                                            </a:rPr>
+                                          </m:ctrlPr>
+                                        </m:sSubPr>
+                                        <m:e>
+                                          <m:r>
+                                            <a:rPr kumimoji="1" lang="en-US" altLang="ja-JP" sz="1600" b="0" i="1" smtClean="0">
+                                              <a:latin typeface="Cambria Math" panose="02040503050406030204" pitchFamily="18" charset="0"/>
+                                            </a:rPr>
+                                            <m:t>𝐶</m:t>
+                                          </m:r>
+                                        </m:e>
+                                        <m:sub>
+                                          <m:r>
+                                            <a:rPr kumimoji="1" lang="en-US" altLang="ja-JP" sz="1600" b="0" i="1" smtClean="0">
+                                              <a:latin typeface="Cambria Math" panose="02040503050406030204" pitchFamily="18" charset="0"/>
+                                            </a:rPr>
+                                            <m:t>𝑃𝐷</m:t>
+                                          </m:r>
+                                        </m:sub>
+                                      </m:sSub>
+                                      <m:r>
+                                        <a:rPr kumimoji="1" lang="en-US" altLang="ja-JP" sz="1600" b="0" i="1" smtClean="0">
+                                          <a:latin typeface="Cambria Math" panose="02040503050406030204" pitchFamily="18" charset="0"/>
+                                        </a:rPr>
+                                        <m:t>+</m:t>
+                                      </m:r>
+                                      <m:sSub>
+                                        <m:sSubPr>
+                                          <m:ctrlPr>
+                                            <a:rPr kumimoji="1" lang="en-US" altLang="ja-JP" sz="1600" b="0" i="1" smtClean="0">
+                                              <a:latin typeface="Cambria Math" panose="02040503050406030204" pitchFamily="18" charset="0"/>
+                                            </a:rPr>
+                                          </m:ctrlPr>
+                                        </m:sSubPr>
+                                        <m:e>
+                                          <m:r>
+                                            <a:rPr kumimoji="1" lang="en-US" altLang="ja-JP" sz="1600" b="0" i="1" smtClean="0">
+                                              <a:latin typeface="Cambria Math" panose="02040503050406030204" pitchFamily="18" charset="0"/>
+                                            </a:rPr>
+                                            <m:t>𝐶</m:t>
+                                          </m:r>
+                                        </m:e>
+                                        <m:sub>
+                                          <m:r>
+                                            <a:rPr kumimoji="1" lang="en-US" altLang="ja-JP" sz="1600" b="0" i="1" smtClean="0">
+                                              <a:latin typeface="Cambria Math" panose="02040503050406030204" pitchFamily="18" charset="0"/>
+                                            </a:rPr>
+                                            <m:t>𝑗𝑒</m:t>
+                                          </m:r>
+                                        </m:sub>
+                                      </m:sSub>
+                                    </m:e>
+                                  </m:d>
+                                </m:e>
+                              </m:d>
+                            </m:e>
+                          </m:d>
+                          <m:r>
+                            <a:rPr kumimoji="1" lang="en-US" altLang="ja-JP" sz="1600" b="0" i="1" smtClean="0">
+                              <a:latin typeface="Cambria Math" panose="02040503050406030204" pitchFamily="18" charset="0"/>
+                            </a:rPr>
+                            <m:t>−</m:t>
+                          </m:r>
+                          <m:sSup>
+                            <m:sSupPr>
+                              <m:ctrlPr>
+                                <a:rPr kumimoji="1" lang="en-US" altLang="ja-JP" sz="1600" b="0" i="1" smtClean="0">
+                                  <a:latin typeface="Cambria Math" panose="02040503050406030204" pitchFamily="18" charset="0"/>
+                                </a:rPr>
+                              </m:ctrlPr>
+                            </m:sSupPr>
+                            <m:e>
+                              <m:r>
+                                <a:rPr kumimoji="1" lang="en-US" altLang="ja-JP" sz="1600" b="0" i="1" smtClean="0">
+                                  <a:latin typeface="Cambria Math" panose="02040503050406030204" pitchFamily="18" charset="0"/>
+                                </a:rPr>
+                                <m:t>𝜔</m:t>
+                              </m:r>
+                            </m:e>
+                            <m:sup>
+                              <m:r>
+                                <a:rPr kumimoji="1" lang="en-US" altLang="ja-JP" sz="1600" b="0" i="1" smtClean="0">
+                                  <a:latin typeface="Cambria Math" panose="02040503050406030204" pitchFamily="18" charset="0"/>
+                                </a:rPr>
+                                <m:t>2</m:t>
+                              </m:r>
+                            </m:sup>
+                          </m:sSup>
+                          <m:sSub>
+                            <m:sSubPr>
+                              <m:ctrlPr>
+                                <a:rPr kumimoji="1" lang="en-US" altLang="ja-JP" sz="1600" b="0" i="1" smtClean="0">
+                                  <a:latin typeface="Cambria Math" panose="02040503050406030204" pitchFamily="18" charset="0"/>
+                                </a:rPr>
+                              </m:ctrlPr>
+                            </m:sSubPr>
+                            <m:e>
+                              <m:r>
+                                <a:rPr kumimoji="1" lang="en-US" altLang="ja-JP" sz="1600" b="0" i="1" smtClean="0">
+                                  <a:latin typeface="Cambria Math" panose="02040503050406030204" pitchFamily="18" charset="0"/>
+                                </a:rPr>
+                                <m:t>𝐶</m:t>
+                              </m:r>
+                            </m:e>
+                            <m:sub>
+                              <m:r>
+                                <a:rPr kumimoji="1" lang="en-US" altLang="ja-JP" sz="1600" b="0" i="1" smtClean="0">
+                                  <a:latin typeface="Cambria Math" panose="02040503050406030204" pitchFamily="18" charset="0"/>
+                                </a:rPr>
+                                <m:t>𝑗𝑐</m:t>
+                              </m:r>
+                            </m:sub>
+                          </m:sSub>
+                          <m:d>
+                            <m:dPr>
+                              <m:ctrlPr>
+                                <a:rPr kumimoji="1" lang="en-US" altLang="ja-JP" sz="1600" b="0" i="1" smtClean="0">
+                                  <a:latin typeface="Cambria Math" panose="02040503050406030204" pitchFamily="18" charset="0"/>
+                                </a:rPr>
+                              </m:ctrlPr>
+                            </m:dPr>
+                            <m:e>
+                              <m:sSub>
+                                <m:sSubPr>
+                                  <m:ctrlPr>
+                                    <a:rPr kumimoji="1" lang="en-US" altLang="ja-JP" sz="1600" b="0" i="1" smtClean="0">
+                                      <a:latin typeface="Cambria Math" panose="02040503050406030204" pitchFamily="18" charset="0"/>
+                                    </a:rPr>
+                                  </m:ctrlPr>
+                                </m:sSubPr>
+                                <m:e>
+                                  <m:r>
+                                    <a:rPr kumimoji="1" lang="en-US" altLang="ja-JP" sz="1600" b="0" i="1" smtClean="0">
+                                      <a:latin typeface="Cambria Math" panose="02040503050406030204" pitchFamily="18" charset="0"/>
+                                    </a:rPr>
+                                    <m:t>𝐶</m:t>
+                                  </m:r>
+                                </m:e>
+                                <m:sub>
+                                  <m:r>
+                                    <a:rPr kumimoji="1" lang="en-US" altLang="ja-JP" sz="1600" b="0" i="1" smtClean="0">
+                                      <a:latin typeface="Cambria Math" panose="02040503050406030204" pitchFamily="18" charset="0"/>
+                                    </a:rPr>
+                                    <m:t>𝑃𝐷</m:t>
+                                  </m:r>
+                                </m:sub>
+                              </m:sSub>
+                              <m:r>
+                                <a:rPr kumimoji="1" lang="en-US" altLang="ja-JP" sz="1600" b="0" i="1" smtClean="0">
+                                  <a:latin typeface="Cambria Math" panose="02040503050406030204" pitchFamily="18" charset="0"/>
+                                </a:rPr>
+                                <m:t>+</m:t>
+                              </m:r>
+                              <m:sSub>
+                                <m:sSubPr>
+                                  <m:ctrlPr>
+                                    <a:rPr kumimoji="1" lang="en-US" altLang="ja-JP" sz="1600" b="0" i="1" smtClean="0">
+                                      <a:latin typeface="Cambria Math" panose="02040503050406030204" pitchFamily="18" charset="0"/>
+                                    </a:rPr>
+                                  </m:ctrlPr>
+                                </m:sSubPr>
+                                <m:e>
+                                  <m:r>
+                                    <a:rPr kumimoji="1" lang="en-US" altLang="ja-JP" sz="1600" b="0" i="1" smtClean="0">
+                                      <a:latin typeface="Cambria Math" panose="02040503050406030204" pitchFamily="18" charset="0"/>
+                                    </a:rPr>
+                                    <m:t>𝐶</m:t>
+                                  </m:r>
+                                </m:e>
+                                <m:sub>
+                                  <m:r>
+                                    <a:rPr kumimoji="1" lang="en-US" altLang="ja-JP" sz="1600" b="0" i="1" smtClean="0">
+                                      <a:latin typeface="Cambria Math" panose="02040503050406030204" pitchFamily="18" charset="0"/>
+                                    </a:rPr>
+                                    <m:t>𝑗𝑒</m:t>
+                                  </m:r>
+                                </m:sub>
+                              </m:sSub>
+                            </m:e>
+                          </m:d>
+                        </m:den>
+                      </m:f>
+                    </m:oMath>
+                  </m:oMathPara>
+                </a14:m>
+                <a:endParaRPr kumimoji="1" lang="ja-JP" altLang="en-US" sz="1600" dirty="0"/>
+              </a:p>
+            </p:txBody>
+          </p:sp>
+        </mc:Choice>
+        <mc:Fallback>
+          <p:sp>
+            <p:nvSpPr>
+              <p:cNvPr id="8" name="テキスト ボックス 7">
+                <a:extLst>
+                  <a:ext uri="{FF2B5EF4-FFF2-40B4-BE49-F238E27FC236}">
+                    <a16:creationId xmlns:a16="http://schemas.microsoft.com/office/drawing/2014/main" id="{F90E5AAA-9D4C-9E6C-A2FC-7C629FCB4A10}"/>
+                  </a:ext>
+                </a:extLst>
+              </p:cNvPr>
+              <p:cNvSpPr txBox="1">
+                <a:spLocks noRot="1" noChangeAspect="1" noMove="1" noResize="1" noEditPoints="1" noAdjustHandles="1" noChangeArrowheads="1" noChangeShapeType="1" noTextEdit="1"/>
+              </p:cNvSpPr>
+              <p:nvPr/>
+            </p:nvSpPr>
+            <p:spPr>
+              <a:xfrm>
+                <a:off x="238159" y="5654172"/>
+                <a:ext cx="11715681" cy="628442"/>
+              </a:xfrm>
+              <a:prstGeom prst="rect">
+                <a:avLst/>
+              </a:prstGeom>
+              <a:blipFill>
+                <a:blip r:embed="rId3"/>
+                <a:stretch>
+                  <a:fillRect/>
+                </a:stretch>
+              </a:blipFill>
+            </p:spPr>
+            <p:txBody>
+              <a:bodyPr/>
+              <a:lstStyle/>
+              <a:p>
+                <a:r>
+                  <a:rPr lang="ja-JP" altLang="en-US">
+                    <a:noFill/>
+                  </a:rPr>
+                  <a:t> </a:t>
+                </a:r>
+              </a:p>
+            </p:txBody>
+          </p:sp>
+        </mc:Fallback>
+      </mc:AlternateContent>
     </p:spTree>
     <p:extLst>
       <p:ext uri="{BB962C8B-B14F-4D97-AF65-F5344CB8AC3E}">
@@ -6861,7 +7786,7 @@
           <a:p>
             <a:fld id="{D960D7A0-95E9-4E80-AEE1-2416C3BC5BFF}" type="datetime1">
               <a:rPr kumimoji="1" lang="ja-JP" altLang="en-US" smtClean="0"/>
-              <a:t>2024/6/23</a:t>
+              <a:t>2024/6/26</a:t>
             </a:fld>
             <a:endParaRPr kumimoji="1" lang="ja-JP" altLang="en-US"/>
           </a:p>
@@ -7008,6 +7933,1092 @@
     <p:extLst>
       <p:ext uri="{BB962C8B-B14F-4D97-AF65-F5344CB8AC3E}">
         <p14:creationId xmlns:p14="http://schemas.microsoft.com/office/powerpoint/2010/main" val="2278178408"/>
+      </p:ext>
+    </p:extLst>
+  </p:cSld>
+  <p:clrMapOvr>
+    <a:masterClrMapping/>
+  </p:clrMapOvr>
+</p:sld>
+</file>
+
+<file path=ppt/slides/slide7.xml><?xml version="1.0" encoding="utf-8"?>
+<p:sld xmlns:a="http://schemas.openxmlformats.org/drawingml/2006/main" xmlns:r="http://schemas.openxmlformats.org/officeDocument/2006/relationships" xmlns:p="http://schemas.openxmlformats.org/presentationml/2006/main">
+  <p:cSld>
+    <p:spTree>
+      <p:nvGrpSpPr>
+        <p:cNvPr id="1" name=""/>
+        <p:cNvGrpSpPr/>
+        <p:nvPr/>
+      </p:nvGrpSpPr>
+      <p:grpSpPr>
+        <a:xfrm>
+          <a:off x="0" y="0"/>
+          <a:ext cx="0" cy="0"/>
+          <a:chOff x="0" y="0"/>
+          <a:chExt cx="0" cy="0"/>
+        </a:xfrm>
+      </p:grpSpPr>
+      <p:sp>
+        <p:nvSpPr>
+          <p:cNvPr id="2" name="タイトル 1">
+            <a:extLst>
+              <a:ext uri="{FF2B5EF4-FFF2-40B4-BE49-F238E27FC236}">
+                <a16:creationId xmlns:a16="http://schemas.microsoft.com/office/drawing/2014/main" id="{99CA68A4-3506-40F5-26CA-C10BCAA0AB93}"/>
+              </a:ext>
+            </a:extLst>
+          </p:cNvPr>
+          <p:cNvSpPr>
+            <a:spLocks noGrp="1"/>
+          </p:cNvSpPr>
+          <p:nvPr>
+            <p:ph type="title"/>
+          </p:nvPr>
+        </p:nvSpPr>
+        <p:spPr/>
+        <p:txBody>
+          <a:bodyPr/>
+          <a:lstStyle/>
+          <a:p>
+            <a:r>
+              <a:rPr kumimoji="1" lang="ja-JP" altLang="en-US" dirty="0"/>
+              <a:t>律速の原因</a:t>
+            </a:r>
+          </a:p>
+        </p:txBody>
+      </p:sp>
+      <p:sp>
+        <p:nvSpPr>
+          <p:cNvPr id="3" name="日付プレースホルダー 2">
+            <a:extLst>
+              <a:ext uri="{FF2B5EF4-FFF2-40B4-BE49-F238E27FC236}">
+                <a16:creationId xmlns:a16="http://schemas.microsoft.com/office/drawing/2014/main" id="{CE750DF3-4A26-3479-E6F5-99330C3289FE}"/>
+              </a:ext>
+            </a:extLst>
+          </p:cNvPr>
+          <p:cNvSpPr>
+            <a:spLocks noGrp="1"/>
+          </p:cNvSpPr>
+          <p:nvPr>
+            <p:ph type="dt" sz="half" idx="10"/>
+          </p:nvPr>
+        </p:nvSpPr>
+        <p:spPr/>
+        <p:txBody>
+          <a:bodyPr/>
+          <a:lstStyle/>
+          <a:p>
+            <a:fld id="{D960D7A0-95E9-4E80-AEE1-2416C3BC5BFF}" type="datetime1">
+              <a:rPr kumimoji="1" lang="ja-JP" altLang="en-US" smtClean="0"/>
+              <a:t>2024/6/26</a:t>
+            </a:fld>
+            <a:endParaRPr kumimoji="1" lang="ja-JP" altLang="en-US"/>
+          </a:p>
+        </p:txBody>
+      </p:sp>
+      <p:sp>
+        <p:nvSpPr>
+          <p:cNvPr id="4" name="スライド番号プレースホルダー 3">
+            <a:extLst>
+              <a:ext uri="{FF2B5EF4-FFF2-40B4-BE49-F238E27FC236}">
+                <a16:creationId xmlns:a16="http://schemas.microsoft.com/office/drawing/2014/main" id="{088AB96B-3581-858A-7B05-884CA2F37978}"/>
+              </a:ext>
+            </a:extLst>
+          </p:cNvPr>
+          <p:cNvSpPr>
+            <a:spLocks noGrp="1"/>
+          </p:cNvSpPr>
+          <p:nvPr>
+            <p:ph type="sldNum" sz="quarter" idx="12"/>
+          </p:nvPr>
+        </p:nvSpPr>
+        <p:spPr/>
+        <p:txBody>
+          <a:bodyPr/>
+          <a:lstStyle/>
+          <a:p>
+            <a:fld id="{6294761A-CFE9-4878-87A7-90ECABD59CE5}" type="slidenum">
+              <a:rPr kumimoji="1" lang="ja-JP" altLang="en-US" smtClean="0"/>
+              <a:t>7</a:t>
+            </a:fld>
+            <a:endParaRPr kumimoji="1" lang="ja-JP" altLang="en-US"/>
+          </a:p>
+        </p:txBody>
+      </p:sp>
+      <p:sp>
+        <p:nvSpPr>
+          <p:cNvPr id="5" name="フッター プレースホルダー 4">
+            <a:extLst>
+              <a:ext uri="{FF2B5EF4-FFF2-40B4-BE49-F238E27FC236}">
+                <a16:creationId xmlns:a16="http://schemas.microsoft.com/office/drawing/2014/main" id="{589F4F5C-5C6B-2738-9FBF-60C1C3AAC987}"/>
+              </a:ext>
+            </a:extLst>
+          </p:cNvPr>
+          <p:cNvSpPr>
+            <a:spLocks noGrp="1"/>
+          </p:cNvSpPr>
+          <p:nvPr>
+            <p:ph type="ftr" sz="quarter" idx="3"/>
+          </p:nvPr>
+        </p:nvSpPr>
+        <p:spPr/>
+        <p:txBody>
+          <a:bodyPr/>
+          <a:lstStyle/>
+          <a:p>
+            <a:r>
+              <a:rPr lang="en-US" altLang="ja-JP"/>
+              <a:t>Wave Signal Processing Circuit Laboratory,  Meiji University</a:t>
+            </a:r>
+            <a:endParaRPr lang="en-US" altLang="ja-JP" dirty="0"/>
+          </a:p>
+        </p:txBody>
+      </p:sp>
+      <mc:AlternateContent xmlns:mc="http://schemas.openxmlformats.org/markup-compatibility/2006">
+        <mc:Choice xmlns:a14="http://schemas.microsoft.com/office/drawing/2010/main" Requires="a14">
+          <p:sp>
+            <p:nvSpPr>
+              <p:cNvPr id="6" name="テキスト ボックス 5">
+                <a:extLst>
+                  <a:ext uri="{FF2B5EF4-FFF2-40B4-BE49-F238E27FC236}">
+                    <a16:creationId xmlns:a16="http://schemas.microsoft.com/office/drawing/2014/main" id="{A3146EFB-9AC1-336A-DE8B-7B3122FF31D3}"/>
+                  </a:ext>
+                </a:extLst>
+              </p:cNvPr>
+              <p:cNvSpPr txBox="1"/>
+              <p:nvPr/>
+            </p:nvSpPr>
+            <p:spPr>
+              <a:xfrm>
+                <a:off x="796954" y="1853967"/>
+                <a:ext cx="8447714" cy="2184765"/>
+              </a:xfrm>
+              <a:prstGeom prst="rect">
+                <a:avLst/>
+              </a:prstGeom>
+              <a:noFill/>
+            </p:spPr>
+            <p:txBody>
+              <a:bodyPr wrap="square" rtlCol="0">
+                <a:spAutoFit/>
+              </a:bodyPr>
+              <a:lstStyle/>
+              <a:p>
+                <a:r>
+                  <a:rPr kumimoji="1" lang="ja-JP" altLang="en-US" dirty="0"/>
+                  <a:t>伝達インピーダンスの分母にある</a:t>
+                </a:r>
+                <a14:m>
+                  <m:oMath xmlns:m="http://schemas.openxmlformats.org/officeDocument/2006/math">
+                    <m:r>
+                      <a:rPr kumimoji="1" lang="en-US" altLang="ja-JP" b="0" i="1" smtClean="0">
+                        <a:latin typeface="Cambria Math" panose="02040503050406030204" pitchFamily="18" charset="0"/>
+                      </a:rPr>
+                      <m:t>𝜔</m:t>
+                    </m:r>
+                  </m:oMath>
+                </a14:m>
+                <a:r>
+                  <a:rPr kumimoji="1" lang="ja-JP" altLang="en-US" dirty="0"/>
+                  <a:t>の二次の項に着目すると</a:t>
+                </a:r>
+                <a:endParaRPr kumimoji="1" lang="en-US" altLang="ja-JP" dirty="0"/>
+              </a:p>
+              <a:p>
+                <a14:m>
+                  <m:oMathPara xmlns:m="http://schemas.openxmlformats.org/officeDocument/2006/math">
+                    <m:oMathParaPr>
+                      <m:jc m:val="centerGroup"/>
+                    </m:oMathParaPr>
+                    <m:oMath xmlns:m="http://schemas.openxmlformats.org/officeDocument/2006/math">
+                      <m:sSub>
+                        <m:sSubPr>
+                          <m:ctrlPr>
+                            <a:rPr kumimoji="1" lang="en-US" altLang="ja-JP" sz="1800" b="0" i="1" smtClean="0">
+                              <a:latin typeface="Cambria Math" panose="02040503050406030204" pitchFamily="18" charset="0"/>
+                            </a:rPr>
+                          </m:ctrlPr>
+                        </m:sSubPr>
+                        <m:e>
+                          <m:r>
+                            <a:rPr kumimoji="1" lang="en-US" altLang="ja-JP" sz="1800" b="0" i="1" smtClean="0">
+                              <a:latin typeface="Cambria Math" panose="02040503050406030204" pitchFamily="18" charset="0"/>
+                            </a:rPr>
+                            <m:t>𝑔</m:t>
+                          </m:r>
+                        </m:e>
+                        <m:sub>
+                          <m:r>
+                            <a:rPr kumimoji="1" lang="en-US" altLang="ja-JP" sz="1800" b="0" i="1" smtClean="0">
+                              <a:latin typeface="Cambria Math" panose="02040503050406030204" pitchFamily="18" charset="0"/>
+                            </a:rPr>
+                            <m:t>𝑐𝑒</m:t>
+                          </m:r>
+                        </m:sub>
+                      </m:sSub>
+                      <m:d>
+                        <m:dPr>
+                          <m:ctrlPr>
+                            <a:rPr kumimoji="1" lang="en-US" altLang="ja-JP" sz="1800" b="0" i="1" smtClean="0">
+                              <a:latin typeface="Cambria Math" panose="02040503050406030204" pitchFamily="18" charset="0"/>
+                            </a:rPr>
+                          </m:ctrlPr>
+                        </m:dPr>
+                        <m:e>
+                          <m:sSub>
+                            <m:sSubPr>
+                              <m:ctrlPr>
+                                <a:rPr kumimoji="1" lang="en-US" altLang="ja-JP" sz="1800" b="0" i="1" smtClean="0">
+                                  <a:latin typeface="Cambria Math" panose="02040503050406030204" pitchFamily="18" charset="0"/>
+                                </a:rPr>
+                              </m:ctrlPr>
+                            </m:sSubPr>
+                            <m:e>
+                              <m:r>
+                                <a:rPr kumimoji="1" lang="en-US" altLang="ja-JP" sz="1800" b="0" i="1" smtClean="0">
+                                  <a:latin typeface="Cambria Math" panose="02040503050406030204" pitchFamily="18" charset="0"/>
+                                </a:rPr>
+                                <m:t>𝐶</m:t>
+                              </m:r>
+                            </m:e>
+                            <m:sub>
+                              <m:r>
+                                <a:rPr kumimoji="1" lang="en-US" altLang="ja-JP" sz="1800" b="0" i="1" smtClean="0">
+                                  <a:latin typeface="Cambria Math" panose="02040503050406030204" pitchFamily="18" charset="0"/>
+                                </a:rPr>
+                                <m:t>𝑃𝐷</m:t>
+                              </m:r>
+                            </m:sub>
+                          </m:sSub>
+                          <m:r>
+                            <a:rPr kumimoji="1" lang="en-US" altLang="ja-JP" sz="1800" b="0" i="1" smtClean="0">
+                              <a:latin typeface="Cambria Math" panose="02040503050406030204" pitchFamily="18" charset="0"/>
+                            </a:rPr>
+                            <m:t>+</m:t>
+                          </m:r>
+                          <m:sSub>
+                            <m:sSubPr>
+                              <m:ctrlPr>
+                                <a:rPr kumimoji="1" lang="en-US" altLang="ja-JP" sz="1800" b="0" i="1" smtClean="0">
+                                  <a:latin typeface="Cambria Math" panose="02040503050406030204" pitchFamily="18" charset="0"/>
+                                </a:rPr>
+                              </m:ctrlPr>
+                            </m:sSubPr>
+                            <m:e>
+                              <m:r>
+                                <a:rPr kumimoji="1" lang="en-US" altLang="ja-JP" sz="1800" b="0" i="1" smtClean="0">
+                                  <a:latin typeface="Cambria Math" panose="02040503050406030204" pitchFamily="18" charset="0"/>
+                                </a:rPr>
+                                <m:t>𝐶</m:t>
+                              </m:r>
+                            </m:e>
+                            <m:sub>
+                              <m:r>
+                                <a:rPr kumimoji="1" lang="en-US" altLang="ja-JP" sz="1800" b="0" i="1" smtClean="0">
+                                  <a:latin typeface="Cambria Math" panose="02040503050406030204" pitchFamily="18" charset="0"/>
+                                </a:rPr>
+                                <m:t>𝑗𝑒</m:t>
+                              </m:r>
+                            </m:sub>
+                          </m:sSub>
+                        </m:e>
+                      </m:d>
+                      <m:r>
+                        <a:rPr kumimoji="1" lang="en-US" altLang="ja-JP" sz="1800" b="0" i="1" smtClean="0">
+                          <a:latin typeface="Cambria Math" panose="02040503050406030204" pitchFamily="18" charset="0"/>
+                        </a:rPr>
+                        <m:t>+</m:t>
+                      </m:r>
+                      <m:d>
+                        <m:dPr>
+                          <m:ctrlPr>
+                            <a:rPr kumimoji="1" lang="en-US" altLang="ja-JP" sz="1800" b="0" i="1" smtClean="0">
+                              <a:latin typeface="Cambria Math" panose="02040503050406030204" pitchFamily="18" charset="0"/>
+                            </a:rPr>
+                          </m:ctrlPr>
+                        </m:dPr>
+                        <m:e>
+                          <m:sSub>
+                            <m:sSubPr>
+                              <m:ctrlPr>
+                                <a:rPr kumimoji="1" lang="en-US" altLang="ja-JP" sz="1800" b="0" i="1" smtClean="0">
+                                  <a:latin typeface="Cambria Math" panose="02040503050406030204" pitchFamily="18" charset="0"/>
+                                </a:rPr>
+                              </m:ctrlPr>
+                            </m:sSubPr>
+                            <m:e>
+                              <m:r>
+                                <a:rPr kumimoji="1" lang="en-US" altLang="ja-JP" sz="1800" b="0" i="1" smtClean="0">
+                                  <a:latin typeface="Cambria Math" panose="02040503050406030204" pitchFamily="18" charset="0"/>
+                                </a:rPr>
+                                <m:t>𝐺</m:t>
+                              </m:r>
+                            </m:e>
+                            <m:sub>
+                              <m:r>
+                                <a:rPr kumimoji="1" lang="en-US" altLang="ja-JP" sz="1800" b="0" i="1" smtClean="0">
+                                  <a:latin typeface="Cambria Math" panose="02040503050406030204" pitchFamily="18" charset="0"/>
+                                </a:rPr>
+                                <m:t>𝐶𝐸</m:t>
+                              </m:r>
+                            </m:sub>
+                          </m:sSub>
+                          <m:r>
+                            <a:rPr kumimoji="1" lang="en-US" altLang="ja-JP" sz="1800" b="0" i="1" smtClean="0">
+                              <a:latin typeface="Cambria Math" panose="02040503050406030204" pitchFamily="18" charset="0"/>
+                            </a:rPr>
+                            <m:t>+</m:t>
+                          </m:r>
+                          <m:sSub>
+                            <m:sSubPr>
+                              <m:ctrlPr>
+                                <a:rPr kumimoji="1" lang="en-US" altLang="ja-JP" sz="1800" b="0" i="1" smtClean="0">
+                                  <a:latin typeface="Cambria Math" panose="02040503050406030204" pitchFamily="18" charset="0"/>
+                                </a:rPr>
+                              </m:ctrlPr>
+                            </m:sSubPr>
+                            <m:e>
+                              <m:r>
+                                <a:rPr kumimoji="1" lang="en-US" altLang="ja-JP" sz="1800" b="0" i="1" smtClean="0">
+                                  <a:latin typeface="Cambria Math" panose="02040503050406030204" pitchFamily="18" charset="0"/>
+                                </a:rPr>
+                                <m:t>𝑔</m:t>
+                              </m:r>
+                            </m:e>
+                            <m:sub>
+                              <m:r>
+                                <a:rPr kumimoji="1" lang="en-US" altLang="ja-JP" sz="1800" b="0" i="1" smtClean="0">
+                                  <a:latin typeface="Cambria Math" panose="02040503050406030204" pitchFamily="18" charset="0"/>
+                                </a:rPr>
+                                <m:t>𝑚</m:t>
+                              </m:r>
+                            </m:sub>
+                          </m:sSub>
+                          <m:r>
+                            <a:rPr kumimoji="1" lang="en-US" altLang="ja-JP" sz="1800" b="0" i="1" smtClean="0">
+                              <a:latin typeface="Cambria Math" panose="02040503050406030204" pitchFamily="18" charset="0"/>
+                            </a:rPr>
+                            <m:t>+</m:t>
+                          </m:r>
+                          <m:sSub>
+                            <m:sSubPr>
+                              <m:ctrlPr>
+                                <a:rPr kumimoji="1" lang="en-US" altLang="ja-JP" sz="1800" b="0" i="1" smtClean="0">
+                                  <a:latin typeface="Cambria Math" panose="02040503050406030204" pitchFamily="18" charset="0"/>
+                                </a:rPr>
+                              </m:ctrlPr>
+                            </m:sSubPr>
+                            <m:e>
+                              <m:r>
+                                <a:rPr kumimoji="1" lang="en-US" altLang="ja-JP" sz="1800" b="0" i="1" smtClean="0">
+                                  <a:latin typeface="Cambria Math" panose="02040503050406030204" pitchFamily="18" charset="0"/>
+                                </a:rPr>
+                                <m:t>𝑔</m:t>
+                              </m:r>
+                            </m:e>
+                            <m:sub>
+                              <m:r>
+                                <a:rPr kumimoji="1" lang="en-US" altLang="ja-JP" sz="1800" b="0" i="1" smtClean="0">
+                                  <a:latin typeface="Cambria Math" panose="02040503050406030204" pitchFamily="18" charset="0"/>
+                                </a:rPr>
+                                <m:t>𝑖𝑒</m:t>
+                              </m:r>
+                            </m:sub>
+                          </m:sSub>
+                          <m:r>
+                            <a:rPr kumimoji="1" lang="en-US" altLang="ja-JP" sz="1800" b="0" i="1" smtClean="0">
+                              <a:latin typeface="Cambria Math" panose="02040503050406030204" pitchFamily="18" charset="0"/>
+                            </a:rPr>
+                            <m:t>+</m:t>
+                          </m:r>
+                          <m:sSub>
+                            <m:sSubPr>
+                              <m:ctrlPr>
+                                <a:rPr kumimoji="1" lang="en-US" altLang="ja-JP" sz="1800" b="0" i="1" smtClean="0">
+                                  <a:latin typeface="Cambria Math" panose="02040503050406030204" pitchFamily="18" charset="0"/>
+                                </a:rPr>
+                              </m:ctrlPr>
+                            </m:sSubPr>
+                            <m:e>
+                              <m:r>
+                                <a:rPr kumimoji="1" lang="en-US" altLang="ja-JP" sz="1800" b="0" i="1" smtClean="0">
+                                  <a:latin typeface="Cambria Math" panose="02040503050406030204" pitchFamily="18" charset="0"/>
+                                </a:rPr>
+                                <m:t>𝑔</m:t>
+                              </m:r>
+                            </m:e>
+                            <m:sub>
+                              <m:r>
+                                <a:rPr kumimoji="1" lang="en-US" altLang="ja-JP" sz="1800" b="0" i="1" smtClean="0">
+                                  <a:latin typeface="Cambria Math" panose="02040503050406030204" pitchFamily="18" charset="0"/>
+                                </a:rPr>
+                                <m:t>𝑐𝑒</m:t>
+                              </m:r>
+                            </m:sub>
+                          </m:sSub>
+                        </m:e>
+                      </m:d>
+                      <m:sSub>
+                        <m:sSubPr>
+                          <m:ctrlPr>
+                            <a:rPr kumimoji="1" lang="en-US" altLang="ja-JP" sz="1800" b="0" i="1" smtClean="0">
+                              <a:latin typeface="Cambria Math" panose="02040503050406030204" pitchFamily="18" charset="0"/>
+                            </a:rPr>
+                          </m:ctrlPr>
+                        </m:sSubPr>
+                        <m:e>
+                          <m:r>
+                            <a:rPr kumimoji="1" lang="en-US" altLang="ja-JP" sz="1800" b="0" i="1" smtClean="0">
+                              <a:latin typeface="Cambria Math" panose="02040503050406030204" pitchFamily="18" charset="0"/>
+                            </a:rPr>
+                            <m:t>𝐶</m:t>
+                          </m:r>
+                        </m:e>
+                        <m:sub>
+                          <m:r>
+                            <a:rPr kumimoji="1" lang="en-US" altLang="ja-JP" sz="1800" b="0" i="1" smtClean="0">
+                              <a:latin typeface="Cambria Math" panose="02040503050406030204" pitchFamily="18" charset="0"/>
+                            </a:rPr>
+                            <m:t>𝑗𝑐</m:t>
+                          </m:r>
+                        </m:sub>
+                      </m:sSub>
+                      <m:r>
+                        <a:rPr kumimoji="1" lang="en-US" altLang="ja-JP" sz="1800" b="0" i="1" smtClean="0">
+                          <a:latin typeface="Cambria Math" panose="02040503050406030204" pitchFamily="18" charset="0"/>
+                        </a:rPr>
+                        <m:t>+</m:t>
+                      </m:r>
+                      <m:sSub>
+                        <m:sSubPr>
+                          <m:ctrlPr>
+                            <a:rPr kumimoji="1" lang="en-US" altLang="ja-JP" sz="1800" b="0" i="1" smtClean="0">
+                              <a:latin typeface="Cambria Math" panose="02040503050406030204" pitchFamily="18" charset="0"/>
+                            </a:rPr>
+                          </m:ctrlPr>
+                        </m:sSubPr>
+                        <m:e>
+                          <m:r>
+                            <a:rPr kumimoji="1" lang="en-US" altLang="ja-JP" sz="1800" b="0" i="1" smtClean="0">
+                              <a:latin typeface="Cambria Math" panose="02040503050406030204" pitchFamily="18" charset="0"/>
+                            </a:rPr>
+                            <m:t>𝐺</m:t>
+                          </m:r>
+                        </m:e>
+                        <m:sub>
+                          <m:r>
+                            <a:rPr kumimoji="1" lang="en-US" altLang="ja-JP" sz="1800" b="0" i="1" smtClean="0">
+                              <a:latin typeface="Cambria Math" panose="02040503050406030204" pitchFamily="18" charset="0"/>
+                            </a:rPr>
+                            <m:t>𝐶</m:t>
+                          </m:r>
+                        </m:sub>
+                      </m:sSub>
+                      <m:d>
+                        <m:dPr>
+                          <m:ctrlPr>
+                            <a:rPr kumimoji="1" lang="en-US" altLang="ja-JP" sz="1800" b="0" i="1" smtClean="0">
+                              <a:latin typeface="Cambria Math" panose="02040503050406030204" pitchFamily="18" charset="0"/>
+                            </a:rPr>
+                          </m:ctrlPr>
+                        </m:dPr>
+                        <m:e>
+                          <m:sSub>
+                            <m:sSubPr>
+                              <m:ctrlPr>
+                                <a:rPr kumimoji="1" lang="en-US" altLang="ja-JP" sz="1800" b="0" i="1" smtClean="0">
+                                  <a:latin typeface="Cambria Math" panose="02040503050406030204" pitchFamily="18" charset="0"/>
+                                </a:rPr>
+                              </m:ctrlPr>
+                            </m:sSubPr>
+                            <m:e>
+                              <m:r>
+                                <a:rPr kumimoji="1" lang="en-US" altLang="ja-JP" sz="1800" b="0" i="1" smtClean="0">
+                                  <a:latin typeface="Cambria Math" panose="02040503050406030204" pitchFamily="18" charset="0"/>
+                                </a:rPr>
+                                <m:t>𝐶</m:t>
+                              </m:r>
+                            </m:e>
+                            <m:sub>
+                              <m:r>
+                                <a:rPr kumimoji="1" lang="en-US" altLang="ja-JP" sz="1800" b="0" i="1" smtClean="0">
+                                  <a:latin typeface="Cambria Math" panose="02040503050406030204" pitchFamily="18" charset="0"/>
+                                </a:rPr>
+                                <m:t>𝑃𝐷</m:t>
+                              </m:r>
+                            </m:sub>
+                          </m:sSub>
+                          <m:r>
+                            <a:rPr kumimoji="1" lang="en-US" altLang="ja-JP" sz="1800" b="0" i="1" smtClean="0">
+                              <a:latin typeface="Cambria Math" panose="02040503050406030204" pitchFamily="18" charset="0"/>
+                            </a:rPr>
+                            <m:t>+</m:t>
+                          </m:r>
+                          <m:sSub>
+                            <m:sSubPr>
+                              <m:ctrlPr>
+                                <a:rPr kumimoji="1" lang="en-US" altLang="ja-JP" sz="1800" b="0" i="1" smtClean="0">
+                                  <a:latin typeface="Cambria Math" panose="02040503050406030204" pitchFamily="18" charset="0"/>
+                                </a:rPr>
+                              </m:ctrlPr>
+                            </m:sSubPr>
+                            <m:e>
+                              <m:r>
+                                <a:rPr kumimoji="1" lang="en-US" altLang="ja-JP" sz="1800" b="0" i="1" smtClean="0">
+                                  <a:latin typeface="Cambria Math" panose="02040503050406030204" pitchFamily="18" charset="0"/>
+                                </a:rPr>
+                                <m:t>𝐶</m:t>
+                              </m:r>
+                            </m:e>
+                            <m:sub>
+                              <m:r>
+                                <a:rPr kumimoji="1" lang="en-US" altLang="ja-JP" sz="1800" b="0" i="1" smtClean="0">
+                                  <a:latin typeface="Cambria Math" panose="02040503050406030204" pitchFamily="18" charset="0"/>
+                                </a:rPr>
+                                <m:t>𝑗𝑒</m:t>
+                              </m:r>
+                            </m:sub>
+                          </m:sSub>
+                        </m:e>
+                      </m:d>
+                    </m:oMath>
+                  </m:oMathPara>
+                </a14:m>
+                <a:endParaRPr kumimoji="1" lang="en-US" altLang="ja-JP" sz="1800" b="0" dirty="0"/>
+              </a:p>
+              <a:p>
+                <a:r>
+                  <a:rPr kumimoji="1" lang="ja-JP" altLang="en-US" dirty="0"/>
+                  <a:t>それぞれ現状のバイアス状態では</a:t>
+                </a:r>
+                <a:endParaRPr kumimoji="1" lang="en-US" altLang="ja-JP" dirty="0"/>
+              </a:p>
+              <a:p>
+                <a14:m>
+                  <m:oMathPara xmlns:m="http://schemas.openxmlformats.org/officeDocument/2006/math">
+                    <m:oMathParaPr>
+                      <m:jc m:val="centerGroup"/>
+                    </m:oMathParaPr>
+                    <m:oMath xmlns:m="http://schemas.openxmlformats.org/officeDocument/2006/math">
+                      <m:sSub>
+                        <m:sSubPr>
+                          <m:ctrlPr>
+                            <a:rPr kumimoji="1" lang="en-US" altLang="ja-JP" sz="1800" b="0" i="1" smtClean="0">
+                              <a:latin typeface="Cambria Math" panose="02040503050406030204" pitchFamily="18" charset="0"/>
+                            </a:rPr>
+                          </m:ctrlPr>
+                        </m:sSubPr>
+                        <m:e>
+                          <m:r>
+                            <a:rPr kumimoji="1" lang="en-US" altLang="ja-JP" sz="1800" b="0" i="1" smtClean="0">
+                              <a:latin typeface="Cambria Math" panose="02040503050406030204" pitchFamily="18" charset="0"/>
+                            </a:rPr>
+                            <m:t>𝑔</m:t>
+                          </m:r>
+                        </m:e>
+                        <m:sub>
+                          <m:r>
+                            <a:rPr kumimoji="1" lang="en-US" altLang="ja-JP" sz="1800" b="0" i="1" smtClean="0">
+                              <a:latin typeface="Cambria Math" panose="02040503050406030204" pitchFamily="18" charset="0"/>
+                            </a:rPr>
+                            <m:t>𝑐𝑒</m:t>
+                          </m:r>
+                        </m:sub>
+                      </m:sSub>
+                      <m:d>
+                        <m:dPr>
+                          <m:ctrlPr>
+                            <a:rPr kumimoji="1" lang="en-US" altLang="ja-JP" sz="1800" b="0" i="1" smtClean="0">
+                              <a:latin typeface="Cambria Math" panose="02040503050406030204" pitchFamily="18" charset="0"/>
+                            </a:rPr>
+                          </m:ctrlPr>
+                        </m:dPr>
+                        <m:e>
+                          <m:sSub>
+                            <m:sSubPr>
+                              <m:ctrlPr>
+                                <a:rPr kumimoji="1" lang="en-US" altLang="ja-JP" sz="1800" b="0" i="1" smtClean="0">
+                                  <a:latin typeface="Cambria Math" panose="02040503050406030204" pitchFamily="18" charset="0"/>
+                                </a:rPr>
+                              </m:ctrlPr>
+                            </m:sSubPr>
+                            <m:e>
+                              <m:r>
+                                <a:rPr kumimoji="1" lang="en-US" altLang="ja-JP" sz="1800" b="0" i="1" smtClean="0">
+                                  <a:latin typeface="Cambria Math" panose="02040503050406030204" pitchFamily="18" charset="0"/>
+                                </a:rPr>
+                                <m:t>𝐶</m:t>
+                              </m:r>
+                            </m:e>
+                            <m:sub>
+                              <m:r>
+                                <a:rPr kumimoji="1" lang="en-US" altLang="ja-JP" sz="1800" b="0" i="1" smtClean="0">
+                                  <a:latin typeface="Cambria Math" panose="02040503050406030204" pitchFamily="18" charset="0"/>
+                                </a:rPr>
+                                <m:t>𝑃𝐷</m:t>
+                              </m:r>
+                            </m:sub>
+                          </m:sSub>
+                          <m:r>
+                            <a:rPr kumimoji="1" lang="en-US" altLang="ja-JP" sz="1800" b="0" i="1" smtClean="0">
+                              <a:latin typeface="Cambria Math" panose="02040503050406030204" pitchFamily="18" charset="0"/>
+                            </a:rPr>
+                            <m:t>+</m:t>
+                          </m:r>
+                          <m:sSub>
+                            <m:sSubPr>
+                              <m:ctrlPr>
+                                <a:rPr kumimoji="1" lang="en-US" altLang="ja-JP" sz="1800" b="0" i="1" smtClean="0">
+                                  <a:latin typeface="Cambria Math" panose="02040503050406030204" pitchFamily="18" charset="0"/>
+                                </a:rPr>
+                              </m:ctrlPr>
+                            </m:sSubPr>
+                            <m:e>
+                              <m:r>
+                                <a:rPr kumimoji="1" lang="en-US" altLang="ja-JP" sz="1800" b="0" i="1" smtClean="0">
+                                  <a:latin typeface="Cambria Math" panose="02040503050406030204" pitchFamily="18" charset="0"/>
+                                </a:rPr>
+                                <m:t>𝐶</m:t>
+                              </m:r>
+                            </m:e>
+                            <m:sub>
+                              <m:r>
+                                <a:rPr kumimoji="1" lang="en-US" altLang="ja-JP" sz="1800" b="0" i="1" smtClean="0">
+                                  <a:latin typeface="Cambria Math" panose="02040503050406030204" pitchFamily="18" charset="0"/>
+                                </a:rPr>
+                                <m:t>𝑗𝑒</m:t>
+                              </m:r>
+                            </m:sub>
+                          </m:sSub>
+                        </m:e>
+                      </m:d>
+                      <m:r>
+                        <a:rPr kumimoji="1" lang="en-US" altLang="ja-JP" sz="1800" b="0" i="1" smtClean="0">
+                          <a:latin typeface="Cambria Math" panose="02040503050406030204" pitchFamily="18" charset="0"/>
+                        </a:rPr>
+                        <m:t>≈1.51×</m:t>
+                      </m:r>
+                      <m:sSup>
+                        <m:sSupPr>
+                          <m:ctrlPr>
+                            <a:rPr kumimoji="1" lang="en-US" altLang="ja-JP" sz="1800" b="0" i="1" smtClean="0">
+                              <a:latin typeface="Cambria Math" panose="02040503050406030204" pitchFamily="18" charset="0"/>
+                            </a:rPr>
+                          </m:ctrlPr>
+                        </m:sSupPr>
+                        <m:e>
+                          <m:r>
+                            <a:rPr kumimoji="1" lang="en-US" altLang="ja-JP" sz="1800" b="0" i="1" smtClean="0">
+                              <a:latin typeface="Cambria Math" panose="02040503050406030204" pitchFamily="18" charset="0"/>
+                            </a:rPr>
+                            <m:t>10</m:t>
+                          </m:r>
+                        </m:e>
+                        <m:sup>
+                          <m:r>
+                            <a:rPr kumimoji="1" lang="en-US" altLang="ja-JP" sz="1800" b="0" i="1" smtClean="0">
+                              <a:latin typeface="Cambria Math" panose="02040503050406030204" pitchFamily="18" charset="0"/>
+                            </a:rPr>
+                            <m:t>−18</m:t>
+                          </m:r>
+                        </m:sup>
+                      </m:sSup>
+                    </m:oMath>
+                  </m:oMathPara>
+                </a14:m>
+                <a:endParaRPr kumimoji="1" lang="en-US" altLang="ja-JP" sz="1800" b="0" dirty="0"/>
+              </a:p>
+              <a:p>
+                <a14:m>
+                  <m:oMathPara xmlns:m="http://schemas.openxmlformats.org/officeDocument/2006/math">
+                    <m:oMathParaPr>
+                      <m:jc m:val="centerGroup"/>
+                    </m:oMathParaPr>
+                    <m:oMath xmlns:m="http://schemas.openxmlformats.org/officeDocument/2006/math">
+                      <m:d>
+                        <m:dPr>
+                          <m:ctrlPr>
+                            <a:rPr kumimoji="1" lang="en-US" altLang="ja-JP" sz="1800" b="0" i="1" smtClean="0">
+                              <a:latin typeface="Cambria Math" panose="02040503050406030204" pitchFamily="18" charset="0"/>
+                            </a:rPr>
+                          </m:ctrlPr>
+                        </m:dPr>
+                        <m:e>
+                          <m:sSub>
+                            <m:sSubPr>
+                              <m:ctrlPr>
+                                <a:rPr kumimoji="1" lang="en-US" altLang="ja-JP" sz="1800" b="0" i="1" smtClean="0">
+                                  <a:latin typeface="Cambria Math" panose="02040503050406030204" pitchFamily="18" charset="0"/>
+                                </a:rPr>
+                              </m:ctrlPr>
+                            </m:sSubPr>
+                            <m:e>
+                              <m:r>
+                                <a:rPr kumimoji="1" lang="en-US" altLang="ja-JP" sz="1800" b="0" i="1" smtClean="0">
+                                  <a:latin typeface="Cambria Math" panose="02040503050406030204" pitchFamily="18" charset="0"/>
+                                </a:rPr>
+                                <m:t>𝐺</m:t>
+                              </m:r>
+                            </m:e>
+                            <m:sub>
+                              <m:r>
+                                <a:rPr kumimoji="1" lang="en-US" altLang="ja-JP" sz="1800" b="0" i="1" smtClean="0">
+                                  <a:latin typeface="Cambria Math" panose="02040503050406030204" pitchFamily="18" charset="0"/>
+                                </a:rPr>
+                                <m:t>𝐶𝐸</m:t>
+                              </m:r>
+                            </m:sub>
+                          </m:sSub>
+                          <m:r>
+                            <a:rPr kumimoji="1" lang="en-US" altLang="ja-JP" sz="1800" b="0" i="1" smtClean="0">
+                              <a:latin typeface="Cambria Math" panose="02040503050406030204" pitchFamily="18" charset="0"/>
+                            </a:rPr>
+                            <m:t>+</m:t>
+                          </m:r>
+                          <m:sSub>
+                            <m:sSubPr>
+                              <m:ctrlPr>
+                                <a:rPr kumimoji="1" lang="en-US" altLang="ja-JP" sz="1800" b="0" i="1" smtClean="0">
+                                  <a:latin typeface="Cambria Math" panose="02040503050406030204" pitchFamily="18" charset="0"/>
+                                </a:rPr>
+                              </m:ctrlPr>
+                            </m:sSubPr>
+                            <m:e>
+                              <m:r>
+                                <a:rPr kumimoji="1" lang="en-US" altLang="ja-JP" sz="1800" b="0" i="1" smtClean="0">
+                                  <a:latin typeface="Cambria Math" panose="02040503050406030204" pitchFamily="18" charset="0"/>
+                                </a:rPr>
+                                <m:t>𝑔</m:t>
+                              </m:r>
+                            </m:e>
+                            <m:sub>
+                              <m:r>
+                                <a:rPr kumimoji="1" lang="en-US" altLang="ja-JP" sz="1800" b="0" i="1" smtClean="0">
+                                  <a:latin typeface="Cambria Math" panose="02040503050406030204" pitchFamily="18" charset="0"/>
+                                </a:rPr>
+                                <m:t>𝑚</m:t>
+                              </m:r>
+                            </m:sub>
+                          </m:sSub>
+                          <m:r>
+                            <a:rPr kumimoji="1" lang="en-US" altLang="ja-JP" sz="1800" b="0" i="1" smtClean="0">
+                              <a:latin typeface="Cambria Math" panose="02040503050406030204" pitchFamily="18" charset="0"/>
+                            </a:rPr>
+                            <m:t>+</m:t>
+                          </m:r>
+                          <m:sSub>
+                            <m:sSubPr>
+                              <m:ctrlPr>
+                                <a:rPr kumimoji="1" lang="en-US" altLang="ja-JP" sz="1800" b="0" i="1" smtClean="0">
+                                  <a:latin typeface="Cambria Math" panose="02040503050406030204" pitchFamily="18" charset="0"/>
+                                </a:rPr>
+                              </m:ctrlPr>
+                            </m:sSubPr>
+                            <m:e>
+                              <m:r>
+                                <a:rPr kumimoji="1" lang="en-US" altLang="ja-JP" sz="1800" b="0" i="1" smtClean="0">
+                                  <a:latin typeface="Cambria Math" panose="02040503050406030204" pitchFamily="18" charset="0"/>
+                                </a:rPr>
+                                <m:t>𝑔</m:t>
+                              </m:r>
+                            </m:e>
+                            <m:sub>
+                              <m:r>
+                                <a:rPr kumimoji="1" lang="en-US" altLang="ja-JP" sz="1800" b="0" i="1" smtClean="0">
+                                  <a:latin typeface="Cambria Math" panose="02040503050406030204" pitchFamily="18" charset="0"/>
+                                </a:rPr>
+                                <m:t>𝑖𝑒</m:t>
+                              </m:r>
+                            </m:sub>
+                          </m:sSub>
+                          <m:r>
+                            <a:rPr kumimoji="1" lang="en-US" altLang="ja-JP" sz="1800" b="0" i="1" smtClean="0">
+                              <a:latin typeface="Cambria Math" panose="02040503050406030204" pitchFamily="18" charset="0"/>
+                            </a:rPr>
+                            <m:t>+</m:t>
+                          </m:r>
+                          <m:sSub>
+                            <m:sSubPr>
+                              <m:ctrlPr>
+                                <a:rPr kumimoji="1" lang="en-US" altLang="ja-JP" sz="1800" b="0" i="1" smtClean="0">
+                                  <a:latin typeface="Cambria Math" panose="02040503050406030204" pitchFamily="18" charset="0"/>
+                                </a:rPr>
+                              </m:ctrlPr>
+                            </m:sSubPr>
+                            <m:e>
+                              <m:r>
+                                <a:rPr kumimoji="1" lang="en-US" altLang="ja-JP" sz="1800" b="0" i="1" smtClean="0">
+                                  <a:latin typeface="Cambria Math" panose="02040503050406030204" pitchFamily="18" charset="0"/>
+                                </a:rPr>
+                                <m:t>𝑔</m:t>
+                              </m:r>
+                            </m:e>
+                            <m:sub>
+                              <m:r>
+                                <a:rPr kumimoji="1" lang="en-US" altLang="ja-JP" sz="1800" b="0" i="1" smtClean="0">
+                                  <a:latin typeface="Cambria Math" panose="02040503050406030204" pitchFamily="18" charset="0"/>
+                                </a:rPr>
+                                <m:t>𝑐𝑒</m:t>
+                              </m:r>
+                            </m:sub>
+                          </m:sSub>
+                        </m:e>
+                      </m:d>
+                      <m:sSub>
+                        <m:sSubPr>
+                          <m:ctrlPr>
+                            <a:rPr kumimoji="1" lang="en-US" altLang="ja-JP" sz="1800" b="0" i="1" smtClean="0">
+                              <a:latin typeface="Cambria Math" panose="02040503050406030204" pitchFamily="18" charset="0"/>
+                            </a:rPr>
+                          </m:ctrlPr>
+                        </m:sSubPr>
+                        <m:e>
+                          <m:r>
+                            <a:rPr kumimoji="1" lang="en-US" altLang="ja-JP" sz="1800" b="0" i="1" smtClean="0">
+                              <a:latin typeface="Cambria Math" panose="02040503050406030204" pitchFamily="18" charset="0"/>
+                            </a:rPr>
+                            <m:t>𝐶</m:t>
+                          </m:r>
+                        </m:e>
+                        <m:sub>
+                          <m:r>
+                            <a:rPr kumimoji="1" lang="en-US" altLang="ja-JP" sz="1800" b="0" i="1" smtClean="0">
+                              <a:latin typeface="Cambria Math" panose="02040503050406030204" pitchFamily="18" charset="0"/>
+                            </a:rPr>
+                            <m:t>𝑗𝑐</m:t>
+                          </m:r>
+                        </m:sub>
+                      </m:sSub>
+                      <m:r>
+                        <a:rPr kumimoji="1" lang="en-US" altLang="ja-JP" sz="1800" b="0" i="1" smtClean="0">
+                          <a:latin typeface="Cambria Math" panose="02040503050406030204" pitchFamily="18" charset="0"/>
+                        </a:rPr>
+                        <m:t>≈6.35×</m:t>
+                      </m:r>
+                      <m:sSup>
+                        <m:sSupPr>
+                          <m:ctrlPr>
+                            <a:rPr kumimoji="1" lang="en-US" altLang="ja-JP" sz="1800" b="0" i="1" smtClean="0">
+                              <a:latin typeface="Cambria Math" panose="02040503050406030204" pitchFamily="18" charset="0"/>
+                            </a:rPr>
+                          </m:ctrlPr>
+                        </m:sSupPr>
+                        <m:e>
+                          <m:r>
+                            <a:rPr kumimoji="1" lang="en-US" altLang="ja-JP" sz="1800" b="0" i="1" smtClean="0">
+                              <a:latin typeface="Cambria Math" panose="02040503050406030204" pitchFamily="18" charset="0"/>
+                            </a:rPr>
+                            <m:t>10</m:t>
+                          </m:r>
+                        </m:e>
+                        <m:sup>
+                          <m:r>
+                            <a:rPr kumimoji="1" lang="en-US" altLang="ja-JP" sz="1800" b="0" i="1" smtClean="0">
+                              <a:latin typeface="Cambria Math" panose="02040503050406030204" pitchFamily="18" charset="0"/>
+                            </a:rPr>
+                            <m:t>−17</m:t>
+                          </m:r>
+                        </m:sup>
+                      </m:sSup>
+                    </m:oMath>
+                  </m:oMathPara>
+                </a14:m>
+                <a:endParaRPr kumimoji="1" lang="en-US" altLang="ja-JP" sz="1800" b="0" dirty="0"/>
+              </a:p>
+              <a:p>
+                <a14:m>
+                  <m:oMathPara xmlns:m="http://schemas.openxmlformats.org/officeDocument/2006/math">
+                    <m:oMathParaPr>
+                      <m:jc m:val="centerGroup"/>
+                    </m:oMathParaPr>
+                    <m:oMath xmlns:m="http://schemas.openxmlformats.org/officeDocument/2006/math">
+                      <m:sSub>
+                        <m:sSubPr>
+                          <m:ctrlPr>
+                            <a:rPr kumimoji="1" lang="en-US" altLang="ja-JP" sz="1800" b="0" i="1" smtClean="0">
+                              <a:latin typeface="Cambria Math" panose="02040503050406030204" pitchFamily="18" charset="0"/>
+                            </a:rPr>
+                          </m:ctrlPr>
+                        </m:sSubPr>
+                        <m:e>
+                          <m:r>
+                            <a:rPr kumimoji="1" lang="en-US" altLang="ja-JP" sz="1800" b="0" i="1" smtClean="0">
+                              <a:latin typeface="Cambria Math" panose="02040503050406030204" pitchFamily="18" charset="0"/>
+                            </a:rPr>
+                            <m:t>𝐺</m:t>
+                          </m:r>
+                        </m:e>
+                        <m:sub>
+                          <m:r>
+                            <a:rPr kumimoji="1" lang="en-US" altLang="ja-JP" sz="1800" b="0" i="1" smtClean="0">
+                              <a:latin typeface="Cambria Math" panose="02040503050406030204" pitchFamily="18" charset="0"/>
+                            </a:rPr>
+                            <m:t>𝐶</m:t>
+                          </m:r>
+                        </m:sub>
+                      </m:sSub>
+                      <m:d>
+                        <m:dPr>
+                          <m:ctrlPr>
+                            <a:rPr kumimoji="1" lang="en-US" altLang="ja-JP" sz="1800" b="0" i="1" smtClean="0">
+                              <a:latin typeface="Cambria Math" panose="02040503050406030204" pitchFamily="18" charset="0"/>
+                            </a:rPr>
+                          </m:ctrlPr>
+                        </m:dPr>
+                        <m:e>
+                          <m:sSub>
+                            <m:sSubPr>
+                              <m:ctrlPr>
+                                <a:rPr kumimoji="1" lang="en-US" altLang="ja-JP" sz="1800" b="0" i="1" smtClean="0">
+                                  <a:latin typeface="Cambria Math" panose="02040503050406030204" pitchFamily="18" charset="0"/>
+                                </a:rPr>
+                              </m:ctrlPr>
+                            </m:sSubPr>
+                            <m:e>
+                              <m:r>
+                                <a:rPr kumimoji="1" lang="en-US" altLang="ja-JP" sz="1800" b="0" i="1" smtClean="0">
+                                  <a:latin typeface="Cambria Math" panose="02040503050406030204" pitchFamily="18" charset="0"/>
+                                </a:rPr>
+                                <m:t>𝐶</m:t>
+                              </m:r>
+                            </m:e>
+                            <m:sub>
+                              <m:r>
+                                <a:rPr kumimoji="1" lang="en-US" altLang="ja-JP" sz="1800" b="0" i="1" smtClean="0">
+                                  <a:latin typeface="Cambria Math" panose="02040503050406030204" pitchFamily="18" charset="0"/>
+                                </a:rPr>
+                                <m:t>𝑃𝐷</m:t>
+                              </m:r>
+                            </m:sub>
+                          </m:sSub>
+                          <m:r>
+                            <a:rPr kumimoji="1" lang="en-US" altLang="ja-JP" sz="1800" b="0" i="1" smtClean="0">
+                              <a:latin typeface="Cambria Math" panose="02040503050406030204" pitchFamily="18" charset="0"/>
+                            </a:rPr>
+                            <m:t>+</m:t>
+                          </m:r>
+                          <m:sSub>
+                            <m:sSubPr>
+                              <m:ctrlPr>
+                                <a:rPr kumimoji="1" lang="en-US" altLang="ja-JP" sz="1800" b="0" i="1" smtClean="0">
+                                  <a:latin typeface="Cambria Math" panose="02040503050406030204" pitchFamily="18" charset="0"/>
+                                </a:rPr>
+                              </m:ctrlPr>
+                            </m:sSubPr>
+                            <m:e>
+                              <m:r>
+                                <a:rPr kumimoji="1" lang="en-US" altLang="ja-JP" sz="1800" b="0" i="1" smtClean="0">
+                                  <a:latin typeface="Cambria Math" panose="02040503050406030204" pitchFamily="18" charset="0"/>
+                                </a:rPr>
+                                <m:t>𝐶</m:t>
+                              </m:r>
+                            </m:e>
+                            <m:sub>
+                              <m:r>
+                                <a:rPr kumimoji="1" lang="en-US" altLang="ja-JP" sz="1800" b="0" i="1" smtClean="0">
+                                  <a:latin typeface="Cambria Math" panose="02040503050406030204" pitchFamily="18" charset="0"/>
+                                </a:rPr>
+                                <m:t>𝑗𝑒</m:t>
+                              </m:r>
+                            </m:sub>
+                          </m:sSub>
+                        </m:e>
+                      </m:d>
+                      <m:r>
+                        <a:rPr kumimoji="1" lang="en-US" altLang="ja-JP" sz="1800" b="0" i="1" smtClean="0">
+                          <a:latin typeface="Cambria Math" panose="02040503050406030204" pitchFamily="18" charset="0"/>
+                        </a:rPr>
+                        <m:t>≈3.37×</m:t>
+                      </m:r>
+                      <m:sSup>
+                        <m:sSupPr>
+                          <m:ctrlPr>
+                            <a:rPr kumimoji="1" lang="en-US" altLang="ja-JP" sz="1800" b="0" i="1" smtClean="0">
+                              <a:latin typeface="Cambria Math" panose="02040503050406030204" pitchFamily="18" charset="0"/>
+                            </a:rPr>
+                          </m:ctrlPr>
+                        </m:sSupPr>
+                        <m:e>
+                          <m:r>
+                            <a:rPr kumimoji="1" lang="en-US" altLang="ja-JP" sz="1800" b="0" i="1" smtClean="0">
+                              <a:latin typeface="Cambria Math" panose="02040503050406030204" pitchFamily="18" charset="0"/>
+                            </a:rPr>
+                            <m:t>10</m:t>
+                          </m:r>
+                        </m:e>
+                        <m:sup>
+                          <m:r>
+                            <a:rPr kumimoji="1" lang="en-US" altLang="ja-JP" sz="1800" b="0" i="1" smtClean="0">
+                              <a:latin typeface="Cambria Math" panose="02040503050406030204" pitchFamily="18" charset="0"/>
+                            </a:rPr>
+                            <m:t>−17</m:t>
+                          </m:r>
+                        </m:sup>
+                      </m:sSup>
+                    </m:oMath>
+                  </m:oMathPara>
+                </a14:m>
+                <a:endParaRPr kumimoji="1" lang="en-US" altLang="ja-JP" dirty="0"/>
+              </a:p>
+              <a:p>
+                <a:r>
+                  <a:rPr lang="ja-JP" altLang="en-US" dirty="0"/>
+                  <a:t>であり、</a:t>
+                </a:r>
+                <a:endParaRPr kumimoji="1" lang="ja-JP" altLang="en-US" dirty="0"/>
+              </a:p>
+            </p:txBody>
+          </p:sp>
+        </mc:Choice>
+        <mc:Fallback>
+          <p:sp>
+            <p:nvSpPr>
+              <p:cNvPr id="6" name="テキスト ボックス 5">
+                <a:extLst>
+                  <a:ext uri="{FF2B5EF4-FFF2-40B4-BE49-F238E27FC236}">
+                    <a16:creationId xmlns:a16="http://schemas.microsoft.com/office/drawing/2014/main" id="{A3146EFB-9AC1-336A-DE8B-7B3122FF31D3}"/>
+                  </a:ext>
+                </a:extLst>
+              </p:cNvPr>
+              <p:cNvSpPr txBox="1">
+                <a:spLocks noRot="1" noChangeAspect="1" noMove="1" noResize="1" noEditPoints="1" noAdjustHandles="1" noChangeArrowheads="1" noChangeShapeType="1" noTextEdit="1"/>
+              </p:cNvSpPr>
+              <p:nvPr/>
+            </p:nvSpPr>
+            <p:spPr>
+              <a:xfrm>
+                <a:off x="796954" y="1853967"/>
+                <a:ext cx="8447714" cy="2184765"/>
+              </a:xfrm>
+              <a:prstGeom prst="rect">
+                <a:avLst/>
+              </a:prstGeom>
+              <a:blipFill>
+                <a:blip r:embed="rId2"/>
+                <a:stretch>
+                  <a:fillRect l="-649" t="-1114" b="-3343"/>
+                </a:stretch>
+              </a:blipFill>
+            </p:spPr>
+            <p:txBody>
+              <a:bodyPr/>
+              <a:lstStyle/>
+              <a:p>
+                <a:r>
+                  <a:rPr lang="ja-JP" altLang="en-US">
+                    <a:noFill/>
+                  </a:rPr>
+                  <a:t> </a:t>
+                </a:r>
+              </a:p>
+            </p:txBody>
+          </p:sp>
+        </mc:Fallback>
+      </mc:AlternateContent>
+    </p:spTree>
+    <p:extLst>
+      <p:ext uri="{BB962C8B-B14F-4D97-AF65-F5344CB8AC3E}">
+        <p14:creationId xmlns:p14="http://schemas.microsoft.com/office/powerpoint/2010/main" val="2807181570"/>
       </p:ext>
     </p:extLst>
   </p:cSld>

--- a/IHP_2024/20240628/プレゼンテーション2.pptx
+++ b/IHP_2024/20240628/プレゼンテーション2.pptx
@@ -6784,8 +6784,8 @@
           </a:prstGeom>
         </p:spPr>
       </p:pic>
-      <mc:AlternateContent xmlns:mc="http://schemas.openxmlformats.org/markup-compatibility/2006">
-        <mc:Choice xmlns:a14="http://schemas.microsoft.com/office/drawing/2010/main" Requires="a14">
+      <mc:AlternateContent xmlns:mc="http://schemas.openxmlformats.org/markup-compatibility/2006" xmlns:a14="http://schemas.microsoft.com/office/drawing/2010/main">
+        <mc:Choice Requires="a14">
           <p:sp>
             <p:nvSpPr>
               <p:cNvPr id="8" name="テキスト ボックス 7">
@@ -6814,6 +6814,7 @@
               </a:bodyPr>
               <a:lstStyle/>
               <a:p>
+                <a:pPr/>
                 <a14:m>
                   <m:oMathPara xmlns:m="http://schemas.openxmlformats.org/officeDocument/2006/math">
                     <m:oMathParaPr>
@@ -7655,7 +7656,7 @@
             </p:txBody>
           </p:sp>
         </mc:Choice>
-        <mc:Fallback>
+        <mc:Fallback xmlns="">
           <p:sp>
             <p:nvSpPr>
               <p:cNvPr id="8" name="テキスト ボックス 7">
@@ -8090,7 +8091,7 @@
             </p:nvSpPr>
             <p:spPr>
               <a:xfrm>
-                <a:off x="796954" y="1853967"/>
+                <a:off x="1872143" y="1906218"/>
                 <a:ext cx="8447714" cy="2184765"/>
               </a:xfrm>
               <a:prstGeom prst="rect">
@@ -8125,6 +8126,7 @@
                 <a:endParaRPr kumimoji="1" lang="en-US" altLang="ja-JP" dirty="0"/>
               </a:p>
               <a:p>
+                <a:pPr/>
                 <a14:m>
                   <m:oMathPara xmlns:m="http://schemas.openxmlformats.org/officeDocument/2006/math">
                     <m:oMathParaPr>
@@ -8494,6 +8496,7 @@
                 <a:endParaRPr kumimoji="1" lang="en-US" altLang="ja-JP" dirty="0"/>
               </a:p>
               <a:p>
+                <a:pPr/>
                 <a14:m>
                   <m:oMathPara xmlns:m="http://schemas.openxmlformats.org/officeDocument/2006/math">
                     <m:oMathParaPr>
@@ -8629,6 +8632,7 @@
                 <a:endParaRPr kumimoji="1" lang="en-US" altLang="ja-JP" sz="1800" b="0" dirty="0"/>
               </a:p>
               <a:p>
+                <a:pPr/>
                 <a14:m>
                   <m:oMathPara xmlns:m="http://schemas.openxmlformats.org/officeDocument/2006/math">
                     <m:oMathParaPr>
@@ -8826,6 +8830,7 @@
                 <a:endParaRPr kumimoji="1" lang="en-US" altLang="ja-JP" sz="1800" b="0" dirty="0"/>
               </a:p>
               <a:p>
+                <a:pPr/>
                 <a14:m>
                   <m:oMathPara xmlns:m="http://schemas.openxmlformats.org/officeDocument/2006/math">
                     <m:oMathParaPr>
@@ -8987,7 +8992,7 @@
             </p:nvSpPr>
             <p:spPr>
               <a:xfrm>
-                <a:off x="796954" y="1853967"/>
+                <a:off x="1872143" y="1906218"/>
                 <a:ext cx="8447714" cy="2184765"/>
               </a:xfrm>
               <a:prstGeom prst="rect">
@@ -8996,7 +9001,7 @@
               <a:blipFill>
                 <a:blip r:embed="rId2"/>
                 <a:stretch>
-                  <a:fillRect l="-649" t="-1114" b="-3343"/>
+                  <a:fillRect l="-577" t="-1397" b="-3631"/>
                 </a:stretch>
               </a:blipFill>
             </p:spPr>

--- a/IHP_2024/20240628/プレゼンテーション2.pptx
+++ b/IHP_2024/20240628/プレゼンテーション2.pptx
@@ -5,7 +5,7 @@
     <p:sldMasterId id="2147483648" r:id="rId1"/>
   </p:sldMasterIdLst>
   <p:notesMasterIdLst>
-    <p:notesMasterId r:id="rId9"/>
+    <p:notesMasterId r:id="rId11"/>
   </p:notesMasterIdLst>
   <p:sldIdLst>
     <p:sldId id="256" r:id="rId2"/>
@@ -15,6 +15,8 @@
     <p:sldId id="261" r:id="rId6"/>
     <p:sldId id="260" r:id="rId7"/>
     <p:sldId id="262" r:id="rId8"/>
+    <p:sldId id="263" r:id="rId9"/>
+    <p:sldId id="264" r:id="rId10"/>
   </p:sldIdLst>
   <p:sldSz cx="12192000" cy="6858000"/>
   <p:notesSz cx="6858000" cy="9144000"/>
@@ -4671,7 +4673,22 @@
           <a:bodyPr/>
           <a:lstStyle/>
           <a:p>
-            <a:endParaRPr kumimoji="1" lang="ja-JP" altLang="en-US"/>
+            <a:r>
+              <a:rPr kumimoji="1" lang="en-US" altLang="ja-JP" dirty="0"/>
+              <a:t>TIA</a:t>
+            </a:r>
+            <a:r>
+              <a:rPr kumimoji="1" lang="ja-JP" altLang="en-US" dirty="0"/>
+              <a:t>の</a:t>
+            </a:r>
+            <a:r>
+              <a:rPr kumimoji="1" lang="en-US" altLang="ja-JP" dirty="0"/>
+              <a:t>AC</a:t>
+            </a:r>
+            <a:r>
+              <a:rPr kumimoji="1" lang="ja-JP" altLang="en-US" dirty="0"/>
+              <a:t>特性</a:t>
+            </a:r>
           </a:p>
         </p:txBody>
       </p:sp>
@@ -4696,7 +4713,11 @@
           <a:bodyPr/>
           <a:lstStyle/>
           <a:p>
-            <a:endParaRPr kumimoji="1" lang="ja-JP" altLang="en-US"/>
+            <a:r>
+              <a:rPr lang="ja-JP" altLang="en-US" dirty="0"/>
+              <a:t>和田研　小島</a:t>
+            </a:r>
+            <a:endParaRPr kumimoji="1" lang="ja-JP" altLang="en-US" dirty="0"/>
           </a:p>
         </p:txBody>
       </p:sp>
@@ -8091,8 +8112,8 @@
             </p:nvSpPr>
             <p:spPr>
               <a:xfrm>
-                <a:off x="1872143" y="1906218"/>
-                <a:ext cx="8447714" cy="2184765"/>
+                <a:off x="1872143" y="2553233"/>
+                <a:ext cx="8447714" cy="2461764"/>
               </a:xfrm>
               <a:prstGeom prst="rect">
                 <a:avLst/>
@@ -8968,9 +8989,93 @@
               <a:p>
                 <a:r>
                   <a:rPr lang="ja-JP" altLang="en-US" dirty="0"/>
-                  <a:t>であり、</a:t>
+                  <a:t>であり、設計可能なのはこのうちの</a:t>
                 </a:r>
-                <a:endParaRPr kumimoji="1" lang="ja-JP" altLang="en-US" dirty="0"/>
+                <a:r>
+                  <a:rPr lang="en-US" altLang="ja-JP" dirty="0"/>
+                  <a:t>2</a:t>
+                </a:r>
+                <a:r>
+                  <a:rPr lang="ja-JP" altLang="en-US" dirty="0"/>
+                  <a:t>つ目と</a:t>
+                </a:r>
+                <a:r>
+                  <a:rPr lang="en-US" altLang="ja-JP" dirty="0"/>
+                  <a:t>3</a:t>
+                </a:r>
+                <a:r>
+                  <a:rPr lang="ja-JP" altLang="en-US" dirty="0"/>
+                  <a:t>つ目。</a:t>
+                </a:r>
+                <a:endParaRPr lang="en-US" altLang="ja-JP" dirty="0"/>
+              </a:p>
+              <a:p>
+                <a14:m>
+                  <m:oMath xmlns:m="http://schemas.openxmlformats.org/officeDocument/2006/math">
+                    <m:sSub>
+                      <m:sSubPr>
+                        <m:ctrlPr>
+                          <a:rPr kumimoji="1" lang="en-US" altLang="ja-JP" b="0" i="1" smtClean="0">
+                            <a:latin typeface="Cambria Math" panose="02040503050406030204" pitchFamily="18" charset="0"/>
+                          </a:rPr>
+                        </m:ctrlPr>
+                      </m:sSubPr>
+                      <m:e>
+                        <m:r>
+                          <a:rPr kumimoji="1" lang="en-US" altLang="ja-JP" b="0" i="1" smtClean="0">
+                            <a:latin typeface="Cambria Math" panose="02040503050406030204" pitchFamily="18" charset="0"/>
+                          </a:rPr>
+                          <m:t>𝑅</m:t>
+                        </m:r>
+                      </m:e>
+                      <m:sub>
+                        <m:r>
+                          <a:rPr kumimoji="1" lang="en-US" altLang="ja-JP" b="0" i="1" smtClean="0">
+                            <a:latin typeface="Cambria Math" panose="02040503050406030204" pitchFamily="18" charset="0"/>
+                          </a:rPr>
+                          <m:t>𝐶</m:t>
+                        </m:r>
+                      </m:sub>
+                    </m:sSub>
+                  </m:oMath>
+                </a14:m>
+                <a:r>
+                  <a:rPr kumimoji="1" lang="ja-JP" altLang="en-US" dirty="0"/>
+                  <a:t>は小さく、</a:t>
+                </a:r>
+                <a14:m>
+                  <m:oMath xmlns:m="http://schemas.openxmlformats.org/officeDocument/2006/math">
+                    <m:sSub>
+                      <m:sSubPr>
+                        <m:ctrlPr>
+                          <a:rPr kumimoji="1" lang="en-US" altLang="ja-JP" b="0" i="1" smtClean="0">
+                            <a:latin typeface="Cambria Math" panose="02040503050406030204" pitchFamily="18" charset="0"/>
+                          </a:rPr>
+                        </m:ctrlPr>
+                      </m:sSubPr>
+                      <m:e>
+                        <m:r>
+                          <a:rPr kumimoji="1" lang="en-US" altLang="ja-JP" b="0" i="1" smtClean="0">
+                            <a:latin typeface="Cambria Math" panose="02040503050406030204" pitchFamily="18" charset="0"/>
+                          </a:rPr>
+                          <m:t>𝑅</m:t>
+                        </m:r>
+                      </m:e>
+                      <m:sub>
+                        <m:r>
+                          <a:rPr kumimoji="1" lang="en-US" altLang="ja-JP" b="0" i="1" smtClean="0">
+                            <a:latin typeface="Cambria Math" panose="02040503050406030204" pitchFamily="18" charset="0"/>
+                          </a:rPr>
+                          <m:t>𝐸</m:t>
+                        </m:r>
+                      </m:sub>
+                    </m:sSub>
+                  </m:oMath>
+                </a14:m>
+                <a:r>
+                  <a:rPr kumimoji="1" lang="ja-JP" altLang="en-US" dirty="0"/>
+                  <a:t>は大きくすると周波数特性を上げられると思われる。</a:t>
+                </a:r>
               </a:p>
             </p:txBody>
           </p:sp>
@@ -8992,8 +9097,8 @@
             </p:nvSpPr>
             <p:spPr>
               <a:xfrm>
-                <a:off x="1872143" y="1906218"/>
-                <a:ext cx="8447714" cy="2184765"/>
+                <a:off x="1872143" y="2553233"/>
+                <a:ext cx="8447714" cy="2461764"/>
               </a:xfrm>
               <a:prstGeom prst="rect">
                 <a:avLst/>
@@ -9001,7 +9106,7 @@
               <a:blipFill>
                 <a:blip r:embed="rId2"/>
                 <a:stretch>
-                  <a:fillRect l="-577" t="-1397" b="-3631"/>
+                  <a:fillRect l="-577" t="-1238" b="-3218"/>
                 </a:stretch>
               </a:blipFill>
             </p:spPr>
@@ -9024,6 +9129,1029 @@
     <p:extLst>
       <p:ext uri="{BB962C8B-B14F-4D97-AF65-F5344CB8AC3E}">
         <p14:creationId xmlns:p14="http://schemas.microsoft.com/office/powerpoint/2010/main" val="2807181570"/>
+      </p:ext>
+    </p:extLst>
+  </p:cSld>
+  <p:clrMapOvr>
+    <a:masterClrMapping/>
+  </p:clrMapOvr>
+</p:sld>
+</file>
+
+<file path=ppt/slides/slide8.xml><?xml version="1.0" encoding="utf-8"?>
+<p:sld xmlns:a="http://schemas.openxmlformats.org/drawingml/2006/main" xmlns:r="http://schemas.openxmlformats.org/officeDocument/2006/relationships" xmlns:p="http://schemas.openxmlformats.org/presentationml/2006/main">
+  <p:cSld>
+    <p:spTree>
+      <p:nvGrpSpPr>
+        <p:cNvPr id="1" name=""/>
+        <p:cNvGrpSpPr/>
+        <p:nvPr/>
+      </p:nvGrpSpPr>
+      <p:grpSpPr>
+        <a:xfrm>
+          <a:off x="0" y="0"/>
+          <a:ext cx="0" cy="0"/>
+          <a:chOff x="0" y="0"/>
+          <a:chExt cx="0" cy="0"/>
+        </a:xfrm>
+      </p:grpSpPr>
+      <p:pic>
+        <p:nvPicPr>
+          <p:cNvPr id="10" name="図 9" descr="グラフ, 折れ線グラフ&#10;&#10;自動的に生成された説明">
+            <a:extLst>
+              <a:ext uri="{FF2B5EF4-FFF2-40B4-BE49-F238E27FC236}">
+                <a16:creationId xmlns:a16="http://schemas.microsoft.com/office/drawing/2014/main" id="{BB4A55BA-53ED-0B47-5C9E-E1E2112FF931}"/>
+              </a:ext>
+            </a:extLst>
+          </p:cNvPr>
+          <p:cNvPicPr>
+            <a:picLocks noChangeAspect="1"/>
+          </p:cNvPicPr>
+          <p:nvPr/>
+        </p:nvPicPr>
+        <p:blipFill rotWithShape="1">
+          <a:blip r:embed="rId2">
+            <a:extLst>
+              <a:ext uri="{28A0092B-C50C-407E-A947-70E740481C1C}">
+                <a14:useLocalDpi xmlns:a14="http://schemas.microsoft.com/office/drawing/2010/main" val="0"/>
+              </a:ext>
+            </a:extLst>
+          </a:blip>
+          <a:srcRect r="11984"/>
+          <a:stretch/>
+        </p:blipFill>
+        <p:spPr>
+          <a:xfrm>
+            <a:off x="5868979" y="1457789"/>
+            <a:ext cx="5794104" cy="4608100"/>
+          </a:xfrm>
+          <a:prstGeom prst="rect">
+            <a:avLst/>
+          </a:prstGeom>
+        </p:spPr>
+      </p:pic>
+      <p:sp>
+        <p:nvSpPr>
+          <p:cNvPr id="2" name="タイトル 1">
+            <a:extLst>
+              <a:ext uri="{FF2B5EF4-FFF2-40B4-BE49-F238E27FC236}">
+                <a16:creationId xmlns:a16="http://schemas.microsoft.com/office/drawing/2014/main" id="{AA5EC6EC-0E43-1E5C-0FB2-F18409E1B563}"/>
+              </a:ext>
+            </a:extLst>
+          </p:cNvPr>
+          <p:cNvSpPr>
+            <a:spLocks noGrp="1"/>
+          </p:cNvSpPr>
+          <p:nvPr>
+            <p:ph type="title"/>
+          </p:nvPr>
+        </p:nvSpPr>
+        <p:spPr/>
+        <p:txBody>
+          <a:bodyPr/>
+          <a:lstStyle/>
+          <a:p>
+            <a:r>
+              <a:rPr lang="en-US" altLang="ja-JP" dirty="0" err="1"/>
+              <a:t>b</a:t>
+            </a:r>
+            <a:r>
+              <a:rPr kumimoji="1" lang="en-US" altLang="ja-JP" dirty="0" err="1"/>
+              <a:t>jt</a:t>
+            </a:r>
+            <a:r>
+              <a:rPr kumimoji="1" lang="ja-JP" altLang="en-US" dirty="0"/>
+              <a:t>のバッファ回路</a:t>
+            </a:r>
+          </a:p>
+        </p:txBody>
+      </p:sp>
+      <p:sp>
+        <p:nvSpPr>
+          <p:cNvPr id="3" name="日付プレースホルダー 2">
+            <a:extLst>
+              <a:ext uri="{FF2B5EF4-FFF2-40B4-BE49-F238E27FC236}">
+                <a16:creationId xmlns:a16="http://schemas.microsoft.com/office/drawing/2014/main" id="{A6F86AA9-FB24-7C96-E493-39ECF8CFC018}"/>
+              </a:ext>
+            </a:extLst>
+          </p:cNvPr>
+          <p:cNvSpPr>
+            <a:spLocks noGrp="1"/>
+          </p:cNvSpPr>
+          <p:nvPr>
+            <p:ph type="dt" sz="half" idx="10"/>
+          </p:nvPr>
+        </p:nvSpPr>
+        <p:spPr/>
+        <p:txBody>
+          <a:bodyPr/>
+          <a:lstStyle/>
+          <a:p>
+            <a:fld id="{D960D7A0-95E9-4E80-AEE1-2416C3BC5BFF}" type="datetime1">
+              <a:rPr kumimoji="1" lang="ja-JP" altLang="en-US" smtClean="0"/>
+              <a:t>2024/6/27</a:t>
+            </a:fld>
+            <a:endParaRPr kumimoji="1" lang="ja-JP" altLang="en-US"/>
+          </a:p>
+        </p:txBody>
+      </p:sp>
+      <p:sp>
+        <p:nvSpPr>
+          <p:cNvPr id="4" name="スライド番号プレースホルダー 3">
+            <a:extLst>
+              <a:ext uri="{FF2B5EF4-FFF2-40B4-BE49-F238E27FC236}">
+                <a16:creationId xmlns:a16="http://schemas.microsoft.com/office/drawing/2014/main" id="{C9C3C971-503E-696C-54F6-99E2CA6590B3}"/>
+              </a:ext>
+            </a:extLst>
+          </p:cNvPr>
+          <p:cNvSpPr>
+            <a:spLocks noGrp="1"/>
+          </p:cNvSpPr>
+          <p:nvPr>
+            <p:ph type="sldNum" sz="quarter" idx="12"/>
+          </p:nvPr>
+        </p:nvSpPr>
+        <p:spPr/>
+        <p:txBody>
+          <a:bodyPr/>
+          <a:lstStyle/>
+          <a:p>
+            <a:fld id="{6294761A-CFE9-4878-87A7-90ECABD59CE5}" type="slidenum">
+              <a:rPr kumimoji="1" lang="ja-JP" altLang="en-US" smtClean="0"/>
+              <a:t>8</a:t>
+            </a:fld>
+            <a:endParaRPr kumimoji="1" lang="ja-JP" altLang="en-US"/>
+          </a:p>
+        </p:txBody>
+      </p:sp>
+      <p:sp>
+        <p:nvSpPr>
+          <p:cNvPr id="5" name="フッター プレースホルダー 4">
+            <a:extLst>
+              <a:ext uri="{FF2B5EF4-FFF2-40B4-BE49-F238E27FC236}">
+                <a16:creationId xmlns:a16="http://schemas.microsoft.com/office/drawing/2014/main" id="{B097235F-E144-9B9C-2AF0-B5AD53319019}"/>
+              </a:ext>
+            </a:extLst>
+          </p:cNvPr>
+          <p:cNvSpPr>
+            <a:spLocks noGrp="1"/>
+          </p:cNvSpPr>
+          <p:nvPr>
+            <p:ph type="ftr" sz="quarter" idx="3"/>
+          </p:nvPr>
+        </p:nvSpPr>
+        <p:spPr/>
+        <p:txBody>
+          <a:bodyPr/>
+          <a:lstStyle/>
+          <a:p>
+            <a:r>
+              <a:rPr lang="en-US" altLang="ja-JP"/>
+              <a:t>Wave Signal Processing Circuit Laboratory,  Meiji University</a:t>
+            </a:r>
+            <a:endParaRPr lang="en-US" altLang="ja-JP" dirty="0"/>
+          </a:p>
+        </p:txBody>
+      </p:sp>
+      <p:pic>
+        <p:nvPicPr>
+          <p:cNvPr id="7" name="図 6" descr="グラフィカル ユーザー インターフェイス, アプリケーション, Teams&#10;&#10;自動的に生成された説明">
+            <a:extLst>
+              <a:ext uri="{FF2B5EF4-FFF2-40B4-BE49-F238E27FC236}">
+                <a16:creationId xmlns:a16="http://schemas.microsoft.com/office/drawing/2014/main" id="{AF656DC2-3C81-5E6E-0238-4B86AA373AE1}"/>
+              </a:ext>
+            </a:extLst>
+          </p:cNvPr>
+          <p:cNvPicPr>
+            <a:picLocks noChangeAspect="1"/>
+          </p:cNvPicPr>
+          <p:nvPr/>
+        </p:nvPicPr>
+        <p:blipFill>
+          <a:blip r:embed="rId3">
+            <a:extLst>
+              <a:ext uri="{28A0092B-C50C-407E-A947-70E740481C1C}">
+                <a14:useLocalDpi xmlns:a14="http://schemas.microsoft.com/office/drawing/2010/main" val="0"/>
+              </a:ext>
+            </a:extLst>
+          </a:blip>
+          <a:stretch>
+            <a:fillRect/>
+          </a:stretch>
+        </p:blipFill>
+        <p:spPr>
+          <a:xfrm>
+            <a:off x="1193329" y="1181065"/>
+            <a:ext cx="3036205" cy="2580774"/>
+          </a:xfrm>
+          <a:prstGeom prst="rect">
+            <a:avLst/>
+          </a:prstGeom>
+        </p:spPr>
+      </p:pic>
+      <mc:AlternateContent xmlns:mc="http://schemas.openxmlformats.org/markup-compatibility/2006">
+        <mc:Choice xmlns:a14="http://schemas.microsoft.com/office/drawing/2010/main" Requires="a14">
+          <p:sp>
+            <p:nvSpPr>
+              <p:cNvPr id="8" name="テキスト ボックス 7">
+                <a:extLst>
+                  <a:ext uri="{FF2B5EF4-FFF2-40B4-BE49-F238E27FC236}">
+                    <a16:creationId xmlns:a16="http://schemas.microsoft.com/office/drawing/2014/main" id="{3D5D9CE6-B3B1-B541-5307-B5CAD7FE73D3}"/>
+                  </a:ext>
+                </a:extLst>
+              </p:cNvPr>
+              <p:cNvSpPr txBox="1"/>
+              <p:nvPr/>
+            </p:nvSpPr>
+            <p:spPr>
+              <a:xfrm>
+                <a:off x="204380" y="4230824"/>
+                <a:ext cx="6060141" cy="1477328"/>
+              </a:xfrm>
+              <a:prstGeom prst="rect">
+                <a:avLst/>
+              </a:prstGeom>
+              <a:noFill/>
+            </p:spPr>
+            <p:txBody>
+              <a:bodyPr wrap="square" rtlCol="0">
+                <a:spAutoFit/>
+              </a:bodyPr>
+              <a:lstStyle/>
+              <a:p>
+                <a:r>
+                  <a:rPr lang="ja-JP" altLang="en-US" dirty="0"/>
+                  <a:t>左の回路で</a:t>
+                </a:r>
+                <a14:m>
+                  <m:oMath xmlns:m="http://schemas.openxmlformats.org/officeDocument/2006/math">
+                    <m:sSub>
+                      <m:sSubPr>
+                        <m:ctrlPr>
+                          <a:rPr lang="en-US" altLang="ja-JP" b="0" i="1" smtClean="0">
+                            <a:latin typeface="Cambria Math" panose="02040503050406030204" pitchFamily="18" charset="0"/>
+                          </a:rPr>
+                        </m:ctrlPr>
+                      </m:sSubPr>
+                      <m:e>
+                        <m:r>
+                          <a:rPr lang="en-US" altLang="ja-JP" b="0" i="1" smtClean="0">
+                            <a:latin typeface="Cambria Math" panose="02040503050406030204" pitchFamily="18" charset="0"/>
+                          </a:rPr>
+                          <m:t>𝑉</m:t>
+                        </m:r>
+                      </m:e>
+                      <m:sub>
+                        <m:r>
+                          <a:rPr lang="en-US" altLang="ja-JP" b="0" i="1" smtClean="0">
+                            <a:latin typeface="Cambria Math" panose="02040503050406030204" pitchFamily="18" charset="0"/>
+                          </a:rPr>
+                          <m:t>𝐵𝐸</m:t>
+                        </m:r>
+                      </m:sub>
+                    </m:sSub>
+                    <m:r>
+                      <a:rPr lang="en-US" altLang="ja-JP" b="0" i="1" smtClean="0">
+                        <a:latin typeface="Cambria Math" panose="02040503050406030204" pitchFamily="18" charset="0"/>
+                      </a:rPr>
+                      <m:t>−</m:t>
+                    </m:r>
+                    <m:sSub>
+                      <m:sSubPr>
+                        <m:ctrlPr>
+                          <a:rPr lang="en-US" altLang="ja-JP" b="0" i="1" smtClean="0">
+                            <a:latin typeface="Cambria Math" panose="02040503050406030204" pitchFamily="18" charset="0"/>
+                          </a:rPr>
+                        </m:ctrlPr>
+                      </m:sSubPr>
+                      <m:e>
+                        <m:r>
+                          <a:rPr lang="en-US" altLang="ja-JP" b="0" i="1" smtClean="0">
+                            <a:latin typeface="Cambria Math" panose="02040503050406030204" pitchFamily="18" charset="0"/>
+                          </a:rPr>
+                          <m:t>𝑔</m:t>
+                        </m:r>
+                      </m:e>
+                      <m:sub>
+                        <m:r>
+                          <a:rPr lang="en-US" altLang="ja-JP" b="0" i="1" smtClean="0">
+                            <a:latin typeface="Cambria Math" panose="02040503050406030204" pitchFamily="18" charset="0"/>
+                          </a:rPr>
+                          <m:t>𝑚</m:t>
+                        </m:r>
+                      </m:sub>
+                    </m:sSub>
+                  </m:oMath>
+                </a14:m>
+                <a:r>
+                  <a:rPr kumimoji="1" lang="ja-JP" altLang="en-US" dirty="0"/>
+                  <a:t>特性をシミュレーションした。</a:t>
+                </a:r>
+                <a:endParaRPr kumimoji="1" lang="en-US" altLang="ja-JP" dirty="0"/>
+              </a:p>
+              <a:p>
+                <a:r>
+                  <a:rPr lang="ja-JP" altLang="en-US" dirty="0"/>
+                  <a:t>但し</a:t>
+                </a:r>
+                <a14:m>
+                  <m:oMath xmlns:m="http://schemas.openxmlformats.org/officeDocument/2006/math">
+                    <m:sSub>
+                      <m:sSubPr>
+                        <m:ctrlPr>
+                          <a:rPr lang="en-US" altLang="ja-JP" b="0" i="1" smtClean="0">
+                            <a:latin typeface="Cambria Math" panose="02040503050406030204" pitchFamily="18" charset="0"/>
+                          </a:rPr>
+                        </m:ctrlPr>
+                      </m:sSubPr>
+                      <m:e>
+                        <m:r>
+                          <a:rPr lang="en-US" altLang="ja-JP" b="0" i="1" smtClean="0">
+                            <a:latin typeface="Cambria Math" panose="02040503050406030204" pitchFamily="18" charset="0"/>
+                          </a:rPr>
+                          <m:t>𝑉</m:t>
+                        </m:r>
+                      </m:e>
+                      <m:sub>
+                        <m:r>
+                          <a:rPr lang="en-US" altLang="ja-JP" b="0" i="1" smtClean="0">
+                            <a:latin typeface="Cambria Math" panose="02040503050406030204" pitchFamily="18" charset="0"/>
+                          </a:rPr>
+                          <m:t>𝐶𝐸</m:t>
+                        </m:r>
+                      </m:sub>
+                    </m:sSub>
+                    <m:r>
+                      <a:rPr lang="en-US" altLang="ja-JP" b="0" i="1" smtClean="0">
+                        <a:latin typeface="Cambria Math" panose="02040503050406030204" pitchFamily="18" charset="0"/>
+                      </a:rPr>
+                      <m:t>=1.7 </m:t>
+                    </m:r>
+                    <m:r>
+                      <m:rPr>
+                        <m:sty m:val="p"/>
+                      </m:rPr>
+                      <a:rPr lang="en-US" altLang="ja-JP" b="0" i="0" smtClean="0">
+                        <a:latin typeface="Cambria Math" panose="02040503050406030204" pitchFamily="18" charset="0"/>
+                      </a:rPr>
+                      <m:t>V</m:t>
+                    </m:r>
+                  </m:oMath>
+                </a14:m>
+                <a:r>
+                  <a:rPr kumimoji="1" lang="ja-JP" altLang="en-US" dirty="0"/>
+                  <a:t>。</a:t>
+                </a:r>
+                <a:endParaRPr kumimoji="1" lang="en-US" altLang="ja-JP" dirty="0"/>
+              </a:p>
+              <a:p>
+                <a:endParaRPr lang="en-US" altLang="ja-JP" dirty="0"/>
+              </a:p>
+              <a:p>
+                <a14:m>
+                  <m:oMath xmlns:m="http://schemas.openxmlformats.org/officeDocument/2006/math">
+                    <m:r>
+                      <a:rPr kumimoji="1" lang="en-US" altLang="ja-JP" b="0" i="1" smtClean="0">
+                        <a:latin typeface="Cambria Math" panose="02040503050406030204" pitchFamily="18" charset="0"/>
+                      </a:rPr>
+                      <m:t>20 </m:t>
+                    </m:r>
+                    <m:r>
+                      <a:rPr kumimoji="1" lang="en-US" altLang="ja-JP" b="0" i="1" smtClean="0">
+                        <a:latin typeface="Cambria Math" panose="02040503050406030204" pitchFamily="18" charset="0"/>
+                      </a:rPr>
+                      <m:t>𝑚𝑆</m:t>
+                    </m:r>
+                  </m:oMath>
+                </a14:m>
+                <a:r>
+                  <a:rPr kumimoji="1" lang="ja-JP" altLang="en-US" dirty="0"/>
+                  <a:t>を達成するには</a:t>
+                </a:r>
+                <a14:m>
+                  <m:oMath xmlns:m="http://schemas.openxmlformats.org/officeDocument/2006/math">
+                    <m:sSub>
+                      <m:sSubPr>
+                        <m:ctrlPr>
+                          <a:rPr kumimoji="1" lang="en-US" altLang="ja-JP" b="0" i="1" smtClean="0">
+                            <a:latin typeface="Cambria Math" panose="02040503050406030204" pitchFamily="18" charset="0"/>
+                          </a:rPr>
+                        </m:ctrlPr>
+                      </m:sSubPr>
+                      <m:e>
+                        <m:r>
+                          <a:rPr kumimoji="1" lang="en-US" altLang="ja-JP" b="0" i="1" smtClean="0">
+                            <a:latin typeface="Cambria Math" panose="02040503050406030204" pitchFamily="18" charset="0"/>
+                          </a:rPr>
+                          <m:t>𝑉</m:t>
+                        </m:r>
+                      </m:e>
+                      <m:sub>
+                        <m:r>
+                          <a:rPr kumimoji="1" lang="en-US" altLang="ja-JP" b="0" i="1" smtClean="0">
+                            <a:latin typeface="Cambria Math" panose="02040503050406030204" pitchFamily="18" charset="0"/>
+                          </a:rPr>
+                          <m:t>𝐵𝐸</m:t>
+                        </m:r>
+                      </m:sub>
+                    </m:sSub>
+                    <m:r>
+                      <a:rPr kumimoji="1" lang="en-US" altLang="ja-JP" b="0" i="1" smtClean="0">
+                        <a:latin typeface="Cambria Math" panose="02040503050406030204" pitchFamily="18" charset="0"/>
+                      </a:rPr>
+                      <m:t>=870 </m:t>
+                    </m:r>
+                    <m:r>
+                      <a:rPr kumimoji="1" lang="en-US" altLang="ja-JP" b="0" i="1" smtClean="0">
+                        <a:latin typeface="Cambria Math" panose="02040503050406030204" pitchFamily="18" charset="0"/>
+                      </a:rPr>
+                      <m:t>𝑚𝑉</m:t>
+                    </m:r>
+                  </m:oMath>
+                </a14:m>
+                <a:r>
+                  <a:rPr kumimoji="1" lang="ja-JP" altLang="en-US" dirty="0"/>
+                  <a:t>程度必要であり、</a:t>
+                </a:r>
+                <a:endParaRPr kumimoji="1" lang="en-US" altLang="ja-JP" dirty="0"/>
+              </a:p>
+              <a:p>
+                <a:r>
+                  <a:rPr kumimoji="1" lang="ja-JP" altLang="en-US" dirty="0"/>
+                  <a:t>このままバッファにするのは難しい。</a:t>
+                </a:r>
+              </a:p>
+            </p:txBody>
+          </p:sp>
+        </mc:Choice>
+        <mc:Fallback>
+          <p:sp>
+            <p:nvSpPr>
+              <p:cNvPr id="8" name="テキスト ボックス 7">
+                <a:extLst>
+                  <a:ext uri="{FF2B5EF4-FFF2-40B4-BE49-F238E27FC236}">
+                    <a16:creationId xmlns:a16="http://schemas.microsoft.com/office/drawing/2014/main" id="{3D5D9CE6-B3B1-B541-5307-B5CAD7FE73D3}"/>
+                  </a:ext>
+                </a:extLst>
+              </p:cNvPr>
+              <p:cNvSpPr txBox="1">
+                <a:spLocks noRot="1" noChangeAspect="1" noMove="1" noResize="1" noEditPoints="1" noAdjustHandles="1" noChangeArrowheads="1" noChangeShapeType="1" noTextEdit="1"/>
+              </p:cNvSpPr>
+              <p:nvPr/>
+            </p:nvSpPr>
+            <p:spPr>
+              <a:xfrm>
+                <a:off x="204380" y="4230824"/>
+                <a:ext cx="6060141" cy="1477328"/>
+              </a:xfrm>
+              <a:prstGeom prst="rect">
+                <a:avLst/>
+              </a:prstGeom>
+              <a:blipFill>
+                <a:blip r:embed="rId4"/>
+                <a:stretch>
+                  <a:fillRect l="-905" t="-1653" b="-5785"/>
+                </a:stretch>
+              </a:blipFill>
+            </p:spPr>
+            <p:txBody>
+              <a:bodyPr/>
+              <a:lstStyle/>
+              <a:p>
+                <a:r>
+                  <a:rPr lang="ja-JP" altLang="en-US">
+                    <a:noFill/>
+                  </a:rPr>
+                  <a:t> </a:t>
+                </a:r>
+              </a:p>
+            </p:txBody>
+          </p:sp>
+        </mc:Fallback>
+      </mc:AlternateContent>
+    </p:spTree>
+    <p:extLst>
+      <p:ext uri="{BB962C8B-B14F-4D97-AF65-F5344CB8AC3E}">
+        <p14:creationId xmlns:p14="http://schemas.microsoft.com/office/powerpoint/2010/main" val="2688126416"/>
+      </p:ext>
+    </p:extLst>
+  </p:cSld>
+  <p:clrMapOvr>
+    <a:masterClrMapping/>
+  </p:clrMapOvr>
+</p:sld>
+</file>
+
+<file path=ppt/slides/slide9.xml><?xml version="1.0" encoding="utf-8"?>
+<p:sld xmlns:a="http://schemas.openxmlformats.org/drawingml/2006/main" xmlns:r="http://schemas.openxmlformats.org/officeDocument/2006/relationships" xmlns:p="http://schemas.openxmlformats.org/presentationml/2006/main">
+  <p:cSld>
+    <p:spTree>
+      <p:nvGrpSpPr>
+        <p:cNvPr id="1" name=""/>
+        <p:cNvGrpSpPr/>
+        <p:nvPr/>
+      </p:nvGrpSpPr>
+      <p:grpSpPr>
+        <a:xfrm>
+          <a:off x="0" y="0"/>
+          <a:ext cx="0" cy="0"/>
+          <a:chOff x="0" y="0"/>
+          <a:chExt cx="0" cy="0"/>
+        </a:xfrm>
+      </p:grpSpPr>
+      <p:sp>
+        <p:nvSpPr>
+          <p:cNvPr id="2" name="タイトル 1">
+            <a:extLst>
+              <a:ext uri="{FF2B5EF4-FFF2-40B4-BE49-F238E27FC236}">
+                <a16:creationId xmlns:a16="http://schemas.microsoft.com/office/drawing/2014/main" id="{978D7370-22CB-77C6-6C62-962DFA5AC3C8}"/>
+              </a:ext>
+            </a:extLst>
+          </p:cNvPr>
+          <p:cNvSpPr>
+            <a:spLocks noGrp="1"/>
+          </p:cNvSpPr>
+          <p:nvPr>
+            <p:ph type="title"/>
+          </p:nvPr>
+        </p:nvSpPr>
+        <p:spPr/>
+        <p:txBody>
+          <a:bodyPr/>
+          <a:lstStyle/>
+          <a:p>
+            <a:r>
+              <a:rPr kumimoji="1" lang="en-US" altLang="ja-JP" dirty="0" err="1"/>
+              <a:t>rfnmos</a:t>
+            </a:r>
+            <a:r>
+              <a:rPr kumimoji="1" lang="ja-JP" altLang="en-US" dirty="0"/>
+              <a:t>のバッファ回路</a:t>
+            </a:r>
+          </a:p>
+        </p:txBody>
+      </p:sp>
+      <p:sp>
+        <p:nvSpPr>
+          <p:cNvPr id="3" name="日付プレースホルダー 2">
+            <a:extLst>
+              <a:ext uri="{FF2B5EF4-FFF2-40B4-BE49-F238E27FC236}">
+                <a16:creationId xmlns:a16="http://schemas.microsoft.com/office/drawing/2014/main" id="{61155A22-00FF-3CCA-D201-2D0CEB150241}"/>
+              </a:ext>
+            </a:extLst>
+          </p:cNvPr>
+          <p:cNvSpPr>
+            <a:spLocks noGrp="1"/>
+          </p:cNvSpPr>
+          <p:nvPr>
+            <p:ph type="dt" sz="half" idx="10"/>
+          </p:nvPr>
+        </p:nvSpPr>
+        <p:spPr/>
+        <p:txBody>
+          <a:bodyPr/>
+          <a:lstStyle/>
+          <a:p>
+            <a:fld id="{D960D7A0-95E9-4E80-AEE1-2416C3BC5BFF}" type="datetime1">
+              <a:rPr kumimoji="1" lang="ja-JP" altLang="en-US" smtClean="0"/>
+              <a:t>2024/6/27</a:t>
+            </a:fld>
+            <a:endParaRPr kumimoji="1" lang="ja-JP" altLang="en-US"/>
+          </a:p>
+        </p:txBody>
+      </p:sp>
+      <p:sp>
+        <p:nvSpPr>
+          <p:cNvPr id="4" name="スライド番号プレースホルダー 3">
+            <a:extLst>
+              <a:ext uri="{FF2B5EF4-FFF2-40B4-BE49-F238E27FC236}">
+                <a16:creationId xmlns:a16="http://schemas.microsoft.com/office/drawing/2014/main" id="{6100F0C3-DD09-0D7A-850B-ED1DFAC15423}"/>
+              </a:ext>
+            </a:extLst>
+          </p:cNvPr>
+          <p:cNvSpPr>
+            <a:spLocks noGrp="1"/>
+          </p:cNvSpPr>
+          <p:nvPr>
+            <p:ph type="sldNum" sz="quarter" idx="12"/>
+          </p:nvPr>
+        </p:nvSpPr>
+        <p:spPr/>
+        <p:txBody>
+          <a:bodyPr/>
+          <a:lstStyle/>
+          <a:p>
+            <a:fld id="{6294761A-CFE9-4878-87A7-90ECABD59CE5}" type="slidenum">
+              <a:rPr kumimoji="1" lang="ja-JP" altLang="en-US" smtClean="0"/>
+              <a:t>9</a:t>
+            </a:fld>
+            <a:endParaRPr kumimoji="1" lang="ja-JP" altLang="en-US"/>
+          </a:p>
+        </p:txBody>
+      </p:sp>
+      <p:sp>
+        <p:nvSpPr>
+          <p:cNvPr id="5" name="フッター プレースホルダー 4">
+            <a:extLst>
+              <a:ext uri="{FF2B5EF4-FFF2-40B4-BE49-F238E27FC236}">
+                <a16:creationId xmlns:a16="http://schemas.microsoft.com/office/drawing/2014/main" id="{411392C7-7EB4-71ED-BE5A-9D5759FB570B}"/>
+              </a:ext>
+            </a:extLst>
+          </p:cNvPr>
+          <p:cNvSpPr>
+            <a:spLocks noGrp="1"/>
+          </p:cNvSpPr>
+          <p:nvPr>
+            <p:ph type="ftr" sz="quarter" idx="3"/>
+          </p:nvPr>
+        </p:nvSpPr>
+        <p:spPr/>
+        <p:txBody>
+          <a:bodyPr/>
+          <a:lstStyle/>
+          <a:p>
+            <a:r>
+              <a:rPr lang="en-US" altLang="ja-JP"/>
+              <a:t>Wave Signal Processing Circuit Laboratory,  Meiji University</a:t>
+            </a:r>
+            <a:endParaRPr lang="en-US" altLang="ja-JP" dirty="0"/>
+          </a:p>
+        </p:txBody>
+      </p:sp>
+      <p:pic>
+        <p:nvPicPr>
+          <p:cNvPr id="7" name="図 6" descr="グラフ&#10;&#10;自動的に生成された説明">
+            <a:extLst>
+              <a:ext uri="{FF2B5EF4-FFF2-40B4-BE49-F238E27FC236}">
+                <a16:creationId xmlns:a16="http://schemas.microsoft.com/office/drawing/2014/main" id="{16B6C74D-3014-0435-E351-49FC09D98C10}"/>
+              </a:ext>
+            </a:extLst>
+          </p:cNvPr>
+          <p:cNvPicPr>
+            <a:picLocks noChangeAspect="1"/>
+          </p:cNvPicPr>
+          <p:nvPr/>
+        </p:nvPicPr>
+        <p:blipFill rotWithShape="1">
+          <a:blip r:embed="rId2">
+            <a:extLst>
+              <a:ext uri="{28A0092B-C50C-407E-A947-70E740481C1C}">
+                <a14:useLocalDpi xmlns:a14="http://schemas.microsoft.com/office/drawing/2010/main" val="0"/>
+              </a:ext>
+            </a:extLst>
+          </a:blip>
+          <a:srcRect r="10910"/>
+          <a:stretch/>
+        </p:blipFill>
+        <p:spPr>
+          <a:xfrm>
+            <a:off x="5628653" y="1292684"/>
+            <a:ext cx="6296128" cy="4946966"/>
+          </a:xfrm>
+          <a:prstGeom prst="rect">
+            <a:avLst/>
+          </a:prstGeom>
+        </p:spPr>
+      </p:pic>
+      <p:pic>
+        <p:nvPicPr>
+          <p:cNvPr id="9" name="図 8" descr="グラフィカル ユーザー インターフェイス, アプリケーション&#10;&#10;自動的に生成された説明">
+            <a:extLst>
+              <a:ext uri="{FF2B5EF4-FFF2-40B4-BE49-F238E27FC236}">
+                <a16:creationId xmlns:a16="http://schemas.microsoft.com/office/drawing/2014/main" id="{132C630B-D966-06A7-089A-000DB3D067F2}"/>
+              </a:ext>
+            </a:extLst>
+          </p:cNvPr>
+          <p:cNvPicPr>
+            <a:picLocks noChangeAspect="1"/>
+          </p:cNvPicPr>
+          <p:nvPr/>
+        </p:nvPicPr>
+        <p:blipFill>
+          <a:blip r:embed="rId3">
+            <a:extLst>
+              <a:ext uri="{28A0092B-C50C-407E-A947-70E740481C1C}">
+                <a14:useLocalDpi xmlns:a14="http://schemas.microsoft.com/office/drawing/2010/main" val="0"/>
+              </a:ext>
+            </a:extLst>
+          </a:blip>
+          <a:stretch>
+            <a:fillRect/>
+          </a:stretch>
+        </p:blipFill>
+        <p:spPr>
+          <a:xfrm>
+            <a:off x="370853" y="1399477"/>
+            <a:ext cx="4297689" cy="2642621"/>
+          </a:xfrm>
+          <a:prstGeom prst="rect">
+            <a:avLst/>
+          </a:prstGeom>
+        </p:spPr>
+      </p:pic>
+      <mc:AlternateContent xmlns:mc="http://schemas.openxmlformats.org/markup-compatibility/2006">
+        <mc:Choice xmlns:a14="http://schemas.microsoft.com/office/drawing/2010/main" Requires="a14">
+          <p:sp>
+            <p:nvSpPr>
+              <p:cNvPr id="10" name="テキスト ボックス 9">
+                <a:extLst>
+                  <a:ext uri="{FF2B5EF4-FFF2-40B4-BE49-F238E27FC236}">
+                    <a16:creationId xmlns:a16="http://schemas.microsoft.com/office/drawing/2014/main" id="{DB7C273E-BE42-B2BB-AF7E-44961BF895CC}"/>
+                  </a:ext>
+                </a:extLst>
+              </p:cNvPr>
+              <p:cNvSpPr txBox="1"/>
+              <p:nvPr/>
+            </p:nvSpPr>
+            <p:spPr>
+              <a:xfrm>
+                <a:off x="178113" y="4629620"/>
+                <a:ext cx="5827058" cy="1477328"/>
+              </a:xfrm>
+              <a:prstGeom prst="rect">
+                <a:avLst/>
+              </a:prstGeom>
+              <a:noFill/>
+            </p:spPr>
+            <p:txBody>
+              <a:bodyPr wrap="square" rtlCol="0">
+                <a:spAutoFit/>
+              </a:bodyPr>
+              <a:lstStyle/>
+              <a:p>
+                <a14:m>
+                  <m:oMath xmlns:m="http://schemas.openxmlformats.org/officeDocument/2006/math">
+                    <m:r>
+                      <a:rPr kumimoji="1" lang="en-US" altLang="ja-JP" b="0" i="1" smtClean="0">
+                        <a:latin typeface="Cambria Math" panose="02040503050406030204" pitchFamily="18" charset="0"/>
+                      </a:rPr>
+                      <m:t>𝐿</m:t>
+                    </m:r>
+                    <m:r>
+                      <a:rPr kumimoji="1" lang="en-US" altLang="ja-JP" b="0" i="1" smtClean="0">
+                        <a:latin typeface="Cambria Math" panose="02040503050406030204" pitchFamily="18" charset="0"/>
+                      </a:rPr>
+                      <m:t>=330 </m:t>
+                    </m:r>
+                    <m:r>
+                      <m:rPr>
+                        <m:sty m:val="p"/>
+                      </m:rPr>
+                      <a:rPr kumimoji="1" lang="en-US" altLang="ja-JP" b="0" i="0" smtClean="0">
+                        <a:latin typeface="Cambria Math" panose="02040503050406030204" pitchFamily="18" charset="0"/>
+                      </a:rPr>
+                      <m:t>nm</m:t>
+                    </m:r>
+                    <m:r>
+                      <a:rPr kumimoji="1" lang="en-US" altLang="ja-JP" b="0" i="0" smtClean="0">
+                        <a:latin typeface="Cambria Math" panose="02040503050406030204" pitchFamily="18" charset="0"/>
+                      </a:rPr>
+                      <m:t>, </m:t>
+                    </m:r>
+                    <m:r>
+                      <a:rPr kumimoji="1" lang="en-US" altLang="ja-JP" b="0" i="1" smtClean="0">
+                        <a:latin typeface="Cambria Math" panose="02040503050406030204" pitchFamily="18" charset="0"/>
+                      </a:rPr>
+                      <m:t>𝑛𝑔</m:t>
+                    </m:r>
+                    <m:r>
+                      <a:rPr kumimoji="1" lang="en-US" altLang="ja-JP" b="0" i="0" smtClean="0">
+                        <a:latin typeface="Cambria Math" panose="02040503050406030204" pitchFamily="18" charset="0"/>
+                      </a:rPr>
+                      <m:t>=32</m:t>
+                    </m:r>
+                  </m:oMath>
+                </a14:m>
+                <a:r>
+                  <a:rPr kumimoji="1" lang="ja-JP" altLang="en-US" dirty="0"/>
+                  <a:t>で</a:t>
+                </a:r>
+                <a:endParaRPr kumimoji="1" lang="en-US" altLang="ja-JP" dirty="0"/>
+              </a:p>
+              <a:p>
+                <a14:m>
+                  <m:oMath xmlns:m="http://schemas.openxmlformats.org/officeDocument/2006/math">
+                    <m:sSub>
+                      <m:sSubPr>
+                        <m:ctrlPr>
+                          <a:rPr kumimoji="1" lang="en-US" altLang="ja-JP" b="0" i="1" smtClean="0">
+                            <a:latin typeface="Cambria Math" panose="02040503050406030204" pitchFamily="18" charset="0"/>
+                          </a:rPr>
+                        </m:ctrlPr>
+                      </m:sSubPr>
+                      <m:e>
+                        <m:r>
+                          <a:rPr kumimoji="1" lang="en-US" altLang="ja-JP" b="0" i="1" smtClean="0">
+                            <a:latin typeface="Cambria Math" panose="02040503050406030204" pitchFamily="18" charset="0"/>
+                          </a:rPr>
+                          <m:t>𝑣</m:t>
+                        </m:r>
+                      </m:e>
+                      <m:sub>
+                        <m:r>
+                          <a:rPr kumimoji="1" lang="en-US" altLang="ja-JP" b="0" i="1" smtClean="0">
+                            <a:latin typeface="Cambria Math" panose="02040503050406030204" pitchFamily="18" charset="0"/>
+                          </a:rPr>
+                          <m:t>𝑖𝑛</m:t>
+                        </m:r>
+                      </m:sub>
+                    </m:sSub>
+                    <m:r>
+                      <a:rPr kumimoji="1" lang="en-US" altLang="ja-JP" b="0" i="1" smtClean="0">
+                        <a:latin typeface="Cambria Math" panose="02040503050406030204" pitchFamily="18" charset="0"/>
+                      </a:rPr>
+                      <m:t>=0 </m:t>
+                    </m:r>
+                    <m:r>
+                      <m:rPr>
+                        <m:sty m:val="p"/>
+                      </m:rPr>
+                      <a:rPr kumimoji="1" lang="en-US" altLang="ja-JP" b="0" i="0" smtClean="0">
+                        <a:latin typeface="Cambria Math" panose="02040503050406030204" pitchFamily="18" charset="0"/>
+                      </a:rPr>
+                      <m:t>V</m:t>
+                    </m:r>
+                  </m:oMath>
+                </a14:m>
+                <a:r>
+                  <a:rPr kumimoji="1" lang="ja-JP" altLang="en-US" dirty="0"/>
+                  <a:t>の時に</a:t>
+                </a:r>
+                <a14:m>
+                  <m:oMath xmlns:m="http://schemas.openxmlformats.org/officeDocument/2006/math">
+                    <m:sSub>
+                      <m:sSubPr>
+                        <m:ctrlPr>
+                          <a:rPr kumimoji="1" lang="en-US" altLang="ja-JP" b="0" i="1" smtClean="0">
+                            <a:latin typeface="Cambria Math" panose="02040503050406030204" pitchFamily="18" charset="0"/>
+                          </a:rPr>
+                        </m:ctrlPr>
+                      </m:sSubPr>
+                      <m:e>
+                        <m:r>
+                          <a:rPr kumimoji="1" lang="en-US" altLang="ja-JP" b="0" i="1" smtClean="0">
+                            <a:latin typeface="Cambria Math" panose="02040503050406030204" pitchFamily="18" charset="0"/>
+                          </a:rPr>
+                          <m:t>𝑔</m:t>
+                        </m:r>
+                      </m:e>
+                      <m:sub>
+                        <m:r>
+                          <a:rPr kumimoji="1" lang="en-US" altLang="ja-JP" b="0" i="1" smtClean="0">
+                            <a:latin typeface="Cambria Math" panose="02040503050406030204" pitchFamily="18" charset="0"/>
+                          </a:rPr>
+                          <m:t>𝑚</m:t>
+                        </m:r>
+                      </m:sub>
+                    </m:sSub>
+                    <m:r>
+                      <a:rPr kumimoji="1" lang="en-US" altLang="ja-JP" b="0" i="1" smtClean="0">
+                        <a:latin typeface="Cambria Math" panose="02040503050406030204" pitchFamily="18" charset="0"/>
+                      </a:rPr>
+                      <m:t>=20 </m:t>
+                    </m:r>
+                    <m:r>
+                      <m:rPr>
+                        <m:sty m:val="p"/>
+                      </m:rPr>
+                      <a:rPr kumimoji="1" lang="en-US" altLang="ja-JP" b="0" i="0" smtClean="0">
+                        <a:latin typeface="Cambria Math" panose="02040503050406030204" pitchFamily="18" charset="0"/>
+                      </a:rPr>
+                      <m:t>mS</m:t>
+                    </m:r>
+                  </m:oMath>
+                </a14:m>
+                <a:r>
+                  <a:rPr kumimoji="1" lang="ja-JP" altLang="en-US" dirty="0"/>
+                  <a:t>になるよう</a:t>
+                </a:r>
+                <a14:m>
+                  <m:oMath xmlns:m="http://schemas.openxmlformats.org/officeDocument/2006/math">
+                    <m:r>
+                      <a:rPr kumimoji="1" lang="en-US" altLang="ja-JP" b="0" i="1" smtClean="0">
+                        <a:latin typeface="Cambria Math" panose="02040503050406030204" pitchFamily="18" charset="0"/>
+                      </a:rPr>
+                      <m:t>𝑊</m:t>
+                    </m:r>
+                  </m:oMath>
+                </a14:m>
+                <a:r>
+                  <a:rPr kumimoji="1" lang="ja-JP" altLang="en-US" dirty="0"/>
+                  <a:t>を調整した。</a:t>
+                </a:r>
+                <a:endParaRPr kumimoji="1" lang="en-US" altLang="ja-JP" dirty="0"/>
+              </a:p>
+              <a:p>
+                <a:endParaRPr lang="en-US" altLang="ja-JP" dirty="0"/>
+              </a:p>
+              <a:p>
+                <a:r>
+                  <a:rPr lang="ja-JP" altLang="en-US" dirty="0"/>
+                  <a:t>このままでは</a:t>
+                </a:r>
+                <a:r>
+                  <a:rPr lang="en-US" altLang="ja-JP" dirty="0" err="1"/>
+                  <a:t>bjt</a:t>
+                </a:r>
+                <a:r>
+                  <a:rPr lang="ja-JP" altLang="en-US" dirty="0"/>
+                  <a:t>にせよ</a:t>
+                </a:r>
+                <a:r>
+                  <a:rPr lang="en-US" altLang="ja-JP" dirty="0" err="1"/>
+                  <a:t>nmos</a:t>
+                </a:r>
+                <a:r>
+                  <a:rPr lang="ja-JP" altLang="en-US" dirty="0"/>
+                  <a:t>にせよ乗算回路の出力によって</a:t>
+                </a:r>
+                <a14:m>
+                  <m:oMath xmlns:m="http://schemas.openxmlformats.org/officeDocument/2006/math">
+                    <m:sSub>
+                      <m:sSubPr>
+                        <m:ctrlPr>
+                          <a:rPr lang="en-US" altLang="ja-JP" b="0" i="1" smtClean="0">
+                            <a:latin typeface="Cambria Math" panose="02040503050406030204" pitchFamily="18" charset="0"/>
+                          </a:rPr>
+                        </m:ctrlPr>
+                      </m:sSubPr>
+                      <m:e>
+                        <m:r>
+                          <a:rPr lang="en-US" altLang="ja-JP" b="0" i="1" smtClean="0">
+                            <a:latin typeface="Cambria Math" panose="02040503050406030204" pitchFamily="18" charset="0"/>
+                          </a:rPr>
+                          <m:t>𝑔</m:t>
+                        </m:r>
+                      </m:e>
+                      <m:sub>
+                        <m:r>
+                          <a:rPr lang="en-US" altLang="ja-JP" b="0" i="1" smtClean="0">
+                            <a:latin typeface="Cambria Math" panose="02040503050406030204" pitchFamily="18" charset="0"/>
+                          </a:rPr>
+                          <m:t>𝑚</m:t>
+                        </m:r>
+                      </m:sub>
+                    </m:sSub>
+                  </m:oMath>
+                </a14:m>
+                <a:r>
+                  <a:rPr lang="ja-JP" altLang="en-US" dirty="0"/>
+                  <a:t>がかなり変動するため出力が歪みやすい。</a:t>
+                </a:r>
+                <a:endParaRPr lang="en-US" altLang="ja-JP" dirty="0"/>
+              </a:p>
+            </p:txBody>
+          </p:sp>
+        </mc:Choice>
+        <mc:Fallback>
+          <p:sp>
+            <p:nvSpPr>
+              <p:cNvPr id="10" name="テキスト ボックス 9">
+                <a:extLst>
+                  <a:ext uri="{FF2B5EF4-FFF2-40B4-BE49-F238E27FC236}">
+                    <a16:creationId xmlns:a16="http://schemas.microsoft.com/office/drawing/2014/main" id="{DB7C273E-BE42-B2BB-AF7E-44961BF895CC}"/>
+                  </a:ext>
+                </a:extLst>
+              </p:cNvPr>
+              <p:cNvSpPr txBox="1">
+                <a:spLocks noRot="1" noChangeAspect="1" noMove="1" noResize="1" noEditPoints="1" noAdjustHandles="1" noChangeArrowheads="1" noChangeShapeType="1" noTextEdit="1"/>
+              </p:cNvSpPr>
+              <p:nvPr/>
+            </p:nvSpPr>
+            <p:spPr>
+              <a:xfrm>
+                <a:off x="178113" y="4629620"/>
+                <a:ext cx="5827058" cy="1477328"/>
+              </a:xfrm>
+              <a:prstGeom prst="rect">
+                <a:avLst/>
+              </a:prstGeom>
+              <a:blipFill>
+                <a:blip r:embed="rId4"/>
+                <a:stretch>
+                  <a:fillRect l="-837" t="-1646" b="-5761"/>
+                </a:stretch>
+              </a:blipFill>
+            </p:spPr>
+            <p:txBody>
+              <a:bodyPr/>
+              <a:lstStyle/>
+              <a:p>
+                <a:r>
+                  <a:rPr lang="ja-JP" altLang="en-US">
+                    <a:noFill/>
+                  </a:rPr>
+                  <a:t> </a:t>
+                </a:r>
+              </a:p>
+            </p:txBody>
+          </p:sp>
+        </mc:Fallback>
+      </mc:AlternateContent>
+    </p:spTree>
+    <p:extLst>
+      <p:ext uri="{BB962C8B-B14F-4D97-AF65-F5344CB8AC3E}">
+        <p14:creationId xmlns:p14="http://schemas.microsoft.com/office/powerpoint/2010/main" val="4228050307"/>
       </p:ext>
     </p:extLst>
   </p:cSld>

--- a/IHP_2024/20240628/プレゼンテーション2.pptx
+++ b/IHP_2024/20240628/プレゼンテーション2.pptx
@@ -5,7 +5,7 @@
     <p:sldMasterId id="2147483648" r:id="rId1"/>
   </p:sldMasterIdLst>
   <p:notesMasterIdLst>
-    <p:notesMasterId r:id="rId11"/>
+    <p:notesMasterId r:id="rId13"/>
   </p:notesMasterIdLst>
   <p:sldIdLst>
     <p:sldId id="256" r:id="rId2"/>
@@ -17,6 +17,8 @@
     <p:sldId id="262" r:id="rId8"/>
     <p:sldId id="263" r:id="rId9"/>
     <p:sldId id="264" r:id="rId10"/>
+    <p:sldId id="265" r:id="rId11"/>
+    <p:sldId id="266" r:id="rId12"/>
   </p:sldIdLst>
   <p:sldSz cx="12192000" cy="6858000"/>
   <p:notesSz cx="6858000" cy="9144000"/>
@@ -205,7 +207,7 @@
           <a:p>
             <a:fld id="{F8456487-DC86-474A-B4EE-F658698A396D}" type="datetimeFigureOut">
               <a:rPr kumimoji="1" lang="ja-JP" altLang="en-US" smtClean="0"/>
-              <a:t>2024/6/26</a:t>
+              <a:t>2024/6/27</a:t>
             </a:fld>
             <a:endParaRPr kumimoji="1" lang="ja-JP" altLang="en-US"/>
           </a:p>
@@ -662,7 +664,7 @@
           <a:p>
             <a:fld id="{4C0442CF-CD45-410F-900D-B06704BF6C90}" type="datetime1">
               <a:rPr kumimoji="1" lang="ja-JP" altLang="en-US" smtClean="0"/>
-              <a:t>2024/6/26</a:t>
+              <a:t>2024/6/27</a:t>
             </a:fld>
             <a:endParaRPr kumimoji="1" lang="ja-JP" altLang="en-US"/>
           </a:p>
@@ -978,7 +980,7 @@
           <a:p>
             <a:fld id="{802B0828-AE1D-42CB-9A09-03366CD2626D}" type="datetime1">
               <a:rPr kumimoji="1" lang="ja-JP" altLang="en-US" smtClean="0"/>
-              <a:t>2024/6/26</a:t>
+              <a:t>2024/6/27</a:t>
             </a:fld>
             <a:endParaRPr kumimoji="1" lang="ja-JP" altLang="en-US"/>
           </a:p>
@@ -1237,7 +1239,7 @@
           <a:p>
             <a:fld id="{DBDB4898-A77B-4B71-A5F2-60FD53D81565}" type="datetime1">
               <a:rPr kumimoji="1" lang="ja-JP" altLang="en-US" smtClean="0"/>
-              <a:t>2024/6/26</a:t>
+              <a:t>2024/6/27</a:t>
             </a:fld>
             <a:endParaRPr kumimoji="1" lang="ja-JP" altLang="en-US"/>
           </a:p>
@@ -1491,7 +1493,7 @@
           <a:p>
             <a:fld id="{F21E823E-4A8F-4F8D-99D0-5753B75E78B1}" type="datetime1">
               <a:rPr kumimoji="1" lang="ja-JP" altLang="en-US" smtClean="0"/>
-              <a:t>2024/6/26</a:t>
+              <a:t>2024/6/27</a:t>
             </a:fld>
             <a:endParaRPr kumimoji="1" lang="ja-JP" altLang="en-US"/>
           </a:p>
@@ -1863,7 +1865,7 @@
           <a:p>
             <a:fld id="{5367934E-58FB-4511-9666-12A5D53E0F74}" type="datetime1">
               <a:rPr kumimoji="1" lang="ja-JP" altLang="en-US" smtClean="0"/>
-              <a:t>2024/6/26</a:t>
+              <a:t>2024/6/27</a:t>
             </a:fld>
             <a:endParaRPr kumimoji="1" lang="ja-JP" altLang="en-US"/>
           </a:p>
@@ -2211,7 +2213,7 @@
           <a:p>
             <a:fld id="{8484A307-6848-4705-A236-7BA58849FDD0}" type="datetime1">
               <a:rPr kumimoji="1" lang="ja-JP" altLang="en-US" smtClean="0"/>
-              <a:t>2024/6/26</a:t>
+              <a:t>2024/6/27</a:t>
             </a:fld>
             <a:endParaRPr kumimoji="1" lang="ja-JP" altLang="en-US"/>
           </a:p>
@@ -2706,7 +2708,7 @@
           <a:p>
             <a:fld id="{9CC0390C-2B75-4759-8339-FF240D97D93F}" type="datetime1">
               <a:rPr kumimoji="1" lang="ja-JP" altLang="en-US" smtClean="0"/>
-              <a:t>2024/6/26</a:t>
+              <a:t>2024/6/27</a:t>
             </a:fld>
             <a:endParaRPr kumimoji="1" lang="ja-JP" altLang="en-US"/>
           </a:p>
@@ -2871,7 +2873,7 @@
           <a:p>
             <a:fld id="{D960D7A0-95E9-4E80-AEE1-2416C3BC5BFF}" type="datetime1">
               <a:rPr kumimoji="1" lang="ja-JP" altLang="en-US" smtClean="0"/>
-              <a:t>2024/6/26</a:t>
+              <a:t>2024/6/27</a:t>
             </a:fld>
             <a:endParaRPr kumimoji="1" lang="ja-JP" altLang="en-US"/>
           </a:p>
@@ -3070,7 +3072,7 @@
           <a:p>
             <a:fld id="{8596BAF5-8095-4F11-95EE-1BA9D667A88E}" type="datetime1">
               <a:rPr kumimoji="1" lang="ja-JP" altLang="en-US" smtClean="0"/>
-              <a:t>2024/6/26</a:t>
+              <a:t>2024/6/27</a:t>
             </a:fld>
             <a:endParaRPr kumimoji="1" lang="ja-JP" altLang="en-US"/>
           </a:p>
@@ -3499,7 +3501,7 @@
           <a:p>
             <a:fld id="{7CAE0A53-1732-44BE-985C-3E9D7CDE6368}" type="datetime1">
               <a:rPr kumimoji="1" lang="ja-JP" altLang="en-US" smtClean="0"/>
-              <a:t>2024/6/26</a:t>
+              <a:t>2024/6/27</a:t>
             </a:fld>
             <a:endParaRPr kumimoji="1" lang="ja-JP" altLang="en-US"/>
           </a:p>
@@ -3809,7 +3811,7 @@
           <a:p>
             <a:fld id="{12B3F8AE-6ACF-42D3-BD0C-E9F840DFABEE}" type="datetime1">
               <a:rPr kumimoji="1" lang="ja-JP" altLang="en-US" smtClean="0"/>
-              <a:t>2024/6/26</a:t>
+              <a:t>2024/6/27</a:t>
             </a:fld>
             <a:endParaRPr kumimoji="1" lang="ja-JP" altLang="en-US"/>
           </a:p>
@@ -4159,7 +4161,7 @@
           <a:p>
             <a:fld id="{14B0ED59-9B55-4884-9B2D-C61E880B635C}" type="datetime1">
               <a:rPr lang="ja-JP" altLang="en-US" smtClean="0"/>
-              <a:t>2024/6/26</a:t>
+              <a:t>2024/6/27</a:t>
             </a:fld>
             <a:endParaRPr lang="ja-JP" altLang="en-US" dirty="0"/>
           </a:p>
@@ -4773,7 +4775,7 @@
           <a:p>
             <a:fld id="{DADC9ED9-85F4-47C6-A7CC-5CD27ABB7CC3}" type="datetime1">
               <a:rPr kumimoji="1" lang="ja-JP" altLang="en-US" smtClean="0"/>
-              <a:t>2024/6/26</a:t>
+              <a:t>2024/6/27</a:t>
             </a:fld>
             <a:endParaRPr kumimoji="1" lang="ja-JP" altLang="en-US"/>
           </a:p>
@@ -4812,6 +4814,514 @@
     <p:extLst>
       <p:ext uri="{BB962C8B-B14F-4D97-AF65-F5344CB8AC3E}">
         <p14:creationId xmlns:p14="http://schemas.microsoft.com/office/powerpoint/2010/main" val="1307137312"/>
+      </p:ext>
+    </p:extLst>
+  </p:cSld>
+  <p:clrMapOvr>
+    <a:masterClrMapping/>
+  </p:clrMapOvr>
+</p:sld>
+</file>
+
+<file path=ppt/slides/slide10.xml><?xml version="1.0" encoding="utf-8"?>
+<p:sld xmlns:a="http://schemas.openxmlformats.org/drawingml/2006/main" xmlns:r="http://schemas.openxmlformats.org/officeDocument/2006/relationships" xmlns:p="http://schemas.openxmlformats.org/presentationml/2006/main">
+  <p:cSld>
+    <p:spTree>
+      <p:nvGrpSpPr>
+        <p:cNvPr id="1" name=""/>
+        <p:cNvGrpSpPr/>
+        <p:nvPr/>
+      </p:nvGrpSpPr>
+      <p:grpSpPr>
+        <a:xfrm>
+          <a:off x="0" y="0"/>
+          <a:ext cx="0" cy="0"/>
+          <a:chOff x="0" y="0"/>
+          <a:chExt cx="0" cy="0"/>
+        </a:xfrm>
+      </p:grpSpPr>
+      <p:sp>
+        <p:nvSpPr>
+          <p:cNvPr id="2" name="タイトル 1">
+            <a:extLst>
+              <a:ext uri="{FF2B5EF4-FFF2-40B4-BE49-F238E27FC236}">
+                <a16:creationId xmlns:a16="http://schemas.microsoft.com/office/drawing/2014/main" id="{154EEC32-5114-3BA8-DC39-5F32031787EE}"/>
+              </a:ext>
+            </a:extLst>
+          </p:cNvPr>
+          <p:cNvSpPr>
+            <a:spLocks noGrp="1"/>
+          </p:cNvSpPr>
+          <p:nvPr>
+            <p:ph type="title"/>
+          </p:nvPr>
+        </p:nvSpPr>
+        <p:spPr/>
+        <p:txBody>
+          <a:bodyPr/>
+          <a:lstStyle/>
+          <a:p>
+            <a:r>
+              <a:rPr kumimoji="1" lang="en-US" altLang="ja-JP" dirty="0"/>
+              <a:t>VBIC</a:t>
+            </a:r>
+            <a:r>
+              <a:rPr kumimoji="1" lang="ja-JP" altLang="en-US" dirty="0"/>
+              <a:t>モデル</a:t>
+            </a:r>
+          </a:p>
+        </p:txBody>
+      </p:sp>
+      <p:sp>
+        <p:nvSpPr>
+          <p:cNvPr id="3" name="日付プレースホルダー 2">
+            <a:extLst>
+              <a:ext uri="{FF2B5EF4-FFF2-40B4-BE49-F238E27FC236}">
+                <a16:creationId xmlns:a16="http://schemas.microsoft.com/office/drawing/2014/main" id="{DC0AD77D-F4ED-608D-8BDC-3239FA30D09E}"/>
+              </a:ext>
+            </a:extLst>
+          </p:cNvPr>
+          <p:cNvSpPr>
+            <a:spLocks noGrp="1"/>
+          </p:cNvSpPr>
+          <p:nvPr>
+            <p:ph type="dt" sz="half" idx="10"/>
+          </p:nvPr>
+        </p:nvSpPr>
+        <p:spPr/>
+        <p:txBody>
+          <a:bodyPr/>
+          <a:lstStyle/>
+          <a:p>
+            <a:fld id="{D960D7A0-95E9-4E80-AEE1-2416C3BC5BFF}" type="datetime1">
+              <a:rPr kumimoji="1" lang="ja-JP" altLang="en-US" smtClean="0"/>
+              <a:t>2024/6/27</a:t>
+            </a:fld>
+            <a:endParaRPr kumimoji="1" lang="ja-JP" altLang="en-US"/>
+          </a:p>
+        </p:txBody>
+      </p:sp>
+      <p:sp>
+        <p:nvSpPr>
+          <p:cNvPr id="4" name="スライド番号プレースホルダー 3">
+            <a:extLst>
+              <a:ext uri="{FF2B5EF4-FFF2-40B4-BE49-F238E27FC236}">
+                <a16:creationId xmlns:a16="http://schemas.microsoft.com/office/drawing/2014/main" id="{C41C4FFB-6A2D-5E61-1FC5-9F0D42ACB949}"/>
+              </a:ext>
+            </a:extLst>
+          </p:cNvPr>
+          <p:cNvSpPr>
+            <a:spLocks noGrp="1"/>
+          </p:cNvSpPr>
+          <p:nvPr>
+            <p:ph type="sldNum" sz="quarter" idx="12"/>
+          </p:nvPr>
+        </p:nvSpPr>
+        <p:spPr/>
+        <p:txBody>
+          <a:bodyPr/>
+          <a:lstStyle/>
+          <a:p>
+            <a:fld id="{6294761A-CFE9-4878-87A7-90ECABD59CE5}" type="slidenum">
+              <a:rPr kumimoji="1" lang="ja-JP" altLang="en-US" smtClean="0"/>
+              <a:t>10</a:t>
+            </a:fld>
+            <a:endParaRPr kumimoji="1" lang="ja-JP" altLang="en-US"/>
+          </a:p>
+        </p:txBody>
+      </p:sp>
+      <p:sp>
+        <p:nvSpPr>
+          <p:cNvPr id="5" name="フッター プレースホルダー 4">
+            <a:extLst>
+              <a:ext uri="{FF2B5EF4-FFF2-40B4-BE49-F238E27FC236}">
+                <a16:creationId xmlns:a16="http://schemas.microsoft.com/office/drawing/2014/main" id="{660AAE39-DBAB-C054-7C8C-1C75963E7D11}"/>
+              </a:ext>
+            </a:extLst>
+          </p:cNvPr>
+          <p:cNvSpPr>
+            <a:spLocks noGrp="1"/>
+          </p:cNvSpPr>
+          <p:nvPr>
+            <p:ph type="ftr" sz="quarter" idx="3"/>
+          </p:nvPr>
+        </p:nvSpPr>
+        <p:spPr/>
+        <p:txBody>
+          <a:bodyPr/>
+          <a:lstStyle/>
+          <a:p>
+            <a:r>
+              <a:rPr lang="en-US" altLang="ja-JP"/>
+              <a:t>Wave Signal Processing Circuit Laboratory,  Meiji University</a:t>
+            </a:r>
+            <a:endParaRPr lang="en-US" altLang="ja-JP" dirty="0"/>
+          </a:p>
+        </p:txBody>
+      </p:sp>
+      <p:sp>
+        <p:nvSpPr>
+          <p:cNvPr id="8" name="テキスト ボックス 7">
+            <a:extLst>
+              <a:ext uri="{FF2B5EF4-FFF2-40B4-BE49-F238E27FC236}">
+                <a16:creationId xmlns:a16="http://schemas.microsoft.com/office/drawing/2014/main" id="{9E96E0FD-E7B3-4507-12F3-BF8936956617}"/>
+              </a:ext>
+            </a:extLst>
+          </p:cNvPr>
+          <p:cNvSpPr txBox="1"/>
+          <p:nvPr/>
+        </p:nvSpPr>
+        <p:spPr>
+          <a:xfrm>
+            <a:off x="944783" y="2828835"/>
+            <a:ext cx="5466963" cy="1200329"/>
+          </a:xfrm>
+          <a:prstGeom prst="rect">
+            <a:avLst/>
+          </a:prstGeom>
+          <a:noFill/>
+        </p:spPr>
+        <p:txBody>
+          <a:bodyPr wrap="square" rtlCol="0">
+            <a:spAutoFit/>
+          </a:bodyPr>
+          <a:lstStyle/>
+          <a:p>
+            <a:r>
+              <a:rPr lang="en-US" altLang="ja-JP" dirty="0" err="1">
+                <a:latin typeface="Times New Roman" panose="02020603050405020304" pitchFamily="18" charset="0"/>
+                <a:cs typeface="Times New Roman" panose="02020603050405020304" pitchFamily="18" charset="0"/>
+              </a:rPr>
+              <a:t>bjt</a:t>
+            </a:r>
+            <a:r>
+              <a:rPr lang="ja-JP" altLang="en-US" dirty="0">
+                <a:latin typeface="Times New Roman" panose="02020603050405020304" pitchFamily="18" charset="0"/>
+                <a:cs typeface="Times New Roman" panose="02020603050405020304" pitchFamily="18" charset="0"/>
+              </a:rPr>
+              <a:t>には</a:t>
+            </a:r>
+            <a:r>
+              <a:rPr lang="en-US" altLang="ja-JP" dirty="0">
+                <a:latin typeface="Times New Roman" panose="02020603050405020304" pitchFamily="18" charset="0"/>
+                <a:cs typeface="Times New Roman" panose="02020603050405020304" pitchFamily="18" charset="0"/>
+              </a:rPr>
+              <a:t>VBIC(Vertical Bipolar Intercompany Model)</a:t>
+            </a:r>
+          </a:p>
+          <a:p>
+            <a:r>
+              <a:rPr lang="ja-JP" altLang="en-US" dirty="0">
+                <a:latin typeface="Times New Roman" panose="02020603050405020304" pitchFamily="18" charset="0"/>
+                <a:cs typeface="Times New Roman" panose="02020603050405020304" pitchFamily="18" charset="0"/>
+              </a:rPr>
+              <a:t>の</a:t>
+            </a:r>
+            <a:r>
+              <a:rPr lang="en-US" altLang="ja-JP" dirty="0">
+                <a:latin typeface="Times New Roman" panose="02020603050405020304" pitchFamily="18" charset="0"/>
+                <a:cs typeface="Times New Roman" panose="02020603050405020304" pitchFamily="18" charset="0"/>
+              </a:rPr>
+              <a:t>rev 1.15</a:t>
+            </a:r>
+            <a:r>
+              <a:rPr lang="ja-JP" altLang="en-US" dirty="0">
+                <a:latin typeface="Times New Roman" panose="02020603050405020304" pitchFamily="18" charset="0"/>
+                <a:cs typeface="Times New Roman" panose="02020603050405020304" pitchFamily="18" charset="0"/>
+              </a:rPr>
+              <a:t>を使用しているらしい。</a:t>
+            </a:r>
+            <a:endParaRPr lang="en-US" altLang="ja-JP" dirty="0">
+              <a:latin typeface="Times New Roman" panose="02020603050405020304" pitchFamily="18" charset="0"/>
+              <a:cs typeface="Times New Roman" panose="02020603050405020304" pitchFamily="18" charset="0"/>
+            </a:endParaRPr>
+          </a:p>
+          <a:p>
+            <a:endParaRPr lang="en-US" altLang="ja-JP" dirty="0">
+              <a:latin typeface="Times New Roman" panose="02020603050405020304" pitchFamily="18" charset="0"/>
+              <a:cs typeface="Times New Roman" panose="02020603050405020304" pitchFamily="18" charset="0"/>
+            </a:endParaRPr>
+          </a:p>
+          <a:p>
+            <a:r>
+              <a:rPr lang="ja-JP" altLang="en-US" dirty="0">
+                <a:latin typeface="Times New Roman" panose="02020603050405020304" pitchFamily="18" charset="0"/>
+                <a:cs typeface="Times New Roman" panose="02020603050405020304" pitchFamily="18" charset="0"/>
+              </a:rPr>
+              <a:t>右の図は</a:t>
+            </a:r>
+            <a:r>
+              <a:rPr lang="en-US" altLang="ja-JP" dirty="0">
+                <a:latin typeface="Times New Roman" panose="02020603050405020304" pitchFamily="18" charset="0"/>
+                <a:cs typeface="Times New Roman" panose="02020603050405020304" pitchFamily="18" charset="0"/>
+              </a:rPr>
+              <a:t>VBIC</a:t>
+            </a:r>
+            <a:r>
+              <a:rPr lang="ja-JP" altLang="en-US" dirty="0">
+                <a:latin typeface="Times New Roman" panose="02020603050405020304" pitchFamily="18" charset="0"/>
+                <a:cs typeface="Times New Roman" panose="02020603050405020304" pitchFamily="18" charset="0"/>
+              </a:rPr>
+              <a:t>モデルの等価回路。</a:t>
+            </a:r>
+            <a:endParaRPr lang="en-US" altLang="ja-JP" dirty="0">
+              <a:latin typeface="Times New Roman" panose="02020603050405020304" pitchFamily="18" charset="0"/>
+              <a:cs typeface="Times New Roman" panose="02020603050405020304" pitchFamily="18" charset="0"/>
+            </a:endParaRPr>
+          </a:p>
+        </p:txBody>
+      </p:sp>
+      <p:pic>
+        <p:nvPicPr>
+          <p:cNvPr id="10" name="図 9" descr="ダイアグラム&#10;&#10;自動的に生成された説明">
+            <a:extLst>
+              <a:ext uri="{FF2B5EF4-FFF2-40B4-BE49-F238E27FC236}">
+                <a16:creationId xmlns:a16="http://schemas.microsoft.com/office/drawing/2014/main" id="{A98541CF-093D-054C-ABFF-62B4D4669FA3}"/>
+              </a:ext>
+            </a:extLst>
+          </p:cNvPr>
+          <p:cNvPicPr>
+            <a:picLocks noChangeAspect="1"/>
+          </p:cNvPicPr>
+          <p:nvPr/>
+        </p:nvPicPr>
+        <p:blipFill>
+          <a:blip r:embed="rId2">
+            <a:extLst>
+              <a:ext uri="{28A0092B-C50C-407E-A947-70E740481C1C}">
+                <a14:useLocalDpi xmlns:a14="http://schemas.microsoft.com/office/drawing/2010/main" val="0"/>
+              </a:ext>
+            </a:extLst>
+          </a:blip>
+          <a:stretch>
+            <a:fillRect/>
+          </a:stretch>
+        </p:blipFill>
+        <p:spPr>
+          <a:xfrm>
+            <a:off x="7802880" y="1091517"/>
+            <a:ext cx="4235138" cy="5481279"/>
+          </a:xfrm>
+          <a:prstGeom prst="rect">
+            <a:avLst/>
+          </a:prstGeom>
+        </p:spPr>
+      </p:pic>
+    </p:spTree>
+    <p:extLst>
+      <p:ext uri="{BB962C8B-B14F-4D97-AF65-F5344CB8AC3E}">
+        <p14:creationId xmlns:p14="http://schemas.microsoft.com/office/powerpoint/2010/main" val="3865179236"/>
+      </p:ext>
+    </p:extLst>
+  </p:cSld>
+  <p:clrMapOvr>
+    <a:masterClrMapping/>
+  </p:clrMapOvr>
+</p:sld>
+</file>
+
+<file path=ppt/slides/slide11.xml><?xml version="1.0" encoding="utf-8"?>
+<p:sld xmlns:a="http://schemas.openxmlformats.org/drawingml/2006/main" xmlns:r="http://schemas.openxmlformats.org/officeDocument/2006/relationships" xmlns:p="http://schemas.openxmlformats.org/presentationml/2006/main">
+  <p:cSld>
+    <p:spTree>
+      <p:nvGrpSpPr>
+        <p:cNvPr id="1" name=""/>
+        <p:cNvGrpSpPr/>
+        <p:nvPr/>
+      </p:nvGrpSpPr>
+      <p:grpSpPr>
+        <a:xfrm>
+          <a:off x="0" y="0"/>
+          <a:ext cx="0" cy="0"/>
+          <a:chOff x="0" y="0"/>
+          <a:chExt cx="0" cy="0"/>
+        </a:xfrm>
+      </p:grpSpPr>
+      <p:sp>
+        <p:nvSpPr>
+          <p:cNvPr id="2" name="タイトル 1">
+            <a:extLst>
+              <a:ext uri="{FF2B5EF4-FFF2-40B4-BE49-F238E27FC236}">
+                <a16:creationId xmlns:a16="http://schemas.microsoft.com/office/drawing/2014/main" id="{6897123E-3AED-5928-DEBF-C6730AAC5F76}"/>
+              </a:ext>
+            </a:extLst>
+          </p:cNvPr>
+          <p:cNvSpPr>
+            <a:spLocks noGrp="1"/>
+          </p:cNvSpPr>
+          <p:nvPr>
+            <p:ph type="title"/>
+          </p:nvPr>
+        </p:nvSpPr>
+        <p:spPr/>
+        <p:txBody>
+          <a:bodyPr/>
+          <a:lstStyle/>
+          <a:p>
+            <a:r>
+              <a:rPr lang="ja-JP" altLang="en-US" dirty="0"/>
+              <a:t>設計基準類</a:t>
+            </a:r>
+            <a:endParaRPr kumimoji="1" lang="ja-JP" altLang="en-US" dirty="0"/>
+          </a:p>
+        </p:txBody>
+      </p:sp>
+      <p:sp>
+        <p:nvSpPr>
+          <p:cNvPr id="3" name="日付プレースホルダー 2">
+            <a:extLst>
+              <a:ext uri="{FF2B5EF4-FFF2-40B4-BE49-F238E27FC236}">
+                <a16:creationId xmlns:a16="http://schemas.microsoft.com/office/drawing/2014/main" id="{F9AC59D9-DCBE-377F-D710-C945E8C3D90A}"/>
+              </a:ext>
+            </a:extLst>
+          </p:cNvPr>
+          <p:cNvSpPr>
+            <a:spLocks noGrp="1"/>
+          </p:cNvSpPr>
+          <p:nvPr>
+            <p:ph type="dt" sz="half" idx="10"/>
+          </p:nvPr>
+        </p:nvSpPr>
+        <p:spPr/>
+        <p:txBody>
+          <a:bodyPr/>
+          <a:lstStyle/>
+          <a:p>
+            <a:fld id="{D960D7A0-95E9-4E80-AEE1-2416C3BC5BFF}" type="datetime1">
+              <a:rPr kumimoji="1" lang="ja-JP" altLang="en-US" smtClean="0"/>
+              <a:t>2024/6/27</a:t>
+            </a:fld>
+            <a:endParaRPr kumimoji="1" lang="ja-JP" altLang="en-US"/>
+          </a:p>
+        </p:txBody>
+      </p:sp>
+      <p:sp>
+        <p:nvSpPr>
+          <p:cNvPr id="4" name="スライド番号プレースホルダー 3">
+            <a:extLst>
+              <a:ext uri="{FF2B5EF4-FFF2-40B4-BE49-F238E27FC236}">
+                <a16:creationId xmlns:a16="http://schemas.microsoft.com/office/drawing/2014/main" id="{37EA34B9-048D-4F07-B487-851A75D3DDD1}"/>
+              </a:ext>
+            </a:extLst>
+          </p:cNvPr>
+          <p:cNvSpPr>
+            <a:spLocks noGrp="1"/>
+          </p:cNvSpPr>
+          <p:nvPr>
+            <p:ph type="sldNum" sz="quarter" idx="12"/>
+          </p:nvPr>
+        </p:nvSpPr>
+        <p:spPr/>
+        <p:txBody>
+          <a:bodyPr/>
+          <a:lstStyle/>
+          <a:p>
+            <a:fld id="{6294761A-CFE9-4878-87A7-90ECABD59CE5}" type="slidenum">
+              <a:rPr kumimoji="1" lang="ja-JP" altLang="en-US" smtClean="0"/>
+              <a:t>11</a:t>
+            </a:fld>
+            <a:endParaRPr kumimoji="1" lang="ja-JP" altLang="en-US"/>
+          </a:p>
+        </p:txBody>
+      </p:sp>
+      <p:sp>
+        <p:nvSpPr>
+          <p:cNvPr id="5" name="フッター プレースホルダー 4">
+            <a:extLst>
+              <a:ext uri="{FF2B5EF4-FFF2-40B4-BE49-F238E27FC236}">
+                <a16:creationId xmlns:a16="http://schemas.microsoft.com/office/drawing/2014/main" id="{70770B9B-AFBE-5BD4-4584-F2800332A039}"/>
+              </a:ext>
+            </a:extLst>
+          </p:cNvPr>
+          <p:cNvSpPr>
+            <a:spLocks noGrp="1"/>
+          </p:cNvSpPr>
+          <p:nvPr>
+            <p:ph type="ftr" sz="quarter" idx="3"/>
+          </p:nvPr>
+        </p:nvSpPr>
+        <p:spPr/>
+        <p:txBody>
+          <a:bodyPr/>
+          <a:lstStyle/>
+          <a:p>
+            <a:r>
+              <a:rPr lang="en-US" altLang="ja-JP"/>
+              <a:t>Wave Signal Processing Circuit Laboratory,  Meiji University</a:t>
+            </a:r>
+            <a:endParaRPr lang="en-US" altLang="ja-JP" dirty="0"/>
+          </a:p>
+        </p:txBody>
+      </p:sp>
+      <p:sp>
+        <p:nvSpPr>
+          <p:cNvPr id="6" name="テキスト ボックス 5">
+            <a:extLst>
+              <a:ext uri="{FF2B5EF4-FFF2-40B4-BE49-F238E27FC236}">
+                <a16:creationId xmlns:a16="http://schemas.microsoft.com/office/drawing/2014/main" id="{F4209087-51E0-C8AC-F752-A0F462D2DEA0}"/>
+              </a:ext>
+            </a:extLst>
+          </p:cNvPr>
+          <p:cNvSpPr txBox="1"/>
+          <p:nvPr/>
+        </p:nvSpPr>
+        <p:spPr>
+          <a:xfrm>
+            <a:off x="1371600" y="3460950"/>
+            <a:ext cx="9724718" cy="646331"/>
+          </a:xfrm>
+          <a:prstGeom prst="rect">
+            <a:avLst/>
+          </a:prstGeom>
+          <a:noFill/>
+        </p:spPr>
+        <p:txBody>
+          <a:bodyPr wrap="square" rtlCol="0">
+            <a:spAutoFit/>
+          </a:bodyPr>
+          <a:lstStyle/>
+          <a:p>
+            <a:r>
+              <a:rPr kumimoji="1" lang="en-US" altLang="ja-JP" dirty="0"/>
+              <a:t>/opt/</a:t>
+            </a:r>
+            <a:r>
+              <a:rPr kumimoji="1" lang="en-US" altLang="ja-JP" dirty="0" err="1"/>
+              <a:t>eda</a:t>
+            </a:r>
+            <a:r>
+              <a:rPr kumimoji="1" lang="en-US" altLang="ja-JP" dirty="0"/>
+              <a:t>/library/IHP_SG25H5/</a:t>
+            </a:r>
+            <a:r>
+              <a:rPr kumimoji="1" lang="en-US" altLang="ja-JP" dirty="0" err="1"/>
+              <a:t>ProcessDesignKits</a:t>
+            </a:r>
+            <a:r>
+              <a:rPr lang="en-US" altLang="ja-JP" dirty="0"/>
+              <a:t>/SG25H5EPIC_618_rev0.5.2/doc</a:t>
+            </a:r>
+          </a:p>
+          <a:p>
+            <a:r>
+              <a:rPr kumimoji="1" lang="ja-JP" altLang="en-US" dirty="0"/>
+              <a:t>の中に</a:t>
+            </a:r>
+            <a:r>
+              <a:rPr kumimoji="1" lang="en-US" altLang="ja-JP" dirty="0"/>
+              <a:t>ESD</a:t>
+            </a:r>
+            <a:r>
+              <a:rPr kumimoji="1" lang="ja-JP" altLang="en-US" dirty="0"/>
+              <a:t>などのドキュメントがあった。</a:t>
+            </a:r>
+          </a:p>
+        </p:txBody>
+      </p:sp>
+    </p:spTree>
+    <p:extLst>
+      <p:ext uri="{BB962C8B-B14F-4D97-AF65-F5344CB8AC3E}">
+        <p14:creationId xmlns:p14="http://schemas.microsoft.com/office/powerpoint/2010/main" val="3994744047"/>
       </p:ext>
     </p:extLst>
   </p:cSld>
@@ -4898,7 +5408,7 @@
           <a:p>
             <a:fld id="{D960D7A0-95E9-4E80-AEE1-2416C3BC5BFF}" type="datetime1">
               <a:rPr kumimoji="1" lang="ja-JP" altLang="en-US" smtClean="0"/>
-              <a:t>2024/6/26</a:t>
+              <a:t>2024/6/27</a:t>
             </a:fld>
             <a:endParaRPr kumimoji="1" lang="ja-JP" altLang="en-US"/>
           </a:p>
@@ -5206,7 +5716,7 @@
           <a:p>
             <a:fld id="{D960D7A0-95E9-4E80-AEE1-2416C3BC5BFF}" type="datetime1">
               <a:rPr kumimoji="1" lang="ja-JP" altLang="en-US" smtClean="0"/>
-              <a:t>2024/6/26</a:t>
+              <a:t>2024/6/27</a:t>
             </a:fld>
             <a:endParaRPr kumimoji="1" lang="ja-JP" altLang="en-US"/>
           </a:p>
@@ -5983,7 +6493,7 @@
           <a:p>
             <a:fld id="{D960D7A0-95E9-4E80-AEE1-2416C3BC5BFF}" type="datetime1">
               <a:rPr kumimoji="1" lang="ja-JP" altLang="en-US" smtClean="0"/>
-              <a:t>2024/6/26</a:t>
+              <a:t>2024/6/27</a:t>
             </a:fld>
             <a:endParaRPr kumimoji="1" lang="ja-JP" altLang="en-US"/>
           </a:p>
@@ -6705,7 +7215,7 @@
           <a:p>
             <a:fld id="{D960D7A0-95E9-4E80-AEE1-2416C3BC5BFF}" type="datetime1">
               <a:rPr kumimoji="1" lang="ja-JP" altLang="en-US" smtClean="0"/>
-              <a:t>2024/6/26</a:t>
+              <a:t>2024/6/27</a:t>
             </a:fld>
             <a:endParaRPr kumimoji="1" lang="ja-JP" altLang="en-US"/>
           </a:p>
@@ -7808,7 +8318,7 @@
           <a:p>
             <a:fld id="{D960D7A0-95E9-4E80-AEE1-2416C3BC5BFF}" type="datetime1">
               <a:rPr kumimoji="1" lang="ja-JP" altLang="en-US" smtClean="0"/>
-              <a:t>2024/6/26</a:t>
+              <a:t>2024/6/27</a:t>
             </a:fld>
             <a:endParaRPr kumimoji="1" lang="ja-JP" altLang="en-US"/>
           </a:p>
@@ -8032,7 +8542,7 @@
           <a:p>
             <a:fld id="{D960D7A0-95E9-4E80-AEE1-2416C3BC5BFF}" type="datetime1">
               <a:rPr kumimoji="1" lang="ja-JP" altLang="en-US" smtClean="0"/>
-              <a:t>2024/6/26</a:t>
+              <a:t>2024/6/27</a:t>
             </a:fld>
             <a:endParaRPr kumimoji="1" lang="ja-JP" altLang="en-US"/>
           </a:p>
@@ -8112,8 +8622,8 @@
             </p:nvSpPr>
             <p:spPr>
               <a:xfrm>
-                <a:off x="1872143" y="2553233"/>
-                <a:ext cx="8447714" cy="2461764"/>
+                <a:off x="1029748" y="2553233"/>
+                <a:ext cx="10132503" cy="2461764"/>
               </a:xfrm>
               <a:prstGeom prst="rect">
                 <a:avLst/>
@@ -8989,93 +9499,64 @@
               <a:p>
                 <a:r>
                   <a:rPr lang="ja-JP" altLang="en-US" dirty="0"/>
-                  <a:t>であり、設計可能なのはこのうちの</a:t>
+                  <a:t>であり、</a:t>
                 </a:r>
-                <a:r>
-                  <a:rPr lang="en-US" altLang="ja-JP" dirty="0"/>
-                  <a:t>2</a:t>
-                </a:r>
-                <a:r>
-                  <a:rPr lang="ja-JP" altLang="en-US" dirty="0"/>
-                  <a:t>つ目と</a:t>
-                </a:r>
-                <a:r>
-                  <a:rPr lang="en-US" altLang="ja-JP" dirty="0"/>
-                  <a:t>3</a:t>
-                </a:r>
-                <a:r>
-                  <a:rPr lang="ja-JP" altLang="en-US" dirty="0"/>
-                  <a:t>つ目。</a:t>
-                </a:r>
-                <a:endParaRPr lang="en-US" altLang="ja-JP" dirty="0"/>
-              </a:p>
-              <a:p>
                 <a14:m>
                   <m:oMath xmlns:m="http://schemas.openxmlformats.org/officeDocument/2006/math">
                     <m:sSub>
                       <m:sSubPr>
                         <m:ctrlPr>
-                          <a:rPr kumimoji="1" lang="en-US" altLang="ja-JP" b="0" i="1" smtClean="0">
+                          <a:rPr lang="en-US" altLang="ja-JP" b="0" i="1" smtClean="0">
                             <a:latin typeface="Cambria Math" panose="02040503050406030204" pitchFamily="18" charset="0"/>
                           </a:rPr>
                         </m:ctrlPr>
                       </m:sSubPr>
                       <m:e>
                         <m:r>
-                          <a:rPr kumimoji="1" lang="en-US" altLang="ja-JP" b="0" i="1" smtClean="0">
+                          <a:rPr lang="en-US" altLang="ja-JP" b="0" i="1" smtClean="0">
                             <a:latin typeface="Cambria Math" panose="02040503050406030204" pitchFamily="18" charset="0"/>
                           </a:rPr>
-                          <m:t>𝑅</m:t>
+                          <m:t>𝑔</m:t>
                         </m:r>
                       </m:e>
                       <m:sub>
                         <m:r>
-                          <a:rPr kumimoji="1" lang="en-US" altLang="ja-JP" b="0" i="1" smtClean="0">
+                          <a:rPr lang="en-US" altLang="ja-JP" b="0" i="1" smtClean="0">
                             <a:latin typeface="Cambria Math" panose="02040503050406030204" pitchFamily="18" charset="0"/>
                           </a:rPr>
-                          <m:t>𝐶</m:t>
+                          <m:t>𝑚</m:t>
                         </m:r>
                       </m:sub>
                     </m:sSub>
+                    <m:r>
+                      <a:rPr lang="ja-JP" altLang="en-US" i="1">
+                        <a:latin typeface="Cambria Math" panose="02040503050406030204" pitchFamily="18" charset="0"/>
+                      </a:rPr>
+                      <m:t>を</m:t>
+                    </m:r>
                   </m:oMath>
                 </a14:m>
                 <a:r>
-                  <a:rPr kumimoji="1" lang="ja-JP" altLang="en-US" dirty="0"/>
-                  <a:t>は小さく、</a:t>
+                  <a:rPr lang="ja-JP" altLang="en-US" dirty="0"/>
+                  <a:t>小さくすると伝達インピーダンスが大きく下がるが全体として遮断周波数をあげるためにはこれも小さくしなければならない。単純な</a:t>
                 </a:r>
-                <a14:m>
-                  <m:oMath xmlns:m="http://schemas.openxmlformats.org/officeDocument/2006/math">
-                    <m:sSub>
-                      <m:sSubPr>
-                        <m:ctrlPr>
-                          <a:rPr kumimoji="1" lang="en-US" altLang="ja-JP" b="0" i="1" smtClean="0">
-                            <a:latin typeface="Cambria Math" panose="02040503050406030204" pitchFamily="18" charset="0"/>
-                          </a:rPr>
-                        </m:ctrlPr>
-                      </m:sSubPr>
-                      <m:e>
-                        <m:r>
-                          <a:rPr kumimoji="1" lang="en-US" altLang="ja-JP" b="0" i="1" smtClean="0">
-                            <a:latin typeface="Cambria Math" panose="02040503050406030204" pitchFamily="18" charset="0"/>
-                          </a:rPr>
-                          <m:t>𝑅</m:t>
-                        </m:r>
-                      </m:e>
-                      <m:sub>
-                        <m:r>
-                          <a:rPr kumimoji="1" lang="en-US" altLang="ja-JP" b="0" i="1" smtClean="0">
-                            <a:latin typeface="Cambria Math" panose="02040503050406030204" pitchFamily="18" charset="0"/>
-                          </a:rPr>
-                          <m:t>𝐸</m:t>
-                        </m:r>
-                      </m:sub>
-                    </m:sSub>
-                  </m:oMath>
-                </a14:m>
                 <a:r>
-                  <a:rPr kumimoji="1" lang="ja-JP" altLang="en-US" dirty="0"/>
-                  <a:t>は大きくすると周波数特性を上げられると思われる。</a:t>
+                  <a:rPr lang="en-US" altLang="ja-JP" dirty="0"/>
+                  <a:t>TIA</a:t>
                 </a:r>
+                <a:r>
+                  <a:rPr lang="ja-JP" altLang="en-US" dirty="0"/>
+                  <a:t>の限界は数十</a:t>
+                </a:r>
+                <a:r>
+                  <a:rPr lang="en-US" altLang="ja-JP" dirty="0"/>
+                  <a:t>GHz</a:t>
+                </a:r>
+                <a:r>
+                  <a:rPr lang="ja-JP" altLang="en-US" dirty="0"/>
+                  <a:t>程度だと考えられる。</a:t>
+                </a:r>
+                <a:endParaRPr lang="en-US" altLang="ja-JP" dirty="0"/>
               </a:p>
             </p:txBody>
           </p:sp>
@@ -9097,8 +9578,8 @@
             </p:nvSpPr>
             <p:spPr>
               <a:xfrm>
-                <a:off x="1872143" y="2553233"/>
-                <a:ext cx="8447714" cy="2461764"/>
+                <a:off x="1029748" y="2553233"/>
+                <a:ext cx="10132503" cy="2461764"/>
               </a:xfrm>
               <a:prstGeom prst="rect">
                 <a:avLst/>
@@ -9106,7 +9587,7 @@
               <a:blipFill>
                 <a:blip r:embed="rId2"/>
                 <a:stretch>
-                  <a:fillRect l="-577" t="-1238" b="-3218"/>
+                  <a:fillRect l="-542" t="-1238" r="-241" b="-2970"/>
                 </a:stretch>
               </a:blipFill>
             </p:spPr>
@@ -9349,8 +9830,8 @@
           </a:prstGeom>
         </p:spPr>
       </p:pic>
-      <mc:AlternateContent xmlns:mc="http://schemas.openxmlformats.org/markup-compatibility/2006">
-        <mc:Choice xmlns:a14="http://schemas.microsoft.com/office/drawing/2010/main" Requires="a14">
+      <mc:AlternateContent xmlns:mc="http://schemas.openxmlformats.org/markup-compatibility/2006" xmlns:a14="http://schemas.microsoft.com/office/drawing/2010/main">
+        <mc:Choice Requires="a14">
           <p:sp>
             <p:nvSpPr>
               <p:cNvPr id="8" name="テキスト ボックス 7">
@@ -9584,7 +10065,7 @@
             </p:txBody>
           </p:sp>
         </mc:Choice>
-        <mc:Fallback>
+        <mc:Fallback xmlns="">
           <p:sp>
             <p:nvSpPr>
               <p:cNvPr id="8" name="テキスト ボックス 7">
@@ -9849,8 +10330,8 @@
           </a:prstGeom>
         </p:spPr>
       </p:pic>
-      <mc:AlternateContent xmlns:mc="http://schemas.openxmlformats.org/markup-compatibility/2006">
-        <mc:Choice xmlns:a14="http://schemas.microsoft.com/office/drawing/2010/main" Requires="a14">
+      <mc:AlternateContent xmlns:mc="http://schemas.openxmlformats.org/markup-compatibility/2006" xmlns:a14="http://schemas.microsoft.com/office/drawing/2010/main">
+        <mc:Choice Requires="a14">
           <p:sp>
             <p:nvSpPr>
               <p:cNvPr id="10" name="テキスト ボックス 9">
@@ -10103,7 +10584,7 @@
             </p:txBody>
           </p:sp>
         </mc:Choice>
-        <mc:Fallback>
+        <mc:Fallback xmlns="">
           <p:sp>
             <p:nvSpPr>
               <p:cNvPr id="10" name="テキスト ボックス 9">
